--- a/II-Checkpoint/II-Checkpoint Presentation.pptx
+++ b/II-Checkpoint/II-Checkpoint Presentation.pptx
@@ -5,27 +5,29 @@
     <p:sldMasterId id="2147483648" r:id="rId1"/>
   </p:sldMasterIdLst>
   <p:notesMasterIdLst>
-    <p:notesMasterId r:id="rId17"/>
+    <p:notesMasterId r:id="rId19"/>
   </p:notesMasterIdLst>
   <p:handoutMasterIdLst>
-    <p:handoutMasterId r:id="rId18"/>
+    <p:handoutMasterId r:id="rId20"/>
   </p:handoutMasterIdLst>
   <p:sldIdLst>
     <p:sldId id="256" r:id="rId2"/>
     <p:sldId id="257" r:id="rId3"/>
     <p:sldId id="1096" r:id="rId4"/>
-    <p:sldId id="1097" r:id="rId5"/>
-    <p:sldId id="1098" r:id="rId6"/>
-    <p:sldId id="1105" r:id="rId7"/>
-    <p:sldId id="1099" r:id="rId8"/>
-    <p:sldId id="1100" r:id="rId9"/>
-    <p:sldId id="1106" r:id="rId10"/>
-    <p:sldId id="1107" r:id="rId11"/>
-    <p:sldId id="1101" r:id="rId12"/>
-    <p:sldId id="1102" r:id="rId13"/>
-    <p:sldId id="1108" r:id="rId14"/>
-    <p:sldId id="1103" r:id="rId15"/>
-    <p:sldId id="1104" r:id="rId16"/>
+    <p:sldId id="1109" r:id="rId5"/>
+    <p:sldId id="1097" r:id="rId6"/>
+    <p:sldId id="1098" r:id="rId7"/>
+    <p:sldId id="1105" r:id="rId8"/>
+    <p:sldId id="1110" r:id="rId9"/>
+    <p:sldId id="1099" r:id="rId10"/>
+    <p:sldId id="1100" r:id="rId11"/>
+    <p:sldId id="1106" r:id="rId12"/>
+    <p:sldId id="1107" r:id="rId13"/>
+    <p:sldId id="1101" r:id="rId14"/>
+    <p:sldId id="1102" r:id="rId15"/>
+    <p:sldId id="1108" r:id="rId16"/>
+    <p:sldId id="1103" r:id="rId17"/>
+    <p:sldId id="1104" r:id="rId18"/>
   </p:sldIdLst>
   <p:sldSz cx="9144000" cy="6858000" type="screen4x3"/>
   <p:notesSz cx="6858000" cy="9144000"/>
@@ -126,7 +128,7 @@
   </p:defaultTextStyle>
   <p:extLst>
     <p:ext uri="{EFAFB233-063F-42B5-8137-9DF3F51BA10A}">
-      <p15:sldGuideLst xmlns:p15="http://schemas.microsoft.com/office/powerpoint/2012/main" xmlns="">
+      <p15:sldGuideLst xmlns="" xmlns:p15="http://schemas.microsoft.com/office/powerpoint/2012/main">
         <p15:guide id="1" orient="horz" pos="2160">
           <p15:clr>
             <a:srgbClr val="A4A3A4"/>
@@ -192,7 +194,7 @@
             </a:lvl1pPr>
           </a:lstStyle>
           <a:p>
-            <a:endParaRPr lang="en-US"/>
+            <a:endParaRPr lang="en-US" dirty="0"/>
           </a:p>
         </p:txBody>
       </p:sp>
@@ -225,9 +227,9 @@
           <a:p>
             <a:fld id="{745C36E7-9E00-462E-80A3-32F2BE615C7A}" type="datetimeFigureOut">
               <a:rPr lang="en-US" smtClean="0"/>
-              <a:t>12/10/15</a:t>
+              <a:t>10/20/2016</a:t>
             </a:fld>
-            <a:endParaRPr lang="en-US"/>
+            <a:endParaRPr lang="en-US" dirty="0"/>
           </a:p>
         </p:txBody>
       </p:sp>
@@ -258,7 +260,7 @@
             </a:lvl1pPr>
           </a:lstStyle>
           <a:p>
-            <a:endParaRPr lang="en-US"/>
+            <a:endParaRPr lang="en-US" dirty="0"/>
           </a:p>
         </p:txBody>
       </p:sp>
@@ -293,7 +295,7 @@
               <a:rPr lang="en-US" smtClean="0"/>
               <a:t>‹#›</a:t>
             </a:fld>
-            <a:endParaRPr lang="en-US"/>
+            <a:endParaRPr lang="en-US" dirty="0"/>
           </a:p>
         </p:txBody>
       </p:sp>
@@ -357,7 +359,7 @@
             </a:lvl1pPr>
           </a:lstStyle>
           <a:p>
-            <a:endParaRPr lang="en-US"/>
+            <a:endParaRPr lang="en-US" dirty="0"/>
           </a:p>
         </p:txBody>
       </p:sp>
@@ -391,9 +393,9 @@
             <a:fld id="{01F3E309-ED8D-4193-99AF-E5EA90965E98}" type="datetimeFigureOut">
               <a:rPr lang="en-US" smtClean="0"/>
               <a:pPr/>
-              <a:t>12/10/15</a:t>
+              <a:t>10/20/2016</a:t>
             </a:fld>
-            <a:endParaRPr lang="en-US"/>
+            <a:endParaRPr lang="en-US" dirty="0"/>
           </a:p>
         </p:txBody>
       </p:sp>
@@ -426,7 +428,7 @@
           <a:bodyPr vert="horz" lIns="91440" tIns="45720" rIns="91440" bIns="45720" rtlCol="0" anchor="ctr"/>
           <a:lstStyle/>
           <a:p>
-            <a:endParaRPr lang="en-US"/>
+            <a:endParaRPr lang="en-US" dirty="0"/>
           </a:p>
         </p:txBody>
       </p:sp>
@@ -519,7 +521,7 @@
             </a:lvl1pPr>
           </a:lstStyle>
           <a:p>
-            <a:endParaRPr lang="en-US"/>
+            <a:endParaRPr lang="en-US" dirty="0"/>
           </a:p>
         </p:txBody>
       </p:sp>
@@ -555,7 +557,7 @@
               <a:pPr/>
               <a:t>‹#›</a:t>
             </a:fld>
-            <a:endParaRPr lang="en-US"/>
+            <a:endParaRPr lang="en-US" dirty="0"/>
           </a:p>
         </p:txBody>
       </p:sp>
@@ -730,7 +732,7 @@
               <a:pPr/>
               <a:t>3</a:t>
             </a:fld>
-            <a:endParaRPr lang="en-US"/>
+            <a:endParaRPr lang="en-US" dirty="0"/>
           </a:p>
         </p:txBody>
       </p:sp>
@@ -738,6 +740,91 @@
     <p:extLst>
       <p:ext uri="{BB962C8B-B14F-4D97-AF65-F5344CB8AC3E}">
         <p14:creationId xmlns:p14="http://schemas.microsoft.com/office/powerpoint/2010/main" val="1355792998"/>
+      </p:ext>
+    </p:extLst>
+  </p:cSld>
+  <p:clrMapOvr>
+    <a:masterClrMapping/>
+  </p:clrMapOvr>
+</p:notes>
+</file>
+
+<file path=ppt/notesSlides/notesSlide10.xml><?xml version="1.0" encoding="utf-8"?>
+<p:notes xmlns:a="http://schemas.openxmlformats.org/drawingml/2006/main" xmlns:r="http://schemas.openxmlformats.org/officeDocument/2006/relationships" xmlns:p="http://schemas.openxmlformats.org/presentationml/2006/main">
+  <p:cSld>
+    <p:spTree>
+      <p:nvGrpSpPr>
+        <p:cNvPr id="1" name=""/>
+        <p:cNvGrpSpPr/>
+        <p:nvPr/>
+      </p:nvGrpSpPr>
+      <p:grpSpPr>
+        <a:xfrm>
+          <a:off x="0" y="0"/>
+          <a:ext cx="0" cy="0"/>
+          <a:chOff x="0" y="0"/>
+          <a:chExt cx="0" cy="0"/>
+        </a:xfrm>
+      </p:grpSpPr>
+      <p:sp>
+        <p:nvSpPr>
+          <p:cNvPr id="2" name="Slide Image Placeholder 1"/>
+          <p:cNvSpPr>
+            <a:spLocks noGrp="1" noRot="1" noChangeAspect="1"/>
+          </p:cNvSpPr>
+          <p:nvPr>
+            <p:ph type="sldImg"/>
+          </p:nvPr>
+        </p:nvSpPr>
+        <p:spPr/>
+      </p:sp>
+      <p:sp>
+        <p:nvSpPr>
+          <p:cNvPr id="3" name="Notes Placeholder 2"/>
+          <p:cNvSpPr>
+            <a:spLocks noGrp="1"/>
+          </p:cNvSpPr>
+          <p:nvPr>
+            <p:ph type="body" idx="1"/>
+          </p:nvPr>
+        </p:nvSpPr>
+        <p:spPr/>
+        <p:txBody>
+          <a:bodyPr/>
+          <a:lstStyle/>
+          <a:p>
+            <a:endParaRPr lang="en-US" baseline="0" dirty="0" smtClean="0"/>
+          </a:p>
+        </p:txBody>
+      </p:sp>
+      <p:sp>
+        <p:nvSpPr>
+          <p:cNvPr id="4" name="Slide Number Placeholder 3"/>
+          <p:cNvSpPr>
+            <a:spLocks noGrp="1"/>
+          </p:cNvSpPr>
+          <p:nvPr>
+            <p:ph type="sldNum" sz="quarter" idx="10"/>
+          </p:nvPr>
+        </p:nvSpPr>
+        <p:spPr/>
+        <p:txBody>
+          <a:bodyPr/>
+          <a:lstStyle/>
+          <a:p>
+            <a:fld id="{F535F173-C1DD-4975-94BF-5B9ED67F7674}" type="slidenum">
+              <a:rPr lang="en-US" smtClean="0"/>
+              <a:pPr/>
+              <a:t>17</a:t>
+            </a:fld>
+            <a:endParaRPr lang="en-US" dirty="0"/>
+          </a:p>
+        </p:txBody>
+      </p:sp>
+    </p:spTree>
+    <p:extLst>
+      <p:ext uri="{BB962C8B-B14F-4D97-AF65-F5344CB8AC3E}">
+        <p14:creationId xmlns:p14="http://schemas.microsoft.com/office/powerpoint/2010/main" val="35205596"/>
       </p:ext>
     </p:extLst>
   </p:cSld>
@@ -791,7 +878,56 @@
           <a:bodyPr/>
           <a:lstStyle/>
           <a:p>
-            <a:endParaRPr lang="en-US" baseline="0" dirty="0" smtClean="0"/>
+            <a:pPr marL="0" marR="0" indent="0" algn="l" defTabSz="914400" rtl="0" eaLnBrk="1" fontAlgn="auto" latinLnBrk="0" hangingPunct="1">
+              <a:lnSpc>
+                <a:spcPct val="100000"/>
+              </a:lnSpc>
+              <a:spcBef>
+                <a:spcPts val="0"/>
+              </a:spcBef>
+              <a:spcAft>
+                <a:spcPts val="0"/>
+              </a:spcAft>
+              <a:buClrTx/>
+              <a:buSzTx/>
+              <a:buFontTx/>
+              <a:buNone/>
+              <a:tabLst/>
+              <a:defRPr/>
+            </a:pPr>
+            <a:r>
+              <a:rPr lang="en-GB" sz="1200" b="1" kern="1200" dirty="0" smtClean="0">
+                <a:solidFill>
+                  <a:schemeClr val="tx1"/>
+                </a:solidFill>
+                <a:effectLst/>
+                <a:latin typeface="+mn-lt"/>
+                <a:ea typeface="+mn-ea"/>
+                <a:cs typeface="+mn-cs"/>
+              </a:rPr>
+              <a:t>Note</a:t>
+            </a:r>
+            <a:r>
+              <a:rPr lang="en-GB" sz="1200" kern="1200" dirty="0" smtClean="0">
+                <a:solidFill>
+                  <a:schemeClr val="tx1"/>
+                </a:solidFill>
+                <a:effectLst/>
+                <a:latin typeface="+mn-lt"/>
+                <a:ea typeface="+mn-ea"/>
+                <a:cs typeface="+mn-cs"/>
+              </a:rPr>
+              <a:t>: This file is truncated because it has more than 50 columns/attributes.</a:t>
+            </a:r>
+            <a:endParaRPr lang="pt-PT" sz="1200" kern="1200" dirty="0" smtClean="0">
+              <a:solidFill>
+                <a:schemeClr val="tx1"/>
+              </a:solidFill>
+              <a:effectLst/>
+              <a:latin typeface="+mn-lt"/>
+              <a:ea typeface="+mn-ea"/>
+              <a:cs typeface="+mn-cs"/>
+            </a:endParaRPr>
           </a:p>
         </p:txBody>
       </p:sp>
@@ -813,16 +949,16 @@
             <a:fld id="{F535F173-C1DD-4975-94BF-5B9ED67F7674}" type="slidenum">
               <a:rPr lang="en-US" smtClean="0"/>
               <a:pPr/>
-              <a:t>5</a:t>
+              <a:t>4</a:t>
             </a:fld>
-            <a:endParaRPr lang="en-US"/>
+            <a:endParaRPr lang="en-US" dirty="0"/>
           </a:p>
         </p:txBody>
       </p:sp>
     </p:spTree>
     <p:extLst>
       <p:ext uri="{BB962C8B-B14F-4D97-AF65-F5344CB8AC3E}">
-        <p14:creationId xmlns:p14="http://schemas.microsoft.com/office/powerpoint/2010/main" val="1355792998"/>
+        <p14:creationId xmlns:p14="http://schemas.microsoft.com/office/powerpoint/2010/main" val="2333951368"/>
       </p:ext>
     </p:extLst>
   </p:cSld>
@@ -900,7 +1036,7 @@
               <a:pPr/>
               <a:t>6</a:t>
             </a:fld>
-            <a:endParaRPr lang="en-US"/>
+            <a:endParaRPr lang="en-US" dirty="0"/>
           </a:p>
         </p:txBody>
       </p:sp>
@@ -983,9 +1119,9 @@
             <a:fld id="{F535F173-C1DD-4975-94BF-5B9ED67F7674}" type="slidenum">
               <a:rPr lang="en-US" smtClean="0"/>
               <a:pPr/>
-              <a:t>8</a:t>
+              <a:t>7</a:t>
             </a:fld>
-            <a:endParaRPr lang="en-US"/>
+            <a:endParaRPr lang="en-US" dirty="0"/>
           </a:p>
         </p:txBody>
       </p:sp>
@@ -1068,9 +1204,9 @@
             <a:fld id="{F535F173-C1DD-4975-94BF-5B9ED67F7674}" type="slidenum">
               <a:rPr lang="en-US" smtClean="0"/>
               <a:pPr/>
-              <a:t>9</a:t>
+              <a:t>10</a:t>
             </a:fld>
-            <a:endParaRPr lang="en-US"/>
+            <a:endParaRPr lang="en-US" dirty="0"/>
           </a:p>
         </p:txBody>
       </p:sp>
@@ -1153,9 +1289,9 @@
             <a:fld id="{F535F173-C1DD-4975-94BF-5B9ED67F7674}" type="slidenum">
               <a:rPr lang="en-US" smtClean="0"/>
               <a:pPr/>
-              <a:t>10</a:t>
+              <a:t>11</a:t>
             </a:fld>
-            <a:endParaRPr lang="en-US"/>
+            <a:endParaRPr lang="en-US" dirty="0"/>
           </a:p>
         </p:txBody>
       </p:sp>
@@ -1240,7 +1376,7 @@
               <a:pPr/>
               <a:t>12</a:t>
             </a:fld>
-            <a:endParaRPr lang="en-US"/>
+            <a:endParaRPr lang="en-US" dirty="0"/>
           </a:p>
         </p:txBody>
       </p:sp>
@@ -1323,9 +1459,9 @@
             <a:fld id="{F535F173-C1DD-4975-94BF-5B9ED67F7674}" type="slidenum">
               <a:rPr lang="en-US" smtClean="0"/>
               <a:pPr/>
-              <a:t>13</a:t>
+              <a:t>14</a:t>
             </a:fld>
-            <a:endParaRPr lang="en-US"/>
+            <a:endParaRPr lang="en-US" dirty="0"/>
           </a:p>
         </p:txBody>
       </p:sp>
@@ -1410,14 +1546,14 @@
               <a:pPr/>
               <a:t>15</a:t>
             </a:fld>
-            <a:endParaRPr lang="en-US"/>
+            <a:endParaRPr lang="en-US" dirty="0"/>
           </a:p>
         </p:txBody>
       </p:sp>
     </p:spTree>
     <p:extLst>
       <p:ext uri="{BB962C8B-B14F-4D97-AF65-F5344CB8AC3E}">
-        <p14:creationId xmlns:p14="http://schemas.microsoft.com/office/powerpoint/2010/main" val="35205596"/>
+        <p14:creationId xmlns:p14="http://schemas.microsoft.com/office/powerpoint/2010/main" val="1355792998"/>
       </p:ext>
     </p:extLst>
   </p:cSld>
@@ -1919,7 +2055,7 @@
             <a:fld id="{F3CC9924-33BC-4796-B0F9-D37DB5D899BF}" type="datetimeFigureOut">
               <a:rPr lang="pt-PT" smtClean="0"/>
               <a:pPr/>
-              <a:t>12/10/15</a:t>
+              <a:t>20-10-2016</a:t>
             </a:fld>
             <a:endParaRPr lang="pt-PT"/>
           </a:p>
@@ -3122,7 +3258,7 @@
           </a:lstStyle>
           <a:p>
             <a:r>
-              <a:rPr lang="en-US" smtClean="0"/>
+              <a:rPr lang="en-US" dirty="0" smtClean="0"/>
               <a:t>Click icon to add picture</a:t>
             </a:r>
             <a:endParaRPr lang="pt-PT"/>
@@ -3721,8 +3857,13 @@
                   <a:schemeClr val="bg2"/>
                 </a:solidFill>
               </a:rPr>
-              <a:t>GX-A/T</a:t>
-            </a:r>
+              <a:t>G8-A</a:t>
+            </a:r>
+            <a:endParaRPr lang="pt-PT" sz="4600" dirty="0" smtClean="0">
+              <a:solidFill>
+                <a:schemeClr val="bg2"/>
+              </a:solidFill>
+            </a:endParaRPr>
           </a:p>
         </p:txBody>
       </p:sp>
@@ -3737,7 +3878,7 @@
         <p:spPr>
           <a:xfrm>
             <a:off x="1979712" y="4571984"/>
-            <a:ext cx="2285984" cy="2286016"/>
+            <a:ext cx="3024336" cy="2286016"/>
           </a:xfrm>
           <a:prstGeom prst="rect">
             <a:avLst/>
@@ -3891,29 +4032,14 @@
             </a:lvl9pPr>
           </a:lstStyle>
           <a:p>
-            <a:r>
-              <a:rPr lang="pt-PT" sz="2400" b="0" dirty="0" err="1" smtClean="0">
-                <a:solidFill>
-                  <a:schemeClr val="bg2"/>
-                </a:solidFill>
-              </a:rPr>
-              <a:t>Number</a:t>
-            </a:r>
+            <a:pPr algn="just"/>
             <a:r>
               <a:rPr lang="pt-PT" sz="2400" b="0" dirty="0" smtClean="0">
                 <a:solidFill>
                   <a:schemeClr val="bg2"/>
                 </a:solidFill>
               </a:rPr>
-              <a:t> – </a:t>
-            </a:r>
-            <a:r>
-              <a:rPr lang="pt-PT" sz="2400" b="0" dirty="0" err="1" smtClean="0">
-                <a:solidFill>
-                  <a:schemeClr val="bg2"/>
-                </a:solidFill>
-              </a:rPr>
-              <a:t>Name</a:t>
+              <a:t>70969 – Mário Reis</a:t>
             </a:r>
             <a:endParaRPr lang="pt-PT" sz="2400" b="0" dirty="0" smtClean="0">
               <a:solidFill>
@@ -3922,60 +4048,25 @@
             </a:endParaRPr>
           </a:p>
           <a:p>
-            <a:r>
-              <a:rPr lang="pt-PT" sz="2400" b="0" dirty="0" err="1">
-                <a:solidFill>
-                  <a:schemeClr val="bg2"/>
-                </a:solidFill>
-              </a:rPr>
-              <a:t>Number</a:t>
-            </a:r>
+            <a:pPr algn="just"/>
             <a:r>
               <a:rPr lang="pt-PT" sz="2400" b="0" dirty="0">
                 <a:solidFill>
                   <a:schemeClr val="bg2"/>
                 </a:solidFill>
               </a:rPr>
-              <a:t> – </a:t>
-            </a:r>
-            <a:r>
-              <a:rPr lang="pt-PT" sz="2400" b="0" dirty="0" err="1">
-                <a:solidFill>
-                  <a:schemeClr val="bg2"/>
-                </a:solidFill>
-              </a:rPr>
-              <a:t>Name</a:t>
-            </a:r>
-            <a:endParaRPr lang="pt-PT" sz="2400" b="0" dirty="0">
-              <a:solidFill>
-                <a:schemeClr val="bg2"/>
-              </a:solidFill>
-            </a:endParaRPr>
-          </a:p>
-          <a:p>
-            <a:r>
-              <a:rPr lang="pt-PT" sz="2400" b="0" dirty="0" err="1">
-                <a:solidFill>
-                  <a:schemeClr val="bg2"/>
-                </a:solidFill>
-              </a:rPr>
-              <a:t>Number</a:t>
-            </a:r>
+              <a:t>75456 – Artur Fonseca</a:t>
+            </a:r>
+          </a:p>
+          <a:p>
+            <a:pPr algn="just"/>
             <a:r>
               <a:rPr lang="pt-PT" sz="2400" b="0" dirty="0">
                 <a:solidFill>
                   <a:schemeClr val="bg2"/>
                 </a:solidFill>
               </a:rPr>
-              <a:t> – </a:t>
-            </a:r>
-            <a:r>
-              <a:rPr lang="pt-PT" sz="2400" b="0" dirty="0" err="1" smtClean="0">
-                <a:solidFill>
-                  <a:schemeClr val="bg2"/>
-                </a:solidFill>
-              </a:rPr>
-              <a:t>Name</a:t>
+              <a:t>76046 – André Pires</a:t>
             </a:r>
             <a:endParaRPr lang="pt-PT" sz="2400" b="0" dirty="0">
               <a:solidFill>
@@ -3993,7 +4084,7 @@
   <p:timing>
     <p:tnLst>
       <p:par>
-        <p:cTn xmlns:p14="http://schemas.microsoft.com/office/powerpoint/2010/main" id="1" dur="indefinite" restart="never" nodeType="tmRoot"/>
+        <p:cTn id="1" dur="indefinite" restart="never" nodeType="tmRoot"/>
       </p:par>
     </p:tnLst>
   </p:timing>
@@ -4064,15 +4155,28 @@
           <a:p>
             <a:r>
               <a:rPr lang="en-US" sz="3600" dirty="0" smtClean="0"/>
-              <a:t>Semantics:</a:t>
-            </a:r>
+              <a:t>Description:</a:t>
+            </a:r>
+          </a:p>
+          <a:p>
+            <a:pPr lvl="1"/>
+            <a:endParaRPr lang="en-US" sz="3200" dirty="0" smtClean="0"/>
+          </a:p>
+          <a:p>
+            <a:r>
+              <a:rPr lang="en-US" sz="3600" dirty="0" smtClean="0"/>
+              <a:t>Dataset type:</a:t>
+            </a:r>
+          </a:p>
+          <a:p>
+            <a:endParaRPr lang="en-US" sz="3600" dirty="0" smtClean="0"/>
           </a:p>
         </p:txBody>
       </p:sp>
     </p:spTree>
     <p:extLst>
       <p:ext uri="{BB962C8B-B14F-4D97-AF65-F5344CB8AC3E}">
-        <p14:creationId xmlns:p14="http://schemas.microsoft.com/office/powerpoint/2010/main" val="3208609425"/>
+        <p14:creationId xmlns:p14="http://schemas.microsoft.com/office/powerpoint/2010/main" val="1967416131"/>
       </p:ext>
     </p:extLst>
   </p:cSld>
@@ -4082,7 +4186,7 @@
   <p:timing>
     <p:tnLst>
       <p:par>
-        <p:cTn xmlns:p14="http://schemas.microsoft.com/office/powerpoint/2010/main" id="1" dur="indefinite" restart="never" nodeType="tmRoot"/>
+        <p:cTn id="1" dur="indefinite" restart="never" nodeType="tmRoot"/>
       </p:par>
     </p:tnLst>
   </p:timing>
@@ -4108,12 +4212,12 @@
       </p:grpSpPr>
       <p:sp>
         <p:nvSpPr>
-          <p:cNvPr id="6" name="Text Placeholder 5"/>
-          <p:cNvSpPr>
-            <a:spLocks noGrp="1"/>
-          </p:cNvSpPr>
-          <p:nvPr>
-            <p:ph type="body" sz="quarter" idx="11"/>
+          <p:cNvPr id="2" name="Title 1"/>
+          <p:cNvSpPr>
+            <a:spLocks noGrp="1"/>
+          </p:cNvSpPr>
+          <p:nvPr>
+            <p:ph type="title"/>
           </p:nvPr>
         </p:nvSpPr>
         <p:spPr/>
@@ -4121,81 +4225,110 @@
           <a:bodyPr/>
           <a:lstStyle/>
           <a:p>
-            <a:endParaRPr lang="en-US" dirty="0"/>
-          </a:p>
-        </p:txBody>
-      </p:sp>
-      <p:sp>
-        <p:nvSpPr>
-          <p:cNvPr id="29" name="Text Placeholder 28"/>
-          <p:cNvSpPr>
-            <a:spLocks noGrp="1"/>
-          </p:cNvSpPr>
-          <p:nvPr>
-            <p:ph type="body" sz="quarter" idx="10"/>
-          </p:nvPr>
-        </p:nvSpPr>
-        <p:spPr/>
-        <p:txBody>
-          <a:bodyPr/>
-          <a:lstStyle/>
-          <a:p>
-            <a:r>
-              <a:rPr lang="pt-PT" sz="16600" dirty="0" smtClean="0"/>
-              <a:t>04</a:t>
-            </a:r>
-            <a:endParaRPr lang="pt-PT" sz="16600" dirty="0"/>
-          </a:p>
-        </p:txBody>
-      </p:sp>
-      <p:sp>
-        <p:nvSpPr>
-          <p:cNvPr id="4" name="Title 3"/>
-          <p:cNvSpPr>
-            <a:spLocks noGrp="1"/>
-          </p:cNvSpPr>
-          <p:nvPr>
-            <p:ph type="title"/>
+            <a:r>
+              <a:rPr lang="en-US" dirty="0" smtClean="0"/>
+              <a:t>Data abstraction</a:t>
+            </a:r>
+            <a:endParaRPr lang="pt-PT" dirty="0"/>
+          </a:p>
+        </p:txBody>
+      </p:sp>
+      <p:sp>
+        <p:nvSpPr>
+          <p:cNvPr id="3" name="Content Placeholder 2"/>
+          <p:cNvSpPr>
+            <a:spLocks noGrp="1"/>
+          </p:cNvSpPr>
+          <p:nvPr>
+            <p:ph idx="1"/>
           </p:nvPr>
         </p:nvSpPr>
         <p:spPr>
           <a:xfrm>
-            <a:off x="2281222" y="3214686"/>
-            <a:ext cx="6786578" cy="3033714"/>
+            <a:off x="457200" y="1094346"/>
+            <a:ext cx="8229600" cy="5214974"/>
           </a:xfrm>
-          <a:solidFill>
-            <a:srgbClr val="FFFFFF">
-              <a:alpha val="80000"/>
-            </a:srgbClr>
-          </a:solidFill>
         </p:spPr>
         <p:txBody>
-          <a:bodyPr rIns="288000">
+          <a:bodyPr>
             <a:noAutofit/>
           </a:bodyPr>
           <a:lstStyle/>
           <a:p>
-            <a:pPr marL="0" algn="r"/>
-            <a:r>
-              <a:rPr lang="pt-PT" sz="6000" dirty="0" err="1" smtClean="0"/>
-              <a:t>Dataset</a:t>
-            </a:r>
-            <a:r>
-              <a:rPr lang="pt-PT" sz="6000" dirty="0" smtClean="0"/>
-              <a:t> </a:t>
-            </a:r>
-            <a:r>
-              <a:rPr lang="pt-PT" sz="6000" dirty="0" err="1" smtClean="0"/>
-              <a:t>processing</a:t>
-            </a:r>
-            <a:endParaRPr lang="pt-PT" sz="6000" dirty="0"/>
+            <a:pPr lvl="1"/>
+            <a:r>
+              <a:rPr lang="en-US" sz="3200" dirty="0" smtClean="0"/>
+              <a:t>Item1 description</a:t>
+            </a:r>
+          </a:p>
+          <a:p>
+            <a:pPr lvl="1"/>
+            <a:r>
+              <a:rPr lang="en-US" sz="2400" dirty="0" smtClean="0"/>
+              <a:t>	Attribute1 description</a:t>
+            </a:r>
+            <a:endParaRPr lang="en-US" sz="1800" dirty="0"/>
+          </a:p>
+          <a:p>
+            <a:pPr lvl="1"/>
+            <a:r>
+              <a:rPr lang="en-US" sz="2400" dirty="0" smtClean="0"/>
+              <a:t>	Attribute2 description</a:t>
+            </a:r>
+          </a:p>
+          <a:p>
+            <a:pPr lvl="1"/>
+            <a:endParaRPr lang="en-US" sz="1800" dirty="0"/>
+          </a:p>
+          <a:p>
+            <a:pPr lvl="1"/>
+            <a:r>
+              <a:rPr lang="en-US" sz="3200" dirty="0" smtClean="0"/>
+              <a:t>Item2 description</a:t>
+            </a:r>
+          </a:p>
+          <a:p>
+            <a:pPr lvl="1"/>
+            <a:r>
+              <a:rPr lang="en-US" sz="2400" dirty="0" smtClean="0"/>
+              <a:t>	Attribute1 </a:t>
+            </a:r>
+            <a:r>
+              <a:rPr lang="en-US" sz="2400" dirty="0"/>
+              <a:t>description</a:t>
+            </a:r>
+            <a:endParaRPr lang="en-US" sz="1800" dirty="0"/>
+          </a:p>
+          <a:p>
+            <a:pPr lvl="1"/>
+            <a:r>
+              <a:rPr lang="en-US" sz="2400" dirty="0" smtClean="0"/>
+              <a:t>	Attribute2 </a:t>
+            </a:r>
+            <a:r>
+              <a:rPr lang="en-US" sz="2400" dirty="0"/>
+              <a:t>description</a:t>
+            </a:r>
+            <a:endParaRPr lang="en-US" sz="1800" dirty="0"/>
+          </a:p>
+          <a:p>
+            <a:pPr lvl="1"/>
+            <a:endParaRPr lang="en-US" sz="3200" dirty="0" smtClean="0"/>
+          </a:p>
+          <a:p>
+            <a:pPr lvl="1"/>
+            <a:r>
+              <a:rPr lang="en-US" sz="3200" dirty="0" smtClean="0"/>
+              <a:t>…</a:t>
+            </a:r>
+            <a:endParaRPr lang="en-US" sz="3200" dirty="0"/>
           </a:p>
         </p:txBody>
       </p:sp>
     </p:spTree>
     <p:extLst>
       <p:ext uri="{BB962C8B-B14F-4D97-AF65-F5344CB8AC3E}">
-        <p14:creationId xmlns:p14="http://schemas.microsoft.com/office/powerpoint/2010/main" val="4045494449"/>
+        <p14:creationId xmlns:p14="http://schemas.microsoft.com/office/powerpoint/2010/main" val="1828594822"/>
       </p:ext>
     </p:extLst>
   </p:cSld>
@@ -4205,7 +4338,7 @@
   <p:timing>
     <p:tnLst>
       <p:par>
-        <p:cTn xmlns:p14="http://schemas.microsoft.com/office/powerpoint/2010/main" id="1" dur="indefinite" restart="never" nodeType="tmRoot"/>
+        <p:cTn id="1" dur="indefinite" restart="never" nodeType="tmRoot"/>
       </p:par>
     </p:tnLst>
   </p:timing>
@@ -4246,7 +4379,7 @@
           <a:p>
             <a:r>
               <a:rPr lang="en-US" dirty="0" smtClean="0"/>
-              <a:t>Dataset processing</a:t>
+              <a:t>Data abstraction</a:t>
             </a:r>
             <a:endParaRPr lang="pt-PT" dirty="0"/>
           </a:p>
@@ -4275,50 +4408,16 @@
           <a:lstStyle/>
           <a:p>
             <a:r>
-              <a:rPr lang="en-US" sz="4000" dirty="0" smtClean="0"/>
-              <a:t>Dataset cleaning description</a:t>
-            </a:r>
-          </a:p>
-          <a:p>
-            <a:endParaRPr lang="en-US" sz="4000" dirty="0"/>
-          </a:p>
-          <a:p>
-            <a:pPr lvl="1"/>
-            <a:r>
               <a:rPr lang="en-US" sz="3600" dirty="0" smtClean="0"/>
-              <a:t>Entry1</a:t>
-            </a:r>
-            <a:endParaRPr lang="en-US" sz="3600" dirty="0"/>
-          </a:p>
-          <a:p>
-            <a:pPr lvl="1"/>
-            <a:r>
-              <a:rPr lang="en-US" sz="3600" dirty="0" smtClean="0"/>
-              <a:t>Entr</a:t>
-            </a:r>
-            <a:r>
-              <a:rPr lang="en-US" sz="3600" dirty="0" smtClean="0"/>
-              <a:t>y2</a:t>
-            </a:r>
-          </a:p>
-          <a:p>
-            <a:pPr lvl="1"/>
-            <a:endParaRPr lang="en-US" sz="3600" dirty="0"/>
-          </a:p>
-          <a:p>
-            <a:pPr lvl="1"/>
-            <a:r>
-              <a:rPr lang="en-US" sz="3600" dirty="0" smtClean="0"/>
-              <a:t>…</a:t>
-            </a:r>
-            <a:endParaRPr lang="en-US" sz="3600" dirty="0" smtClean="0"/>
+              <a:t>Semantics:</a:t>
+            </a:r>
           </a:p>
         </p:txBody>
       </p:sp>
     </p:spTree>
     <p:extLst>
       <p:ext uri="{BB962C8B-B14F-4D97-AF65-F5344CB8AC3E}">
-        <p14:creationId xmlns:p14="http://schemas.microsoft.com/office/powerpoint/2010/main" val="3456915046"/>
+        <p14:creationId xmlns:p14="http://schemas.microsoft.com/office/powerpoint/2010/main" val="3208609425"/>
       </p:ext>
     </p:extLst>
   </p:cSld>
@@ -4328,7 +4427,7 @@
   <p:timing>
     <p:tnLst>
       <p:par>
-        <p:cTn xmlns:p14="http://schemas.microsoft.com/office/powerpoint/2010/main" id="1" dur="indefinite" restart="never" nodeType="tmRoot"/>
+        <p:cTn id="1" dur="indefinite" restart="never" nodeType="tmRoot"/>
       </p:par>
     </p:tnLst>
   </p:timing>
@@ -4354,96 +4453,94 @@
       </p:grpSpPr>
       <p:sp>
         <p:nvSpPr>
-          <p:cNvPr id="2" name="Title 1"/>
+          <p:cNvPr id="6" name="Text Placeholder 5"/>
+          <p:cNvSpPr>
+            <a:spLocks noGrp="1"/>
+          </p:cNvSpPr>
+          <p:nvPr>
+            <p:ph type="body" sz="quarter" idx="11"/>
+          </p:nvPr>
+        </p:nvSpPr>
+        <p:spPr/>
+        <p:txBody>
+          <a:bodyPr/>
+          <a:lstStyle/>
+          <a:p>
+            <a:endParaRPr lang="en-US" dirty="0"/>
+          </a:p>
+        </p:txBody>
+      </p:sp>
+      <p:sp>
+        <p:nvSpPr>
+          <p:cNvPr id="29" name="Text Placeholder 28"/>
+          <p:cNvSpPr>
+            <a:spLocks noGrp="1"/>
+          </p:cNvSpPr>
+          <p:nvPr>
+            <p:ph type="body" sz="quarter" idx="10"/>
+          </p:nvPr>
+        </p:nvSpPr>
+        <p:spPr/>
+        <p:txBody>
+          <a:bodyPr/>
+          <a:lstStyle/>
+          <a:p>
+            <a:r>
+              <a:rPr lang="pt-PT" sz="16600" dirty="0" smtClean="0"/>
+              <a:t>04</a:t>
+            </a:r>
+            <a:endParaRPr lang="pt-PT" sz="16600" dirty="0"/>
+          </a:p>
+        </p:txBody>
+      </p:sp>
+      <p:sp>
+        <p:nvSpPr>
+          <p:cNvPr id="4" name="Title 3"/>
           <p:cNvSpPr>
             <a:spLocks noGrp="1"/>
           </p:cNvSpPr>
           <p:nvPr>
             <p:ph type="title"/>
-          </p:nvPr>
-        </p:nvSpPr>
-        <p:spPr/>
-        <p:txBody>
-          <a:bodyPr/>
-          <a:lstStyle/>
-          <a:p>
-            <a:r>
-              <a:rPr lang="en-US" dirty="0" smtClean="0"/>
-              <a:t>Dataset processing</a:t>
-            </a:r>
-            <a:endParaRPr lang="pt-PT" dirty="0"/>
-          </a:p>
-        </p:txBody>
-      </p:sp>
-      <p:sp>
-        <p:nvSpPr>
-          <p:cNvPr id="3" name="Content Placeholder 2"/>
-          <p:cNvSpPr>
-            <a:spLocks noGrp="1"/>
-          </p:cNvSpPr>
-          <p:nvPr>
-            <p:ph idx="1"/>
           </p:nvPr>
         </p:nvSpPr>
         <p:spPr>
           <a:xfrm>
-            <a:off x="457200" y="1094346"/>
-            <a:ext cx="8229600" cy="5214974"/>
+            <a:off x="2281222" y="3214686"/>
+            <a:ext cx="6786578" cy="3033714"/>
           </a:xfrm>
+          <a:solidFill>
+            <a:srgbClr val="FFFFFF">
+              <a:alpha val="80000"/>
+            </a:srgbClr>
+          </a:solidFill>
         </p:spPr>
         <p:txBody>
-          <a:bodyPr>
+          <a:bodyPr rIns="288000">
             <a:noAutofit/>
           </a:bodyPr>
           <a:lstStyle/>
           <a:p>
-            <a:r>
-              <a:rPr lang="en-US" sz="4000" dirty="0" smtClean="0"/>
-              <a:t>Problems found:</a:t>
-            </a:r>
-          </a:p>
-          <a:p>
-            <a:pPr lvl="1"/>
-            <a:r>
-              <a:rPr lang="en-US" sz="3600" dirty="0" smtClean="0"/>
-              <a:t>Problem 1</a:t>
-            </a:r>
-          </a:p>
-          <a:p>
-            <a:pPr lvl="1"/>
-            <a:r>
-              <a:rPr lang="en-US" sz="3600" dirty="0" smtClean="0"/>
-              <a:t>Solution</a:t>
-            </a:r>
-          </a:p>
-          <a:p>
-            <a:pPr lvl="1"/>
-            <a:endParaRPr lang="en-US" sz="3600" dirty="0" smtClean="0"/>
-          </a:p>
-          <a:p>
-            <a:pPr lvl="1"/>
-            <a:r>
-              <a:rPr lang="en-US" sz="3600" dirty="0" smtClean="0"/>
-              <a:t>Problem 2</a:t>
-            </a:r>
-          </a:p>
-          <a:p>
-            <a:pPr lvl="1"/>
-            <a:r>
-              <a:rPr lang="en-US" sz="3600" dirty="0" smtClean="0"/>
-              <a:t>Solution</a:t>
-            </a:r>
-            <a:endParaRPr lang="en-US" sz="4000" dirty="0" smtClean="0"/>
-          </a:p>
-          <a:p>
-            <a:endParaRPr lang="en-US" sz="4000" dirty="0"/>
+            <a:pPr marL="0" algn="r"/>
+            <a:r>
+              <a:rPr lang="pt-PT" sz="6000" dirty="0" err="1" smtClean="0"/>
+              <a:t>Dataset</a:t>
+            </a:r>
+            <a:r>
+              <a:rPr lang="pt-PT" sz="6000" dirty="0" smtClean="0"/>
+              <a:t> </a:t>
+            </a:r>
+            <a:r>
+              <a:rPr lang="pt-PT" sz="6000" dirty="0" err="1" smtClean="0"/>
+              <a:t>processing</a:t>
+            </a:r>
+            <a:endParaRPr lang="pt-PT" sz="6000" dirty="0"/>
           </a:p>
         </p:txBody>
       </p:sp>
     </p:spTree>
     <p:extLst>
       <p:ext uri="{BB962C8B-B14F-4D97-AF65-F5344CB8AC3E}">
-        <p14:creationId xmlns:p14="http://schemas.microsoft.com/office/powerpoint/2010/main" val="2665434140"/>
+        <p14:creationId xmlns:p14="http://schemas.microsoft.com/office/powerpoint/2010/main" val="4045494449"/>
       </p:ext>
     </p:extLst>
   </p:cSld>
@@ -4453,7 +4550,7 @@
   <p:timing>
     <p:tnLst>
       <p:par>
-        <p:cTn xmlns:p14="http://schemas.microsoft.com/office/powerpoint/2010/main" id="1" dur="indefinite" restart="never" nodeType="tmRoot"/>
+        <p:cTn id="1" dur="indefinite" restart="never" nodeType="tmRoot"/>
       </p:par>
     </p:tnLst>
   </p:timing>
@@ -4479,12 +4576,12 @@
       </p:grpSpPr>
       <p:sp>
         <p:nvSpPr>
-          <p:cNvPr id="6" name="Text Placeholder 5"/>
-          <p:cNvSpPr>
-            <a:spLocks noGrp="1"/>
-          </p:cNvSpPr>
-          <p:nvPr>
-            <p:ph type="body" sz="quarter" idx="11"/>
+          <p:cNvPr id="2" name="Title 1"/>
+          <p:cNvSpPr>
+            <a:spLocks noGrp="1"/>
+          </p:cNvSpPr>
+          <p:nvPr>
+            <p:ph type="title"/>
           </p:nvPr>
         </p:nvSpPr>
         <p:spPr/>
@@ -4492,73 +4589,76 @@
           <a:bodyPr/>
           <a:lstStyle/>
           <a:p>
-            <a:endParaRPr lang="en-US" dirty="0"/>
-          </a:p>
-        </p:txBody>
-      </p:sp>
-      <p:sp>
-        <p:nvSpPr>
-          <p:cNvPr id="29" name="Text Placeholder 28"/>
-          <p:cNvSpPr>
-            <a:spLocks noGrp="1"/>
-          </p:cNvSpPr>
-          <p:nvPr>
-            <p:ph type="body" sz="quarter" idx="10"/>
-          </p:nvPr>
-        </p:nvSpPr>
-        <p:spPr/>
-        <p:txBody>
-          <a:bodyPr/>
-          <a:lstStyle/>
-          <a:p>
-            <a:r>
-              <a:rPr lang="pt-PT" sz="16600" dirty="0" smtClean="0"/>
-              <a:t>05</a:t>
-            </a:r>
-            <a:endParaRPr lang="pt-PT" sz="16600" dirty="0"/>
-          </a:p>
-        </p:txBody>
-      </p:sp>
-      <p:sp>
-        <p:nvSpPr>
-          <p:cNvPr id="4" name="Title 3"/>
-          <p:cNvSpPr>
-            <a:spLocks noGrp="1"/>
-          </p:cNvSpPr>
-          <p:nvPr>
-            <p:ph type="title"/>
+            <a:r>
+              <a:rPr lang="en-US" dirty="0" smtClean="0"/>
+              <a:t>Dataset processing</a:t>
+            </a:r>
+            <a:endParaRPr lang="pt-PT" dirty="0"/>
+          </a:p>
+        </p:txBody>
+      </p:sp>
+      <p:sp>
+        <p:nvSpPr>
+          <p:cNvPr id="3" name="Content Placeholder 2"/>
+          <p:cNvSpPr>
+            <a:spLocks noGrp="1"/>
+          </p:cNvSpPr>
+          <p:nvPr>
+            <p:ph idx="1"/>
           </p:nvPr>
         </p:nvSpPr>
         <p:spPr>
           <a:xfrm>
-            <a:off x="2281222" y="3214686"/>
-            <a:ext cx="6786578" cy="3033714"/>
+            <a:off x="457200" y="1094346"/>
+            <a:ext cx="8229600" cy="5214974"/>
           </a:xfrm>
-          <a:solidFill>
-            <a:srgbClr val="FFFFFF">
-              <a:alpha val="80000"/>
-            </a:srgbClr>
-          </a:solidFill>
         </p:spPr>
         <p:txBody>
-          <a:bodyPr rIns="288000">
+          <a:bodyPr>
             <a:noAutofit/>
           </a:bodyPr>
           <a:lstStyle/>
           <a:p>
-            <a:pPr marL="0" algn="r"/>
-            <a:r>
-              <a:rPr lang="pt-PT" sz="6000" dirty="0" err="1" smtClean="0"/>
-              <a:t>Mapping</a:t>
-            </a:r>
-            <a:endParaRPr lang="pt-PT" sz="6000" dirty="0"/>
+            <a:r>
+              <a:rPr lang="en-US" sz="4000" dirty="0" smtClean="0"/>
+              <a:t>Dataset cleaning description</a:t>
+            </a:r>
+          </a:p>
+          <a:p>
+            <a:endParaRPr lang="en-US" sz="4000" dirty="0"/>
+          </a:p>
+          <a:p>
+            <a:pPr lvl="1"/>
+            <a:r>
+              <a:rPr lang="en-US" sz="3600" dirty="0" smtClean="0"/>
+              <a:t>Entry1</a:t>
+            </a:r>
+            <a:endParaRPr lang="en-US" sz="3600" dirty="0"/>
+          </a:p>
+          <a:p>
+            <a:pPr lvl="1"/>
+            <a:r>
+              <a:rPr lang="en-US" sz="3600" dirty="0" smtClean="0"/>
+              <a:t>Entry2</a:t>
+            </a:r>
+          </a:p>
+          <a:p>
+            <a:pPr lvl="1"/>
+            <a:endParaRPr lang="en-US" sz="3600" dirty="0"/>
+          </a:p>
+          <a:p>
+            <a:pPr lvl="1"/>
+            <a:r>
+              <a:rPr lang="en-US" sz="3600" dirty="0" smtClean="0"/>
+              <a:t>…</a:t>
+            </a:r>
           </a:p>
         </p:txBody>
       </p:sp>
     </p:spTree>
     <p:extLst>
       <p:ext uri="{BB962C8B-B14F-4D97-AF65-F5344CB8AC3E}">
-        <p14:creationId xmlns:p14="http://schemas.microsoft.com/office/powerpoint/2010/main" val="2312607420"/>
+        <p14:creationId xmlns:p14="http://schemas.microsoft.com/office/powerpoint/2010/main" val="3456915046"/>
       </p:ext>
     </p:extLst>
   </p:cSld>
@@ -4568,7 +4668,7 @@
   <p:timing>
     <p:tnLst>
       <p:par>
-        <p:cTn xmlns:p14="http://schemas.microsoft.com/office/powerpoint/2010/main" id="1" dur="indefinite" restart="never" nodeType="tmRoot"/>
+        <p:cTn id="1" dur="indefinite" restart="never" nodeType="tmRoot"/>
       </p:par>
     </p:tnLst>
   </p:timing>
@@ -4609,7 +4709,7 @@
           <a:p>
             <a:r>
               <a:rPr lang="en-US" dirty="0" smtClean="0"/>
-              <a:t>Mapping</a:t>
+              <a:t>Dataset processing</a:t>
             </a:r>
             <a:endParaRPr lang="pt-PT" dirty="0"/>
           </a:p>
@@ -4617,7 +4717,7 @@
       </p:sp>
       <p:sp>
         <p:nvSpPr>
-          <p:cNvPr id="5" name="Content Placeholder 2"/>
+          <p:cNvPr id="3" name="Content Placeholder 2"/>
           <p:cNvSpPr>
             <a:spLocks noGrp="1"/>
           </p:cNvSpPr>
@@ -4639,6 +4739,246 @@
           <a:p>
             <a:r>
               <a:rPr lang="en-US" sz="4000" dirty="0" smtClean="0"/>
+              <a:t>Problems found:</a:t>
+            </a:r>
+          </a:p>
+          <a:p>
+            <a:pPr lvl="1"/>
+            <a:r>
+              <a:rPr lang="en-US" sz="3600" dirty="0" smtClean="0"/>
+              <a:t>Problem 1</a:t>
+            </a:r>
+          </a:p>
+          <a:p>
+            <a:pPr lvl="1"/>
+            <a:r>
+              <a:rPr lang="en-US" sz="3600" dirty="0" smtClean="0"/>
+              <a:t>Solution</a:t>
+            </a:r>
+          </a:p>
+          <a:p>
+            <a:pPr lvl="1"/>
+            <a:endParaRPr lang="en-US" sz="3600" dirty="0" smtClean="0"/>
+          </a:p>
+          <a:p>
+            <a:pPr lvl="1"/>
+            <a:r>
+              <a:rPr lang="en-US" sz="3600" dirty="0" smtClean="0"/>
+              <a:t>Problem 2</a:t>
+            </a:r>
+          </a:p>
+          <a:p>
+            <a:pPr lvl="1"/>
+            <a:r>
+              <a:rPr lang="en-US" sz="3600" dirty="0" smtClean="0"/>
+              <a:t>Solution</a:t>
+            </a:r>
+            <a:endParaRPr lang="en-US" sz="4000" dirty="0" smtClean="0"/>
+          </a:p>
+          <a:p>
+            <a:endParaRPr lang="en-US" sz="4000" dirty="0"/>
+          </a:p>
+        </p:txBody>
+      </p:sp>
+    </p:spTree>
+    <p:extLst>
+      <p:ext uri="{BB962C8B-B14F-4D97-AF65-F5344CB8AC3E}">
+        <p14:creationId xmlns:p14="http://schemas.microsoft.com/office/powerpoint/2010/main" val="2665434140"/>
+      </p:ext>
+    </p:extLst>
+  </p:cSld>
+  <p:clrMapOvr>
+    <a:masterClrMapping/>
+  </p:clrMapOvr>
+  <p:timing>
+    <p:tnLst>
+      <p:par>
+        <p:cTn id="1" dur="indefinite" restart="never" nodeType="tmRoot"/>
+      </p:par>
+    </p:tnLst>
+  </p:timing>
+</p:sld>
+</file>
+
+<file path=ppt/slides/slide16.xml><?xml version="1.0" encoding="utf-8"?>
+<p:sld xmlns:a="http://schemas.openxmlformats.org/drawingml/2006/main" xmlns:r="http://schemas.openxmlformats.org/officeDocument/2006/relationships" xmlns:p="http://schemas.openxmlformats.org/presentationml/2006/main">
+  <p:cSld>
+    <p:spTree>
+      <p:nvGrpSpPr>
+        <p:cNvPr id="1" name=""/>
+        <p:cNvGrpSpPr/>
+        <p:nvPr/>
+      </p:nvGrpSpPr>
+      <p:grpSpPr>
+        <a:xfrm>
+          <a:off x="0" y="0"/>
+          <a:ext cx="0" cy="0"/>
+          <a:chOff x="0" y="0"/>
+          <a:chExt cx="0" cy="0"/>
+        </a:xfrm>
+      </p:grpSpPr>
+      <p:sp>
+        <p:nvSpPr>
+          <p:cNvPr id="6" name="Text Placeholder 5"/>
+          <p:cNvSpPr>
+            <a:spLocks noGrp="1"/>
+          </p:cNvSpPr>
+          <p:nvPr>
+            <p:ph type="body" sz="quarter" idx="11"/>
+          </p:nvPr>
+        </p:nvSpPr>
+        <p:spPr/>
+        <p:txBody>
+          <a:bodyPr/>
+          <a:lstStyle/>
+          <a:p>
+            <a:endParaRPr lang="en-US" dirty="0"/>
+          </a:p>
+        </p:txBody>
+      </p:sp>
+      <p:sp>
+        <p:nvSpPr>
+          <p:cNvPr id="29" name="Text Placeholder 28"/>
+          <p:cNvSpPr>
+            <a:spLocks noGrp="1"/>
+          </p:cNvSpPr>
+          <p:nvPr>
+            <p:ph type="body" sz="quarter" idx="10"/>
+          </p:nvPr>
+        </p:nvSpPr>
+        <p:spPr/>
+        <p:txBody>
+          <a:bodyPr/>
+          <a:lstStyle/>
+          <a:p>
+            <a:r>
+              <a:rPr lang="pt-PT" sz="16600" dirty="0" smtClean="0"/>
+              <a:t>05</a:t>
+            </a:r>
+            <a:endParaRPr lang="pt-PT" sz="16600" dirty="0"/>
+          </a:p>
+        </p:txBody>
+      </p:sp>
+      <p:sp>
+        <p:nvSpPr>
+          <p:cNvPr id="4" name="Title 3"/>
+          <p:cNvSpPr>
+            <a:spLocks noGrp="1"/>
+          </p:cNvSpPr>
+          <p:nvPr>
+            <p:ph type="title"/>
+          </p:nvPr>
+        </p:nvSpPr>
+        <p:spPr>
+          <a:xfrm>
+            <a:off x="2281222" y="3214686"/>
+            <a:ext cx="6786578" cy="3033714"/>
+          </a:xfrm>
+          <a:solidFill>
+            <a:srgbClr val="FFFFFF">
+              <a:alpha val="80000"/>
+            </a:srgbClr>
+          </a:solidFill>
+        </p:spPr>
+        <p:txBody>
+          <a:bodyPr rIns="288000">
+            <a:noAutofit/>
+          </a:bodyPr>
+          <a:lstStyle/>
+          <a:p>
+            <a:pPr marL="0" algn="r"/>
+            <a:r>
+              <a:rPr lang="pt-PT" sz="6000" dirty="0" err="1" smtClean="0"/>
+              <a:t>Mapping</a:t>
+            </a:r>
+            <a:endParaRPr lang="pt-PT" sz="6000" dirty="0"/>
+          </a:p>
+        </p:txBody>
+      </p:sp>
+    </p:spTree>
+    <p:extLst>
+      <p:ext uri="{BB962C8B-B14F-4D97-AF65-F5344CB8AC3E}">
+        <p14:creationId xmlns:p14="http://schemas.microsoft.com/office/powerpoint/2010/main" val="2312607420"/>
+      </p:ext>
+    </p:extLst>
+  </p:cSld>
+  <p:clrMapOvr>
+    <a:masterClrMapping/>
+  </p:clrMapOvr>
+  <p:timing>
+    <p:tnLst>
+      <p:par>
+        <p:cTn id="1" dur="indefinite" restart="never" nodeType="tmRoot"/>
+      </p:par>
+    </p:tnLst>
+  </p:timing>
+</p:sld>
+</file>
+
+<file path=ppt/slides/slide17.xml><?xml version="1.0" encoding="utf-8"?>
+<p:sld xmlns:a="http://schemas.openxmlformats.org/drawingml/2006/main" xmlns:r="http://schemas.openxmlformats.org/officeDocument/2006/relationships" xmlns:p="http://schemas.openxmlformats.org/presentationml/2006/main">
+  <p:cSld>
+    <p:spTree>
+      <p:nvGrpSpPr>
+        <p:cNvPr id="1" name=""/>
+        <p:cNvGrpSpPr/>
+        <p:nvPr/>
+      </p:nvGrpSpPr>
+      <p:grpSpPr>
+        <a:xfrm>
+          <a:off x="0" y="0"/>
+          <a:ext cx="0" cy="0"/>
+          <a:chOff x="0" y="0"/>
+          <a:chExt cx="0" cy="0"/>
+        </a:xfrm>
+      </p:grpSpPr>
+      <p:sp>
+        <p:nvSpPr>
+          <p:cNvPr id="2" name="Title 1"/>
+          <p:cNvSpPr>
+            <a:spLocks noGrp="1"/>
+          </p:cNvSpPr>
+          <p:nvPr>
+            <p:ph type="title"/>
+          </p:nvPr>
+        </p:nvSpPr>
+        <p:spPr/>
+        <p:txBody>
+          <a:bodyPr/>
+          <a:lstStyle/>
+          <a:p>
+            <a:r>
+              <a:rPr lang="en-US" dirty="0" smtClean="0"/>
+              <a:t>Mapping</a:t>
+            </a:r>
+            <a:endParaRPr lang="pt-PT" dirty="0"/>
+          </a:p>
+        </p:txBody>
+      </p:sp>
+      <p:sp>
+        <p:nvSpPr>
+          <p:cNvPr id="5" name="Content Placeholder 2"/>
+          <p:cNvSpPr>
+            <a:spLocks noGrp="1"/>
+          </p:cNvSpPr>
+          <p:nvPr>
+            <p:ph idx="1"/>
+          </p:nvPr>
+        </p:nvSpPr>
+        <p:spPr>
+          <a:xfrm>
+            <a:off x="457200" y="1094346"/>
+            <a:ext cx="8229600" cy="5214974"/>
+          </a:xfrm>
+        </p:spPr>
+        <p:txBody>
+          <a:bodyPr>
+            <a:noAutofit/>
+          </a:bodyPr>
+          <a:lstStyle/>
+          <a:p>
+            <a:r>
+              <a:rPr lang="en-US" sz="4000" dirty="0" smtClean="0"/>
               <a:t>Question 1</a:t>
             </a:r>
           </a:p>
@@ -4648,7 +4988,6 @@
               <a:rPr lang="en-US" sz="3600" dirty="0" smtClean="0"/>
               <a:t>Data</a:t>
             </a:r>
-            <a:endParaRPr lang="en-US" sz="3600" dirty="0" smtClean="0"/>
           </a:p>
           <a:p>
             <a:pPr lvl="1"/>
@@ -4698,7 +5037,7 @@
   <p:timing>
     <p:tnLst>
       <p:par>
-        <p:cTn xmlns:p14="http://schemas.microsoft.com/office/powerpoint/2010/main" id="1" dur="indefinite" restart="never" nodeType="tmRoot"/>
+        <p:cTn id="1" dur="indefinite" restart="never" nodeType="tmRoot"/>
       </p:par>
     </p:tnLst>
   </p:timing>
@@ -4808,7 +5147,7 @@
   <p:timing>
     <p:tnLst>
       <p:par>
-        <p:cTn xmlns:p14="http://schemas.microsoft.com/office/powerpoint/2010/main" id="1" dur="indefinite" restart="never" nodeType="tmRoot"/>
+        <p:cTn id="1" dur="indefinite" restart="never" nodeType="tmRoot"/>
       </p:par>
     </p:tnLst>
   </p:timing>
@@ -4865,7 +5204,12 @@
             <p:ph idx="1"/>
           </p:nvPr>
         </p:nvSpPr>
-        <p:spPr/>
+        <p:spPr>
+          <a:xfrm>
+            <a:off x="457200" y="1285860"/>
+            <a:ext cx="8229600" cy="3871332"/>
+          </a:xfrm>
+        </p:spPr>
         <p:txBody>
           <a:bodyPr>
             <a:noAutofit/>
@@ -4878,14 +5222,50 @@
             </a:r>
           </a:p>
           <a:p>
-            <a:endParaRPr lang="en-US" sz="4000" dirty="0" smtClean="0"/>
-          </a:p>
-          <a:p>
-            <a:r>
-              <a:rPr lang="en-US" sz="4000" dirty="0" smtClean="0"/>
-              <a:t>Data sample</a:t>
-            </a:r>
-            <a:endParaRPr lang="en-US" sz="4000" dirty="0" smtClean="0"/>
+            <a:pPr algn="just">
+              <a:buFont typeface="Arial" panose="020B0604020202020204" pitchFamily="34" charset="0"/>
+              <a:buChar char="•"/>
+            </a:pPr>
+            <a:r>
+              <a:rPr lang="en-GB" sz="2400" b="0" dirty="0">
+                <a:solidFill>
+                  <a:schemeClr val="tx1"/>
+                </a:solidFill>
+              </a:rPr>
+              <a:t>Our initial dataset was one file for each year (2007-2015) about unemployment from all the higher education courses registered in “Centro de Desemprego” and other file with entry grades of 2016 for all the higher education courses. </a:t>
+            </a:r>
+            <a:endParaRPr lang="pt-PT" sz="2400" b="0" dirty="0">
+              <a:solidFill>
+                <a:schemeClr val="tx1"/>
+              </a:solidFill>
+            </a:endParaRPr>
+          </a:p>
+          <a:p>
+            <a:pPr algn="just">
+              <a:buFont typeface="Arial" panose="020B0604020202020204" pitchFamily="34" charset="0"/>
+              <a:buChar char="•"/>
+            </a:pPr>
+            <a:r>
+              <a:rPr lang="en-GB" sz="2400" b="0" dirty="0">
+                <a:solidFill>
+                  <a:schemeClr val="tx1"/>
+                </a:solidFill>
+              </a:rPr>
+              <a:t>The files from 2007–2015 each one had different layouts and different tables in short they were a bit heterogeneous as seen in the following samples</a:t>
+            </a:r>
+            <a:r>
+              <a:rPr lang="en-GB" sz="2400" b="0" dirty="0" smtClean="0">
+                <a:solidFill>
+                  <a:schemeClr val="tx1"/>
+                </a:solidFill>
+              </a:rPr>
+              <a:t>.</a:t>
+            </a:r>
+            <a:endParaRPr lang="pt-PT" sz="2400" b="0" dirty="0">
+              <a:solidFill>
+                <a:schemeClr val="tx1"/>
+              </a:solidFill>
+            </a:endParaRPr>
           </a:p>
         </p:txBody>
       </p:sp>
@@ -4902,7 +5282,7 @@
   <p:timing>
     <p:tnLst>
       <p:par>
-        <p:cTn xmlns:p14="http://schemas.microsoft.com/office/powerpoint/2010/main" id="1" dur="indefinite" restart="never" nodeType="tmRoot"/>
+        <p:cTn id="1" dur="indefinite" restart="never" nodeType="tmRoot"/>
       </p:par>
     </p:tnLst>
   </p:timing>
@@ -4928,12 +5308,12 @@
       </p:grpSpPr>
       <p:sp>
         <p:nvSpPr>
-          <p:cNvPr id="6" name="Text Placeholder 5"/>
-          <p:cNvSpPr>
-            <a:spLocks noGrp="1"/>
-          </p:cNvSpPr>
-          <p:nvPr>
-            <p:ph type="body" sz="quarter" idx="11"/>
+          <p:cNvPr id="2" name="Title 1"/>
+          <p:cNvSpPr>
+            <a:spLocks noGrp="1"/>
+          </p:cNvSpPr>
+          <p:nvPr>
+            <p:ph type="title"/>
           </p:nvPr>
         </p:nvSpPr>
         <p:spPr/>
@@ -4941,85 +5321,303 @@
           <a:bodyPr/>
           <a:lstStyle/>
           <a:p>
-            <a:endParaRPr lang="en-US" dirty="0"/>
-          </a:p>
-        </p:txBody>
-      </p:sp>
-      <p:sp>
-        <p:nvSpPr>
-          <p:cNvPr id="29" name="Text Placeholder 28"/>
-          <p:cNvSpPr>
-            <a:spLocks noGrp="1"/>
-          </p:cNvSpPr>
-          <p:nvPr>
-            <p:ph type="body" sz="quarter" idx="10"/>
+            <a:r>
+              <a:rPr lang="en-US" dirty="0"/>
+              <a:t>Initial Dataset</a:t>
+            </a:r>
+            <a:endParaRPr lang="pt-PT" dirty="0"/>
+          </a:p>
+        </p:txBody>
+      </p:sp>
+      <p:sp>
+        <p:nvSpPr>
+          <p:cNvPr id="3" name="Content Placeholder 2"/>
+          <p:cNvSpPr>
+            <a:spLocks noGrp="1"/>
+          </p:cNvSpPr>
+          <p:nvPr>
+            <p:ph idx="1"/>
           </p:nvPr>
         </p:nvSpPr>
         <p:spPr/>
         <p:txBody>
-          <a:bodyPr/>
-          <a:lstStyle/>
-          <a:p>
-            <a:r>
-              <a:rPr lang="pt-PT" sz="16600" dirty="0" smtClean="0"/>
-              <a:t>02</a:t>
-            </a:r>
-            <a:endParaRPr lang="pt-PT" sz="16600" dirty="0"/>
-          </a:p>
-        </p:txBody>
-      </p:sp>
-      <p:sp>
-        <p:nvSpPr>
-          <p:cNvPr id="4" name="Title 3"/>
-          <p:cNvSpPr>
-            <a:spLocks noGrp="1"/>
-          </p:cNvSpPr>
-          <p:nvPr>
-            <p:ph type="title"/>
-          </p:nvPr>
-        </p:nvSpPr>
-        <p:spPr>
+          <a:bodyPr>
+            <a:normAutofit/>
+          </a:bodyPr>
+          <a:lstStyle/>
+          <a:p>
+            <a:r>
+              <a:rPr lang="en-US" sz="4000" dirty="0"/>
+              <a:t>Data </a:t>
+            </a:r>
+            <a:r>
+              <a:rPr lang="en-US" sz="4000" dirty="0" smtClean="0"/>
+              <a:t>sample</a:t>
+            </a:r>
+          </a:p>
+          <a:p>
+            <a:r>
+              <a:rPr lang="en-GB" sz="1000" b="0" dirty="0" smtClean="0">
+                <a:solidFill>
+                  <a:schemeClr val="tx1"/>
+                </a:solidFill>
+              </a:rPr>
+              <a:t>   (</a:t>
+            </a:r>
+            <a:r>
+              <a:rPr lang="en-GB" sz="1000" b="0" dirty="0">
+                <a:solidFill>
+                  <a:schemeClr val="tx1"/>
+                </a:solidFill>
+              </a:rPr>
+              <a:t>EntryGrades2016.xls)</a:t>
+            </a:r>
+            <a:endParaRPr lang="pt-PT" sz="1000" b="0" dirty="0">
+              <a:solidFill>
+                <a:schemeClr val="tx1"/>
+              </a:solidFill>
+            </a:endParaRPr>
+          </a:p>
+          <a:p>
+            <a:endParaRPr lang="pt-PT" sz="1000" b="0" dirty="0">
+              <a:solidFill>
+                <a:schemeClr val="tx1"/>
+              </a:solidFill>
+            </a:endParaRPr>
+          </a:p>
+          <a:p>
+            <a:endParaRPr lang="pt-PT" sz="1000" b="0" dirty="0">
+              <a:solidFill>
+                <a:schemeClr val="tx1"/>
+              </a:solidFill>
+            </a:endParaRPr>
+          </a:p>
+          <a:p>
+            <a:endParaRPr lang="pt-PT" sz="1000" b="0" dirty="0">
+              <a:solidFill>
+                <a:schemeClr val="tx1"/>
+              </a:solidFill>
+            </a:endParaRPr>
+          </a:p>
+          <a:p>
+            <a:r>
+              <a:rPr lang="en-GB" sz="1000" b="0" dirty="0" smtClean="0">
+                <a:solidFill>
+                  <a:schemeClr val="tx1"/>
+                </a:solidFill>
+              </a:rPr>
+              <a:t>    (</a:t>
+            </a:r>
+            <a:r>
+              <a:rPr lang="en-GB" sz="1000" b="0" dirty="0">
+                <a:solidFill>
+                  <a:schemeClr val="tx1"/>
+                </a:solidFill>
+              </a:rPr>
+              <a:t>Courses2007</a:t>
+            </a:r>
+            <a:r>
+              <a:rPr lang="en-GB" sz="1000" b="0" dirty="0" smtClean="0">
+                <a:solidFill>
+                  <a:schemeClr val="tx1"/>
+                </a:solidFill>
+              </a:rPr>
+              <a:t>.xls</a:t>
+            </a:r>
+            <a:r>
+              <a:rPr lang="en-GB" sz="1000" b="0" dirty="0">
+                <a:solidFill>
+                  <a:schemeClr val="tx1"/>
+                </a:solidFill>
+              </a:rPr>
+              <a:t>)</a:t>
+            </a:r>
+            <a:endParaRPr lang="pt-PT" sz="1000" b="0" dirty="0">
+              <a:solidFill>
+                <a:schemeClr val="tx1"/>
+              </a:solidFill>
+            </a:endParaRPr>
+          </a:p>
+          <a:p>
+            <a:endParaRPr lang="pt-PT" sz="1000" b="0" dirty="0">
+              <a:solidFill>
+                <a:schemeClr val="tx1"/>
+              </a:solidFill>
+            </a:endParaRPr>
+          </a:p>
+          <a:p>
+            <a:endParaRPr lang="pt-PT" sz="1000" b="0" dirty="0">
+              <a:solidFill>
+                <a:schemeClr val="tx1"/>
+              </a:solidFill>
+            </a:endParaRPr>
+          </a:p>
+          <a:p>
+            <a:endParaRPr lang="pt-PT" sz="1000" b="0" dirty="0">
+              <a:solidFill>
+                <a:schemeClr val="tx1"/>
+              </a:solidFill>
+            </a:endParaRPr>
+          </a:p>
+          <a:p>
+            <a:endParaRPr lang="pt-PT" sz="1000" b="0" dirty="0">
+              <a:solidFill>
+                <a:schemeClr val="tx1"/>
+              </a:solidFill>
+            </a:endParaRPr>
+          </a:p>
+          <a:p>
+            <a:r>
+              <a:rPr lang="pt-PT" sz="1000" b="0" dirty="0" smtClean="0">
+                <a:solidFill>
+                  <a:schemeClr val="tx1"/>
+                </a:solidFill>
+              </a:rPr>
+              <a:t>   </a:t>
+            </a:r>
+            <a:r>
+              <a:rPr lang="en-GB" sz="1000" b="0" dirty="0">
+                <a:solidFill>
+                  <a:schemeClr val="tx1"/>
+                </a:solidFill>
+              </a:rPr>
+              <a:t> </a:t>
+            </a:r>
+            <a:r>
+              <a:rPr lang="en-GB" sz="1000" b="0" dirty="0" smtClean="0">
+                <a:solidFill>
+                  <a:schemeClr val="tx1"/>
+                </a:solidFill>
+              </a:rPr>
+              <a:t>(Courses2015.xls</a:t>
+            </a:r>
+            <a:r>
+              <a:rPr lang="en-GB" sz="1000" b="0" dirty="0">
+                <a:solidFill>
+                  <a:schemeClr val="tx1"/>
+                </a:solidFill>
+              </a:rPr>
+              <a:t>)</a:t>
+            </a:r>
+            <a:endParaRPr lang="pt-PT" sz="1000" b="0" dirty="0">
+              <a:solidFill>
+                <a:schemeClr val="tx1"/>
+              </a:solidFill>
+            </a:endParaRPr>
+          </a:p>
+          <a:p>
+            <a:endParaRPr lang="pt-PT" sz="1000" b="0" dirty="0">
+              <a:solidFill>
+                <a:schemeClr val="tx1"/>
+              </a:solidFill>
+            </a:endParaRPr>
+          </a:p>
+          <a:p>
+            <a:endParaRPr lang="pt-PT" sz="1000" b="0" dirty="0">
+              <a:solidFill>
+                <a:schemeClr val="tx1"/>
+              </a:solidFill>
+            </a:endParaRPr>
+          </a:p>
+          <a:p>
+            <a:endParaRPr lang="en-US" sz="4000" dirty="0"/>
+          </a:p>
+        </p:txBody>
+      </p:sp>
+      <p:pic>
+        <p:nvPicPr>
+          <p:cNvPr id="5" name="Imagem 7"/>
+          <p:cNvPicPr/>
+          <p:nvPr/>
+        </p:nvPicPr>
+        <p:blipFill>
+          <a:blip r:embed="rId3"/>
+          <a:srcRect l="2478" t="24802" r="1897" b="37103"/>
+          <a:stretch>
+            <a:fillRect/>
+          </a:stretch>
+        </p:blipFill>
+        <p:spPr bwMode="auto">
           <a:xfrm>
-            <a:off x="1907704" y="3214686"/>
-            <a:ext cx="7160096" cy="3033714"/>
+            <a:off x="681912" y="3861048"/>
+            <a:ext cx="7340068" cy="1512168"/>
           </a:xfrm>
-          <a:solidFill>
-            <a:srgbClr val="FFFFFF">
-              <a:alpha val="80000"/>
-            </a:srgbClr>
-          </a:solidFill>
+          <a:prstGeom prst="rect">
+            <a:avLst/>
+          </a:prstGeom>
+          <a:noFill/>
+          <a:ln w="9525">
+            <a:noFill/>
+            <a:miter lim="800000"/>
+            <a:headEnd/>
+            <a:tailEnd/>
+          </a:ln>
         </p:spPr>
-        <p:txBody>
-          <a:bodyPr rIns="288000">
-            <a:noAutofit/>
-          </a:bodyPr>
-          <a:lstStyle/>
-          <a:p>
-            <a:pPr marL="0" algn="r"/>
-            <a:r>
-              <a:rPr lang="pt-PT" sz="6000" dirty="0" err="1" smtClean="0"/>
-              <a:t>Selected</a:t>
-            </a:r>
-            <a:r>
-              <a:rPr lang="pt-PT" sz="6000" dirty="0" smtClean="0"/>
-              <a:t> / </a:t>
-            </a:r>
-            <a:r>
-              <a:rPr lang="pt-PT" sz="6000" dirty="0" err="1" smtClean="0"/>
-              <a:t>derived</a:t>
-            </a:r>
-            <a:r>
-              <a:rPr lang="pt-PT" sz="6000" dirty="0" smtClean="0"/>
-              <a:t> data</a:t>
-            </a:r>
-            <a:endParaRPr lang="pt-PT" sz="6000" dirty="0"/>
-          </a:p>
-        </p:txBody>
-      </p:sp>
+      </p:pic>
+      <p:pic>
+        <p:nvPicPr>
+          <p:cNvPr id="6" name="Imagem 4"/>
+          <p:cNvPicPr/>
+          <p:nvPr/>
+        </p:nvPicPr>
+        <p:blipFill>
+          <a:blip r:embed="rId4"/>
+          <a:srcRect l="1474" t="23611" r="10375" b="60516"/>
+          <a:stretch>
+            <a:fillRect/>
+          </a:stretch>
+        </p:blipFill>
+        <p:spPr bwMode="auto">
+          <a:xfrm>
+            <a:off x="683568" y="5805264"/>
+            <a:ext cx="7659152" cy="720080"/>
+          </a:xfrm>
+          <a:prstGeom prst="rect">
+            <a:avLst/>
+          </a:prstGeom>
+          <a:noFill/>
+          <a:ln w="9525">
+            <a:noFill/>
+            <a:miter lim="800000"/>
+            <a:headEnd/>
+            <a:tailEnd/>
+          </a:ln>
+        </p:spPr>
+      </p:pic>
+      <p:pic>
+        <p:nvPicPr>
+          <p:cNvPr id="7" name="Imagem 1"/>
+          <p:cNvPicPr/>
+          <p:nvPr/>
+        </p:nvPicPr>
+        <p:blipFill>
+          <a:blip r:embed="rId5"/>
+          <a:srcRect l="1920" t="30159" r="5244" b="43055"/>
+          <a:stretch>
+            <a:fillRect/>
+          </a:stretch>
+        </p:blipFill>
+        <p:spPr bwMode="auto">
+          <a:xfrm>
+            <a:off x="647150" y="2348880"/>
+            <a:ext cx="7374830" cy="1246049"/>
+          </a:xfrm>
+          <a:prstGeom prst="rect">
+            <a:avLst/>
+          </a:prstGeom>
+          <a:noFill/>
+          <a:ln w="9525">
+            <a:noFill/>
+            <a:miter lim="800000"/>
+            <a:headEnd/>
+            <a:tailEnd/>
+          </a:ln>
+        </p:spPr>
+      </p:pic>
     </p:spTree>
     <p:extLst>
       <p:ext uri="{BB962C8B-B14F-4D97-AF65-F5344CB8AC3E}">
-        <p14:creationId xmlns:p14="http://schemas.microsoft.com/office/powerpoint/2010/main" val="627357321"/>
+        <p14:creationId xmlns:p14="http://schemas.microsoft.com/office/powerpoint/2010/main" val="1307573410"/>
       </p:ext>
     </p:extLst>
   </p:cSld>
@@ -5029,7 +5627,7 @@
   <p:timing>
     <p:tnLst>
       <p:par>
-        <p:cTn xmlns:p14="http://schemas.microsoft.com/office/powerpoint/2010/main" id="1" dur="indefinite" restart="never" nodeType="tmRoot"/>
+        <p:cTn id="1" dur="indefinite" restart="never" nodeType="tmRoot"/>
       </p:par>
     </p:tnLst>
   </p:timing>
@@ -5055,7 +5653,49 @@
       </p:grpSpPr>
       <p:sp>
         <p:nvSpPr>
-          <p:cNvPr id="2" name="Title 1"/>
+          <p:cNvPr id="6" name="Text Placeholder 5"/>
+          <p:cNvSpPr>
+            <a:spLocks noGrp="1"/>
+          </p:cNvSpPr>
+          <p:nvPr>
+            <p:ph type="body" sz="quarter" idx="11"/>
+          </p:nvPr>
+        </p:nvSpPr>
+        <p:spPr/>
+        <p:txBody>
+          <a:bodyPr/>
+          <a:lstStyle/>
+          <a:p>
+            <a:endParaRPr lang="en-US" dirty="0"/>
+          </a:p>
+        </p:txBody>
+      </p:sp>
+      <p:sp>
+        <p:nvSpPr>
+          <p:cNvPr id="29" name="Text Placeholder 28"/>
+          <p:cNvSpPr>
+            <a:spLocks noGrp="1"/>
+          </p:cNvSpPr>
+          <p:nvPr>
+            <p:ph type="body" sz="quarter" idx="10"/>
+          </p:nvPr>
+        </p:nvSpPr>
+        <p:spPr/>
+        <p:txBody>
+          <a:bodyPr/>
+          <a:lstStyle/>
+          <a:p>
+            <a:r>
+              <a:rPr lang="pt-PT" sz="16600" dirty="0" smtClean="0"/>
+              <a:t>02</a:t>
+            </a:r>
+            <a:endParaRPr lang="pt-PT" sz="16600" dirty="0"/>
+          </a:p>
+        </p:txBody>
+      </p:sp>
+      <p:sp>
+        <p:nvSpPr>
+          <p:cNvPr id="4" name="Title 3"/>
           <p:cNvSpPr>
             <a:spLocks noGrp="1"/>
           </p:cNvSpPr>
@@ -5063,52 +5703,48 @@
             <p:ph type="title"/>
           </p:nvPr>
         </p:nvSpPr>
-        <p:spPr/>
-        <p:txBody>
-          <a:bodyPr/>
-          <a:lstStyle/>
-          <a:p>
-            <a:r>
-              <a:rPr lang="en-US" dirty="0" smtClean="0"/>
-              <a:t>Selected data</a:t>
-            </a:r>
-            <a:endParaRPr lang="pt-PT" dirty="0"/>
-          </a:p>
-        </p:txBody>
-      </p:sp>
-      <p:sp>
-        <p:nvSpPr>
-          <p:cNvPr id="3" name="Content Placeholder 2"/>
-          <p:cNvSpPr>
-            <a:spLocks noGrp="1"/>
-          </p:cNvSpPr>
-          <p:nvPr>
-            <p:ph idx="1"/>
-          </p:nvPr>
-        </p:nvSpPr>
-        <p:spPr/>
-        <p:txBody>
-          <a:bodyPr>
+        <p:spPr>
+          <a:xfrm>
+            <a:off x="1907704" y="3214686"/>
+            <a:ext cx="7160096" cy="3033714"/>
+          </a:xfrm>
+          <a:solidFill>
+            <a:srgbClr val="FFFFFF">
+              <a:alpha val="80000"/>
+            </a:srgbClr>
+          </a:solidFill>
+        </p:spPr>
+        <p:txBody>
+          <a:bodyPr rIns="288000">
             <a:noAutofit/>
           </a:bodyPr>
           <a:lstStyle/>
           <a:p>
-            <a:r>
-              <a:rPr lang="en-US" sz="4000" dirty="0" smtClean="0"/>
-              <a:t>Data description</a:t>
-            </a:r>
-            <a:endParaRPr lang="en-US" sz="4000" dirty="0" smtClean="0"/>
-          </a:p>
-          <a:p>
-            <a:pPr lvl="1"/>
-            <a:endParaRPr lang="en-US" dirty="0" smtClean="0"/>
+            <a:pPr marL="0" algn="r"/>
+            <a:r>
+              <a:rPr lang="pt-PT" sz="6000" dirty="0" err="1" smtClean="0"/>
+              <a:t>Selected</a:t>
+            </a:r>
+            <a:r>
+              <a:rPr lang="pt-PT" sz="6000" dirty="0" smtClean="0"/>
+              <a:t> / </a:t>
+            </a:r>
+            <a:r>
+              <a:rPr lang="pt-PT" sz="6000" dirty="0" err="1" smtClean="0"/>
+              <a:t>derived</a:t>
+            </a:r>
+            <a:r>
+              <a:rPr lang="pt-PT" sz="6000" dirty="0" smtClean="0"/>
+              <a:t> data</a:t>
+            </a:r>
+            <a:endParaRPr lang="pt-PT" sz="6000" dirty="0"/>
           </a:p>
         </p:txBody>
       </p:sp>
     </p:spTree>
     <p:extLst>
       <p:ext uri="{BB962C8B-B14F-4D97-AF65-F5344CB8AC3E}">
-        <p14:creationId xmlns:p14="http://schemas.microsoft.com/office/powerpoint/2010/main" val="2962997025"/>
+        <p14:creationId xmlns:p14="http://schemas.microsoft.com/office/powerpoint/2010/main" val="627357321"/>
       </p:ext>
     </p:extLst>
   </p:cSld>
@@ -5118,7 +5754,7 @@
   <p:timing>
     <p:tnLst>
       <p:par>
-        <p:cTn xmlns:p14="http://schemas.microsoft.com/office/powerpoint/2010/main" id="1" dur="indefinite" restart="never" nodeType="tmRoot"/>
+        <p:cTn id="1" dur="indefinite" restart="never" nodeType="tmRoot"/>
       </p:par>
     </p:tnLst>
   </p:timing>
@@ -5159,7 +5795,7 @@
           <a:p>
             <a:r>
               <a:rPr lang="en-US" dirty="0" smtClean="0"/>
-              <a:t>Derived data</a:t>
+              <a:t>Selected data</a:t>
             </a:r>
             <a:endParaRPr lang="pt-PT" dirty="0"/>
           </a:p>
@@ -5175,7 +5811,12 @@
             <p:ph idx="1"/>
           </p:nvPr>
         </p:nvSpPr>
-        <p:spPr/>
+        <p:spPr>
+          <a:xfrm>
+            <a:off x="457200" y="1285860"/>
+            <a:ext cx="8229600" cy="2575188"/>
+          </a:xfrm>
+        </p:spPr>
         <p:txBody>
           <a:bodyPr>
             <a:noAutofit/>
@@ -5184,34 +5825,140 @@
           <a:p>
             <a:r>
               <a:rPr lang="en-US" sz="4000" dirty="0" smtClean="0"/>
-              <a:t>Derived data description</a:t>
-            </a:r>
-          </a:p>
-          <a:p>
-            <a:pPr lvl="1"/>
-            <a:r>
-              <a:rPr lang="en-US" sz="3600" dirty="0" smtClean="0"/>
-              <a:t>Which measures?</a:t>
-            </a:r>
-          </a:p>
-          <a:p>
-            <a:pPr lvl="1"/>
-            <a:r>
-              <a:rPr lang="en-US" sz="3600" dirty="0" smtClean="0"/>
-              <a:t>Why?</a:t>
-            </a:r>
-            <a:endParaRPr lang="en-US" sz="3600" dirty="0" smtClean="0"/>
-          </a:p>
-          <a:p>
-            <a:pPr lvl="1"/>
-            <a:endParaRPr lang="en-US" dirty="0" smtClean="0"/>
+              <a:t>Data description</a:t>
+            </a:r>
+          </a:p>
+          <a:p>
+            <a:pPr algn="just">
+              <a:buFont typeface="Arial" panose="020B0604020202020204" pitchFamily="34" charset="0"/>
+              <a:buChar char="•"/>
+            </a:pPr>
+            <a:r>
+              <a:rPr lang="en-GB" sz="2400" b="0" dirty="0">
+                <a:solidFill>
+                  <a:schemeClr val="tx1"/>
+                </a:solidFill>
+              </a:rPr>
+              <a:t>We selected the following attributes: Year, Course Name, </a:t>
+            </a:r>
+            <a:r>
+              <a:rPr lang="en-GB" sz="2400" b="0" dirty="0" smtClean="0">
+                <a:solidFill>
+                  <a:schemeClr val="tx1"/>
+                </a:solidFill>
+              </a:rPr>
+              <a:t>Course Code</a:t>
+            </a:r>
+            <a:r>
+              <a:rPr lang="en-GB" sz="2400" b="0" dirty="0">
+                <a:solidFill>
+                  <a:schemeClr val="tx1"/>
+                </a:solidFill>
+              </a:rPr>
+              <a:t>, University Name, University Code, Degree Level, Total Unemployed, Total Graduates, Course Area Code and Course Area </a:t>
+            </a:r>
+            <a:r>
+              <a:rPr lang="en-GB" sz="2400" b="0" dirty="0" smtClean="0">
+                <a:solidFill>
+                  <a:schemeClr val="tx1"/>
+                </a:solidFill>
+              </a:rPr>
+              <a:t>Name</a:t>
+            </a:r>
+            <a:endParaRPr lang="pt-PT" sz="2400" b="0" dirty="0">
+              <a:solidFill>
+                <a:schemeClr val="tx1"/>
+              </a:solidFill>
+            </a:endParaRPr>
+          </a:p>
+        </p:txBody>
+      </p:sp>
+      <p:pic>
+        <p:nvPicPr>
+          <p:cNvPr id="1026" name="Picture 2" descr="C:\Users\Mário\Dropbox\Capturas de tela\Screenshot 2016-10-20 16.33.37.png"/>
+          <p:cNvPicPr>
+            <a:picLocks noChangeAspect="1" noChangeArrowheads="1"/>
+          </p:cNvPicPr>
+          <p:nvPr/>
+        </p:nvPicPr>
+        <p:blipFill>
+          <a:blip r:embed="rId3">
+            <a:extLst>
+              <a:ext uri="{28A0092B-C50C-407E-A947-70E740481C1C}">
+                <a14:useLocalDpi xmlns:a14="http://schemas.microsoft.com/office/drawing/2010/main" val="0"/>
+              </a:ext>
+            </a:extLst>
+          </a:blip>
+          <a:srcRect/>
+          <a:stretch>
+            <a:fillRect/>
+          </a:stretch>
+        </p:blipFill>
+        <p:spPr bwMode="auto">
+          <a:xfrm>
+            <a:off x="5941641" y="3381843"/>
+            <a:ext cx="2734815" cy="2855469"/>
+          </a:xfrm>
+          <a:prstGeom prst="rect">
+            <a:avLst/>
+          </a:prstGeom>
+          <a:noFill/>
+          <a:extLst>
+            <a:ext uri="{909E8E84-426E-40DD-AFC4-6F175D3DCCD1}">
+              <a14:hiddenFill xmlns:a14="http://schemas.microsoft.com/office/drawing/2010/main">
+                <a:solidFill>
+                  <a:srgbClr val="FFFFFF"/>
+                </a:solidFill>
+              </a14:hiddenFill>
+            </a:ext>
+          </a:extLst>
+        </p:spPr>
+      </p:pic>
+      <p:sp>
+        <p:nvSpPr>
+          <p:cNvPr id="4" name="TextBox 3"/>
+          <p:cNvSpPr txBox="1"/>
+          <p:nvPr/>
+        </p:nvSpPr>
+        <p:spPr>
+          <a:xfrm flipH="1">
+            <a:off x="467544" y="3856980"/>
+            <a:ext cx="5328593" cy="2308324"/>
+          </a:xfrm>
+          <a:prstGeom prst="rect">
+            <a:avLst/>
+          </a:prstGeom>
+          <a:noFill/>
+        </p:spPr>
+        <p:txBody>
+          <a:bodyPr wrap="square" rtlCol="0">
+            <a:spAutoFit/>
+          </a:bodyPr>
+          <a:lstStyle/>
+          <a:p>
+            <a:pPr marL="342900" indent="-342900" algn="just">
+              <a:spcBef>
+                <a:spcPts val="1800"/>
+              </a:spcBef>
+              <a:buFont typeface="Arial" pitchFamily="34" charset="0"/>
+              <a:buChar char="•"/>
+            </a:pPr>
+            <a:r>
+              <a:rPr lang="en-GB" sz="2400" dirty="0"/>
+              <a:t>A little explanation about course areas, there are 3 hierarchical levels but top level has many roots “it is a forest of trees”, the image at right summarize the idea (Leaves are the courses</a:t>
+            </a:r>
+            <a:r>
+              <a:rPr lang="en-GB" sz="2400" dirty="0" smtClean="0"/>
+              <a:t>).</a:t>
+            </a:r>
+            <a:endParaRPr lang="en-US" sz="2400" dirty="0"/>
           </a:p>
         </p:txBody>
       </p:sp>
     </p:spTree>
     <p:extLst>
       <p:ext uri="{BB962C8B-B14F-4D97-AF65-F5344CB8AC3E}">
-        <p14:creationId xmlns:p14="http://schemas.microsoft.com/office/powerpoint/2010/main" val="1783310095"/>
+        <p14:creationId xmlns:p14="http://schemas.microsoft.com/office/powerpoint/2010/main" val="2962997025"/>
       </p:ext>
     </p:extLst>
   </p:cSld>
@@ -5221,7 +5968,7 @@
   <p:timing>
     <p:tnLst>
       <p:par>
-        <p:cTn xmlns:p14="http://schemas.microsoft.com/office/powerpoint/2010/main" id="1" dur="indefinite" restart="never" nodeType="tmRoot"/>
+        <p:cTn id="1" dur="indefinite" restart="never" nodeType="tmRoot"/>
       </p:par>
     </p:tnLst>
   </p:timing>
@@ -5247,12 +5994,12 @@
       </p:grpSpPr>
       <p:sp>
         <p:nvSpPr>
-          <p:cNvPr id="6" name="Text Placeholder 5"/>
-          <p:cNvSpPr>
-            <a:spLocks noGrp="1"/>
-          </p:cNvSpPr>
-          <p:nvPr>
-            <p:ph type="body" sz="quarter" idx="11"/>
+          <p:cNvPr id="2" name="Title 1"/>
+          <p:cNvSpPr>
+            <a:spLocks noGrp="1"/>
+          </p:cNvSpPr>
+          <p:nvPr>
+            <p:ph type="title"/>
           </p:nvPr>
         </p:nvSpPr>
         <p:spPr/>
@@ -5260,77 +6007,189 @@
           <a:bodyPr/>
           <a:lstStyle/>
           <a:p>
-            <a:endParaRPr lang="en-US" dirty="0"/>
-          </a:p>
-        </p:txBody>
-      </p:sp>
-      <p:sp>
-        <p:nvSpPr>
-          <p:cNvPr id="29" name="Text Placeholder 28"/>
-          <p:cNvSpPr>
-            <a:spLocks noGrp="1"/>
-          </p:cNvSpPr>
-          <p:nvPr>
-            <p:ph type="body" sz="quarter" idx="10"/>
+            <a:r>
+              <a:rPr lang="en-US" dirty="0" smtClean="0"/>
+              <a:t>Derived data</a:t>
+            </a:r>
+            <a:endParaRPr lang="pt-PT" dirty="0"/>
+          </a:p>
+        </p:txBody>
+      </p:sp>
+      <p:sp>
+        <p:nvSpPr>
+          <p:cNvPr id="3" name="Content Placeholder 2"/>
+          <p:cNvSpPr>
+            <a:spLocks noGrp="1"/>
+          </p:cNvSpPr>
+          <p:nvPr>
+            <p:ph idx="1"/>
           </p:nvPr>
         </p:nvSpPr>
         <p:spPr/>
         <p:txBody>
-          <a:bodyPr/>
-          <a:lstStyle/>
-          <a:p>
-            <a:r>
-              <a:rPr lang="pt-PT" sz="16600" dirty="0" smtClean="0"/>
-              <a:t>03</a:t>
-            </a:r>
-            <a:endParaRPr lang="pt-PT" sz="16600" dirty="0"/>
-          </a:p>
-        </p:txBody>
-      </p:sp>
-      <p:sp>
-        <p:nvSpPr>
-          <p:cNvPr id="4" name="Title 3"/>
-          <p:cNvSpPr>
-            <a:spLocks noGrp="1"/>
-          </p:cNvSpPr>
-          <p:nvPr>
-            <p:ph type="title"/>
-          </p:nvPr>
-        </p:nvSpPr>
-        <p:spPr>
-          <a:xfrm>
-            <a:off x="2281222" y="3214686"/>
-            <a:ext cx="6786578" cy="3033714"/>
-          </a:xfrm>
-          <a:solidFill>
-            <a:srgbClr val="FFFFFF">
-              <a:alpha val="80000"/>
-            </a:srgbClr>
-          </a:solidFill>
-        </p:spPr>
-        <p:txBody>
-          <a:bodyPr rIns="288000">
+          <a:bodyPr>
             <a:noAutofit/>
           </a:bodyPr>
           <a:lstStyle/>
           <a:p>
-            <a:pPr marL="0" algn="r"/>
-            <a:r>
-              <a:rPr lang="pt-PT" sz="6000" dirty="0" smtClean="0"/>
-              <a:t>Data </a:t>
-            </a:r>
-            <a:r>
-              <a:rPr lang="pt-PT" sz="6000" dirty="0" err="1" smtClean="0"/>
-              <a:t>abstraction</a:t>
-            </a:r>
-            <a:endParaRPr lang="pt-PT" sz="6000" dirty="0"/>
+            <a:r>
+              <a:rPr lang="en-US" sz="4000" dirty="0" smtClean="0"/>
+              <a:t>Derived data description</a:t>
+            </a:r>
+          </a:p>
+          <a:p>
+            <a:r>
+              <a:rPr lang="en-GB" sz="2400" b="0" dirty="0">
+                <a:solidFill>
+                  <a:schemeClr val="tx1"/>
+                </a:solidFill>
+              </a:rPr>
+              <a:t>We calculated the following derived measures for each year</a:t>
+            </a:r>
+            <a:r>
+              <a:rPr lang="en-GB" sz="2400" b="0" dirty="0" smtClean="0">
+                <a:solidFill>
+                  <a:schemeClr val="tx1"/>
+                </a:solidFill>
+              </a:rPr>
+              <a:t>:</a:t>
+            </a:r>
+            <a:endParaRPr lang="pt-PT" sz="2400" b="0" dirty="0">
+              <a:solidFill>
+                <a:schemeClr val="tx1"/>
+              </a:solidFill>
+            </a:endParaRPr>
+          </a:p>
+          <a:p>
+            <a:pPr lvl="0">
+              <a:buFont typeface="Arial" panose="020B0604020202020204" pitchFamily="34" charset="0"/>
+              <a:buChar char="•"/>
+            </a:pPr>
+            <a:r>
+              <a:rPr lang="en-GB" sz="2400" dirty="0">
+                <a:solidFill>
+                  <a:schemeClr val="tx1"/>
+                </a:solidFill>
+              </a:rPr>
+              <a:t>% Unemployment By </a:t>
+            </a:r>
+            <a:r>
+              <a:rPr lang="en-GB" sz="2400" dirty="0" smtClean="0">
+                <a:solidFill>
+                  <a:schemeClr val="tx1"/>
+                </a:solidFill>
+              </a:rPr>
+              <a:t>Course</a:t>
+            </a:r>
+          </a:p>
+          <a:p>
+            <a:pPr marL="0" lvl="0" indent="0"/>
+            <a:r>
+              <a:rPr lang="en-GB" sz="2400" b="0" dirty="0" smtClean="0">
+                <a:solidFill>
+                  <a:schemeClr val="tx1"/>
+                </a:solidFill>
+              </a:rPr>
+              <a:t>(100 </a:t>
+            </a:r>
+            <a:r>
+              <a:rPr lang="en-GB" sz="2400" b="0" dirty="0">
+                <a:solidFill>
+                  <a:schemeClr val="tx1"/>
+                </a:solidFill>
+              </a:rPr>
+              <a:t>* Total Unemployed of Course/ Total Graduates of </a:t>
+            </a:r>
+            <a:r>
+              <a:rPr lang="en-GB" sz="2400" b="0" dirty="0" smtClean="0">
+                <a:solidFill>
+                  <a:schemeClr val="tx1"/>
+                </a:solidFill>
+              </a:rPr>
+              <a:t>Course)</a:t>
+            </a:r>
+          </a:p>
+          <a:p>
+            <a:pPr marL="0" lvl="0" indent="0"/>
+            <a:r>
+              <a:rPr lang="en-GB" sz="2400" dirty="0" smtClean="0">
+                <a:solidFill>
+                  <a:schemeClr val="tx1"/>
+                </a:solidFill>
+              </a:rPr>
+              <a:t>Task </a:t>
+            </a:r>
+            <a:r>
+              <a:rPr lang="en-GB" sz="2400" dirty="0">
+                <a:solidFill>
+                  <a:schemeClr val="tx1"/>
+                </a:solidFill>
+              </a:rPr>
+              <a:t>1:</a:t>
+            </a:r>
+            <a:r>
+              <a:rPr lang="en-GB" sz="2400" b="0" dirty="0">
+                <a:solidFill>
+                  <a:schemeClr val="tx1"/>
+                </a:solidFill>
+              </a:rPr>
+              <a:t> Compare the unemployment (%) of different courses (regardless of course conclusion year of the </a:t>
+            </a:r>
+            <a:r>
+              <a:rPr lang="en-GB" sz="2400" b="0" dirty="0" smtClean="0">
+                <a:solidFill>
+                  <a:schemeClr val="tx1"/>
+                </a:solidFill>
+              </a:rPr>
+              <a:t>graduates)</a:t>
+            </a:r>
+          </a:p>
+          <a:p>
+            <a:pPr marL="0" lvl="0" indent="0"/>
+            <a:r>
+              <a:rPr lang="en-GB" sz="2400" dirty="0" smtClean="0">
+                <a:solidFill>
+                  <a:schemeClr val="tx1"/>
+                </a:solidFill>
+              </a:rPr>
+              <a:t>Task </a:t>
+            </a:r>
+            <a:r>
+              <a:rPr lang="en-GB" sz="2400" dirty="0">
+                <a:solidFill>
+                  <a:schemeClr val="tx1"/>
+                </a:solidFill>
+              </a:rPr>
+              <a:t>2: </a:t>
+            </a:r>
+            <a:r>
+              <a:rPr lang="en-GB" sz="2400" b="0" dirty="0">
+                <a:solidFill>
+                  <a:schemeClr val="tx1"/>
+                </a:solidFill>
+              </a:rPr>
+              <a:t>Present the information about unemployment (%) from a specific course graduates across </a:t>
+            </a:r>
+            <a:r>
+              <a:rPr lang="en-GB" sz="2400" b="0" dirty="0" smtClean="0">
+                <a:solidFill>
+                  <a:schemeClr val="tx1"/>
+                </a:solidFill>
+              </a:rPr>
+              <a:t>time.</a:t>
+            </a:r>
+            <a:endParaRPr lang="pt-PT" sz="2400" b="0" dirty="0">
+              <a:solidFill>
+                <a:schemeClr val="tx1"/>
+              </a:solidFill>
+            </a:endParaRPr>
           </a:p>
         </p:txBody>
       </p:sp>
     </p:spTree>
     <p:extLst>
       <p:ext uri="{BB962C8B-B14F-4D97-AF65-F5344CB8AC3E}">
-        <p14:creationId xmlns:p14="http://schemas.microsoft.com/office/powerpoint/2010/main" val="760072998"/>
+        <p14:creationId xmlns:p14="http://schemas.microsoft.com/office/powerpoint/2010/main" val="1783310095"/>
       </p:ext>
     </p:extLst>
   </p:cSld>
@@ -5340,7 +6199,7 @@
   <p:timing>
     <p:tnLst>
       <p:par>
-        <p:cTn xmlns:p14="http://schemas.microsoft.com/office/powerpoint/2010/main" id="1" dur="indefinite" restart="never" nodeType="tmRoot"/>
+        <p:cTn id="1" dur="indefinite" restart="never" nodeType="tmRoot"/>
       </p:par>
     </p:tnLst>
   </p:timing>
@@ -5380,8 +6239,8 @@
           <a:lstStyle/>
           <a:p>
             <a:r>
-              <a:rPr lang="en-US" dirty="0" smtClean="0"/>
-              <a:t>Data abstraction</a:t>
+              <a:rPr lang="en-US" dirty="0"/>
+              <a:t>Derived data</a:t>
             </a:r>
             <a:endParaRPr lang="pt-PT" dirty="0"/>
           </a:p>
@@ -5399,54 +6258,194 @@
         </p:nvSpPr>
         <p:spPr>
           <a:xfrm>
-            <a:off x="457200" y="1094346"/>
-            <a:ext cx="8229600" cy="5214974"/>
+            <a:off x="457200" y="1285860"/>
+            <a:ext cx="8229600" cy="4015348"/>
           </a:xfrm>
         </p:spPr>
         <p:txBody>
           <a:bodyPr>
-            <a:noAutofit/>
+            <a:normAutofit lnSpcReduction="10000"/>
           </a:bodyPr>
           <a:lstStyle/>
           <a:p>
-            <a:r>
-              <a:rPr lang="en-US" sz="3600" dirty="0" smtClean="0"/>
-              <a:t>Description:</a:t>
-            </a:r>
-            <a:endParaRPr lang="en-US" sz="3600" dirty="0" smtClean="0"/>
-          </a:p>
-          <a:p>
-            <a:pPr lvl="1"/>
-            <a:endParaRPr lang="en-US" sz="3200" dirty="0" smtClean="0"/>
-          </a:p>
-          <a:p>
-            <a:r>
-              <a:rPr lang="en-US" sz="3600" dirty="0" smtClean="0"/>
-              <a:t>Dataset type:</a:t>
-            </a:r>
-          </a:p>
-          <a:p>
-            <a:endParaRPr lang="en-US" sz="3600" dirty="0" smtClean="0"/>
+            <a:pPr lvl="0">
+              <a:buFont typeface="Arial" panose="020B0604020202020204" pitchFamily="34" charset="0"/>
+              <a:buChar char="•"/>
+            </a:pPr>
+            <a:r>
+              <a:rPr lang="en-GB" sz="2400" dirty="0">
+                <a:solidFill>
+                  <a:schemeClr val="tx1"/>
+                </a:solidFill>
+              </a:rPr>
+              <a:t>% Unemployment by Each </a:t>
+            </a:r>
+            <a:r>
+              <a:rPr lang="en-GB" sz="2400" dirty="0" smtClean="0">
+                <a:solidFill>
+                  <a:schemeClr val="tx1"/>
+                </a:solidFill>
+              </a:rPr>
+              <a:t>University</a:t>
+            </a:r>
+          </a:p>
+          <a:p>
+            <a:pPr marL="0" lvl="0" indent="0"/>
+            <a:r>
+              <a:rPr lang="en-GB" sz="2400" b="0" dirty="0" smtClean="0">
+                <a:solidFill>
+                  <a:schemeClr val="tx1"/>
+                </a:solidFill>
+              </a:rPr>
+              <a:t>(100 </a:t>
+            </a:r>
+            <a:r>
+              <a:rPr lang="en-GB" sz="2400" b="0" dirty="0">
+                <a:solidFill>
+                  <a:schemeClr val="tx1"/>
+                </a:solidFill>
+              </a:rPr>
+              <a:t>* Total Unemployed of University/ Total Graduates of </a:t>
+            </a:r>
+            <a:r>
+              <a:rPr lang="en-GB" sz="2400" b="0" dirty="0" smtClean="0">
+                <a:solidFill>
+                  <a:schemeClr val="tx1"/>
+                </a:solidFill>
+              </a:rPr>
+              <a:t>University)</a:t>
+            </a:r>
+          </a:p>
+          <a:p>
+            <a:pPr marL="0" lvl="0" indent="0"/>
+            <a:r>
+              <a:rPr lang="en-GB" sz="2400" dirty="0" smtClean="0">
+                <a:solidFill>
+                  <a:schemeClr val="tx1"/>
+                </a:solidFill>
+              </a:rPr>
+              <a:t>Task </a:t>
+            </a:r>
+            <a:r>
+              <a:rPr lang="en-GB" sz="2400" dirty="0">
+                <a:solidFill>
+                  <a:schemeClr val="tx1"/>
+                </a:solidFill>
+              </a:rPr>
+              <a:t>3: </a:t>
+            </a:r>
+            <a:r>
+              <a:rPr lang="en-GB" sz="2400" b="0" dirty="0">
+                <a:solidFill>
+                  <a:schemeClr val="tx1"/>
+                </a:solidFill>
+              </a:rPr>
+              <a:t>Identify the university with more unemployment (%)</a:t>
+            </a:r>
+            <a:endParaRPr lang="pt-PT" sz="2400" b="0" dirty="0">
+              <a:solidFill>
+                <a:schemeClr val="tx1"/>
+              </a:solidFill>
+            </a:endParaRPr>
+          </a:p>
+          <a:p>
+            <a:pPr lvl="0">
+              <a:buFont typeface="Arial" panose="020B0604020202020204" pitchFamily="34" charset="0"/>
+              <a:buChar char="•"/>
+            </a:pPr>
+            <a:r>
+              <a:rPr lang="en-GB" sz="2400" dirty="0">
+                <a:solidFill>
+                  <a:schemeClr val="tx1"/>
+                </a:solidFill>
+              </a:rPr>
+              <a:t>% Unemployment By Each Area Level </a:t>
+            </a:r>
+            <a:endParaRPr lang="en-GB" sz="2400" dirty="0" smtClean="0">
+              <a:solidFill>
+                <a:schemeClr val="tx1"/>
+              </a:solidFill>
+            </a:endParaRPr>
+          </a:p>
+          <a:p>
+            <a:pPr marL="0" lvl="0" indent="0"/>
+            <a:r>
+              <a:rPr lang="en-GB" sz="2400" b="0" dirty="0" smtClean="0">
+                <a:solidFill>
+                  <a:schemeClr val="tx1"/>
+                </a:solidFill>
+              </a:rPr>
+              <a:t>(</a:t>
+            </a:r>
+            <a:r>
+              <a:rPr lang="en-GB" sz="2400" b="0" dirty="0">
+                <a:solidFill>
+                  <a:schemeClr val="tx1"/>
+                </a:solidFill>
+              </a:rPr>
+              <a:t>100 * Total Unemployed of Area/ Total Graduates of </a:t>
+            </a:r>
+            <a:r>
+              <a:rPr lang="en-GB" sz="2400" b="0" dirty="0" smtClean="0">
+                <a:solidFill>
+                  <a:schemeClr val="tx1"/>
+                </a:solidFill>
+              </a:rPr>
+              <a:t>Area)</a:t>
+            </a:r>
+          </a:p>
+          <a:p>
+            <a:pPr marL="0" lvl="0" indent="0"/>
+            <a:r>
+              <a:rPr lang="en-GB" sz="2400" dirty="0" smtClean="0">
+                <a:solidFill>
+                  <a:schemeClr val="tx1"/>
+                </a:solidFill>
+              </a:rPr>
+              <a:t>Task </a:t>
+            </a:r>
+            <a:r>
+              <a:rPr lang="en-GB" sz="2400" dirty="0">
+                <a:solidFill>
+                  <a:schemeClr val="tx1"/>
+                </a:solidFill>
+              </a:rPr>
+              <a:t>5:</a:t>
+            </a:r>
+            <a:r>
+              <a:rPr lang="en-GB" sz="2400" b="0" dirty="0">
+                <a:solidFill>
+                  <a:schemeClr val="tx1"/>
+                </a:solidFill>
+              </a:rPr>
+              <a:t> Summarize the employment/unemployment by graduation </a:t>
+            </a:r>
+            <a:r>
+              <a:rPr lang="en-GB" sz="2400" b="0" dirty="0" smtClean="0">
+                <a:solidFill>
+                  <a:schemeClr val="tx1"/>
+                </a:solidFill>
+              </a:rPr>
+              <a:t>areas</a:t>
+            </a:r>
+            <a:endParaRPr lang="pt-PT" sz="2400" b="0" dirty="0">
+              <a:solidFill>
+                <a:schemeClr val="tx1"/>
+              </a:solidFill>
+            </a:endParaRPr>
           </a:p>
         </p:txBody>
       </p:sp>
     </p:spTree>
     <p:extLst>
       <p:ext uri="{BB962C8B-B14F-4D97-AF65-F5344CB8AC3E}">
-        <p14:creationId xmlns:p14="http://schemas.microsoft.com/office/powerpoint/2010/main" val="1967416131"/>
+        <p14:creationId xmlns:p14="http://schemas.microsoft.com/office/powerpoint/2010/main" val="3374103308"/>
       </p:ext>
     </p:extLst>
   </p:cSld>
   <p:clrMapOvr>
     <a:masterClrMapping/>
   </p:clrMapOvr>
-  <p:timing>
-    <p:tnLst>
-      <p:par>
-        <p:cTn xmlns:p14="http://schemas.microsoft.com/office/powerpoint/2010/main" id="1" dur="indefinite" restart="never" nodeType="tmRoot"/>
-      </p:par>
-    </p:tnLst>
-  </p:timing>
 </p:sld>
 </file>
 
@@ -5469,123 +6468,90 @@
       </p:grpSpPr>
       <p:sp>
         <p:nvSpPr>
-          <p:cNvPr id="2" name="Title 1"/>
+          <p:cNvPr id="6" name="Text Placeholder 5"/>
+          <p:cNvSpPr>
+            <a:spLocks noGrp="1"/>
+          </p:cNvSpPr>
+          <p:nvPr>
+            <p:ph type="body" sz="quarter" idx="11"/>
+          </p:nvPr>
+        </p:nvSpPr>
+        <p:spPr/>
+        <p:txBody>
+          <a:bodyPr/>
+          <a:lstStyle/>
+          <a:p>
+            <a:endParaRPr lang="en-US" dirty="0"/>
+          </a:p>
+        </p:txBody>
+      </p:sp>
+      <p:sp>
+        <p:nvSpPr>
+          <p:cNvPr id="29" name="Text Placeholder 28"/>
+          <p:cNvSpPr>
+            <a:spLocks noGrp="1"/>
+          </p:cNvSpPr>
+          <p:nvPr>
+            <p:ph type="body" sz="quarter" idx="10"/>
+          </p:nvPr>
+        </p:nvSpPr>
+        <p:spPr/>
+        <p:txBody>
+          <a:bodyPr/>
+          <a:lstStyle/>
+          <a:p>
+            <a:r>
+              <a:rPr lang="pt-PT" sz="16600" dirty="0" smtClean="0"/>
+              <a:t>03</a:t>
+            </a:r>
+            <a:endParaRPr lang="pt-PT" sz="16600" dirty="0"/>
+          </a:p>
+        </p:txBody>
+      </p:sp>
+      <p:sp>
+        <p:nvSpPr>
+          <p:cNvPr id="4" name="Title 3"/>
           <p:cNvSpPr>
             <a:spLocks noGrp="1"/>
           </p:cNvSpPr>
           <p:nvPr>
             <p:ph type="title"/>
-          </p:nvPr>
-        </p:nvSpPr>
-        <p:spPr/>
-        <p:txBody>
-          <a:bodyPr/>
-          <a:lstStyle/>
-          <a:p>
-            <a:r>
-              <a:rPr lang="en-US" dirty="0" smtClean="0"/>
-              <a:t>Data abstraction</a:t>
-            </a:r>
-            <a:endParaRPr lang="pt-PT" dirty="0"/>
-          </a:p>
-        </p:txBody>
-      </p:sp>
-      <p:sp>
-        <p:nvSpPr>
-          <p:cNvPr id="3" name="Content Placeholder 2"/>
-          <p:cNvSpPr>
-            <a:spLocks noGrp="1"/>
-          </p:cNvSpPr>
-          <p:nvPr>
-            <p:ph idx="1"/>
           </p:nvPr>
         </p:nvSpPr>
         <p:spPr>
           <a:xfrm>
-            <a:off x="457200" y="1094346"/>
-            <a:ext cx="8229600" cy="5214974"/>
+            <a:off x="2281222" y="3214686"/>
+            <a:ext cx="6786578" cy="3033714"/>
           </a:xfrm>
+          <a:solidFill>
+            <a:srgbClr val="FFFFFF">
+              <a:alpha val="80000"/>
+            </a:srgbClr>
+          </a:solidFill>
         </p:spPr>
         <p:txBody>
-          <a:bodyPr>
+          <a:bodyPr rIns="288000">
             <a:noAutofit/>
           </a:bodyPr>
           <a:lstStyle/>
           <a:p>
-            <a:pPr lvl="1"/>
-            <a:r>
-              <a:rPr lang="en-US" sz="3200" dirty="0" smtClean="0"/>
-              <a:t>Item1 description</a:t>
-            </a:r>
-          </a:p>
-          <a:p>
-            <a:pPr lvl="1"/>
-            <a:r>
-              <a:rPr lang="en-US" sz="2400" dirty="0" smtClean="0"/>
-              <a:t>	Attribute1 description</a:t>
-            </a:r>
-            <a:endParaRPr lang="en-US" sz="1800" dirty="0"/>
-          </a:p>
-          <a:p>
-            <a:pPr lvl="1"/>
-            <a:r>
-              <a:rPr lang="en-US" sz="2400" dirty="0" smtClean="0"/>
-              <a:t>	Attribute2 description</a:t>
-            </a:r>
-          </a:p>
-          <a:p>
-            <a:pPr lvl="1"/>
-            <a:endParaRPr lang="en-US" sz="1800" dirty="0"/>
-          </a:p>
-          <a:p>
-            <a:pPr lvl="1"/>
-            <a:r>
-              <a:rPr lang="en-US" sz="3200" dirty="0" smtClean="0"/>
-              <a:t>Item2 description</a:t>
-            </a:r>
-          </a:p>
-          <a:p>
-            <a:pPr lvl="1"/>
-            <a:r>
-              <a:rPr lang="en-US" sz="2400" dirty="0" smtClean="0"/>
-              <a:t>	Attribute1 </a:t>
-            </a:r>
-            <a:r>
-              <a:rPr lang="en-US" sz="2400" dirty="0"/>
-              <a:t>description</a:t>
-            </a:r>
-            <a:endParaRPr lang="en-US" sz="1800" dirty="0"/>
-          </a:p>
-          <a:p>
-            <a:pPr lvl="1"/>
-            <a:r>
-              <a:rPr lang="en-US" sz="2400" dirty="0" smtClean="0"/>
-              <a:t>	Attribute2 </a:t>
-            </a:r>
-            <a:r>
-              <a:rPr lang="en-US" sz="2400" dirty="0"/>
-              <a:t>description</a:t>
-            </a:r>
-            <a:endParaRPr lang="en-US" sz="1800" dirty="0"/>
-          </a:p>
-          <a:p>
-            <a:pPr lvl="1"/>
-            <a:endParaRPr lang="en-US" sz="3200" dirty="0" smtClean="0"/>
-          </a:p>
-          <a:p>
-            <a:pPr lvl="1"/>
-            <a:r>
-              <a:rPr lang="en-US" sz="3200" dirty="0" smtClean="0"/>
-              <a:t>…</a:t>
-            </a:r>
-            <a:endParaRPr lang="en-US" sz="3200" dirty="0"/>
+            <a:pPr marL="0" algn="r"/>
+            <a:r>
+              <a:rPr lang="pt-PT" sz="6000" dirty="0" smtClean="0"/>
+              <a:t>Data </a:t>
+            </a:r>
+            <a:r>
+              <a:rPr lang="pt-PT" sz="6000" dirty="0" err="1" smtClean="0"/>
+              <a:t>abstraction</a:t>
+            </a:r>
+            <a:endParaRPr lang="pt-PT" sz="6000" dirty="0"/>
           </a:p>
         </p:txBody>
       </p:sp>
     </p:spTree>
     <p:extLst>
       <p:ext uri="{BB962C8B-B14F-4D97-AF65-F5344CB8AC3E}">
-        <p14:creationId xmlns:p14="http://schemas.microsoft.com/office/powerpoint/2010/main" val="1828594822"/>
+        <p14:creationId xmlns:p14="http://schemas.microsoft.com/office/powerpoint/2010/main" val="760072998"/>
       </p:ext>
     </p:extLst>
   </p:cSld>
@@ -5595,7 +6561,7 @@
   <p:timing>
     <p:tnLst>
       <p:par>
-        <p:cTn xmlns:p14="http://schemas.microsoft.com/office/powerpoint/2010/main" id="1" dur="indefinite" restart="never" nodeType="tmRoot"/>
+        <p:cTn id="1" dur="indefinite" restart="never" nodeType="tmRoot"/>
       </p:par>
     </p:tnLst>
   </p:timing>

--- a/II-Checkpoint/II-Checkpoint Presentation.pptx
+++ b/II-Checkpoint/II-Checkpoint Presentation.pptx
@@ -5,10 +5,10 @@
     <p:sldMasterId id="2147483648" r:id="rId1"/>
   </p:sldMasterIdLst>
   <p:notesMasterIdLst>
-    <p:notesMasterId r:id="rId19"/>
+    <p:notesMasterId r:id="rId20"/>
   </p:notesMasterIdLst>
   <p:handoutMasterIdLst>
-    <p:handoutMasterId r:id="rId20"/>
+    <p:handoutMasterId r:id="rId21"/>
   </p:handoutMasterIdLst>
   <p:sldIdLst>
     <p:sldId id="256" r:id="rId2"/>
@@ -23,11 +23,12 @@
     <p:sldId id="1100" r:id="rId11"/>
     <p:sldId id="1106" r:id="rId12"/>
     <p:sldId id="1107" r:id="rId13"/>
-    <p:sldId id="1101" r:id="rId14"/>
-    <p:sldId id="1102" r:id="rId15"/>
-    <p:sldId id="1108" r:id="rId16"/>
-    <p:sldId id="1103" r:id="rId17"/>
-    <p:sldId id="1104" r:id="rId18"/>
+    <p:sldId id="1111" r:id="rId14"/>
+    <p:sldId id="1101" r:id="rId15"/>
+    <p:sldId id="1102" r:id="rId16"/>
+    <p:sldId id="1108" r:id="rId17"/>
+    <p:sldId id="1103" r:id="rId18"/>
+    <p:sldId id="1104" r:id="rId19"/>
   </p:sldIdLst>
   <p:sldSz cx="9144000" cy="6858000" type="screen4x3"/>
   <p:notesSz cx="6858000" cy="9144000"/>
@@ -128,7 +129,7 @@
   </p:defaultTextStyle>
   <p:extLst>
     <p:ext uri="{EFAFB233-063F-42B5-8137-9DF3F51BA10A}">
-      <p15:sldGuideLst xmlns="" xmlns:p15="http://schemas.microsoft.com/office/powerpoint/2012/main">
+      <p15:sldGuideLst xmlns:p15="http://schemas.microsoft.com/office/powerpoint/2012/main" xmlns="">
         <p15:guide id="1" orient="horz" pos="2160">
           <p15:clr>
             <a:srgbClr val="A4A3A4"/>
@@ -815,7 +816,92 @@
             <a:fld id="{F535F173-C1DD-4975-94BF-5B9ED67F7674}" type="slidenum">
               <a:rPr lang="en-US" smtClean="0"/>
               <a:pPr/>
-              <a:t>17</a:t>
+              <a:t>16</a:t>
+            </a:fld>
+            <a:endParaRPr lang="en-US" dirty="0"/>
+          </a:p>
+        </p:txBody>
+      </p:sp>
+    </p:spTree>
+    <p:extLst>
+      <p:ext uri="{BB962C8B-B14F-4D97-AF65-F5344CB8AC3E}">
+        <p14:creationId xmlns:p14="http://schemas.microsoft.com/office/powerpoint/2010/main" val="1355792998"/>
+      </p:ext>
+    </p:extLst>
+  </p:cSld>
+  <p:clrMapOvr>
+    <a:masterClrMapping/>
+  </p:clrMapOvr>
+</p:notes>
+</file>
+
+<file path=ppt/notesSlides/notesSlide11.xml><?xml version="1.0" encoding="utf-8"?>
+<p:notes xmlns:a="http://schemas.openxmlformats.org/drawingml/2006/main" xmlns:r="http://schemas.openxmlformats.org/officeDocument/2006/relationships" xmlns:p="http://schemas.openxmlformats.org/presentationml/2006/main">
+  <p:cSld>
+    <p:spTree>
+      <p:nvGrpSpPr>
+        <p:cNvPr id="1" name=""/>
+        <p:cNvGrpSpPr/>
+        <p:nvPr/>
+      </p:nvGrpSpPr>
+      <p:grpSpPr>
+        <a:xfrm>
+          <a:off x="0" y="0"/>
+          <a:ext cx="0" cy="0"/>
+          <a:chOff x="0" y="0"/>
+          <a:chExt cx="0" cy="0"/>
+        </a:xfrm>
+      </p:grpSpPr>
+      <p:sp>
+        <p:nvSpPr>
+          <p:cNvPr id="2" name="Slide Image Placeholder 1"/>
+          <p:cNvSpPr>
+            <a:spLocks noGrp="1" noRot="1" noChangeAspect="1"/>
+          </p:cNvSpPr>
+          <p:nvPr>
+            <p:ph type="sldImg"/>
+          </p:nvPr>
+        </p:nvSpPr>
+        <p:spPr/>
+      </p:sp>
+      <p:sp>
+        <p:nvSpPr>
+          <p:cNvPr id="3" name="Notes Placeholder 2"/>
+          <p:cNvSpPr>
+            <a:spLocks noGrp="1"/>
+          </p:cNvSpPr>
+          <p:nvPr>
+            <p:ph type="body" idx="1"/>
+          </p:nvPr>
+        </p:nvSpPr>
+        <p:spPr/>
+        <p:txBody>
+          <a:bodyPr/>
+          <a:lstStyle/>
+          <a:p>
+            <a:endParaRPr lang="en-US" baseline="0" dirty="0" smtClean="0"/>
+          </a:p>
+        </p:txBody>
+      </p:sp>
+      <p:sp>
+        <p:nvSpPr>
+          <p:cNvPr id="4" name="Slide Number Placeholder 3"/>
+          <p:cNvSpPr>
+            <a:spLocks noGrp="1"/>
+          </p:cNvSpPr>
+          <p:nvPr>
+            <p:ph type="sldNum" sz="quarter" idx="10"/>
+          </p:nvPr>
+        </p:nvSpPr>
+        <p:spPr/>
+        <p:txBody>
+          <a:bodyPr/>
+          <a:lstStyle/>
+          <a:p>
+            <a:fld id="{F535F173-C1DD-4975-94BF-5B9ED67F7674}" type="slidenum">
+              <a:rPr lang="en-US" smtClean="0"/>
+              <a:pPr/>
+              <a:t>18</a:t>
             </a:fld>
             <a:endParaRPr lang="en-US" dirty="0"/>
           </a:p>
@@ -1459,7 +1545,7 @@
             <a:fld id="{F535F173-C1DD-4975-94BF-5B9ED67F7674}" type="slidenum">
               <a:rPr lang="en-US" smtClean="0"/>
               <a:pPr/>
-              <a:t>14</a:t>
+              <a:t>13</a:t>
             </a:fld>
             <a:endParaRPr lang="en-US" dirty="0"/>
           </a:p>
@@ -3859,11 +3945,6 @@
               </a:rPr>
               <a:t>G8-A</a:t>
             </a:r>
-            <a:endParaRPr lang="pt-PT" sz="4600" dirty="0" smtClean="0">
-              <a:solidFill>
-                <a:schemeClr val="bg2"/>
-              </a:solidFill>
-            </a:endParaRPr>
           </a:p>
         </p:txBody>
       </p:sp>
@@ -4041,11 +4122,6 @@
               </a:rPr>
               <a:t>70969 – Mário Reis</a:t>
             </a:r>
-            <a:endParaRPr lang="pt-PT" sz="2400" b="0" dirty="0" smtClean="0">
-              <a:solidFill>
-                <a:schemeClr val="bg2"/>
-              </a:solidFill>
-            </a:endParaRPr>
           </a:p>
           <a:p>
             <a:pPr algn="just"/>
@@ -4068,11 +4144,6 @@
               </a:rPr>
               <a:t>76046 – André Pires</a:t>
             </a:r>
-            <a:endParaRPr lang="pt-PT" sz="2400" b="0" dirty="0">
-              <a:solidFill>
-                <a:schemeClr val="bg2"/>
-              </a:solidFill>
-            </a:endParaRPr>
           </a:p>
         </p:txBody>
       </p:sp>
@@ -4160,19 +4231,83 @@
           </a:p>
           <a:p>
             <a:pPr lvl="1"/>
-            <a:endParaRPr lang="en-US" sz="3200" dirty="0" smtClean="0"/>
+            <a:r>
+              <a:rPr lang="en-US" sz="3200" dirty="0" smtClean="0"/>
+              <a:t>2015</a:t>
+            </a:r>
+            <a:r>
+              <a:rPr lang="en-US" sz="3200" dirty="0" smtClean="0"/>
+              <a:t>.csv</a:t>
+            </a:r>
           </a:p>
           <a:p>
             <a:r>
               <a:rPr lang="en-US" sz="3600" dirty="0" smtClean="0"/>
-              <a:t>Dataset type:</a:t>
-            </a:r>
-          </a:p>
-          <a:p>
-            <a:endParaRPr lang="en-US" sz="3600" dirty="0" smtClean="0"/>
-          </a:p>
-        </p:txBody>
-      </p:sp>
+              <a:t>Dataset </a:t>
+            </a:r>
+            <a:r>
+              <a:rPr lang="en-US" sz="3600" dirty="0" smtClean="0"/>
+              <a:t>type:</a:t>
+            </a:r>
+          </a:p>
+          <a:p>
+            <a:r>
+              <a:rPr lang="en-US" b="0" dirty="0" smtClean="0">
+                <a:solidFill>
+                  <a:schemeClr val="tx1"/>
+                </a:solidFill>
+              </a:rPr>
+              <a:t>	 A Table</a:t>
+            </a:r>
+            <a:endParaRPr lang="en-US" b="0" dirty="0" smtClean="0">
+              <a:solidFill>
+                <a:schemeClr val="tx1"/>
+              </a:solidFill>
+            </a:endParaRPr>
+          </a:p>
+        </p:txBody>
+      </p:sp>
+      <p:pic>
+        <p:nvPicPr>
+          <p:cNvPr id="4" name="Picture 2" descr="C:\Users\Mário\Dropbox\Capturas de tela\Screenshot 2016-10-20 19.14.36.png"/>
+          <p:cNvPicPr>
+            <a:picLocks noChangeAspect="1" noChangeArrowheads="1"/>
+          </p:cNvPicPr>
+          <p:nvPr/>
+        </p:nvPicPr>
+        <p:blipFill>
+          <a:blip r:embed="rId3">
+            <a:extLst>
+              <a:ext uri="{28A0092B-C50C-407E-A947-70E740481C1C}">
+                <a14:useLocalDpi xmlns:a14="http://schemas.microsoft.com/office/drawing/2010/main" val="0"/>
+              </a:ext>
+            </a:extLst>
+          </a:blip>
+          <a:srcRect/>
+          <a:stretch>
+            <a:fillRect/>
+          </a:stretch>
+        </p:blipFill>
+        <p:spPr bwMode="auto">
+          <a:xfrm>
+            <a:off x="3419872" y="3226930"/>
+            <a:ext cx="5164002" cy="3082389"/>
+          </a:xfrm>
+          <a:prstGeom prst="rect">
+            <a:avLst/>
+          </a:prstGeom>
+          <a:noFill/>
+          <a:extLst>
+            <a:ext uri="{909E8E84-426E-40DD-AFC4-6F175D3DCCD1}">
+              <a14:hiddenFill xmlns:a14="http://schemas.microsoft.com/office/drawing/2010/main">
+                <a:solidFill>
+                  <a:srgbClr val="FFFFFF"/>
+                </a:solidFill>
+              </a14:hiddenFill>
+            </a:ext>
+          </a:extLst>
+        </p:spPr>
+      </p:pic>
     </p:spTree>
     <p:extLst>
       <p:ext uri="{BB962C8B-B14F-4D97-AF65-F5344CB8AC3E}">
@@ -4245,8 +4380,8 @@
         </p:nvSpPr>
         <p:spPr>
           <a:xfrm>
-            <a:off x="457200" y="1094346"/>
-            <a:ext cx="8229600" cy="5214974"/>
+            <a:off x="457200" y="1310370"/>
+            <a:ext cx="8229600" cy="4998950"/>
           </a:xfrm>
         </p:spPr>
         <p:txBody>
@@ -4255,73 +4390,201 @@
           </a:bodyPr>
           <a:lstStyle/>
           <a:p>
+            <a:pPr marL="914400" lvl="1" indent="-457200" algn="just">
+              <a:buFont typeface="Arial" panose="020B0604020202020204" pitchFamily="34" charset="0"/>
+              <a:buChar char="•"/>
+            </a:pPr>
+            <a:r>
+              <a:rPr lang="en-GB" b="1" dirty="0" smtClean="0"/>
+              <a:t>Year</a:t>
+            </a:r>
+            <a:r>
+              <a:rPr lang="en-US" dirty="0" smtClean="0"/>
+              <a:t> - {</a:t>
+            </a:r>
+            <a:r>
+              <a:rPr lang="en-GB" dirty="0" smtClean="0"/>
+              <a:t>Continuous|Sequential</a:t>
+            </a:r>
+            <a:r>
+              <a:rPr lang="en-GB" dirty="0" smtClean="0"/>
+              <a:t>}</a:t>
+            </a:r>
+          </a:p>
+          <a:p>
+            <a:pPr lvl="2" algn="just"/>
+            <a:r>
+              <a:rPr lang="en-GB" dirty="0" smtClean="0"/>
+              <a:t>It </a:t>
+            </a:r>
+            <a:r>
+              <a:rPr lang="en-GB" dirty="0"/>
+              <a:t>represents the year of the data </a:t>
+            </a:r>
+            <a:r>
+              <a:rPr lang="en-GB" dirty="0" smtClean="0"/>
+              <a:t>statistic</a:t>
+            </a:r>
+          </a:p>
+          <a:p>
+            <a:pPr lvl="2" algn="just"/>
+            <a:endParaRPr lang="en-GB" sz="800" dirty="0" smtClean="0"/>
+          </a:p>
+          <a:p>
+            <a:pPr marL="914400" lvl="1" indent="-457200">
+              <a:buFont typeface="Arial" panose="020B0604020202020204" pitchFamily="34" charset="0"/>
+              <a:buChar char="•"/>
+            </a:pPr>
+            <a:r>
+              <a:rPr lang="en-GB" b="1" dirty="0">
+                <a:solidFill>
+                  <a:schemeClr val="tx1"/>
+                </a:solidFill>
+              </a:rPr>
+              <a:t>Course Name/Course </a:t>
+            </a:r>
+            <a:r>
+              <a:rPr lang="en-GB" b="1" dirty="0" smtClean="0">
+                <a:solidFill>
+                  <a:schemeClr val="tx1"/>
+                </a:solidFill>
+              </a:rPr>
+              <a:t>Code </a:t>
+            </a:r>
+            <a:r>
+              <a:rPr lang="en-GB" dirty="0" smtClean="0">
+                <a:solidFill>
+                  <a:schemeClr val="tx1"/>
+                </a:solidFill>
+              </a:rPr>
+              <a:t>- </a:t>
+            </a:r>
+            <a:r>
+              <a:rPr lang="en-GB" b="0" dirty="0" smtClean="0">
+                <a:solidFill>
+                  <a:schemeClr val="tx1"/>
+                </a:solidFill>
+              </a:rPr>
+              <a:t>{Nominal}</a:t>
+            </a:r>
+            <a:endParaRPr lang="en-GB" dirty="0"/>
+          </a:p>
+          <a:p>
             <a:pPr lvl="1"/>
             <a:r>
-              <a:rPr lang="en-US" sz="3200" dirty="0" smtClean="0"/>
-              <a:t>Item1 description</a:t>
-            </a:r>
+              <a:rPr lang="en-GB" sz="2400" b="0" dirty="0">
+                <a:solidFill>
+                  <a:schemeClr val="tx1"/>
+                </a:solidFill>
+              </a:rPr>
+              <a:t>	</a:t>
+            </a:r>
+            <a:r>
+              <a:rPr lang="en-GB" sz="2400" b="0" dirty="0" smtClean="0">
+                <a:solidFill>
+                  <a:schemeClr val="tx1"/>
+                </a:solidFill>
+              </a:rPr>
+              <a:t>	Name </a:t>
+            </a:r>
+            <a:r>
+              <a:rPr lang="en-GB" sz="2400" b="0" dirty="0">
+                <a:solidFill>
+                  <a:schemeClr val="tx1"/>
+                </a:solidFill>
+              </a:rPr>
+              <a:t>of the course/Code of the course </a:t>
+            </a:r>
+            <a:endParaRPr lang="en-GB" sz="2400" b="0" dirty="0" smtClean="0">
+              <a:solidFill>
+                <a:schemeClr val="tx1"/>
+              </a:solidFill>
+            </a:endParaRPr>
           </a:p>
           <a:p>
             <a:pPr lvl="1"/>
-            <a:r>
-              <a:rPr lang="en-US" sz="2400" dirty="0" smtClean="0"/>
-              <a:t>	Attribute1 description</a:t>
-            </a:r>
-            <a:endParaRPr lang="en-US" sz="1800" dirty="0"/>
+            <a:endParaRPr lang="pt-PT" sz="800" b="0" dirty="0">
+              <a:solidFill>
+                <a:schemeClr val="tx1"/>
+              </a:solidFill>
+            </a:endParaRPr>
+          </a:p>
+          <a:p>
+            <a:pPr marL="914400" lvl="1" indent="-457200">
+              <a:buFont typeface="Arial" panose="020B0604020202020204" pitchFamily="34" charset="0"/>
+              <a:buChar char="•"/>
+            </a:pPr>
+            <a:r>
+              <a:rPr lang="en-GB" b="1" dirty="0">
+                <a:solidFill>
+                  <a:schemeClr val="tx1"/>
+                </a:solidFill>
+              </a:rPr>
+              <a:t>University Name/University Code </a:t>
+            </a:r>
+            <a:r>
+              <a:rPr lang="en-GB" b="0" dirty="0">
+                <a:solidFill>
+                  <a:schemeClr val="tx1"/>
+                </a:solidFill>
+              </a:rPr>
+              <a:t>– {Nominal} </a:t>
+            </a:r>
+            <a:r>
+              <a:rPr lang="en-GB" sz="2400" b="0" dirty="0" smtClean="0">
+                <a:solidFill>
+                  <a:schemeClr val="tx1"/>
+                </a:solidFill>
+              </a:rPr>
+              <a:t>Name of the University/Code of the University</a:t>
+            </a:r>
           </a:p>
           <a:p>
             <a:pPr lvl="1"/>
-            <a:r>
-              <a:rPr lang="en-US" sz="2400" dirty="0" smtClean="0"/>
-              <a:t>	Attribute2 description</a:t>
-            </a:r>
+            <a:endParaRPr lang="pt-PT" sz="800" dirty="0"/>
+          </a:p>
+          <a:p>
+            <a:pPr marL="914400" lvl="1" indent="-457200">
+              <a:buFont typeface="Arial" panose="020B0604020202020204" pitchFamily="34" charset="0"/>
+              <a:buChar char="•"/>
+            </a:pPr>
+            <a:r>
+              <a:rPr lang="en-GB" b="1" dirty="0" smtClean="0"/>
+              <a:t>Degree </a:t>
+            </a:r>
+            <a:r>
+              <a:rPr lang="en-GB" b="1" dirty="0"/>
+              <a:t>Level </a:t>
+            </a:r>
+            <a:r>
+              <a:rPr lang="en-GB" dirty="0"/>
+              <a:t>– {</a:t>
+            </a:r>
+            <a:r>
+              <a:rPr lang="en-GB" dirty="0" smtClean="0"/>
+              <a:t>Nominal}</a:t>
+            </a:r>
+            <a:endParaRPr lang="en-GB" dirty="0"/>
           </a:p>
           <a:p>
             <a:pPr lvl="1"/>
-            <a:endParaRPr lang="en-US" sz="1800" dirty="0"/>
-          </a:p>
-          <a:p>
-            <a:pPr lvl="1"/>
-            <a:r>
-              <a:rPr lang="en-US" sz="3200" dirty="0" smtClean="0"/>
-              <a:t>Item2 description</a:t>
-            </a:r>
-          </a:p>
-          <a:p>
-            <a:pPr lvl="1"/>
-            <a:r>
-              <a:rPr lang="en-US" sz="2400" dirty="0" smtClean="0"/>
-              <a:t>	Attribute1 </a:t>
-            </a:r>
-            <a:r>
-              <a:rPr lang="en-US" sz="2400" dirty="0"/>
-              <a:t>description</a:t>
-            </a:r>
-            <a:endParaRPr lang="en-US" sz="1800" dirty="0"/>
-          </a:p>
-          <a:p>
-            <a:pPr lvl="1"/>
-            <a:r>
-              <a:rPr lang="en-US" sz="2400" dirty="0" smtClean="0"/>
-              <a:t>	Attribute2 </a:t>
-            </a:r>
-            <a:r>
-              <a:rPr lang="en-US" sz="2400" dirty="0"/>
-              <a:t>description</a:t>
-            </a:r>
-            <a:endParaRPr lang="en-US" sz="1800" dirty="0"/>
-          </a:p>
-          <a:p>
-            <a:pPr lvl="1"/>
-            <a:endParaRPr lang="en-US" sz="3200" dirty="0" smtClean="0"/>
-          </a:p>
-          <a:p>
-            <a:pPr lvl="1"/>
-            <a:r>
-              <a:rPr lang="en-US" sz="3200" dirty="0" smtClean="0"/>
-              <a:t>…</a:t>
-            </a:r>
-            <a:endParaRPr lang="en-US" sz="3200" dirty="0"/>
+            <a:r>
+              <a:rPr lang="en-GB" sz="2400" dirty="0"/>
+              <a:t>	</a:t>
+            </a:r>
+            <a:r>
+              <a:rPr lang="en-GB" sz="2400" dirty="0" smtClean="0"/>
+              <a:t>	If </a:t>
+            </a:r>
+            <a:r>
+              <a:rPr lang="en-GB" sz="2400" dirty="0"/>
+              <a:t>the course is Bachelor’s, Masters</a:t>
+            </a:r>
+            <a:r>
+              <a:rPr lang="en-GB" sz="2400" dirty="0" smtClean="0"/>
+              <a:t>...</a:t>
+            </a:r>
+            <a:endParaRPr lang="en-GB" dirty="0"/>
           </a:p>
         </p:txBody>
       </p:sp>
@@ -4397,7 +4660,7 @@
         </p:nvSpPr>
         <p:spPr>
           <a:xfrm>
-            <a:off x="457200" y="1094346"/>
+            <a:off x="457200" y="1310370"/>
             <a:ext cx="8229600" cy="5214974"/>
           </a:xfrm>
         </p:spPr>
@@ -4407,10 +4670,128 @@
           </a:bodyPr>
           <a:lstStyle/>
           <a:p>
-            <a:r>
-              <a:rPr lang="en-US" sz="3600" dirty="0" smtClean="0"/>
-              <a:t>Semantics:</a:t>
-            </a:r>
+            <a:pPr marL="914400" lvl="1" indent="-457200" algn="just">
+              <a:buFont typeface="Arial" panose="020B0604020202020204" pitchFamily="34" charset="0"/>
+              <a:buChar char="•"/>
+            </a:pPr>
+            <a:r>
+              <a:rPr lang="en-GB" b="1" dirty="0" smtClean="0"/>
+              <a:t>Total </a:t>
+            </a:r>
+            <a:r>
+              <a:rPr lang="en-GB" b="1" dirty="0"/>
+              <a:t>Unemployed by Course/Area </a:t>
+            </a:r>
+            <a:r>
+              <a:rPr lang="en-GB" b="1" dirty="0" smtClean="0"/>
+              <a:t>Level/University </a:t>
+            </a:r>
+            <a:r>
+              <a:rPr lang="en-GB" dirty="0" smtClean="0"/>
+              <a:t>– </a:t>
+            </a:r>
+            <a:r>
+              <a:rPr lang="en-GB" dirty="0"/>
+              <a:t>{</a:t>
+            </a:r>
+            <a:r>
+              <a:rPr lang="en-GB" dirty="0" smtClean="0"/>
+              <a:t>Ratio|Sequential</a:t>
+            </a:r>
+            <a:r>
+              <a:rPr lang="en-GB" dirty="0" smtClean="0"/>
+              <a:t>}</a:t>
+            </a:r>
+          </a:p>
+          <a:p>
+            <a:pPr lvl="1" algn="just"/>
+            <a:r>
+              <a:rPr lang="en-GB" sz="2400" dirty="0"/>
+              <a:t>	</a:t>
+            </a:r>
+            <a:r>
+              <a:rPr lang="en-GB" sz="2400" dirty="0" smtClean="0"/>
+              <a:t>	Total </a:t>
+            </a:r>
+            <a:r>
+              <a:rPr lang="en-GB" sz="2400" dirty="0"/>
+              <a:t>number of unemployed of the course/all </a:t>
+            </a:r>
+            <a:r>
+              <a:rPr lang="en-GB" sz="2400" dirty="0" smtClean="0"/>
+              <a:t>the unemployed </a:t>
+            </a:r>
+            <a:r>
+              <a:rPr lang="en-GB" sz="2400" dirty="0"/>
+              <a:t>from that area/all the unemployed from a </a:t>
+            </a:r>
+            <a:r>
+              <a:rPr lang="en-GB" sz="2400" dirty="0" smtClean="0"/>
+              <a:t>university</a:t>
+            </a:r>
+          </a:p>
+          <a:p>
+            <a:pPr lvl="1" algn="just"/>
+            <a:endParaRPr lang="en-GB" sz="800" dirty="0" smtClean="0"/>
+          </a:p>
+          <a:p>
+            <a:pPr marL="800100" lvl="1" indent="-342900" algn="just">
+              <a:buFont typeface="Arial" panose="020B0604020202020204" pitchFamily="34" charset="0"/>
+              <a:buChar char="•"/>
+            </a:pPr>
+            <a:r>
+              <a:rPr lang="en-GB" b="1" dirty="0"/>
+              <a:t>Total Graduates by Course/Area Level/University </a:t>
+            </a:r>
+            <a:r>
+              <a:rPr lang="en-GB" dirty="0"/>
+              <a:t>– </a:t>
+            </a:r>
+            <a:r>
+              <a:rPr lang="en-GB" u="sng" dirty="0"/>
+              <a:t>{</a:t>
+            </a:r>
+            <a:r>
+              <a:rPr lang="en-GB" u="sng" dirty="0" err="1" smtClean="0"/>
+              <a:t>Ratio|Sequential</a:t>
+            </a:r>
+            <a:r>
+              <a:rPr lang="en-GB" u="sng" dirty="0" smtClean="0"/>
+              <a:t>}</a:t>
+            </a:r>
+            <a:endParaRPr lang="en-GB" dirty="0" smtClean="0"/>
+          </a:p>
+          <a:p>
+            <a:pPr lvl="1" algn="just"/>
+            <a:r>
+              <a:rPr lang="en-GB" sz="2400" dirty="0"/>
+              <a:t>	Total </a:t>
+            </a:r>
+            <a:r>
+              <a:rPr lang="en-GB" sz="2400" dirty="0"/>
+              <a:t>number of people that concluded course/all the </a:t>
+            </a:r>
+            <a:r>
+              <a:rPr lang="en-GB" sz="2400" dirty="0"/>
+              <a:t>graduates </a:t>
+            </a:r>
+            <a:r>
+              <a:rPr lang="en-GB" sz="2400" dirty="0"/>
+              <a:t>from courses of the area/all the graduates </a:t>
+            </a:r>
+            <a:r>
+              <a:rPr lang="en-GB" sz="2400" dirty="0"/>
+              <a:t>	from </a:t>
+            </a:r>
+            <a:r>
+              <a:rPr lang="en-GB" sz="2400" dirty="0"/>
+              <a:t>courses of the university</a:t>
+            </a:r>
+            <a:endParaRPr lang="pt-PT" sz="2400" dirty="0"/>
+          </a:p>
+          <a:p>
+            <a:pPr lvl="1" algn="just"/>
+            <a:endParaRPr lang="pt-PT" sz="2400" dirty="0"/>
           </a:p>
         </p:txBody>
       </p:sp>
@@ -4453,12 +4834,12 @@
       </p:grpSpPr>
       <p:sp>
         <p:nvSpPr>
-          <p:cNvPr id="6" name="Text Placeholder 5"/>
-          <p:cNvSpPr>
-            <a:spLocks noGrp="1"/>
-          </p:cNvSpPr>
-          <p:nvPr>
-            <p:ph type="body" sz="quarter" idx="11"/>
+          <p:cNvPr id="2" name="Title 1"/>
+          <p:cNvSpPr>
+            <a:spLocks noGrp="1"/>
+          </p:cNvSpPr>
+          <p:nvPr>
+            <p:ph type="title"/>
           </p:nvPr>
         </p:nvSpPr>
         <p:spPr/>
@@ -4466,81 +4847,185 @@
           <a:bodyPr/>
           <a:lstStyle/>
           <a:p>
-            <a:endParaRPr lang="en-US" dirty="0"/>
-          </a:p>
-        </p:txBody>
-      </p:sp>
-      <p:sp>
-        <p:nvSpPr>
-          <p:cNvPr id="29" name="Text Placeholder 28"/>
-          <p:cNvSpPr>
-            <a:spLocks noGrp="1"/>
-          </p:cNvSpPr>
-          <p:nvPr>
-            <p:ph type="body" sz="quarter" idx="10"/>
-          </p:nvPr>
-        </p:nvSpPr>
-        <p:spPr/>
-        <p:txBody>
-          <a:bodyPr/>
-          <a:lstStyle/>
-          <a:p>
-            <a:r>
-              <a:rPr lang="pt-PT" sz="16600" dirty="0" smtClean="0"/>
-              <a:t>04</a:t>
-            </a:r>
-            <a:endParaRPr lang="pt-PT" sz="16600" dirty="0"/>
-          </a:p>
-        </p:txBody>
-      </p:sp>
-      <p:sp>
-        <p:nvSpPr>
-          <p:cNvPr id="4" name="Title 3"/>
-          <p:cNvSpPr>
-            <a:spLocks noGrp="1"/>
-          </p:cNvSpPr>
-          <p:nvPr>
-            <p:ph type="title"/>
+            <a:r>
+              <a:rPr lang="en-US" dirty="0" smtClean="0"/>
+              <a:t>Data abstraction</a:t>
+            </a:r>
+            <a:endParaRPr lang="pt-PT" dirty="0"/>
+          </a:p>
+        </p:txBody>
+      </p:sp>
+      <p:sp>
+        <p:nvSpPr>
+          <p:cNvPr id="3" name="Content Placeholder 2"/>
+          <p:cNvSpPr>
+            <a:spLocks noGrp="1"/>
+          </p:cNvSpPr>
+          <p:nvPr>
+            <p:ph idx="1"/>
           </p:nvPr>
         </p:nvSpPr>
         <p:spPr>
           <a:xfrm>
-            <a:off x="2281222" y="3214686"/>
-            <a:ext cx="6786578" cy="3033714"/>
+            <a:off x="457200" y="1310370"/>
+            <a:ext cx="8229600" cy="5214974"/>
           </a:xfrm>
-          <a:solidFill>
-            <a:srgbClr val="FFFFFF">
-              <a:alpha val="80000"/>
-            </a:srgbClr>
-          </a:solidFill>
         </p:spPr>
         <p:txBody>
-          <a:bodyPr rIns="288000">
+          <a:bodyPr>
             <a:noAutofit/>
           </a:bodyPr>
           <a:lstStyle/>
           <a:p>
-            <a:pPr marL="0" algn="r"/>
-            <a:r>
-              <a:rPr lang="pt-PT" sz="6000" dirty="0" err="1" smtClean="0"/>
-              <a:t>Dataset</a:t>
-            </a:r>
-            <a:r>
-              <a:rPr lang="pt-PT" sz="6000" dirty="0" smtClean="0"/>
-              <a:t> </a:t>
-            </a:r>
-            <a:r>
-              <a:rPr lang="pt-PT" sz="6000" dirty="0" err="1" smtClean="0"/>
-              <a:t>processing</a:t>
-            </a:r>
-            <a:endParaRPr lang="pt-PT" sz="6000" dirty="0"/>
+            <a:pPr marL="914400" lvl="1" indent="-457200" algn="just">
+              <a:buFont typeface="Arial" panose="020B0604020202020204" pitchFamily="34" charset="0"/>
+              <a:buChar char="•"/>
+            </a:pPr>
+            <a:r>
+              <a:rPr lang="en-GB" b="1" dirty="0" smtClean="0"/>
+              <a:t>% </a:t>
+            </a:r>
+            <a:r>
+              <a:rPr lang="en-GB" b="1" dirty="0"/>
+              <a:t>Unemployment by Course/Area Level/University </a:t>
+            </a:r>
+            <a:r>
+              <a:rPr lang="en-GB" dirty="0" smtClean="0"/>
+              <a:t>– </a:t>
+            </a:r>
+            <a:r>
+              <a:rPr lang="en-GB" dirty="0"/>
+              <a:t>{</a:t>
+            </a:r>
+            <a:r>
+              <a:rPr lang="en-GB" dirty="0" err="1"/>
+              <a:t>Ratio|Sequential</a:t>
+            </a:r>
+            <a:r>
+              <a:rPr lang="en-GB" dirty="0"/>
+              <a:t>}</a:t>
+            </a:r>
+          </a:p>
+          <a:p>
+            <a:pPr lvl="1" algn="just"/>
+            <a:r>
+              <a:rPr lang="en-GB" sz="2400" dirty="0"/>
+              <a:t>		</a:t>
+            </a:r>
+            <a:r>
+              <a:rPr lang="en-GB" sz="2400" dirty="0" smtClean="0"/>
+              <a:t>It represents </a:t>
+            </a:r>
+            <a:r>
+              <a:rPr lang="en-GB" sz="2400" dirty="0"/>
+              <a:t>the percentage of unemployed people by course/Area level and </a:t>
+            </a:r>
+            <a:r>
+              <a:rPr lang="en-GB" sz="2400" dirty="0" smtClean="0"/>
+              <a:t>University</a:t>
+            </a:r>
+          </a:p>
+          <a:p>
+            <a:pPr lvl="1" algn="just"/>
+            <a:endParaRPr lang="pt-PT" sz="800" dirty="0"/>
+          </a:p>
+          <a:p>
+            <a:pPr marL="857250" lvl="1" indent="-457200">
+              <a:buFont typeface="Arial" panose="020B0604020202020204" pitchFamily="34" charset="0"/>
+              <a:buChar char="•"/>
+            </a:pPr>
+            <a:r>
+              <a:rPr lang="en-GB" b="1" dirty="0" smtClean="0">
+                <a:solidFill>
+                  <a:schemeClr val="tx1"/>
+                </a:solidFill>
+              </a:rPr>
+              <a:t>Course </a:t>
+            </a:r>
+            <a:r>
+              <a:rPr lang="en-GB" b="1" dirty="0">
+                <a:solidFill>
+                  <a:schemeClr val="tx1"/>
+                </a:solidFill>
+              </a:rPr>
+              <a:t>Area Name/Course Area Code </a:t>
+            </a:r>
+            <a:r>
+              <a:rPr lang="en-GB" b="0" dirty="0">
+                <a:solidFill>
+                  <a:schemeClr val="tx1"/>
+                </a:solidFill>
+              </a:rPr>
+              <a:t>– </a:t>
+            </a:r>
+            <a:r>
+              <a:rPr lang="en-GB" b="0" u="sng" dirty="0">
+                <a:solidFill>
+                  <a:schemeClr val="tx1"/>
+                </a:solidFill>
+              </a:rPr>
+              <a:t>{</a:t>
+            </a:r>
+            <a:r>
+              <a:rPr lang="en-GB" b="0" u="sng" dirty="0" err="1" smtClean="0">
+                <a:solidFill>
+                  <a:schemeClr val="tx1"/>
+                </a:solidFill>
+              </a:rPr>
+              <a:t>Nominal|Hierarchical</a:t>
+            </a:r>
+            <a:r>
+              <a:rPr lang="en-GB" b="0" u="sng" dirty="0" smtClean="0">
+                <a:solidFill>
+                  <a:schemeClr val="tx1"/>
+                </a:solidFill>
+              </a:rPr>
+              <a:t>}</a:t>
+            </a:r>
+            <a:endParaRPr lang="en-GB" dirty="0"/>
+          </a:p>
+          <a:p>
+            <a:pPr marL="400050" lvl="1" indent="0"/>
+            <a:r>
+              <a:rPr lang="en-GB" sz="2400" b="0" dirty="0">
+                <a:solidFill>
+                  <a:schemeClr val="tx1"/>
+                </a:solidFill>
+              </a:rPr>
+              <a:t>	</a:t>
+            </a:r>
+            <a:r>
+              <a:rPr lang="en-GB" sz="2400" b="0" dirty="0" smtClean="0">
+                <a:solidFill>
+                  <a:schemeClr val="tx1"/>
+                </a:solidFill>
+              </a:rPr>
+              <a:t>It </a:t>
+            </a:r>
+            <a:r>
+              <a:rPr lang="en-GB" sz="2400" b="0" dirty="0">
+                <a:solidFill>
+                  <a:schemeClr val="tx1"/>
+                </a:solidFill>
+              </a:rPr>
+              <a:t>represents the code of the course area</a:t>
+            </a:r>
+            <a:endParaRPr lang="pt-PT" sz="2400" b="0" dirty="0">
+              <a:solidFill>
+                <a:schemeClr val="tx1"/>
+              </a:solidFill>
+            </a:endParaRPr>
+          </a:p>
+          <a:p>
+            <a:pPr lvl="1" algn="just"/>
+            <a:endParaRPr lang="pt-PT" sz="2400" dirty="0"/>
           </a:p>
         </p:txBody>
       </p:sp>
     </p:spTree>
     <p:extLst>
       <p:ext uri="{BB962C8B-B14F-4D97-AF65-F5344CB8AC3E}">
-        <p14:creationId xmlns:p14="http://schemas.microsoft.com/office/powerpoint/2010/main" val="4045494449"/>
+        <p14:creationId xmlns:p14="http://schemas.microsoft.com/office/powerpoint/2010/main" val="4159594224"/>
       </p:ext>
     </p:extLst>
   </p:cSld>
@@ -4576,12 +5061,12 @@
       </p:grpSpPr>
       <p:sp>
         <p:nvSpPr>
-          <p:cNvPr id="2" name="Title 1"/>
-          <p:cNvSpPr>
-            <a:spLocks noGrp="1"/>
-          </p:cNvSpPr>
-          <p:nvPr>
-            <p:ph type="title"/>
+          <p:cNvPr id="6" name="Text Placeholder 5"/>
+          <p:cNvSpPr>
+            <a:spLocks noGrp="1"/>
+          </p:cNvSpPr>
+          <p:nvPr>
+            <p:ph type="body" sz="quarter" idx="11"/>
           </p:nvPr>
         </p:nvSpPr>
         <p:spPr/>
@@ -4589,76 +5074,81 @@
           <a:bodyPr/>
           <a:lstStyle/>
           <a:p>
-            <a:r>
-              <a:rPr lang="en-US" dirty="0" smtClean="0"/>
-              <a:t>Dataset processing</a:t>
-            </a:r>
-            <a:endParaRPr lang="pt-PT" dirty="0"/>
-          </a:p>
-        </p:txBody>
-      </p:sp>
-      <p:sp>
-        <p:nvSpPr>
-          <p:cNvPr id="3" name="Content Placeholder 2"/>
-          <p:cNvSpPr>
-            <a:spLocks noGrp="1"/>
-          </p:cNvSpPr>
-          <p:nvPr>
-            <p:ph idx="1"/>
+            <a:endParaRPr lang="en-US" dirty="0"/>
+          </a:p>
+        </p:txBody>
+      </p:sp>
+      <p:sp>
+        <p:nvSpPr>
+          <p:cNvPr id="29" name="Text Placeholder 28"/>
+          <p:cNvSpPr>
+            <a:spLocks noGrp="1"/>
+          </p:cNvSpPr>
+          <p:nvPr>
+            <p:ph type="body" sz="quarter" idx="10"/>
+          </p:nvPr>
+        </p:nvSpPr>
+        <p:spPr/>
+        <p:txBody>
+          <a:bodyPr/>
+          <a:lstStyle/>
+          <a:p>
+            <a:r>
+              <a:rPr lang="pt-PT" sz="16600" dirty="0" smtClean="0"/>
+              <a:t>04</a:t>
+            </a:r>
+            <a:endParaRPr lang="pt-PT" sz="16600" dirty="0"/>
+          </a:p>
+        </p:txBody>
+      </p:sp>
+      <p:sp>
+        <p:nvSpPr>
+          <p:cNvPr id="4" name="Title 3"/>
+          <p:cNvSpPr>
+            <a:spLocks noGrp="1"/>
+          </p:cNvSpPr>
+          <p:nvPr>
+            <p:ph type="title"/>
           </p:nvPr>
         </p:nvSpPr>
         <p:spPr>
           <a:xfrm>
-            <a:off x="457200" y="1094346"/>
-            <a:ext cx="8229600" cy="5214974"/>
+            <a:off x="2281222" y="3214686"/>
+            <a:ext cx="6786578" cy="3033714"/>
           </a:xfrm>
+          <a:solidFill>
+            <a:srgbClr val="FFFFFF">
+              <a:alpha val="80000"/>
+            </a:srgbClr>
+          </a:solidFill>
         </p:spPr>
         <p:txBody>
-          <a:bodyPr>
+          <a:bodyPr rIns="288000">
             <a:noAutofit/>
           </a:bodyPr>
           <a:lstStyle/>
           <a:p>
-            <a:r>
-              <a:rPr lang="en-US" sz="4000" dirty="0" smtClean="0"/>
-              <a:t>Dataset cleaning description</a:t>
-            </a:r>
-          </a:p>
-          <a:p>
-            <a:endParaRPr lang="en-US" sz="4000" dirty="0"/>
-          </a:p>
-          <a:p>
-            <a:pPr lvl="1"/>
-            <a:r>
-              <a:rPr lang="en-US" sz="3600" dirty="0" smtClean="0"/>
-              <a:t>Entry1</a:t>
-            </a:r>
-            <a:endParaRPr lang="en-US" sz="3600" dirty="0"/>
-          </a:p>
-          <a:p>
-            <a:pPr lvl="1"/>
-            <a:r>
-              <a:rPr lang="en-US" sz="3600" dirty="0" smtClean="0"/>
-              <a:t>Entry2</a:t>
-            </a:r>
-          </a:p>
-          <a:p>
-            <a:pPr lvl="1"/>
-            <a:endParaRPr lang="en-US" sz="3600" dirty="0"/>
-          </a:p>
-          <a:p>
-            <a:pPr lvl="1"/>
-            <a:r>
-              <a:rPr lang="en-US" sz="3600" dirty="0" smtClean="0"/>
-              <a:t>…</a:t>
-            </a:r>
+            <a:pPr marL="0" algn="r"/>
+            <a:r>
+              <a:rPr lang="pt-PT" sz="6000" dirty="0" err="1" smtClean="0"/>
+              <a:t>Dataset</a:t>
+            </a:r>
+            <a:r>
+              <a:rPr lang="pt-PT" sz="6000" dirty="0" smtClean="0"/>
+              <a:t> </a:t>
+            </a:r>
+            <a:r>
+              <a:rPr lang="pt-PT" sz="6000" dirty="0" err="1" smtClean="0"/>
+              <a:t>processing</a:t>
+            </a:r>
+            <a:endParaRPr lang="pt-PT" sz="6000" dirty="0"/>
           </a:p>
         </p:txBody>
       </p:sp>
     </p:spTree>
     <p:extLst>
       <p:ext uri="{BB962C8B-B14F-4D97-AF65-F5344CB8AC3E}">
-        <p14:creationId xmlns:p14="http://schemas.microsoft.com/office/powerpoint/2010/main" val="3456915046"/>
+        <p14:creationId xmlns:p14="http://schemas.microsoft.com/office/powerpoint/2010/main" val="4045494449"/>
       </p:ext>
     </p:extLst>
   </p:cSld>
@@ -4739,51 +5229,38 @@
           <a:p>
             <a:r>
               <a:rPr lang="en-US" sz="4000" dirty="0" smtClean="0"/>
-              <a:t>Problems found:</a:t>
-            </a:r>
-          </a:p>
-          <a:p>
-            <a:pPr lvl="1"/>
-            <a:r>
-              <a:rPr lang="en-US" sz="3600" dirty="0" smtClean="0"/>
-              <a:t>Problem 1</a:t>
-            </a:r>
-          </a:p>
-          <a:p>
-            <a:pPr lvl="1"/>
-            <a:r>
-              <a:rPr lang="en-US" sz="3600" dirty="0" smtClean="0"/>
-              <a:t>Solution</a:t>
-            </a:r>
-          </a:p>
-          <a:p>
-            <a:pPr lvl="1"/>
-            <a:endParaRPr lang="en-US" sz="3600" dirty="0" smtClean="0"/>
-          </a:p>
-          <a:p>
-            <a:pPr lvl="1"/>
-            <a:r>
-              <a:rPr lang="en-US" sz="3600" dirty="0" smtClean="0"/>
-              <a:t>Problem 2</a:t>
-            </a:r>
-          </a:p>
-          <a:p>
-            <a:pPr lvl="1"/>
-            <a:r>
-              <a:rPr lang="en-US" sz="3600" dirty="0" smtClean="0"/>
-              <a:t>Solution</a:t>
-            </a:r>
-            <a:endParaRPr lang="en-US" sz="4000" dirty="0" smtClean="0"/>
-          </a:p>
-          <a:p>
-            <a:endParaRPr lang="en-US" sz="4000" dirty="0"/>
+              <a:t>Dataset cleaning </a:t>
+            </a:r>
+            <a:r>
+              <a:rPr lang="en-US" sz="4000" dirty="0" smtClean="0"/>
+              <a:t>description</a:t>
+            </a:r>
+          </a:p>
+          <a:p>
+            <a:pPr marL="457200" indent="-457200" algn="just">
+              <a:buFont typeface="Arial" panose="020B0604020202020204" pitchFamily="34" charset="0"/>
+              <a:buChar char="•"/>
+            </a:pPr>
+            <a:r>
+              <a:rPr lang="en-GB" sz="2800" b="0" dirty="0">
+                <a:solidFill>
+                  <a:schemeClr val="tx1"/>
+                </a:solidFill>
+              </a:rPr>
+              <a:t>We used the table from 2015 to obtain the courses-area relationship, because it was the only one with that information and crossed it with all the other tables to obtain all the information we need.</a:t>
+            </a:r>
+            <a:endParaRPr lang="en-US" sz="2800" b="0" dirty="0" smtClean="0">
+              <a:solidFill>
+                <a:schemeClr val="tx1"/>
+              </a:solidFill>
+            </a:endParaRPr>
           </a:p>
         </p:txBody>
       </p:sp>
     </p:spTree>
     <p:extLst>
       <p:ext uri="{BB962C8B-B14F-4D97-AF65-F5344CB8AC3E}">
-        <p14:creationId xmlns:p14="http://schemas.microsoft.com/office/powerpoint/2010/main" val="2665434140"/>
+        <p14:creationId xmlns:p14="http://schemas.microsoft.com/office/powerpoint/2010/main" val="3456915046"/>
       </p:ext>
     </p:extLst>
   </p:cSld>
@@ -4819,6 +5296,143 @@
       </p:grpSpPr>
       <p:sp>
         <p:nvSpPr>
+          <p:cNvPr id="2" name="Title 1"/>
+          <p:cNvSpPr>
+            <a:spLocks noGrp="1"/>
+          </p:cNvSpPr>
+          <p:nvPr>
+            <p:ph type="title"/>
+          </p:nvPr>
+        </p:nvSpPr>
+        <p:spPr/>
+        <p:txBody>
+          <a:bodyPr/>
+          <a:lstStyle/>
+          <a:p>
+            <a:r>
+              <a:rPr lang="en-US" dirty="0" smtClean="0"/>
+              <a:t>Dataset processing</a:t>
+            </a:r>
+            <a:endParaRPr lang="pt-PT" dirty="0"/>
+          </a:p>
+        </p:txBody>
+      </p:sp>
+      <p:sp>
+        <p:nvSpPr>
+          <p:cNvPr id="3" name="Content Placeholder 2"/>
+          <p:cNvSpPr>
+            <a:spLocks noGrp="1"/>
+          </p:cNvSpPr>
+          <p:nvPr>
+            <p:ph idx="1"/>
+          </p:nvPr>
+        </p:nvSpPr>
+        <p:spPr>
+          <a:xfrm>
+            <a:off x="457200" y="1094346"/>
+            <a:ext cx="8229600" cy="5214974"/>
+          </a:xfrm>
+        </p:spPr>
+        <p:txBody>
+          <a:bodyPr>
+            <a:noAutofit/>
+          </a:bodyPr>
+          <a:lstStyle/>
+          <a:p>
+            <a:r>
+              <a:rPr lang="en-US" sz="4000" dirty="0" smtClean="0"/>
+              <a:t>Problems found:</a:t>
+            </a:r>
+          </a:p>
+          <a:p>
+            <a:pPr marL="457200" lvl="1" indent="0" algn="just"/>
+            <a:r>
+              <a:rPr lang="en-GB" b="1" dirty="0" smtClean="0"/>
+              <a:t>Some courses didn’t have information about total graduates</a:t>
+            </a:r>
+          </a:p>
+          <a:p>
+            <a:pPr marL="914400" lvl="1" indent="-457200" algn="just">
+              <a:buFont typeface="Arial" panose="020B0604020202020204" pitchFamily="34" charset="0"/>
+              <a:buChar char="•"/>
+            </a:pPr>
+            <a:r>
+              <a:rPr lang="en-GB" dirty="0" smtClean="0"/>
+              <a:t>We ignored these courses to make the calculations and aggregations and assigned -1 to the total graduate’s field and unemployment %.</a:t>
+            </a:r>
+          </a:p>
+          <a:p>
+            <a:pPr marL="457200" lvl="1" indent="0" algn="just"/>
+            <a:endParaRPr lang="en-GB" sz="1200" b="1" dirty="0" smtClean="0"/>
+          </a:p>
+          <a:p>
+            <a:pPr marL="457200" lvl="1" indent="0" algn="just"/>
+            <a:r>
+              <a:rPr lang="en-GB" b="1" dirty="0" smtClean="0"/>
+              <a:t>Extinction of courses from “</a:t>
+            </a:r>
+            <a:r>
+              <a:rPr lang="en-GB" b="1" dirty="0" smtClean="0"/>
+              <a:t>Bolonha</a:t>
+            </a:r>
+            <a:r>
+              <a:rPr lang="en-GB" b="1" dirty="0" smtClean="0"/>
+              <a:t>”</a:t>
+            </a:r>
+            <a:endParaRPr lang="pt-PT" b="1" dirty="0" smtClean="0"/>
+          </a:p>
+          <a:p>
+            <a:pPr marL="914400" lvl="1" indent="-457200" algn="just">
+              <a:buFont typeface="Arial" panose="020B0604020202020204" pitchFamily="34" charset="0"/>
+              <a:buChar char="•"/>
+            </a:pPr>
+            <a:r>
+              <a:rPr lang="en-GB" dirty="0" smtClean="0"/>
+              <a:t>We cleaned some records in 2007</a:t>
+            </a:r>
+            <a:endParaRPr lang="pt-PT" dirty="0" smtClean="0"/>
+          </a:p>
+        </p:txBody>
+      </p:sp>
+    </p:spTree>
+    <p:extLst>
+      <p:ext uri="{BB962C8B-B14F-4D97-AF65-F5344CB8AC3E}">
+        <p14:creationId xmlns:p14="http://schemas.microsoft.com/office/powerpoint/2010/main" val="2665434140"/>
+      </p:ext>
+    </p:extLst>
+  </p:cSld>
+  <p:clrMapOvr>
+    <a:masterClrMapping/>
+  </p:clrMapOvr>
+  <p:timing>
+    <p:tnLst>
+      <p:par>
+        <p:cTn id="1" dur="indefinite" restart="never" nodeType="tmRoot"/>
+      </p:par>
+    </p:tnLst>
+  </p:timing>
+</p:sld>
+</file>
+
+<file path=ppt/slides/slide17.xml><?xml version="1.0" encoding="utf-8"?>
+<p:sld xmlns:a="http://schemas.openxmlformats.org/drawingml/2006/main" xmlns:r="http://schemas.openxmlformats.org/officeDocument/2006/relationships" xmlns:p="http://schemas.openxmlformats.org/presentationml/2006/main">
+  <p:cSld>
+    <p:spTree>
+      <p:nvGrpSpPr>
+        <p:cNvPr id="1" name=""/>
+        <p:cNvGrpSpPr/>
+        <p:nvPr/>
+      </p:nvGrpSpPr>
+      <p:grpSpPr>
+        <a:xfrm>
+          <a:off x="0" y="0"/>
+          <a:ext cx="0" cy="0"/>
+          <a:chOff x="0" y="0"/>
+          <a:chExt cx="0" cy="0"/>
+        </a:xfrm>
+      </p:grpSpPr>
+      <p:sp>
+        <p:nvSpPr>
           <p:cNvPr id="6" name="Text Placeholder 5"/>
           <p:cNvSpPr>
             <a:spLocks noGrp="1"/>
@@ -4915,7 +5529,7 @@
 </p:sld>
 </file>
 
-<file path=ppt/slides/slide17.xml><?xml version="1.0" encoding="utf-8"?>
+<file path=ppt/slides/slide18.xml><?xml version="1.0" encoding="utf-8"?>
 <p:sld xmlns:a="http://schemas.openxmlformats.org/drawingml/2006/main" xmlns:r="http://schemas.openxmlformats.org/officeDocument/2006/relationships" xmlns:p="http://schemas.openxmlformats.org/presentationml/2006/main">
   <p:cSld>
     <p:spTree>
@@ -5232,7 +5846,15 @@
                   <a:schemeClr val="tx1"/>
                 </a:solidFill>
               </a:rPr>
-              <a:t>Our initial dataset was one file for each year (2007-2015) about unemployment from all the higher education courses registered in “Centro de Desemprego” and other file with entry grades of 2016 for all the higher education courses. </a:t>
+              <a:t>Our initial dataset was one file for each year (2007-2015) about unemployment from all the higher education courses registered in “Centro de Desemprego” and other file with entry grades of 2016 for all the higher education </a:t>
+            </a:r>
+            <a:r>
+              <a:rPr lang="en-GB" sz="2400" b="0" dirty="0" smtClean="0">
+                <a:solidFill>
+                  <a:schemeClr val="tx1"/>
+                </a:solidFill>
+              </a:rPr>
+              <a:t>courses</a:t>
             </a:r>
             <a:endParaRPr lang="pt-PT" sz="2400" b="0" dirty="0">
               <a:solidFill>
@@ -5251,7 +5873,7 @@
                   <a:schemeClr val="tx1"/>
                 </a:solidFill>
               </a:rPr>
-              <a:t>The files from 2007–2015 each one had different layouts and different tables in short they were a bit heterogeneous as seen in the following samples</a:t>
+              <a:t>The files from 2007–2015 each one had different layouts and different tables in short they were a bit heterogeneous as seen in the following </a:t>
             </a:r>
             <a:r>
               <a:rPr lang="en-GB" sz="2400" b="0" dirty="0" smtClean="0">
@@ -5259,7 +5881,7 @@
                   <a:schemeClr val="tx1"/>
                 </a:solidFill>
               </a:rPr>
-              <a:t>.</a:t>
+              <a:t>samples</a:t>
             </a:r>
             <a:endParaRPr lang="pt-PT" sz="2400" b="0" dirty="0">
               <a:solidFill>
@@ -5839,7 +6461,127 @@
                   <a:schemeClr val="tx1"/>
                 </a:solidFill>
               </a:rPr>
-              <a:t>We selected the following attributes: Year, Course Name, </a:t>
+              <a:t>We selected the following attributes: </a:t>
+            </a:r>
+            <a:r>
+              <a:rPr lang="en-GB" sz="2400" dirty="0">
+                <a:solidFill>
+                  <a:schemeClr val="tx1"/>
+                </a:solidFill>
+              </a:rPr>
+              <a:t>Year</a:t>
+            </a:r>
+            <a:r>
+              <a:rPr lang="en-GB" sz="2400" b="0" dirty="0">
+                <a:solidFill>
+                  <a:schemeClr val="tx1"/>
+                </a:solidFill>
+              </a:rPr>
+              <a:t>, </a:t>
+            </a:r>
+            <a:r>
+              <a:rPr lang="en-GB" sz="2400" dirty="0">
+                <a:solidFill>
+                  <a:schemeClr val="tx1"/>
+                </a:solidFill>
+              </a:rPr>
+              <a:t>Course Name</a:t>
+            </a:r>
+            <a:r>
+              <a:rPr lang="en-GB" sz="2400" b="0" dirty="0">
+                <a:solidFill>
+                  <a:schemeClr val="tx1"/>
+                </a:solidFill>
+              </a:rPr>
+              <a:t>, </a:t>
+            </a:r>
+            <a:r>
+              <a:rPr lang="en-GB" sz="2400" dirty="0" smtClean="0">
+                <a:solidFill>
+                  <a:schemeClr val="tx1"/>
+                </a:solidFill>
+              </a:rPr>
+              <a:t>Course Code</a:t>
+            </a:r>
+            <a:r>
+              <a:rPr lang="en-GB" sz="2400" b="0" dirty="0">
+                <a:solidFill>
+                  <a:schemeClr val="tx1"/>
+                </a:solidFill>
+              </a:rPr>
+              <a:t>, </a:t>
+            </a:r>
+            <a:r>
+              <a:rPr lang="en-GB" sz="2400" dirty="0">
+                <a:solidFill>
+                  <a:schemeClr val="tx1"/>
+                </a:solidFill>
+              </a:rPr>
+              <a:t>University Name</a:t>
+            </a:r>
+            <a:r>
+              <a:rPr lang="en-GB" sz="2400" b="0" dirty="0">
+                <a:solidFill>
+                  <a:schemeClr val="tx1"/>
+                </a:solidFill>
+              </a:rPr>
+              <a:t>, </a:t>
+            </a:r>
+            <a:r>
+              <a:rPr lang="en-GB" sz="2400" dirty="0">
+                <a:solidFill>
+                  <a:schemeClr val="tx1"/>
+                </a:solidFill>
+              </a:rPr>
+              <a:t>University Code</a:t>
+            </a:r>
+            <a:r>
+              <a:rPr lang="en-GB" sz="2400" b="0" dirty="0">
+                <a:solidFill>
+                  <a:schemeClr val="tx1"/>
+                </a:solidFill>
+              </a:rPr>
+              <a:t>, </a:t>
+            </a:r>
+            <a:r>
+              <a:rPr lang="en-GB" sz="2400" dirty="0">
+                <a:solidFill>
+                  <a:schemeClr val="tx1"/>
+                </a:solidFill>
+              </a:rPr>
+              <a:t>Degree Level</a:t>
+            </a:r>
+            <a:r>
+              <a:rPr lang="en-GB" sz="2400" b="0" dirty="0">
+                <a:solidFill>
+                  <a:schemeClr val="tx1"/>
+                </a:solidFill>
+              </a:rPr>
+              <a:t>, </a:t>
+            </a:r>
+            <a:r>
+              <a:rPr lang="en-GB" sz="2400" dirty="0">
+                <a:solidFill>
+                  <a:schemeClr val="tx1"/>
+                </a:solidFill>
+              </a:rPr>
+              <a:t>Total Unemployed</a:t>
+            </a:r>
+            <a:r>
+              <a:rPr lang="en-GB" sz="2400" b="0" dirty="0">
+                <a:solidFill>
+                  <a:schemeClr val="tx1"/>
+                </a:solidFill>
+              </a:rPr>
+              <a:t>, </a:t>
+            </a:r>
+            <a:r>
+              <a:rPr lang="en-GB" sz="2400" dirty="0" smtClean="0">
+                <a:solidFill>
+                  <a:schemeClr val="tx1"/>
+                </a:solidFill>
+              </a:rPr>
+              <a:t>Total Graduates</a:t>
             </a:r>
             <a:r>
               <a:rPr lang="en-GB" sz="2400" b="0" dirty="0" smtClean="0">
@@ -5847,7 +6589,15 @@
                   <a:schemeClr val="tx1"/>
                 </a:solidFill>
               </a:rPr>
-              <a:t>Course Code</a:t>
+              <a:t>, </a:t>
+            </a:r>
+            <a:r>
+              <a:rPr lang="en-GB" sz="2400" dirty="0">
+                <a:solidFill>
+                  <a:schemeClr val="tx1"/>
+                </a:solidFill>
+              </a:rPr>
+              <a:t>Course Area Code </a:t>
             </a:r>
             <a:r>
               <a:rPr lang="en-GB" sz="2400" b="0" dirty="0">
@@ -5855,17 +6605,25 @@
                   <a:schemeClr val="tx1"/>
                 </a:solidFill>
               </a:rPr>
-              <a:t>, University Name, University Code, Degree Level, Total Unemployed, Total Graduates, Course Area Code and Course Area </a:t>
-            </a:r>
-            <a:r>
-              <a:rPr lang="en-GB" sz="2400" b="0" dirty="0" smtClean="0">
+              <a:t>and </a:t>
+            </a:r>
+            <a:r>
+              <a:rPr lang="en-GB" sz="2400" dirty="0">
+                <a:solidFill>
+                  <a:schemeClr val="tx1"/>
+                </a:solidFill>
+              </a:rPr>
+              <a:t>Course Area </a:t>
+            </a:r>
+            <a:r>
+              <a:rPr lang="en-GB" sz="2400" dirty="0" smtClean="0">
                 <a:solidFill>
                   <a:schemeClr val="tx1"/>
                 </a:solidFill>
               </a:rPr>
               <a:t>Name</a:t>
             </a:r>
-            <a:endParaRPr lang="pt-PT" sz="2400" b="0" dirty="0">
+            <a:endParaRPr lang="pt-PT" sz="2400" dirty="0">
               <a:solidFill>
                 <a:schemeClr val="tx1"/>
               </a:solidFill>
@@ -5945,11 +6703,19 @@
             </a:pPr>
             <a:r>
               <a:rPr lang="en-GB" sz="2400" dirty="0"/>
-              <a:t>A little explanation about course areas, there are 3 hierarchical levels but top level has many roots “it is a forest of trees”, the image at right summarize the idea (Leaves are the courses</a:t>
+              <a:t>A little explanation about course areas, there are </a:t>
+            </a:r>
+            <a:r>
+              <a:rPr lang="en-GB" sz="2400" b="1" dirty="0"/>
+              <a:t>3 hierarchical levels </a:t>
+            </a:r>
+            <a:r>
+              <a:rPr lang="en-GB" sz="2400" dirty="0"/>
+              <a:t>but top level has many roots “it is a forest of trees”, the image at right summarize the idea (Leaves are the courses</a:t>
             </a:r>
             <a:r>
               <a:rPr lang="en-GB" sz="2400" dirty="0" smtClean="0"/>
-              <a:t>).</a:t>
+              <a:t>)</a:t>
             </a:r>
             <a:endParaRPr lang="en-US" sz="2400" dirty="0"/>
           </a:p>
@@ -6176,7 +6942,7 @@
                   <a:schemeClr val="tx1"/>
                 </a:solidFill>
               </a:rPr>
-              <a:t>time.</a:t>
+              <a:t>time</a:t>
             </a:r>
             <a:endParaRPr lang="pt-PT" sz="2400" b="0" dirty="0">
               <a:solidFill>
@@ -6259,12 +7025,12 @@
         <p:spPr>
           <a:xfrm>
             <a:off x="457200" y="1285860"/>
-            <a:ext cx="8229600" cy="4015348"/>
+            <a:ext cx="8229600" cy="4591412"/>
           </a:xfrm>
         </p:spPr>
         <p:txBody>
           <a:bodyPr>
-            <a:normAutofit lnSpcReduction="10000"/>
+            <a:normAutofit/>
           </a:bodyPr>
           <a:lstStyle/>
           <a:p>
@@ -6340,9 +7106,20 @@
                   <a:schemeClr val="tx1"/>
                 </a:solidFill>
               </a:rPr>
-              <a:t>Identify the university with more unemployment (%)</a:t>
-            </a:r>
-            <a:endParaRPr lang="pt-PT" sz="2400" b="0" dirty="0">
+              <a:t>Identify the university with more unemployment </a:t>
+            </a:r>
+            <a:r>
+              <a:rPr lang="en-GB" sz="2400" b="0" dirty="0" smtClean="0">
+                <a:solidFill>
+                  <a:schemeClr val="tx1"/>
+                </a:solidFill>
+              </a:rPr>
+              <a:t>(%)</a:t>
+            </a:r>
+          </a:p>
+          <a:p>
+            <a:pPr marL="0" lvl="0" indent="0"/>
+            <a:endParaRPr lang="pt-PT" sz="1000" b="0" dirty="0">
               <a:solidFill>
                 <a:schemeClr val="tx1"/>
               </a:solidFill>

--- a/II-Checkpoint/II-Checkpoint Presentation.pptx
+++ b/II-Checkpoint/II-Checkpoint Presentation.pptx
@@ -129,7 +129,7 @@
   </p:defaultTextStyle>
   <p:extLst>
     <p:ext uri="{EFAFB233-063F-42B5-8137-9DF3F51BA10A}">
-      <p15:sldGuideLst xmlns:p15="http://schemas.microsoft.com/office/powerpoint/2012/main" xmlns="">
+      <p15:sldGuideLst xmlns="" xmlns:p15="http://schemas.microsoft.com/office/powerpoint/2012/main">
         <p15:guide id="1" orient="horz" pos="2160">
           <p15:clr>
             <a:srgbClr val="A4A3A4"/>
@@ -228,6 +228,7 @@
           <a:p>
             <a:fld id="{745C36E7-9E00-462E-80A3-32F2BE615C7A}" type="datetimeFigureOut">
               <a:rPr lang="en-US" smtClean="0"/>
+              <a:pPr/>
               <a:t>10/20/2016</a:t>
             </a:fld>
             <a:endParaRPr lang="en-US" dirty="0"/>
@@ -294,7 +295,8 @@
           <a:p>
             <a:fld id="{C7B702CB-D988-47C5-8204-95032A6A7C26}" type="slidenum">
               <a:rPr lang="en-US" smtClean="0"/>
-              <a:t>‹#›</a:t>
+              <a:pPr/>
+              <a:t>‹nº›</a:t>
             </a:fld>
             <a:endParaRPr lang="en-US" dirty="0"/>
           </a:p>
@@ -303,7 +305,7 @@
     </p:spTree>
     <p:extLst>
       <p:ext uri="{BB962C8B-B14F-4D97-AF65-F5344CB8AC3E}">
-        <p14:creationId xmlns:p14="http://schemas.microsoft.com/office/powerpoint/2010/main" val="642327091"/>
+        <p14:creationId xmlns:p14="http://schemas.microsoft.com/office/powerpoint/2010/main" xmlns="" val="642327091"/>
       </p:ext>
     </p:extLst>
   </p:cSld>
@@ -556,7 +558,7 @@
             <a:fld id="{F535F173-C1DD-4975-94BF-5B9ED67F7674}" type="slidenum">
               <a:rPr lang="en-US" smtClean="0"/>
               <a:pPr/>
-              <a:t>‹#›</a:t>
+              <a:t>‹nº›</a:t>
             </a:fld>
             <a:endParaRPr lang="en-US" dirty="0"/>
           </a:p>
@@ -565,7 +567,7 @@
     </p:spTree>
     <p:extLst>
       <p:ext uri="{BB962C8B-B14F-4D97-AF65-F5344CB8AC3E}">
-        <p14:creationId xmlns:p14="http://schemas.microsoft.com/office/powerpoint/2010/main" val="929916762"/>
+        <p14:creationId xmlns:p14="http://schemas.microsoft.com/office/powerpoint/2010/main" xmlns="" val="929916762"/>
       </p:ext>
     </p:extLst>
   </p:cSld>
@@ -740,7 +742,7 @@
     </p:spTree>
     <p:extLst>
       <p:ext uri="{BB962C8B-B14F-4D97-AF65-F5344CB8AC3E}">
-        <p14:creationId xmlns:p14="http://schemas.microsoft.com/office/powerpoint/2010/main" val="1355792998"/>
+        <p14:creationId xmlns:p14="http://schemas.microsoft.com/office/powerpoint/2010/main" xmlns="" val="1355792998"/>
       </p:ext>
     </p:extLst>
   </p:cSld>
@@ -825,7 +827,7 @@
     </p:spTree>
     <p:extLst>
       <p:ext uri="{BB962C8B-B14F-4D97-AF65-F5344CB8AC3E}">
-        <p14:creationId xmlns:p14="http://schemas.microsoft.com/office/powerpoint/2010/main" val="1355792998"/>
+        <p14:creationId xmlns:p14="http://schemas.microsoft.com/office/powerpoint/2010/main" xmlns="" val="1355792998"/>
       </p:ext>
     </p:extLst>
   </p:cSld>
@@ -910,7 +912,7 @@
     </p:spTree>
     <p:extLst>
       <p:ext uri="{BB962C8B-B14F-4D97-AF65-F5344CB8AC3E}">
-        <p14:creationId xmlns:p14="http://schemas.microsoft.com/office/powerpoint/2010/main" val="35205596"/>
+        <p14:creationId xmlns:p14="http://schemas.microsoft.com/office/powerpoint/2010/main" xmlns="" val="35205596"/>
       </p:ext>
     </p:extLst>
   </p:cSld>
@@ -1044,7 +1046,7 @@
     </p:spTree>
     <p:extLst>
       <p:ext uri="{BB962C8B-B14F-4D97-AF65-F5344CB8AC3E}">
-        <p14:creationId xmlns:p14="http://schemas.microsoft.com/office/powerpoint/2010/main" val="2333951368"/>
+        <p14:creationId xmlns:p14="http://schemas.microsoft.com/office/powerpoint/2010/main" xmlns="" val="2333951368"/>
       </p:ext>
     </p:extLst>
   </p:cSld>
@@ -1129,7 +1131,7 @@
     </p:spTree>
     <p:extLst>
       <p:ext uri="{BB962C8B-B14F-4D97-AF65-F5344CB8AC3E}">
-        <p14:creationId xmlns:p14="http://schemas.microsoft.com/office/powerpoint/2010/main" val="1355792998"/>
+        <p14:creationId xmlns:p14="http://schemas.microsoft.com/office/powerpoint/2010/main" xmlns="" val="1355792998"/>
       </p:ext>
     </p:extLst>
   </p:cSld>
@@ -1214,7 +1216,7 @@
     </p:spTree>
     <p:extLst>
       <p:ext uri="{BB962C8B-B14F-4D97-AF65-F5344CB8AC3E}">
-        <p14:creationId xmlns:p14="http://schemas.microsoft.com/office/powerpoint/2010/main" val="1355792998"/>
+        <p14:creationId xmlns:p14="http://schemas.microsoft.com/office/powerpoint/2010/main" xmlns="" val="1355792998"/>
       </p:ext>
     </p:extLst>
   </p:cSld>
@@ -1299,7 +1301,7 @@
     </p:spTree>
     <p:extLst>
       <p:ext uri="{BB962C8B-B14F-4D97-AF65-F5344CB8AC3E}">
-        <p14:creationId xmlns:p14="http://schemas.microsoft.com/office/powerpoint/2010/main" val="1355792998"/>
+        <p14:creationId xmlns:p14="http://schemas.microsoft.com/office/powerpoint/2010/main" xmlns="" val="1355792998"/>
       </p:ext>
     </p:extLst>
   </p:cSld>
@@ -1384,7 +1386,7 @@
     </p:spTree>
     <p:extLst>
       <p:ext uri="{BB962C8B-B14F-4D97-AF65-F5344CB8AC3E}">
-        <p14:creationId xmlns:p14="http://schemas.microsoft.com/office/powerpoint/2010/main" val="1355792998"/>
+        <p14:creationId xmlns:p14="http://schemas.microsoft.com/office/powerpoint/2010/main" xmlns="" val="1355792998"/>
       </p:ext>
     </p:extLst>
   </p:cSld>
@@ -1469,7 +1471,7 @@
     </p:spTree>
     <p:extLst>
       <p:ext uri="{BB962C8B-B14F-4D97-AF65-F5344CB8AC3E}">
-        <p14:creationId xmlns:p14="http://schemas.microsoft.com/office/powerpoint/2010/main" val="1355792998"/>
+        <p14:creationId xmlns:p14="http://schemas.microsoft.com/office/powerpoint/2010/main" xmlns="" val="1355792998"/>
       </p:ext>
     </p:extLst>
   </p:cSld>
@@ -1554,7 +1556,7 @@
     </p:spTree>
     <p:extLst>
       <p:ext uri="{BB962C8B-B14F-4D97-AF65-F5344CB8AC3E}">
-        <p14:creationId xmlns:p14="http://schemas.microsoft.com/office/powerpoint/2010/main" val="1355792998"/>
+        <p14:creationId xmlns:p14="http://schemas.microsoft.com/office/powerpoint/2010/main" xmlns="" val="1355792998"/>
       </p:ext>
     </p:extLst>
   </p:cSld>
@@ -1639,7 +1641,7 @@
     </p:spTree>
     <p:extLst>
       <p:ext uri="{BB962C8B-B14F-4D97-AF65-F5344CB8AC3E}">
-        <p14:creationId xmlns:p14="http://schemas.microsoft.com/office/powerpoint/2010/main" val="1355792998"/>
+        <p14:creationId xmlns:p14="http://schemas.microsoft.com/office/powerpoint/2010/main" xmlns="" val="1355792998"/>
       </p:ext>
     </p:extLst>
   </p:cSld>
@@ -2200,7 +2202,7 @@
             <a:fld id="{B5EBF8D4-C87A-47B7-9996-84452461937B}" type="slidenum">
               <a:rPr lang="pt-PT" smtClean="0"/>
               <a:pPr/>
-              <a:t>‹#›</a:t>
+              <a:t>‹nº›</a:t>
             </a:fld>
             <a:endParaRPr lang="pt-PT"/>
           </a:p>
@@ -4233,21 +4235,13 @@
             <a:pPr lvl="1"/>
             <a:r>
               <a:rPr lang="en-US" sz="3200" dirty="0" smtClean="0"/>
-              <a:t>2015</a:t>
-            </a:r>
-            <a:r>
-              <a:rPr lang="en-US" sz="3200" dirty="0" smtClean="0"/>
-              <a:t>.csv</a:t>
+              <a:t>2015.csv</a:t>
             </a:r>
           </a:p>
           <a:p>
             <a:r>
               <a:rPr lang="en-US" sz="3600" dirty="0" smtClean="0"/>
-              <a:t>Dataset </a:t>
-            </a:r>
-            <a:r>
-              <a:rPr lang="en-US" sz="3600" dirty="0" smtClean="0"/>
-              <a:t>type:</a:t>
+              <a:t>Dataset type:</a:t>
             </a:r>
           </a:p>
           <a:p>
@@ -4259,11 +4253,6 @@
               </a:rPr>
               <a:t>	 A Table</a:t>
             </a:r>
-            <a:endParaRPr lang="en-US" b="0" dirty="0" smtClean="0">
-              <a:solidFill>
-                <a:schemeClr val="tx1"/>
-              </a:solidFill>
-            </a:endParaRPr>
           </a:p>
         </p:txBody>
       </p:sp>
@@ -4276,10 +4265,10 @@
           <p:nvPr/>
         </p:nvPicPr>
         <p:blipFill>
-          <a:blip r:embed="rId3">
+          <a:blip r:embed="rId3" cstate="print">
             <a:extLst>
               <a:ext uri="{28A0092B-C50C-407E-A947-70E740481C1C}">
-                <a14:useLocalDpi xmlns:a14="http://schemas.microsoft.com/office/drawing/2010/main" val="0"/>
+                <a14:useLocalDpi xmlns:a14="http://schemas.microsoft.com/office/drawing/2010/main" xmlns="" val="0"/>
               </a:ext>
             </a:extLst>
           </a:blip>
@@ -4299,7 +4288,7 @@
           <a:noFill/>
           <a:extLst>
             <a:ext uri="{909E8E84-426E-40DD-AFC4-6F175D3DCCD1}">
-              <a14:hiddenFill xmlns:a14="http://schemas.microsoft.com/office/drawing/2010/main">
+              <a14:hiddenFill xmlns:a14="http://schemas.microsoft.com/office/drawing/2010/main" xmlns="">
                 <a:solidFill>
                   <a:srgbClr val="FFFFFF"/>
                 </a:solidFill>
@@ -4311,7 +4300,7 @@
     </p:spTree>
     <p:extLst>
       <p:ext uri="{BB962C8B-B14F-4D97-AF65-F5344CB8AC3E}">
-        <p14:creationId xmlns:p14="http://schemas.microsoft.com/office/powerpoint/2010/main" val="1967416131"/>
+        <p14:creationId xmlns:p14="http://schemas.microsoft.com/office/powerpoint/2010/main" xmlns="" val="1967416131"/>
       </p:ext>
     </p:extLst>
   </p:cSld>
@@ -4404,11 +4393,7 @@
             </a:r>
             <a:r>
               <a:rPr lang="en-GB" dirty="0" smtClean="0"/>
-              <a:t>Continuous|Sequential</a:t>
-            </a:r>
-            <a:r>
-              <a:rPr lang="en-GB" dirty="0" smtClean="0"/>
-              <a:t>}</a:t>
+              <a:t>Continuous|Sequential}</a:t>
             </a:r>
           </a:p>
           <a:p>
@@ -4591,7 +4576,7 @@
     </p:spTree>
     <p:extLst>
       <p:ext uri="{BB962C8B-B14F-4D97-AF65-F5344CB8AC3E}">
-        <p14:creationId xmlns:p14="http://schemas.microsoft.com/office/powerpoint/2010/main" val="1828594822"/>
+        <p14:creationId xmlns:p14="http://schemas.microsoft.com/office/powerpoint/2010/main" xmlns="" val="1828594822"/>
       </p:ext>
     </p:extLst>
   </p:cSld>
@@ -4696,11 +4681,7 @@
             </a:r>
             <a:r>
               <a:rPr lang="en-GB" dirty="0" smtClean="0"/>
-              <a:t>Ratio|Sequential</a:t>
-            </a:r>
-            <a:r>
-              <a:rPr lang="en-GB" dirty="0" smtClean="0"/>
-              <a:t>}</a:t>
+              <a:t>Ratio|Sequential}</a:t>
             </a:r>
           </a:p>
           <a:p>
@@ -4765,27 +4746,7 @@
             <a:pPr lvl="1" algn="just"/>
             <a:r>
               <a:rPr lang="en-GB" sz="2400" dirty="0"/>
-              <a:t>	Total </a:t>
-            </a:r>
-            <a:r>
-              <a:rPr lang="en-GB" sz="2400" dirty="0"/>
-              <a:t>number of people that concluded course/all the </a:t>
-            </a:r>
-            <a:r>
-              <a:rPr lang="en-GB" sz="2400" dirty="0"/>
-              <a:t>graduates </a:t>
-            </a:r>
-            <a:r>
-              <a:rPr lang="en-GB" sz="2400" dirty="0"/>
-              <a:t>from courses of the area/all the graduates </a:t>
-            </a:r>
-            <a:r>
-              <a:rPr lang="en-GB" sz="2400" dirty="0"/>
-              <a:t>	from </a:t>
-            </a:r>
-            <a:r>
-              <a:rPr lang="en-GB" sz="2400" dirty="0"/>
-              <a:t>courses of the university</a:t>
+              <a:t>	Total number of people that concluded course/all the graduates from courses of the area/all the graduates 	from courses of the university</a:t>
             </a:r>
             <a:endParaRPr lang="pt-PT" sz="2400" dirty="0"/>
           </a:p>
@@ -4798,7 +4759,7 @@
     </p:spTree>
     <p:extLst>
       <p:ext uri="{BB962C8B-B14F-4D97-AF65-F5344CB8AC3E}">
-        <p14:creationId xmlns:p14="http://schemas.microsoft.com/office/powerpoint/2010/main" val="3208609425"/>
+        <p14:creationId xmlns:p14="http://schemas.microsoft.com/office/powerpoint/2010/main" xmlns="" val="3208609425"/>
       </p:ext>
     </p:extLst>
   </p:cSld>
@@ -4883,26 +4844,26 @@
             </a:pPr>
             <a:r>
               <a:rPr lang="en-GB" b="1" dirty="0" smtClean="0"/>
-              <a:t>% </a:t>
+              <a:t>% Unemployment </a:t>
             </a:r>
             <a:r>
               <a:rPr lang="en-GB" b="1" dirty="0"/>
-              <a:t>Unemployment by Course/Area Level/University </a:t>
+              <a:t>by Course/Area Level/University </a:t>
             </a:r>
             <a:r>
               <a:rPr lang="en-GB" dirty="0" smtClean="0"/>
               <a:t>– </a:t>
             </a:r>
             <a:r>
-              <a:rPr lang="en-GB" dirty="0"/>
+              <a:rPr lang="en-GB" u="sng" dirty="0"/>
               <a:t>{</a:t>
             </a:r>
             <a:r>
-              <a:rPr lang="en-GB" dirty="0" err="1"/>
+              <a:rPr lang="en-GB" u="sng" dirty="0" err="1"/>
               <a:t>Ratio|Sequential</a:t>
             </a:r>
             <a:r>
-              <a:rPr lang="en-GB" dirty="0"/>
+              <a:rPr lang="en-GB" u="sng" dirty="0"/>
               <a:t>}</a:t>
             </a:r>
           </a:p>
@@ -5008,15 +4969,84 @@
                   <a:schemeClr val="tx1"/>
                 </a:solidFill>
               </a:rPr>
-              <a:t>represents the code of the course area</a:t>
-            </a:r>
-            <a:endParaRPr lang="pt-PT" sz="2400" b="0" dirty="0">
+              <a:t>represents the code of the course </a:t>
+            </a:r>
+            <a:r>
+              <a:rPr lang="en-GB" sz="2400" b="0" dirty="0" smtClean="0">
+                <a:solidFill>
+                  <a:schemeClr val="tx1"/>
+                </a:solidFill>
+              </a:rPr>
+              <a:t>area</a:t>
+            </a:r>
+          </a:p>
+          <a:p>
+            <a:pPr marL="400050" lvl="1" indent="0">
+              <a:buFont typeface="Arial" pitchFamily="34" charset="0"/>
+              <a:buChar char="•"/>
+            </a:pPr>
+            <a:r>
+              <a:rPr lang="en-GB" b="1" dirty="0" smtClean="0"/>
+              <a:t>     Entry </a:t>
+            </a:r>
+            <a:r>
+              <a:rPr lang="en-GB" b="1" dirty="0" smtClean="0"/>
+              <a:t>Grade </a:t>
+            </a:r>
+            <a:r>
+              <a:rPr lang="en-GB" dirty="0" smtClean="0"/>
+              <a:t>– </a:t>
+            </a:r>
+            <a:r>
+              <a:rPr lang="en-GB" u="sng" dirty="0" smtClean="0"/>
+              <a:t>{</a:t>
+            </a:r>
+            <a:r>
+              <a:rPr lang="en-GB" u="sng" dirty="0" err="1" smtClean="0"/>
+              <a:t>Ratio|Sequential</a:t>
+            </a:r>
+            <a:r>
+              <a:rPr lang="en-GB" u="sng" dirty="0" smtClean="0"/>
+              <a:t>}</a:t>
+            </a:r>
+            <a:r>
+              <a:rPr lang="en-GB" dirty="0" smtClean="0"/>
+              <a:t> </a:t>
+            </a:r>
+            <a:r>
+              <a:rPr lang="en-GB" sz="2400" dirty="0" smtClean="0"/>
+              <a:t>Entry grade for </a:t>
+            </a:r>
+            <a:r>
+              <a:rPr lang="en-GB" sz="2400" dirty="0" smtClean="0"/>
+              <a:t>	the </a:t>
+            </a:r>
+            <a:r>
+              <a:rPr lang="en-GB" sz="2400" dirty="0" smtClean="0"/>
+              <a:t>bachelors course</a:t>
+            </a:r>
+            <a:endParaRPr lang="pt-PT" sz="2400" dirty="0" smtClean="0"/>
+          </a:p>
+          <a:p>
+            <a:pPr marL="400050" lvl="1" indent="0">
+              <a:buFont typeface="Arial" pitchFamily="34" charset="0"/>
+              <a:buChar char="•"/>
+            </a:pPr>
+            <a:endParaRPr lang="en-GB" sz="2400" b="0" dirty="0" smtClean="0">
               <a:solidFill>
                 <a:schemeClr val="tx1"/>
               </a:solidFill>
             </a:endParaRPr>
           </a:p>
           <a:p>
+            <a:pPr marL="400050" lvl="1" indent="0"/>
+            <a:endParaRPr lang="pt-PT" sz="2400" b="0" dirty="0" smtClean="0">
+              <a:solidFill>
+                <a:schemeClr val="tx1"/>
+              </a:solidFill>
+            </a:endParaRPr>
+          </a:p>
+          <a:p>
             <a:pPr lvl="1" algn="just"/>
             <a:endParaRPr lang="pt-PT" sz="2400" dirty="0"/>
           </a:p>
@@ -5025,7 +5055,7 @@
     </p:spTree>
     <p:extLst>
       <p:ext uri="{BB962C8B-B14F-4D97-AF65-F5344CB8AC3E}">
-        <p14:creationId xmlns:p14="http://schemas.microsoft.com/office/powerpoint/2010/main" val="4159594224"/>
+        <p14:creationId xmlns:p14="http://schemas.microsoft.com/office/powerpoint/2010/main" xmlns="" val="4159594224"/>
       </p:ext>
     </p:extLst>
   </p:cSld>
@@ -5148,7 +5178,7 @@
     </p:spTree>
     <p:extLst>
       <p:ext uri="{BB962C8B-B14F-4D97-AF65-F5344CB8AC3E}">
-        <p14:creationId xmlns:p14="http://schemas.microsoft.com/office/powerpoint/2010/main" val="4045494449"/>
+        <p14:creationId xmlns:p14="http://schemas.microsoft.com/office/powerpoint/2010/main" xmlns="" val="4045494449"/>
       </p:ext>
     </p:extLst>
   </p:cSld>
@@ -5229,11 +5259,7 @@
           <a:p>
             <a:r>
               <a:rPr lang="en-US" sz="4000" dirty="0" smtClean="0"/>
-              <a:t>Dataset cleaning </a:t>
-            </a:r>
-            <a:r>
-              <a:rPr lang="en-US" sz="4000" dirty="0" smtClean="0"/>
-              <a:t>description</a:t>
+              <a:t>Dataset cleaning description</a:t>
             </a:r>
           </a:p>
           <a:p>
@@ -5260,7 +5286,7 @@
     </p:spTree>
     <p:extLst>
       <p:ext uri="{BB962C8B-B14F-4D97-AF65-F5344CB8AC3E}">
-        <p14:creationId xmlns:p14="http://schemas.microsoft.com/office/powerpoint/2010/main" val="3456915046"/>
+        <p14:creationId xmlns:p14="http://schemas.microsoft.com/office/powerpoint/2010/main" xmlns="" val="3456915046"/>
       </p:ext>
     </p:extLst>
   </p:cSld>
@@ -5369,15 +5395,7 @@
             <a:pPr marL="457200" lvl="1" indent="0" algn="just"/>
             <a:r>
               <a:rPr lang="en-GB" b="1" dirty="0" smtClean="0"/>
-              <a:t>Extinction of courses from “</a:t>
-            </a:r>
-            <a:r>
-              <a:rPr lang="en-GB" b="1" dirty="0" smtClean="0"/>
-              <a:t>Bolonha</a:t>
-            </a:r>
-            <a:r>
-              <a:rPr lang="en-GB" b="1" dirty="0" smtClean="0"/>
-              <a:t>”</a:t>
+              <a:t>Extinction of courses from “Bolonha”</a:t>
             </a:r>
             <a:endParaRPr lang="pt-PT" b="1" dirty="0" smtClean="0"/>
           </a:p>
@@ -5397,7 +5415,7 @@
     </p:spTree>
     <p:extLst>
       <p:ext uri="{BB962C8B-B14F-4D97-AF65-F5344CB8AC3E}">
-        <p14:creationId xmlns:p14="http://schemas.microsoft.com/office/powerpoint/2010/main" val="2665434140"/>
+        <p14:creationId xmlns:p14="http://schemas.microsoft.com/office/powerpoint/2010/main" xmlns="" val="2665434140"/>
       </p:ext>
     </p:extLst>
   </p:cSld>
@@ -5512,7 +5530,7 @@
     </p:spTree>
     <p:extLst>
       <p:ext uri="{BB962C8B-B14F-4D97-AF65-F5344CB8AC3E}">
-        <p14:creationId xmlns:p14="http://schemas.microsoft.com/office/powerpoint/2010/main" val="2312607420"/>
+        <p14:creationId xmlns:p14="http://schemas.microsoft.com/office/powerpoint/2010/main" xmlns="" val="2312607420"/>
       </p:ext>
     </p:extLst>
   </p:cSld>
@@ -5641,7 +5659,7 @@
     </p:spTree>
     <p:extLst>
       <p:ext uri="{BB962C8B-B14F-4D97-AF65-F5344CB8AC3E}">
-        <p14:creationId xmlns:p14="http://schemas.microsoft.com/office/powerpoint/2010/main" val="2292396113"/>
+        <p14:creationId xmlns:p14="http://schemas.microsoft.com/office/powerpoint/2010/main" xmlns="" val="2292396113"/>
       </p:ext>
     </p:extLst>
   </p:cSld>
@@ -5894,7 +5912,7 @@
     </p:spTree>
     <p:extLst>
       <p:ext uri="{BB962C8B-B14F-4D97-AF65-F5344CB8AC3E}">
-        <p14:creationId xmlns:p14="http://schemas.microsoft.com/office/powerpoint/2010/main" val="4240120593"/>
+        <p14:creationId xmlns:p14="http://schemas.microsoft.com/office/powerpoint/2010/main" xmlns="" val="4240120593"/>
       </p:ext>
     </p:extLst>
   </p:cSld>
@@ -6153,7 +6171,7 @@
           <p:nvPr/>
         </p:nvPicPr>
         <p:blipFill>
-          <a:blip r:embed="rId3"/>
+          <a:blip r:embed="rId3" cstate="print"/>
           <a:srcRect l="2478" t="24802" r="1897" b="37103"/>
           <a:stretch>
             <a:fillRect/>
@@ -6183,7 +6201,7 @@
           <p:nvPr/>
         </p:nvPicPr>
         <p:blipFill>
-          <a:blip r:embed="rId4"/>
+          <a:blip r:embed="rId4" cstate="print"/>
           <a:srcRect l="1474" t="23611" r="10375" b="60516"/>
           <a:stretch>
             <a:fillRect/>
@@ -6213,7 +6231,7 @@
           <p:nvPr/>
         </p:nvPicPr>
         <p:blipFill>
-          <a:blip r:embed="rId5"/>
+          <a:blip r:embed="rId5" cstate="print"/>
           <a:srcRect l="1920" t="30159" r="5244" b="43055"/>
           <a:stretch>
             <a:fillRect/>
@@ -6239,7 +6257,7 @@
     </p:spTree>
     <p:extLst>
       <p:ext uri="{BB962C8B-B14F-4D97-AF65-F5344CB8AC3E}">
-        <p14:creationId xmlns:p14="http://schemas.microsoft.com/office/powerpoint/2010/main" val="1307573410"/>
+        <p14:creationId xmlns:p14="http://schemas.microsoft.com/office/powerpoint/2010/main" xmlns="" val="1307573410"/>
       </p:ext>
     </p:extLst>
   </p:cSld>
@@ -6366,7 +6384,7 @@
     </p:spTree>
     <p:extLst>
       <p:ext uri="{BB962C8B-B14F-4D97-AF65-F5344CB8AC3E}">
-        <p14:creationId xmlns:p14="http://schemas.microsoft.com/office/powerpoint/2010/main" val="627357321"/>
+        <p14:creationId xmlns:p14="http://schemas.microsoft.com/office/powerpoint/2010/main" xmlns="" val="627357321"/>
       </p:ext>
     </p:extLst>
   </p:cSld>
@@ -6597,15 +6615,15 @@
                   <a:schemeClr val="tx1"/>
                 </a:solidFill>
               </a:rPr>
-              <a:t>Course Area Code </a:t>
-            </a:r>
-            <a:r>
-              <a:rPr lang="en-GB" sz="2400" b="0" dirty="0">
-                <a:solidFill>
-                  <a:schemeClr val="tx1"/>
-                </a:solidFill>
-              </a:rPr>
-              <a:t>and </a:t>
+              <a:t>Course Area </a:t>
+            </a:r>
+            <a:r>
+              <a:rPr lang="en-GB" sz="2400" dirty="0" smtClean="0">
+                <a:solidFill>
+                  <a:schemeClr val="tx1"/>
+                </a:solidFill>
+              </a:rPr>
+              <a:t>Code, Course </a:t>
             </a:r>
             <a:r>
               <a:rPr lang="en-GB" sz="2400" dirty="0">
@@ -6613,7 +6631,7 @@
                   <a:schemeClr val="tx1"/>
                 </a:solidFill>
               </a:rPr>
-              <a:t>Course Area </a:t>
+              <a:t>Area </a:t>
             </a:r>
             <a:r>
               <a:rPr lang="en-GB" sz="2400" dirty="0" smtClean="0">
@@ -6621,7 +6639,23 @@
                   <a:schemeClr val="tx1"/>
                 </a:solidFill>
               </a:rPr>
-              <a:t>Name</a:t>
+              <a:t>Name </a:t>
+            </a:r>
+            <a:r>
+              <a:rPr lang="en-GB" sz="2400" b="0" dirty="0" smtClean="0">
+                <a:solidFill>
+                  <a:schemeClr val="tx1"/>
+                </a:solidFill>
+              </a:rPr>
+              <a:t>and</a:t>
+            </a:r>
+            <a:r>
+              <a:rPr lang="en-GB" sz="2400" dirty="0" smtClean="0">
+                <a:solidFill>
+                  <a:schemeClr val="tx1"/>
+                </a:solidFill>
+              </a:rPr>
+              <a:t> Entry Grade</a:t>
             </a:r>
             <a:endParaRPr lang="pt-PT" sz="2400" dirty="0">
               <a:solidFill>
@@ -6640,10 +6674,10 @@
           <p:nvPr/>
         </p:nvPicPr>
         <p:blipFill>
-          <a:blip r:embed="rId3">
+          <a:blip r:embed="rId3" cstate="print">
             <a:extLst>
               <a:ext uri="{28A0092B-C50C-407E-A947-70E740481C1C}">
-                <a14:useLocalDpi xmlns:a14="http://schemas.microsoft.com/office/drawing/2010/main" val="0"/>
+                <a14:useLocalDpi xmlns:a14="http://schemas.microsoft.com/office/drawing/2010/main" xmlns="" val="0"/>
               </a:ext>
             </a:extLst>
           </a:blip>
@@ -6663,7 +6697,7 @@
           <a:noFill/>
           <a:extLst>
             <a:ext uri="{909E8E84-426E-40DD-AFC4-6F175D3DCCD1}">
-              <a14:hiddenFill xmlns:a14="http://schemas.microsoft.com/office/drawing/2010/main">
+              <a14:hiddenFill xmlns:a14="http://schemas.microsoft.com/office/drawing/2010/main" xmlns="">
                 <a:solidFill>
                   <a:srgbClr val="FFFFFF"/>
                 </a:solidFill>
@@ -6724,7 +6758,7 @@
     </p:spTree>
     <p:extLst>
       <p:ext uri="{BB962C8B-B14F-4D97-AF65-F5344CB8AC3E}">
-        <p14:creationId xmlns:p14="http://schemas.microsoft.com/office/powerpoint/2010/main" val="2962997025"/>
+        <p14:creationId xmlns:p14="http://schemas.microsoft.com/office/powerpoint/2010/main" xmlns="" val="2962997025"/>
       </p:ext>
     </p:extLst>
   </p:cSld>
@@ -6845,8 +6879,21 @@
                   <a:schemeClr val="tx1"/>
                 </a:solidFill>
               </a:rPr>
-              <a:t>Course</a:t>
-            </a:r>
+              <a:t>Course </a:t>
+            </a:r>
+            <a:r>
+              <a:rPr lang="en-GB" sz="2400" b="0" dirty="0" smtClean="0">
+                <a:solidFill>
+                  <a:schemeClr val="tx1"/>
+                </a:solidFill>
+              </a:rPr>
+              <a:t>for each year</a:t>
+            </a:r>
+            <a:endParaRPr lang="en-GB" sz="2400" dirty="0" smtClean="0">
+              <a:solidFill>
+                <a:schemeClr val="tx1"/>
+              </a:solidFill>
+            </a:endParaRPr>
           </a:p>
           <a:p>
             <a:pPr marL="0" lvl="0" indent="0"/>
@@ -6955,7 +7002,7 @@
     </p:spTree>
     <p:extLst>
       <p:ext uri="{BB962C8B-B14F-4D97-AF65-F5344CB8AC3E}">
-        <p14:creationId xmlns:p14="http://schemas.microsoft.com/office/powerpoint/2010/main" val="1783310095"/>
+        <p14:creationId xmlns:p14="http://schemas.microsoft.com/office/powerpoint/2010/main" xmlns="" val="1783310095"/>
       </p:ext>
     </p:extLst>
   </p:cSld>
@@ -7052,8 +7099,21 @@
                   <a:schemeClr val="tx1"/>
                 </a:solidFill>
               </a:rPr>
-              <a:t>University</a:t>
-            </a:r>
+              <a:t>University </a:t>
+            </a:r>
+            <a:r>
+              <a:rPr lang="en-GB" sz="2400" b="0" dirty="0" smtClean="0">
+                <a:solidFill>
+                  <a:schemeClr val="tx1"/>
+                </a:solidFill>
+              </a:rPr>
+              <a:t>for each year</a:t>
+            </a:r>
+            <a:endParaRPr lang="en-GB" sz="2400" dirty="0" smtClean="0">
+              <a:solidFill>
+                <a:schemeClr val="tx1"/>
+              </a:solidFill>
+            </a:endParaRPr>
           </a:p>
           <a:p>
             <a:pPr marL="0" lvl="0" indent="0"/>
@@ -7138,6 +7198,14 @@
               </a:rPr>
               <a:t>% Unemployment By Each Area Level </a:t>
             </a:r>
+            <a:r>
+              <a:rPr lang="en-GB" sz="2400" b="0" dirty="0" smtClean="0">
+                <a:solidFill>
+                  <a:schemeClr val="tx1"/>
+                </a:solidFill>
+              </a:rPr>
+              <a:t>for each year</a:t>
+            </a:r>
             <a:endParaRPr lang="en-GB" sz="2400" dirty="0" smtClean="0">
               <a:solidFill>
                 <a:schemeClr val="tx1"/>
@@ -7216,7 +7284,7 @@
     </p:spTree>
     <p:extLst>
       <p:ext uri="{BB962C8B-B14F-4D97-AF65-F5344CB8AC3E}">
-        <p14:creationId xmlns:p14="http://schemas.microsoft.com/office/powerpoint/2010/main" val="3374103308"/>
+        <p14:creationId xmlns:p14="http://schemas.microsoft.com/office/powerpoint/2010/main" xmlns="" val="3374103308"/>
       </p:ext>
     </p:extLst>
   </p:cSld>
@@ -7328,7 +7396,7 @@
     </p:spTree>
     <p:extLst>
       <p:ext uri="{BB962C8B-B14F-4D97-AF65-F5344CB8AC3E}">
-        <p14:creationId xmlns:p14="http://schemas.microsoft.com/office/powerpoint/2010/main" val="760072998"/>
+        <p14:creationId xmlns:p14="http://schemas.microsoft.com/office/powerpoint/2010/main" xmlns="" val="760072998"/>
       </p:ext>
     </p:extLst>
   </p:cSld>

--- a/II-Checkpoint/II-Checkpoint Presentation.pptx
+++ b/II-Checkpoint/II-Checkpoint Presentation.pptx
@@ -5,10 +5,10 @@
     <p:sldMasterId id="2147483648" r:id="rId1"/>
   </p:sldMasterIdLst>
   <p:notesMasterIdLst>
-    <p:notesMasterId r:id="rId20"/>
+    <p:notesMasterId r:id="rId22"/>
   </p:notesMasterIdLst>
   <p:handoutMasterIdLst>
-    <p:handoutMasterId r:id="rId21"/>
+    <p:handoutMasterId r:id="rId23"/>
   </p:handoutMasterIdLst>
   <p:sldIdLst>
     <p:sldId id="256" r:id="rId2"/>
@@ -28,7 +28,9 @@
     <p:sldId id="1102" r:id="rId16"/>
     <p:sldId id="1108" r:id="rId17"/>
     <p:sldId id="1103" r:id="rId18"/>
-    <p:sldId id="1104" r:id="rId19"/>
+    <p:sldId id="1112" r:id="rId19"/>
+    <p:sldId id="1113" r:id="rId20"/>
+    <p:sldId id="1115" r:id="rId21"/>
   </p:sldIdLst>
   <p:sldSz cx="9144000" cy="6858000" type="screen4x3"/>
   <p:notesSz cx="6858000" cy="9144000"/>
@@ -129,7 +131,7 @@
   </p:defaultTextStyle>
   <p:extLst>
     <p:ext uri="{EFAFB233-063F-42B5-8137-9DF3F51BA10A}">
-      <p15:sldGuideLst xmlns="" xmlns:p15="http://schemas.microsoft.com/office/powerpoint/2012/main">
+      <p15:sldGuideLst xmlns:p15="http://schemas.microsoft.com/office/powerpoint/2012/main">
         <p15:guide id="1" orient="horz" pos="2160">
           <p15:clr>
             <a:srgbClr val="A4A3A4"/>
@@ -305,7 +307,7 @@
     </p:spTree>
     <p:extLst>
       <p:ext uri="{BB962C8B-B14F-4D97-AF65-F5344CB8AC3E}">
-        <p14:creationId xmlns:p14="http://schemas.microsoft.com/office/powerpoint/2010/main" xmlns="" val="642327091"/>
+        <p14:creationId xmlns:p14="http://schemas.microsoft.com/office/powerpoint/2010/main" val="642327091"/>
       </p:ext>
     </p:extLst>
   </p:cSld>
@@ -462,38 +464,37 @@
           <a:p>
             <a:pPr lvl="0"/>
             <a:r>
-              <a:rPr lang="en-US" smtClean="0"/>
+              <a:rPr lang="en-US"/>
               <a:t>Click to edit Master text styles</a:t>
             </a:r>
           </a:p>
           <a:p>
             <a:pPr lvl="1"/>
             <a:r>
-              <a:rPr lang="en-US" smtClean="0"/>
+              <a:rPr lang="en-US"/>
               <a:t>Second level</a:t>
             </a:r>
           </a:p>
           <a:p>
             <a:pPr lvl="2"/>
             <a:r>
-              <a:rPr lang="en-US" smtClean="0"/>
+              <a:rPr lang="en-US"/>
               <a:t>Third level</a:t>
             </a:r>
           </a:p>
           <a:p>
             <a:pPr lvl="3"/>
             <a:r>
-              <a:rPr lang="en-US" smtClean="0"/>
+              <a:rPr lang="en-US"/>
               <a:t>Fourth level</a:t>
             </a:r>
           </a:p>
           <a:p>
             <a:pPr lvl="4"/>
             <a:r>
-              <a:rPr lang="en-US" smtClean="0"/>
+              <a:rPr lang="en-US"/>
               <a:t>Fifth level</a:t>
             </a:r>
-            <a:endParaRPr lang="en-US"/>
           </a:p>
         </p:txBody>
       </p:sp>
@@ -567,7 +568,7 @@
     </p:spTree>
     <p:extLst>
       <p:ext uri="{BB962C8B-B14F-4D97-AF65-F5344CB8AC3E}">
-        <p14:creationId xmlns:p14="http://schemas.microsoft.com/office/powerpoint/2010/main" xmlns="" val="929916762"/>
+        <p14:creationId xmlns:p14="http://schemas.microsoft.com/office/powerpoint/2010/main" val="929916762"/>
       </p:ext>
     </p:extLst>
   </p:cSld>
@@ -711,7 +712,7 @@
           <a:bodyPr/>
           <a:lstStyle/>
           <a:p>
-            <a:endParaRPr lang="en-US" baseline="0" dirty="0" smtClean="0"/>
+            <a:endParaRPr lang="en-US" baseline="0" dirty="0"/>
           </a:p>
         </p:txBody>
       </p:sp>
@@ -742,7 +743,7 @@
     </p:spTree>
     <p:extLst>
       <p:ext uri="{BB962C8B-B14F-4D97-AF65-F5344CB8AC3E}">
-        <p14:creationId xmlns:p14="http://schemas.microsoft.com/office/powerpoint/2010/main" xmlns="" val="1355792998"/>
+        <p14:creationId xmlns:p14="http://schemas.microsoft.com/office/powerpoint/2010/main" val="1355792998"/>
       </p:ext>
     </p:extLst>
   </p:cSld>
@@ -796,7 +797,7 @@
           <a:bodyPr/>
           <a:lstStyle/>
           <a:p>
-            <a:endParaRPr lang="en-US" baseline="0" dirty="0" smtClean="0"/>
+            <a:endParaRPr lang="en-US" baseline="0" dirty="0"/>
           </a:p>
         </p:txBody>
       </p:sp>
@@ -827,7 +828,7 @@
     </p:spTree>
     <p:extLst>
       <p:ext uri="{BB962C8B-B14F-4D97-AF65-F5344CB8AC3E}">
-        <p14:creationId xmlns:p14="http://schemas.microsoft.com/office/powerpoint/2010/main" xmlns="" val="1355792998"/>
+        <p14:creationId xmlns:p14="http://schemas.microsoft.com/office/powerpoint/2010/main" val="1355792998"/>
       </p:ext>
     </p:extLst>
   </p:cSld>
@@ -881,7 +882,7 @@
           <a:bodyPr/>
           <a:lstStyle/>
           <a:p>
-            <a:endParaRPr lang="en-US" baseline="0" dirty="0" smtClean="0"/>
+            <a:endParaRPr lang="en-US" baseline="0" dirty="0"/>
           </a:p>
         </p:txBody>
       </p:sp>
@@ -912,7 +913,177 @@
     </p:spTree>
     <p:extLst>
       <p:ext uri="{BB962C8B-B14F-4D97-AF65-F5344CB8AC3E}">
-        <p14:creationId xmlns:p14="http://schemas.microsoft.com/office/powerpoint/2010/main" xmlns="" val="35205596"/>
+        <p14:creationId xmlns:p14="http://schemas.microsoft.com/office/powerpoint/2010/main" val="3957564182"/>
+      </p:ext>
+    </p:extLst>
+  </p:cSld>
+  <p:clrMapOvr>
+    <a:masterClrMapping/>
+  </p:clrMapOvr>
+</p:notes>
+</file>
+
+<file path=ppt/notesSlides/notesSlide12.xml><?xml version="1.0" encoding="utf-8"?>
+<p:notes xmlns:a="http://schemas.openxmlformats.org/drawingml/2006/main" xmlns:r="http://schemas.openxmlformats.org/officeDocument/2006/relationships" xmlns:p="http://schemas.openxmlformats.org/presentationml/2006/main">
+  <p:cSld>
+    <p:spTree>
+      <p:nvGrpSpPr>
+        <p:cNvPr id="1" name=""/>
+        <p:cNvGrpSpPr/>
+        <p:nvPr/>
+      </p:nvGrpSpPr>
+      <p:grpSpPr>
+        <a:xfrm>
+          <a:off x="0" y="0"/>
+          <a:ext cx="0" cy="0"/>
+          <a:chOff x="0" y="0"/>
+          <a:chExt cx="0" cy="0"/>
+        </a:xfrm>
+      </p:grpSpPr>
+      <p:sp>
+        <p:nvSpPr>
+          <p:cNvPr id="2" name="Slide Image Placeholder 1"/>
+          <p:cNvSpPr>
+            <a:spLocks noGrp="1" noRot="1" noChangeAspect="1"/>
+          </p:cNvSpPr>
+          <p:nvPr>
+            <p:ph type="sldImg"/>
+          </p:nvPr>
+        </p:nvSpPr>
+        <p:spPr/>
+      </p:sp>
+      <p:sp>
+        <p:nvSpPr>
+          <p:cNvPr id="3" name="Notes Placeholder 2"/>
+          <p:cNvSpPr>
+            <a:spLocks noGrp="1"/>
+          </p:cNvSpPr>
+          <p:nvPr>
+            <p:ph type="body" idx="1"/>
+          </p:nvPr>
+        </p:nvSpPr>
+        <p:spPr/>
+        <p:txBody>
+          <a:bodyPr/>
+          <a:lstStyle/>
+          <a:p>
+            <a:endParaRPr lang="en-US" baseline="0" dirty="0"/>
+          </a:p>
+        </p:txBody>
+      </p:sp>
+      <p:sp>
+        <p:nvSpPr>
+          <p:cNvPr id="4" name="Slide Number Placeholder 3"/>
+          <p:cNvSpPr>
+            <a:spLocks noGrp="1"/>
+          </p:cNvSpPr>
+          <p:nvPr>
+            <p:ph type="sldNum" sz="quarter" idx="10"/>
+          </p:nvPr>
+        </p:nvSpPr>
+        <p:spPr/>
+        <p:txBody>
+          <a:bodyPr/>
+          <a:lstStyle/>
+          <a:p>
+            <a:fld id="{F535F173-C1DD-4975-94BF-5B9ED67F7674}" type="slidenum">
+              <a:rPr lang="en-US" smtClean="0"/>
+              <a:pPr/>
+              <a:t>19</a:t>
+            </a:fld>
+            <a:endParaRPr lang="en-US" dirty="0"/>
+          </a:p>
+        </p:txBody>
+      </p:sp>
+    </p:spTree>
+    <p:extLst>
+      <p:ext uri="{BB962C8B-B14F-4D97-AF65-F5344CB8AC3E}">
+        <p14:creationId xmlns:p14="http://schemas.microsoft.com/office/powerpoint/2010/main" val="3605716854"/>
+      </p:ext>
+    </p:extLst>
+  </p:cSld>
+  <p:clrMapOvr>
+    <a:masterClrMapping/>
+  </p:clrMapOvr>
+</p:notes>
+</file>
+
+<file path=ppt/notesSlides/notesSlide13.xml><?xml version="1.0" encoding="utf-8"?>
+<p:notes xmlns:a="http://schemas.openxmlformats.org/drawingml/2006/main" xmlns:r="http://schemas.openxmlformats.org/officeDocument/2006/relationships" xmlns:p="http://schemas.openxmlformats.org/presentationml/2006/main">
+  <p:cSld>
+    <p:spTree>
+      <p:nvGrpSpPr>
+        <p:cNvPr id="1" name=""/>
+        <p:cNvGrpSpPr/>
+        <p:nvPr/>
+      </p:nvGrpSpPr>
+      <p:grpSpPr>
+        <a:xfrm>
+          <a:off x="0" y="0"/>
+          <a:ext cx="0" cy="0"/>
+          <a:chOff x="0" y="0"/>
+          <a:chExt cx="0" cy="0"/>
+        </a:xfrm>
+      </p:grpSpPr>
+      <p:sp>
+        <p:nvSpPr>
+          <p:cNvPr id="2" name="Slide Image Placeholder 1"/>
+          <p:cNvSpPr>
+            <a:spLocks noGrp="1" noRot="1" noChangeAspect="1"/>
+          </p:cNvSpPr>
+          <p:nvPr>
+            <p:ph type="sldImg"/>
+          </p:nvPr>
+        </p:nvSpPr>
+        <p:spPr/>
+      </p:sp>
+      <p:sp>
+        <p:nvSpPr>
+          <p:cNvPr id="3" name="Notes Placeholder 2"/>
+          <p:cNvSpPr>
+            <a:spLocks noGrp="1"/>
+          </p:cNvSpPr>
+          <p:nvPr>
+            <p:ph type="body" idx="1"/>
+          </p:nvPr>
+        </p:nvSpPr>
+        <p:spPr/>
+        <p:txBody>
+          <a:bodyPr/>
+          <a:lstStyle/>
+          <a:p>
+            <a:endParaRPr lang="en-US" baseline="0" dirty="0"/>
+          </a:p>
+        </p:txBody>
+      </p:sp>
+      <p:sp>
+        <p:nvSpPr>
+          <p:cNvPr id="4" name="Slide Number Placeholder 3"/>
+          <p:cNvSpPr>
+            <a:spLocks noGrp="1"/>
+          </p:cNvSpPr>
+          <p:nvPr>
+            <p:ph type="sldNum" sz="quarter" idx="10"/>
+          </p:nvPr>
+        </p:nvSpPr>
+        <p:spPr/>
+        <p:txBody>
+          <a:bodyPr/>
+          <a:lstStyle/>
+          <a:p>
+            <a:fld id="{F535F173-C1DD-4975-94BF-5B9ED67F7674}" type="slidenum">
+              <a:rPr lang="en-US" smtClean="0"/>
+              <a:pPr/>
+              <a:t>20</a:t>
+            </a:fld>
+            <a:endParaRPr lang="en-US" dirty="0"/>
+          </a:p>
+        </p:txBody>
+      </p:sp>
+    </p:spTree>
+    <p:extLst>
+      <p:ext uri="{BB962C8B-B14F-4D97-AF65-F5344CB8AC3E}">
+        <p14:creationId xmlns:p14="http://schemas.microsoft.com/office/powerpoint/2010/main" val="633608717"/>
       </p:ext>
     </p:extLst>
   </p:cSld>
@@ -984,7 +1155,7 @@
               <a:defRPr/>
             </a:pPr>
             <a:r>
-              <a:rPr lang="en-GB" sz="1200" b="1" kern="1200" dirty="0" smtClean="0">
+              <a:rPr lang="en-GB" sz="1200" b="1" kern="1200" dirty="0">
                 <a:solidFill>
                   <a:schemeClr val="tx1"/>
                 </a:solidFill>
@@ -996,7 +1167,7 @@
               <a:t>Note</a:t>
             </a:r>
             <a:r>
-              <a:rPr lang="en-GB" sz="1200" kern="1200" dirty="0" smtClean="0">
+              <a:rPr lang="en-GB" sz="1200" kern="1200" dirty="0">
                 <a:solidFill>
                   <a:schemeClr val="tx1"/>
                 </a:solidFill>
@@ -1007,7 +1178,7 @@
               </a:rPr>
               <a:t>: This file is truncated because it has more than 50 columns/attributes.</a:t>
             </a:r>
-            <a:endParaRPr lang="pt-PT" sz="1200" kern="1200" dirty="0" smtClean="0">
+            <a:endParaRPr lang="pt-PT" sz="1200" kern="1200" dirty="0">
               <a:solidFill>
                 <a:schemeClr val="tx1"/>
               </a:solidFill>
@@ -1046,7 +1217,7 @@
     </p:spTree>
     <p:extLst>
       <p:ext uri="{BB962C8B-B14F-4D97-AF65-F5344CB8AC3E}">
-        <p14:creationId xmlns:p14="http://schemas.microsoft.com/office/powerpoint/2010/main" xmlns="" val="2333951368"/>
+        <p14:creationId xmlns:p14="http://schemas.microsoft.com/office/powerpoint/2010/main" val="2333951368"/>
       </p:ext>
     </p:extLst>
   </p:cSld>
@@ -1100,7 +1271,7 @@
           <a:bodyPr/>
           <a:lstStyle/>
           <a:p>
-            <a:endParaRPr lang="en-US" baseline="0" dirty="0" smtClean="0"/>
+            <a:endParaRPr lang="en-US" baseline="0" dirty="0"/>
           </a:p>
         </p:txBody>
       </p:sp>
@@ -1131,7 +1302,7 @@
     </p:spTree>
     <p:extLst>
       <p:ext uri="{BB962C8B-B14F-4D97-AF65-F5344CB8AC3E}">
-        <p14:creationId xmlns:p14="http://schemas.microsoft.com/office/powerpoint/2010/main" xmlns="" val="1355792998"/>
+        <p14:creationId xmlns:p14="http://schemas.microsoft.com/office/powerpoint/2010/main" val="1355792998"/>
       </p:ext>
     </p:extLst>
   </p:cSld>
@@ -1185,7 +1356,7 @@
           <a:bodyPr/>
           <a:lstStyle/>
           <a:p>
-            <a:endParaRPr lang="en-US" baseline="0" dirty="0" smtClean="0"/>
+            <a:endParaRPr lang="en-US" baseline="0" dirty="0"/>
           </a:p>
         </p:txBody>
       </p:sp>
@@ -1216,7 +1387,7 @@
     </p:spTree>
     <p:extLst>
       <p:ext uri="{BB962C8B-B14F-4D97-AF65-F5344CB8AC3E}">
-        <p14:creationId xmlns:p14="http://schemas.microsoft.com/office/powerpoint/2010/main" xmlns="" val="1355792998"/>
+        <p14:creationId xmlns:p14="http://schemas.microsoft.com/office/powerpoint/2010/main" val="1355792998"/>
       </p:ext>
     </p:extLst>
   </p:cSld>
@@ -1270,7 +1441,7 @@
           <a:bodyPr/>
           <a:lstStyle/>
           <a:p>
-            <a:endParaRPr lang="en-US" baseline="0" dirty="0" smtClean="0"/>
+            <a:endParaRPr lang="en-US" baseline="0" dirty="0"/>
           </a:p>
         </p:txBody>
       </p:sp>
@@ -1301,7 +1472,7 @@
     </p:spTree>
     <p:extLst>
       <p:ext uri="{BB962C8B-B14F-4D97-AF65-F5344CB8AC3E}">
-        <p14:creationId xmlns:p14="http://schemas.microsoft.com/office/powerpoint/2010/main" xmlns="" val="1355792998"/>
+        <p14:creationId xmlns:p14="http://schemas.microsoft.com/office/powerpoint/2010/main" val="1355792998"/>
       </p:ext>
     </p:extLst>
   </p:cSld>
@@ -1355,7 +1526,7 @@
           <a:bodyPr/>
           <a:lstStyle/>
           <a:p>
-            <a:endParaRPr lang="en-US" baseline="0" dirty="0" smtClean="0"/>
+            <a:endParaRPr lang="en-US" baseline="0" dirty="0"/>
           </a:p>
         </p:txBody>
       </p:sp>
@@ -1386,7 +1557,7 @@
     </p:spTree>
     <p:extLst>
       <p:ext uri="{BB962C8B-B14F-4D97-AF65-F5344CB8AC3E}">
-        <p14:creationId xmlns:p14="http://schemas.microsoft.com/office/powerpoint/2010/main" xmlns="" val="1355792998"/>
+        <p14:creationId xmlns:p14="http://schemas.microsoft.com/office/powerpoint/2010/main" val="1355792998"/>
       </p:ext>
     </p:extLst>
   </p:cSld>
@@ -1440,7 +1611,7 @@
           <a:bodyPr/>
           <a:lstStyle/>
           <a:p>
-            <a:endParaRPr lang="en-US" baseline="0" dirty="0" smtClean="0"/>
+            <a:endParaRPr lang="en-US" baseline="0" dirty="0"/>
           </a:p>
         </p:txBody>
       </p:sp>
@@ -1471,7 +1642,7 @@
     </p:spTree>
     <p:extLst>
       <p:ext uri="{BB962C8B-B14F-4D97-AF65-F5344CB8AC3E}">
-        <p14:creationId xmlns:p14="http://schemas.microsoft.com/office/powerpoint/2010/main" xmlns="" val="1355792998"/>
+        <p14:creationId xmlns:p14="http://schemas.microsoft.com/office/powerpoint/2010/main" val="1355792998"/>
       </p:ext>
     </p:extLst>
   </p:cSld>
@@ -1525,7 +1696,7 @@
           <a:bodyPr/>
           <a:lstStyle/>
           <a:p>
-            <a:endParaRPr lang="en-US" baseline="0" dirty="0" smtClean="0"/>
+            <a:endParaRPr lang="en-US" baseline="0" dirty="0"/>
           </a:p>
         </p:txBody>
       </p:sp>
@@ -1556,7 +1727,7 @@
     </p:spTree>
     <p:extLst>
       <p:ext uri="{BB962C8B-B14F-4D97-AF65-F5344CB8AC3E}">
-        <p14:creationId xmlns:p14="http://schemas.microsoft.com/office/powerpoint/2010/main" xmlns="" val="1355792998"/>
+        <p14:creationId xmlns:p14="http://schemas.microsoft.com/office/powerpoint/2010/main" val="1355792998"/>
       </p:ext>
     </p:extLst>
   </p:cSld>
@@ -1610,7 +1781,7 @@
           <a:bodyPr/>
           <a:lstStyle/>
           <a:p>
-            <a:endParaRPr lang="en-US" baseline="0" dirty="0" smtClean="0"/>
+            <a:endParaRPr lang="en-US" baseline="0" dirty="0"/>
           </a:p>
         </p:txBody>
       </p:sp>
@@ -1641,7 +1812,7 @@
     </p:spTree>
     <p:extLst>
       <p:ext uri="{BB962C8B-B14F-4D97-AF65-F5344CB8AC3E}">
-        <p14:creationId xmlns:p14="http://schemas.microsoft.com/office/powerpoint/2010/main" xmlns="" val="1355792998"/>
+        <p14:creationId xmlns:p14="http://schemas.microsoft.com/office/powerpoint/2010/main" val="1355792998"/>
       </p:ext>
     </p:extLst>
   </p:cSld>
@@ -1728,7 +1899,7 @@
           <a:lstStyle/>
           <a:p>
             <a:r>
-              <a:rPr lang="en-US" smtClean="0"/>
+              <a:rPr lang="en-US"/>
               <a:t>Click to edit Master title style</a:t>
             </a:r>
             <a:endParaRPr lang="pt-PT" dirty="0"/>
@@ -1801,7 +1972,7 @@
           <a:p>
             <a:pPr lvl="0"/>
             <a:r>
-              <a:rPr lang="en-US" smtClean="0"/>
+              <a:rPr lang="en-US"/>
               <a:t>Click to edit Master text styles</a:t>
             </a:r>
           </a:p>
@@ -1848,7 +2019,7 @@
           <a:lstStyle/>
           <a:p>
             <a:r>
-              <a:rPr lang="en-US" smtClean="0"/>
+              <a:rPr lang="en-US"/>
               <a:t>Click to edit Master title style</a:t>
             </a:r>
             <a:endParaRPr lang="pt-PT"/>
@@ -1872,35 +2043,35 @@
           <a:p>
             <a:pPr lvl="0"/>
             <a:r>
-              <a:rPr lang="en-US" smtClean="0"/>
+              <a:rPr lang="en-US"/>
               <a:t>Click to edit Master text styles</a:t>
             </a:r>
           </a:p>
           <a:p>
             <a:pPr lvl="1"/>
             <a:r>
-              <a:rPr lang="en-US" smtClean="0"/>
+              <a:rPr lang="en-US"/>
               <a:t>Second level</a:t>
             </a:r>
           </a:p>
           <a:p>
             <a:pPr lvl="2"/>
             <a:r>
-              <a:rPr lang="en-US" smtClean="0"/>
+              <a:rPr lang="en-US"/>
               <a:t>Third level</a:t>
             </a:r>
           </a:p>
           <a:p>
             <a:pPr lvl="3"/>
             <a:r>
-              <a:rPr lang="en-US" smtClean="0"/>
+              <a:rPr lang="en-US"/>
               <a:t>Fourth level</a:t>
             </a:r>
           </a:p>
           <a:p>
             <a:pPr lvl="4"/>
             <a:r>
-              <a:rPr lang="en-US" smtClean="0"/>
+              <a:rPr lang="en-US"/>
               <a:t>Fifth level</a:t>
             </a:r>
             <a:endParaRPr lang="pt-PT"/>
@@ -1953,7 +2124,7 @@
           <a:lstStyle/>
           <a:p>
             <a:r>
-              <a:rPr lang="en-US" smtClean="0"/>
+              <a:rPr lang="en-US"/>
               <a:t>Click to edit Master title style</a:t>
             </a:r>
             <a:endParaRPr lang="pt-PT"/>
@@ -1982,35 +2153,35 @@
           <a:p>
             <a:pPr lvl="0"/>
             <a:r>
-              <a:rPr lang="en-US" smtClean="0"/>
+              <a:rPr lang="en-US"/>
               <a:t>Click to edit Master text styles</a:t>
             </a:r>
           </a:p>
           <a:p>
             <a:pPr lvl="1"/>
             <a:r>
-              <a:rPr lang="en-US" smtClean="0"/>
+              <a:rPr lang="en-US"/>
               <a:t>Second level</a:t>
             </a:r>
           </a:p>
           <a:p>
             <a:pPr lvl="2"/>
             <a:r>
-              <a:rPr lang="en-US" smtClean="0"/>
+              <a:rPr lang="en-US"/>
               <a:t>Third level</a:t>
             </a:r>
           </a:p>
           <a:p>
             <a:pPr lvl="3"/>
             <a:r>
-              <a:rPr lang="en-US" smtClean="0"/>
+              <a:rPr lang="en-US"/>
               <a:t>Fourth level</a:t>
             </a:r>
           </a:p>
           <a:p>
             <a:pPr lvl="4"/>
             <a:r>
-              <a:rPr lang="en-US" smtClean="0"/>
+              <a:rPr lang="en-US"/>
               <a:t>Fifth level</a:t>
             </a:r>
             <a:endParaRPr lang="pt-PT"/>
@@ -2058,7 +2229,7 @@
           <a:lstStyle/>
           <a:p>
             <a:r>
-              <a:rPr lang="en-US" smtClean="0"/>
+              <a:rPr lang="en-US"/>
               <a:t>Click to edit Master title style</a:t>
             </a:r>
             <a:endParaRPr lang="pt-PT"/>
@@ -2082,35 +2253,35 @@
           <a:p>
             <a:pPr lvl="0"/>
             <a:r>
-              <a:rPr lang="en-US" smtClean="0"/>
+              <a:rPr lang="en-US"/>
               <a:t>Click to edit Master text styles</a:t>
             </a:r>
           </a:p>
           <a:p>
             <a:pPr lvl="1"/>
             <a:r>
-              <a:rPr lang="en-US" smtClean="0"/>
+              <a:rPr lang="en-US"/>
               <a:t>Second level</a:t>
             </a:r>
           </a:p>
           <a:p>
             <a:pPr lvl="2"/>
             <a:r>
-              <a:rPr lang="en-US" smtClean="0"/>
+              <a:rPr lang="en-US"/>
               <a:t>Third level</a:t>
             </a:r>
           </a:p>
           <a:p>
             <a:pPr lvl="3"/>
             <a:r>
-              <a:rPr lang="en-US" smtClean="0"/>
+              <a:rPr lang="en-US"/>
               <a:t>Fourth level</a:t>
             </a:r>
           </a:p>
           <a:p>
             <a:pPr lvl="4"/>
             <a:r>
-              <a:rPr lang="en-US" smtClean="0"/>
+              <a:rPr lang="en-US"/>
               <a:t>Fifth level</a:t>
             </a:r>
             <a:endParaRPr lang="pt-PT" dirty="0"/>
@@ -2143,7 +2314,7 @@
             <a:fld id="{F3CC9924-33BC-4796-B0F9-D37DB5D899BF}" type="datetimeFigureOut">
               <a:rPr lang="pt-PT" smtClean="0"/>
               <a:pPr/>
-              <a:t>20-10-2016</a:t>
+              <a:t>20/10/2016</a:t>
             </a:fld>
             <a:endParaRPr lang="pt-PT"/>
           </a:p>
@@ -2260,7 +2431,7 @@
           <a:p>
             <a:pPr lvl="0"/>
             <a:r>
-              <a:rPr lang="en-US" smtClean="0"/>
+              <a:rPr lang="en-US"/>
               <a:t>Click to edit Master text styles</a:t>
             </a:r>
           </a:p>
@@ -2332,7 +2503,7 @@
           <a:p>
             <a:pPr lvl="0"/>
             <a:r>
-              <a:rPr lang="en-US" smtClean="0"/>
+              <a:rPr lang="en-US"/>
               <a:t>Click to edit Master text styles</a:t>
             </a:r>
           </a:p>
@@ -2374,7 +2545,7 @@
           </a:lstStyle>
           <a:p>
             <a:r>
-              <a:rPr lang="en-US" smtClean="0"/>
+              <a:rPr lang="en-US"/>
               <a:t>Click to edit Master title style</a:t>
             </a:r>
             <a:endParaRPr lang="pt-PT" dirty="0"/>
@@ -2422,7 +2593,7 @@
           <a:lstStyle/>
           <a:p>
             <a:r>
-              <a:rPr lang="en-US" smtClean="0"/>
+              <a:rPr lang="en-US"/>
               <a:t>Click to edit Master title style</a:t>
             </a:r>
             <a:endParaRPr lang="pt-PT"/>
@@ -2479,35 +2650,35 @@
           <a:p>
             <a:pPr lvl="0"/>
             <a:r>
-              <a:rPr lang="en-US" smtClean="0"/>
+              <a:rPr lang="en-US"/>
               <a:t>Click to edit Master text styles</a:t>
             </a:r>
           </a:p>
           <a:p>
             <a:pPr lvl="1"/>
             <a:r>
-              <a:rPr lang="en-US" smtClean="0"/>
+              <a:rPr lang="en-US"/>
               <a:t>Second level</a:t>
             </a:r>
           </a:p>
           <a:p>
             <a:pPr lvl="2"/>
             <a:r>
-              <a:rPr lang="en-US" smtClean="0"/>
+              <a:rPr lang="en-US"/>
               <a:t>Third level</a:t>
             </a:r>
           </a:p>
           <a:p>
             <a:pPr lvl="3"/>
             <a:r>
-              <a:rPr lang="en-US" smtClean="0"/>
+              <a:rPr lang="en-US"/>
               <a:t>Fourth level</a:t>
             </a:r>
           </a:p>
           <a:p>
             <a:pPr lvl="4"/>
             <a:r>
-              <a:rPr lang="en-US" smtClean="0"/>
+              <a:rPr lang="en-US"/>
               <a:t>Fifth level</a:t>
             </a:r>
             <a:endParaRPr lang="pt-PT"/>
@@ -2564,35 +2735,35 @@
           <a:p>
             <a:pPr lvl="0"/>
             <a:r>
-              <a:rPr lang="en-US" smtClean="0"/>
+              <a:rPr lang="en-US"/>
               <a:t>Click to edit Master text styles</a:t>
             </a:r>
           </a:p>
           <a:p>
             <a:pPr lvl="1"/>
             <a:r>
-              <a:rPr lang="en-US" smtClean="0"/>
+              <a:rPr lang="en-US"/>
               <a:t>Second level</a:t>
             </a:r>
           </a:p>
           <a:p>
             <a:pPr lvl="2"/>
             <a:r>
-              <a:rPr lang="en-US" smtClean="0"/>
+              <a:rPr lang="en-US"/>
               <a:t>Third level</a:t>
             </a:r>
           </a:p>
           <a:p>
             <a:pPr lvl="3"/>
             <a:r>
-              <a:rPr lang="en-US" smtClean="0"/>
+              <a:rPr lang="en-US"/>
               <a:t>Fourth level</a:t>
             </a:r>
           </a:p>
           <a:p>
             <a:pPr lvl="4"/>
             <a:r>
-              <a:rPr lang="en-US" smtClean="0"/>
+              <a:rPr lang="en-US"/>
               <a:t>Fifth level</a:t>
             </a:r>
             <a:endParaRPr lang="pt-PT"/>
@@ -2644,7 +2815,7 @@
           </a:lstStyle>
           <a:p>
             <a:r>
-              <a:rPr lang="en-US" smtClean="0"/>
+              <a:rPr lang="en-US"/>
               <a:t>Click to edit Master title style</a:t>
             </a:r>
             <a:endParaRPr lang="pt-PT"/>
@@ -2710,7 +2881,7 @@
           <a:p>
             <a:pPr lvl="0"/>
             <a:r>
-              <a:rPr lang="en-US" smtClean="0"/>
+              <a:rPr lang="en-US"/>
               <a:t>Click to edit Master text styles</a:t>
             </a:r>
           </a:p>
@@ -2766,35 +2937,35 @@
           <a:p>
             <a:pPr lvl="0"/>
             <a:r>
-              <a:rPr lang="en-US" smtClean="0"/>
+              <a:rPr lang="en-US"/>
               <a:t>Click to edit Master text styles</a:t>
             </a:r>
           </a:p>
           <a:p>
             <a:pPr lvl="1"/>
             <a:r>
-              <a:rPr lang="en-US" smtClean="0"/>
+              <a:rPr lang="en-US"/>
               <a:t>Second level</a:t>
             </a:r>
           </a:p>
           <a:p>
             <a:pPr lvl="2"/>
             <a:r>
-              <a:rPr lang="en-US" smtClean="0"/>
+              <a:rPr lang="en-US"/>
               <a:t>Third level</a:t>
             </a:r>
           </a:p>
           <a:p>
             <a:pPr lvl="3"/>
             <a:r>
-              <a:rPr lang="en-US" smtClean="0"/>
+              <a:rPr lang="en-US"/>
               <a:t>Fourth level</a:t>
             </a:r>
           </a:p>
           <a:p>
             <a:pPr lvl="4"/>
             <a:r>
-              <a:rPr lang="en-US" smtClean="0"/>
+              <a:rPr lang="en-US"/>
               <a:t>Fifth level</a:t>
             </a:r>
             <a:endParaRPr lang="pt-PT"/>
@@ -2860,7 +3031,7 @@
           <a:p>
             <a:pPr lvl="0"/>
             <a:r>
-              <a:rPr lang="en-US" smtClean="0"/>
+              <a:rPr lang="en-US"/>
               <a:t>Click to edit Master text styles</a:t>
             </a:r>
           </a:p>
@@ -2916,35 +3087,35 @@
           <a:p>
             <a:pPr lvl="0"/>
             <a:r>
-              <a:rPr lang="en-US" smtClean="0"/>
+              <a:rPr lang="en-US"/>
               <a:t>Click to edit Master text styles</a:t>
             </a:r>
           </a:p>
           <a:p>
             <a:pPr lvl="1"/>
             <a:r>
-              <a:rPr lang="en-US" smtClean="0"/>
+              <a:rPr lang="en-US"/>
               <a:t>Second level</a:t>
             </a:r>
           </a:p>
           <a:p>
             <a:pPr lvl="2"/>
             <a:r>
-              <a:rPr lang="en-US" smtClean="0"/>
+              <a:rPr lang="en-US"/>
               <a:t>Third level</a:t>
             </a:r>
           </a:p>
           <a:p>
             <a:pPr lvl="3"/>
             <a:r>
-              <a:rPr lang="en-US" smtClean="0"/>
+              <a:rPr lang="en-US"/>
               <a:t>Fourth level</a:t>
             </a:r>
           </a:p>
           <a:p>
             <a:pPr lvl="4"/>
             <a:r>
-              <a:rPr lang="en-US" smtClean="0"/>
+              <a:rPr lang="en-US"/>
               <a:t>Fifth level</a:t>
             </a:r>
             <a:endParaRPr lang="pt-PT"/>
@@ -2992,7 +3163,7 @@
           <a:lstStyle/>
           <a:p>
             <a:r>
-              <a:rPr lang="en-US" smtClean="0"/>
+              <a:rPr lang="en-US"/>
               <a:t>Click to edit Master title style</a:t>
             </a:r>
             <a:endParaRPr lang="pt-PT"/>
@@ -3074,7 +3245,7 @@
           </a:lstStyle>
           <a:p>
             <a:r>
-              <a:rPr lang="en-US" smtClean="0"/>
+              <a:rPr lang="en-US"/>
               <a:t>Click to edit Master title style</a:t>
             </a:r>
             <a:endParaRPr lang="pt-PT" dirty="0"/>
@@ -3131,35 +3302,35 @@
           <a:p>
             <a:pPr lvl="0"/>
             <a:r>
-              <a:rPr lang="en-US" smtClean="0"/>
+              <a:rPr lang="en-US"/>
               <a:t>Click to edit Master text styles</a:t>
             </a:r>
           </a:p>
           <a:p>
             <a:pPr lvl="1"/>
             <a:r>
-              <a:rPr lang="en-US" smtClean="0"/>
+              <a:rPr lang="en-US"/>
               <a:t>Second level</a:t>
             </a:r>
           </a:p>
           <a:p>
             <a:pPr lvl="2"/>
             <a:r>
-              <a:rPr lang="en-US" smtClean="0"/>
+              <a:rPr lang="en-US"/>
               <a:t>Third level</a:t>
             </a:r>
           </a:p>
           <a:p>
             <a:pPr lvl="3"/>
             <a:r>
-              <a:rPr lang="en-US" smtClean="0"/>
+              <a:rPr lang="en-US"/>
               <a:t>Fourth level</a:t>
             </a:r>
           </a:p>
           <a:p>
             <a:pPr lvl="4"/>
             <a:r>
-              <a:rPr lang="en-US" smtClean="0"/>
+              <a:rPr lang="en-US"/>
               <a:t>Fifth level</a:t>
             </a:r>
             <a:endParaRPr lang="pt-PT"/>
@@ -3225,7 +3396,7 @@
           <a:p>
             <a:pPr lvl="0"/>
             <a:r>
-              <a:rPr lang="en-US" smtClean="0"/>
+              <a:rPr lang="en-US"/>
               <a:t>Click to edit Master text styles</a:t>
             </a:r>
           </a:p>
@@ -3281,7 +3452,7 @@
           </a:lstStyle>
           <a:p>
             <a:r>
-              <a:rPr lang="en-US" smtClean="0"/>
+              <a:rPr lang="en-US"/>
               <a:t>Click to edit Master title style</a:t>
             </a:r>
             <a:endParaRPr lang="pt-PT"/>
@@ -3346,7 +3517,7 @@
           </a:lstStyle>
           <a:p>
             <a:r>
-              <a:rPr lang="en-US" dirty="0" smtClean="0"/>
+              <a:rPr lang="en-US" dirty="0"/>
               <a:t>Click icon to add picture</a:t>
             </a:r>
             <a:endParaRPr lang="pt-PT"/>
@@ -3412,7 +3583,7 @@
           <a:p>
             <a:pPr lvl="0"/>
             <a:r>
-              <a:rPr lang="en-US" smtClean="0"/>
+              <a:rPr lang="en-US"/>
               <a:t>Click to edit Master text styles</a:t>
             </a:r>
           </a:p>
@@ -3477,7 +3648,7 @@
           <a:lstStyle/>
           <a:p>
             <a:r>
-              <a:rPr lang="en-US" smtClean="0"/>
+              <a:rPr lang="en-US"/>
               <a:t>Click to edit Master title style</a:t>
             </a:r>
             <a:endParaRPr lang="pt-PT" dirty="0"/>
@@ -3511,35 +3682,35 @@
           <a:p>
             <a:pPr lvl="0"/>
             <a:r>
-              <a:rPr lang="en-US" smtClean="0"/>
+              <a:rPr lang="en-US"/>
               <a:t>Click to edit Master text styles</a:t>
             </a:r>
           </a:p>
           <a:p>
             <a:pPr lvl="1"/>
             <a:r>
-              <a:rPr lang="en-US" smtClean="0"/>
+              <a:rPr lang="en-US"/>
               <a:t>Second level</a:t>
             </a:r>
           </a:p>
           <a:p>
             <a:pPr lvl="2"/>
             <a:r>
-              <a:rPr lang="en-US" smtClean="0"/>
+              <a:rPr lang="en-US"/>
               <a:t>Third level</a:t>
             </a:r>
           </a:p>
           <a:p>
             <a:pPr lvl="3"/>
             <a:r>
-              <a:rPr lang="en-US" smtClean="0"/>
+              <a:rPr lang="en-US"/>
               <a:t>Fourth level</a:t>
             </a:r>
           </a:p>
           <a:p>
             <a:pPr lvl="4"/>
             <a:r>
-              <a:rPr lang="en-US" smtClean="0"/>
+              <a:rPr lang="en-US"/>
               <a:t>Fifth level</a:t>
             </a:r>
             <a:endParaRPr lang="pt-PT" dirty="0"/>
@@ -3866,50 +4037,46 @@
           <a:p>
             <a:pPr algn="ctr"/>
             <a:r>
-              <a:rPr lang="pt-PT" sz="4800" b="1" dirty="0" err="1" smtClean="0"/>
+              <a:rPr lang="pt-PT" sz="4800" b="1" dirty="0" err="1"/>
               <a:t>Information</a:t>
             </a:r>
             <a:r>
-              <a:rPr lang="pt-PT" sz="4800" b="1" dirty="0" smtClean="0"/>
+              <a:rPr lang="pt-PT" sz="4800" b="1" dirty="0"/>
               <a:t> </a:t>
             </a:r>
             <a:r>
-              <a:rPr lang="pt-PT" sz="4800" b="1" dirty="0" err="1" smtClean="0"/>
+              <a:rPr lang="pt-PT" sz="4800" b="1" dirty="0" err="1"/>
               <a:t>Visualization</a:t>
             </a:r>
-            <a:r>
-              <a:rPr lang="pt-PT" sz="4800" b="1" dirty="0" smtClean="0"/>
-              <a:t/>
-            </a:r>
             <a:br>
-              <a:rPr lang="pt-PT" sz="4800" b="1" dirty="0" smtClean="0"/>
+              <a:rPr lang="pt-PT" sz="4800" b="1" dirty="0"/>
             </a:br>
             <a:r>
-              <a:rPr lang="pt-PT" sz="4800" dirty="0" err="1" smtClean="0"/>
+              <a:rPr lang="pt-PT" sz="4800" dirty="0" err="1"/>
               <a:t>Project</a:t>
             </a:r>
             <a:r>
-              <a:rPr lang="pt-PT" sz="4800" dirty="0" smtClean="0"/>
+              <a:rPr lang="pt-PT" sz="4800" dirty="0"/>
               <a:t> </a:t>
             </a:r>
             <a:r>
-              <a:rPr lang="pt-PT" sz="4800" dirty="0" err="1" smtClean="0"/>
+              <a:rPr lang="pt-PT" sz="4800" dirty="0" err="1"/>
               <a:t>Proposal</a:t>
             </a:r>
             <a:r>
-              <a:rPr lang="pt-PT" sz="4800" dirty="0" smtClean="0"/>
+              <a:rPr lang="pt-PT" sz="4800" dirty="0"/>
               <a:t> </a:t>
             </a:r>
             <a:r>
-              <a:rPr lang="pt-PT" sz="4800" dirty="0" err="1" smtClean="0"/>
+              <a:rPr lang="pt-PT" sz="4800" dirty="0" err="1"/>
               <a:t>and</a:t>
             </a:r>
             <a:r>
-              <a:rPr lang="pt-PT" sz="4800" dirty="0" smtClean="0"/>
+              <a:rPr lang="pt-PT" sz="4800" dirty="0"/>
               <a:t> </a:t>
             </a:r>
             <a:r>
-              <a:rPr lang="pt-PT" sz="4800" dirty="0" err="1" smtClean="0"/>
+              <a:rPr lang="pt-PT" sz="4800" dirty="0" err="1"/>
               <a:t>Dataset</a:t>
             </a:r>
             <a:endParaRPr lang="pt-PT" sz="4800" dirty="0"/>
@@ -3940,7 +4107,7 @@
           <a:lstStyle/>
           <a:p>
             <a:r>
-              <a:rPr lang="pt-PT" sz="4600" dirty="0" smtClean="0">
+              <a:rPr lang="pt-PT" sz="4600" dirty="0">
                 <a:solidFill>
                   <a:schemeClr val="bg2"/>
                 </a:solidFill>
@@ -4117,7 +4284,7 @@
           <a:p>
             <a:pPr algn="just"/>
             <a:r>
-              <a:rPr lang="pt-PT" sz="2400" b="0" dirty="0" smtClean="0">
+              <a:rPr lang="pt-PT" sz="2400" b="0" dirty="0">
                 <a:solidFill>
                   <a:schemeClr val="bg2"/>
                 </a:solidFill>
@@ -4154,13 +4321,6 @@
   <p:clrMapOvr>
     <a:masterClrMapping/>
   </p:clrMapOvr>
-  <p:timing>
-    <p:tnLst>
-      <p:par>
-        <p:cTn id="1" dur="indefinite" restart="never" nodeType="tmRoot"/>
-      </p:par>
-    </p:tnLst>
-  </p:timing>
 </p:sld>
 </file>
 
@@ -4197,7 +4357,7 @@
           <a:lstStyle/>
           <a:p>
             <a:r>
-              <a:rPr lang="en-US" dirty="0" smtClean="0"/>
+              <a:rPr lang="en-US" dirty="0"/>
               <a:t>Data abstraction</a:t>
             </a:r>
             <a:endParaRPr lang="pt-PT" dirty="0"/>
@@ -4227,26 +4387,26 @@
           <a:lstStyle/>
           <a:p>
             <a:r>
-              <a:rPr lang="en-US" sz="3600" dirty="0" smtClean="0"/>
+              <a:rPr lang="en-US" sz="3600" dirty="0"/>
               <a:t>Description:</a:t>
             </a:r>
           </a:p>
           <a:p>
             <a:pPr lvl="1"/>
             <a:r>
-              <a:rPr lang="en-US" sz="3200" dirty="0" smtClean="0"/>
+              <a:rPr lang="en-US" sz="3200" dirty="0"/>
               <a:t>2015.csv</a:t>
             </a:r>
           </a:p>
           <a:p>
             <a:r>
-              <a:rPr lang="en-US" sz="3600" dirty="0" smtClean="0"/>
+              <a:rPr lang="en-US" sz="3600" dirty="0"/>
               <a:t>Dataset type:</a:t>
             </a:r>
           </a:p>
           <a:p>
             <a:r>
-              <a:rPr lang="en-US" b="0" dirty="0" smtClean="0">
+              <a:rPr lang="en-US" b="0" dirty="0">
                 <a:solidFill>
                   <a:schemeClr val="tx1"/>
                 </a:solidFill>
@@ -4268,7 +4428,7 @@
           <a:blip r:embed="rId3" cstate="print">
             <a:extLst>
               <a:ext uri="{28A0092B-C50C-407E-A947-70E740481C1C}">
-                <a14:useLocalDpi xmlns:a14="http://schemas.microsoft.com/office/drawing/2010/main" xmlns="" val="0"/>
+                <a14:useLocalDpi xmlns:a14="http://schemas.microsoft.com/office/drawing/2010/main" val="0"/>
               </a:ext>
             </a:extLst>
           </a:blip>
@@ -4288,7 +4448,7 @@
           <a:noFill/>
           <a:extLst>
             <a:ext uri="{909E8E84-426E-40DD-AFC4-6F175D3DCCD1}">
-              <a14:hiddenFill xmlns:a14="http://schemas.microsoft.com/office/drawing/2010/main" xmlns="">
+              <a14:hiddenFill xmlns:a14="http://schemas.microsoft.com/office/drawing/2010/main">
                 <a:solidFill>
                   <a:srgbClr val="FFFFFF"/>
                 </a:solidFill>
@@ -4300,20 +4460,13 @@
     </p:spTree>
     <p:extLst>
       <p:ext uri="{BB962C8B-B14F-4D97-AF65-F5344CB8AC3E}">
-        <p14:creationId xmlns:p14="http://schemas.microsoft.com/office/powerpoint/2010/main" xmlns="" val="1967416131"/>
+        <p14:creationId xmlns:p14="http://schemas.microsoft.com/office/powerpoint/2010/main" val="1967416131"/>
       </p:ext>
     </p:extLst>
   </p:cSld>
   <p:clrMapOvr>
     <a:masterClrMapping/>
   </p:clrMapOvr>
-  <p:timing>
-    <p:tnLst>
-      <p:par>
-        <p:cTn id="1" dur="indefinite" restart="never" nodeType="tmRoot"/>
-      </p:par>
-    </p:tnLst>
-  </p:timing>
 </p:sld>
 </file>
 
@@ -4350,7 +4503,7 @@
           <a:lstStyle/>
           <a:p>
             <a:r>
-              <a:rPr lang="en-US" dirty="0" smtClean="0"/>
+              <a:rPr lang="en-US" dirty="0"/>
               <a:t>Data abstraction</a:t>
             </a:r>
             <a:endParaRPr lang="pt-PT" dirty="0"/>
@@ -4384,36 +4537,28 @@
               <a:buChar char="•"/>
             </a:pPr>
             <a:r>
-              <a:rPr lang="en-GB" b="1" dirty="0" smtClean="0"/>
+              <a:rPr lang="en-GB" b="1" dirty="0"/>
               <a:t>Year</a:t>
             </a:r>
             <a:r>
-              <a:rPr lang="en-US" dirty="0" smtClean="0"/>
+              <a:rPr lang="en-US" dirty="0"/>
               <a:t> - {</a:t>
             </a:r>
             <a:r>
-              <a:rPr lang="en-GB" dirty="0" smtClean="0"/>
+              <a:rPr lang="en-GB" dirty="0"/>
               <a:t>Continuous|Sequential}</a:t>
             </a:r>
           </a:p>
           <a:p>
             <a:pPr lvl="2" algn="just"/>
             <a:r>
-              <a:rPr lang="en-GB" dirty="0" smtClean="0"/>
-              <a:t>It </a:t>
-            </a:r>
-            <a:r>
               <a:rPr lang="en-GB" dirty="0"/>
-              <a:t>represents the year of the data </a:t>
-            </a:r>
-            <a:r>
-              <a:rPr lang="en-GB" dirty="0" smtClean="0"/>
-              <a:t>statistic</a:t>
+              <a:t>It represents the year of the data statistic</a:t>
             </a:r>
           </a:p>
           <a:p>
             <a:pPr lvl="2" algn="just"/>
-            <a:endParaRPr lang="en-GB" sz="800" dirty="0" smtClean="0"/>
+            <a:endParaRPr lang="en-GB" sz="800" dirty="0"/>
           </a:p>
           <a:p>
             <a:pPr marL="914400" lvl="1" indent="-457200">
@@ -4426,18 +4571,10 @@
                   <a:schemeClr val="tx1"/>
                 </a:solidFill>
               </a:rPr>
-              <a:t>Course Name/Course </a:t>
-            </a:r>
-            <a:r>
-              <a:rPr lang="en-GB" b="1" dirty="0" smtClean="0">
-                <a:solidFill>
-                  <a:schemeClr val="tx1"/>
-                </a:solidFill>
-              </a:rPr>
-              <a:t>Code </a:t>
-            </a:r>
-            <a:r>
-              <a:rPr lang="en-GB" dirty="0" smtClean="0">
+              <a:t>Course Name/Course Code </a:t>
+            </a:r>
+            <a:r>
+              <a:rPr lang="en-GB" dirty="0">
                 <a:solidFill>
                   <a:schemeClr val="tx1"/>
                 </a:solidFill>
@@ -4445,7 +4582,7 @@
               <a:t>- </a:t>
             </a:r>
             <a:r>
-              <a:rPr lang="en-GB" b="0" dirty="0" smtClean="0">
+              <a:rPr lang="en-GB" b="0" dirty="0">
                 <a:solidFill>
                   <a:schemeClr val="tx1"/>
                 </a:solidFill>
@@ -4462,29 +4599,8 @@
                   <a:schemeClr val="tx1"/>
                 </a:solidFill>
               </a:rPr>
-              <a:t>	</a:t>
-            </a:r>
-            <a:r>
-              <a:rPr lang="en-GB" sz="2400" b="0" dirty="0" smtClean="0">
-                <a:solidFill>
-                  <a:schemeClr val="tx1"/>
-                </a:solidFill>
-              </a:rPr>
-              <a:t>	Name </a:t>
-            </a:r>
-            <a:r>
-              <a:rPr lang="en-GB" sz="2400" b="0" dirty="0">
-                <a:solidFill>
-                  <a:schemeClr val="tx1"/>
-                </a:solidFill>
-              </a:rPr>
-              <a:t>of the course/Code of the course </a:t>
-            </a:r>
-            <a:endParaRPr lang="en-GB" sz="2400" b="0" dirty="0" smtClean="0">
-              <a:solidFill>
-                <a:schemeClr val="tx1"/>
-              </a:solidFill>
-            </a:endParaRPr>
+              <a:t>		Name of the course/Code of the course </a:t>
+            </a:r>
           </a:p>
           <a:p>
             <a:pPr lvl="1"/>
@@ -4516,7 +4632,7 @@
               <a:t>– {Nominal} </a:t>
             </a:r>
             <a:r>
-              <a:rPr lang="en-GB" sz="2400" b="0" dirty="0" smtClean="0">
+              <a:rPr lang="en-GB" sz="2400" b="0" dirty="0">
                 <a:solidFill>
                   <a:schemeClr val="tx1"/>
                 </a:solidFill>
@@ -4534,40 +4650,19 @@
               <a:buChar char="•"/>
             </a:pPr>
             <a:r>
-              <a:rPr lang="en-GB" b="1" dirty="0" smtClean="0"/>
-              <a:t>Degree </a:t>
-            </a:r>
-            <a:r>
               <a:rPr lang="en-GB" b="1" dirty="0"/>
-              <a:t>Level </a:t>
+              <a:t>Degree Level </a:t>
             </a:r>
             <a:r>
               <a:rPr lang="en-GB" dirty="0"/>
-              <a:t>– {</a:t>
-            </a:r>
-            <a:r>
-              <a:rPr lang="en-GB" dirty="0" smtClean="0"/>
-              <a:t>Nominal}</a:t>
-            </a:r>
-            <a:endParaRPr lang="en-GB" dirty="0"/>
+              <a:t>– {Nominal}</a:t>
+            </a:r>
           </a:p>
           <a:p>
             <a:pPr lvl="1"/>
             <a:r>
               <a:rPr lang="en-GB" sz="2400" dirty="0"/>
-              <a:t>	</a:t>
-            </a:r>
-            <a:r>
-              <a:rPr lang="en-GB" sz="2400" dirty="0" smtClean="0"/>
-              <a:t>	If </a:t>
-            </a:r>
-            <a:r>
-              <a:rPr lang="en-GB" sz="2400" dirty="0"/>
-              <a:t>the course is Bachelor’s, Masters</a:t>
-            </a:r>
-            <a:r>
-              <a:rPr lang="en-GB" sz="2400" dirty="0" smtClean="0"/>
-              <a:t>...</a:t>
+              <a:t>		If the course is Bachelor’s, Masters...</a:t>
             </a:r>
             <a:endParaRPr lang="en-GB" dirty="0"/>
           </a:p>
@@ -4576,20 +4671,13 @@
     </p:spTree>
     <p:extLst>
       <p:ext uri="{BB962C8B-B14F-4D97-AF65-F5344CB8AC3E}">
-        <p14:creationId xmlns:p14="http://schemas.microsoft.com/office/powerpoint/2010/main" xmlns="" val="1828594822"/>
+        <p14:creationId xmlns:p14="http://schemas.microsoft.com/office/powerpoint/2010/main" val="1828594822"/>
       </p:ext>
     </p:extLst>
   </p:cSld>
   <p:clrMapOvr>
     <a:masterClrMapping/>
   </p:clrMapOvr>
-  <p:timing>
-    <p:tnLst>
-      <p:par>
-        <p:cTn id="1" dur="indefinite" restart="never" nodeType="tmRoot"/>
-      </p:par>
-    </p:tnLst>
-  </p:timing>
 </p:sld>
 </file>
 
@@ -4626,7 +4714,7 @@
           <a:lstStyle/>
           <a:p>
             <a:r>
-              <a:rPr lang="en-US" dirty="0" smtClean="0"/>
+              <a:rPr lang="en-US" dirty="0"/>
               <a:t>Data abstraction</a:t>
             </a:r>
             <a:endParaRPr lang="pt-PT" dirty="0"/>
@@ -4660,60 +4748,24 @@
               <a:buChar char="•"/>
             </a:pPr>
             <a:r>
-              <a:rPr lang="en-GB" b="1" dirty="0" smtClean="0"/>
-              <a:t>Total </a:t>
-            </a:r>
-            <a:r>
               <a:rPr lang="en-GB" b="1" dirty="0"/>
-              <a:t>Unemployed by Course/Area </a:t>
-            </a:r>
-            <a:r>
-              <a:rPr lang="en-GB" b="1" dirty="0" smtClean="0"/>
-              <a:t>Level/University </a:t>
-            </a:r>
-            <a:r>
-              <a:rPr lang="en-GB" dirty="0" smtClean="0"/>
-              <a:t>– </a:t>
+              <a:t>Total Unemployed by Course/Area Level/University </a:t>
             </a:r>
             <a:r>
               <a:rPr lang="en-GB" dirty="0"/>
-              <a:t>{</a:t>
-            </a:r>
-            <a:r>
-              <a:rPr lang="en-GB" dirty="0" smtClean="0"/>
-              <a:t>Ratio|Sequential}</a:t>
+              <a:t>– {Ratio|Sequential}</a:t>
             </a:r>
           </a:p>
           <a:p>
             <a:pPr lvl="1" algn="just"/>
             <a:r>
               <a:rPr lang="en-GB" sz="2400" dirty="0"/>
-              <a:t>	</a:t>
-            </a:r>
-            <a:r>
-              <a:rPr lang="en-GB" sz="2400" dirty="0" smtClean="0"/>
-              <a:t>	Total </a:t>
-            </a:r>
-            <a:r>
-              <a:rPr lang="en-GB" sz="2400" dirty="0"/>
-              <a:t>number of unemployed of the course/all </a:t>
-            </a:r>
-            <a:r>
-              <a:rPr lang="en-GB" sz="2400" dirty="0" smtClean="0"/>
-              <a:t>the unemployed </a:t>
-            </a:r>
-            <a:r>
-              <a:rPr lang="en-GB" sz="2400" dirty="0"/>
-              <a:t>from that area/all the unemployed from a </a:t>
-            </a:r>
-            <a:r>
-              <a:rPr lang="en-GB" sz="2400" dirty="0" smtClean="0"/>
-              <a:t>university</a:t>
+              <a:t>		Total number of unemployed of the course/all the unemployed from that area/all the unemployed from a university</a:t>
             </a:r>
           </a:p>
           <a:p>
             <a:pPr lvl="1" algn="just"/>
-            <a:endParaRPr lang="en-GB" sz="800" dirty="0" smtClean="0"/>
+            <a:endParaRPr lang="en-GB" sz="800" dirty="0"/>
           </a:p>
           <a:p>
             <a:pPr marL="800100" lvl="1" indent="-342900" algn="just">
@@ -4733,14 +4785,14 @@
               <a:t>{</a:t>
             </a:r>
             <a:r>
-              <a:rPr lang="en-GB" u="sng" dirty="0" err="1" smtClean="0"/>
+              <a:rPr lang="en-GB" u="sng" dirty="0" err="1"/>
               <a:t>Ratio|Sequential</a:t>
             </a:r>
             <a:r>
-              <a:rPr lang="en-GB" u="sng" dirty="0" smtClean="0"/>
+              <a:rPr lang="en-GB" u="sng" dirty="0"/>
               <a:t>}</a:t>
             </a:r>
-            <a:endParaRPr lang="en-GB" dirty="0" smtClean="0"/>
+            <a:endParaRPr lang="en-GB" dirty="0"/>
           </a:p>
           <a:p>
             <a:pPr lvl="1" algn="just"/>
@@ -4759,20 +4811,13 @@
     </p:spTree>
     <p:extLst>
       <p:ext uri="{BB962C8B-B14F-4D97-AF65-F5344CB8AC3E}">
-        <p14:creationId xmlns:p14="http://schemas.microsoft.com/office/powerpoint/2010/main" xmlns="" val="3208609425"/>
+        <p14:creationId xmlns:p14="http://schemas.microsoft.com/office/powerpoint/2010/main" val="3208609425"/>
       </p:ext>
     </p:extLst>
   </p:cSld>
   <p:clrMapOvr>
     <a:masterClrMapping/>
   </p:clrMapOvr>
-  <p:timing>
-    <p:tnLst>
-      <p:par>
-        <p:cTn id="1" dur="indefinite" restart="never" nodeType="tmRoot"/>
-      </p:par>
-    </p:tnLst>
-  </p:timing>
 </p:sld>
 </file>
 
@@ -4809,7 +4854,7 @@
           <a:lstStyle/>
           <a:p>
             <a:r>
-              <a:rPr lang="en-US" dirty="0" smtClean="0"/>
+              <a:rPr lang="en-US" dirty="0"/>
               <a:t>Data abstraction</a:t>
             </a:r>
             <a:endParaRPr lang="pt-PT" dirty="0"/>
@@ -4843,15 +4888,11 @@
               <a:buChar char="•"/>
             </a:pPr>
             <a:r>
-              <a:rPr lang="en-GB" b="1" dirty="0" smtClean="0"/>
-              <a:t>% Unemployment </a:t>
-            </a:r>
-            <a:r>
               <a:rPr lang="en-GB" b="1" dirty="0"/>
-              <a:t>by Course/Area Level/University </a:t>
-            </a:r>
-            <a:r>
-              <a:rPr lang="en-GB" dirty="0" smtClean="0"/>
+              <a:t>% Unemployment by Course/Area Level/University </a:t>
+            </a:r>
+            <a:r>
+              <a:rPr lang="en-GB" dirty="0"/>
               <a:t>– </a:t>
             </a:r>
             <a:r>
@@ -4871,19 +4912,7 @@
             <a:pPr lvl="1" algn="just"/>
             <a:r>
               <a:rPr lang="en-GB" sz="2400" dirty="0"/>
-              <a:t>		</a:t>
-            </a:r>
-            <a:r>
-              <a:rPr lang="en-GB" sz="2400" dirty="0" smtClean="0"/>
-              <a:t>It represents </a:t>
-            </a:r>
-            <a:r>
-              <a:rPr lang="en-GB" sz="2400" dirty="0"/>
-              <a:t>the percentage of unemployed people by course/Area level and </a:t>
-            </a:r>
-            <a:r>
-              <a:rPr lang="en-GB" sz="2400" dirty="0" smtClean="0"/>
-              <a:t>University</a:t>
+              <a:t>		It represents the percentage of unemployed people by course/Area level and University</a:t>
             </a:r>
           </a:p>
           <a:p>
@@ -4896,20 +4925,12 @@
               <a:buChar char="•"/>
             </a:pPr>
             <a:r>
-              <a:rPr lang="en-GB" b="1" dirty="0" smtClean="0">
+              <a:rPr lang="en-GB" b="1" dirty="0">
                 <a:solidFill>
                   <a:schemeClr val="tx1"/>
                 </a:solidFill>
               </a:rPr>
-              <a:t>Course </a:t>
-            </a:r>
-            <a:r>
-              <a:rPr lang="en-GB" b="1" dirty="0">
-                <a:solidFill>
-                  <a:schemeClr val="tx1"/>
-                </a:solidFill>
-              </a:rPr>
-              <a:t>Area Name/Course Area Code </a:t>
+              <a:t>Course Area Name/Course Area Code </a:t>
             </a:r>
             <a:r>
               <a:rPr lang="en-GB" b="0" dirty="0">
@@ -4928,7 +4949,7 @@
               <a:t>{</a:t>
             </a:r>
             <a:r>
-              <a:rPr lang="en-GB" b="0" u="sng" dirty="0" err="1" smtClean="0">
+              <a:rPr lang="en-GB" b="0" u="sng" dirty="0" err="1">
                 <a:solidFill>
                   <a:schemeClr val="tx1"/>
                 </a:solidFill>
@@ -4936,7 +4957,7 @@
               <a:t>Nominal|Hierarchical</a:t>
             </a:r>
             <a:r>
-              <a:rPr lang="en-GB" b="0" u="sng" dirty="0" smtClean="0">
+              <a:rPr lang="en-GB" b="0" u="sng" dirty="0">
                 <a:solidFill>
                   <a:schemeClr val="tx1"/>
                 </a:solidFill>
@@ -4953,31 +4974,7 @@
                   <a:schemeClr val="tx1"/>
                 </a:solidFill>
               </a:rPr>
-              <a:t>	</a:t>
-            </a:r>
-            <a:r>
-              <a:rPr lang="en-GB" sz="2400" b="0" dirty="0" smtClean="0">
-                <a:solidFill>
-                  <a:schemeClr val="tx1"/>
-                </a:solidFill>
-              </a:rPr>
-              <a:t>It </a:t>
-            </a:r>
-            <a:r>
-              <a:rPr lang="en-GB" sz="2400" b="0" dirty="0">
-                <a:solidFill>
-                  <a:schemeClr val="tx1"/>
-                </a:solidFill>
-              </a:rPr>
-              <a:t>represents the code of the course </a:t>
-            </a:r>
-            <a:r>
-              <a:rPr lang="en-GB" sz="2400" b="0" dirty="0" smtClean="0">
-                <a:solidFill>
-                  <a:schemeClr val="tx1"/>
-                </a:solidFill>
-              </a:rPr>
-              <a:t>area</a:t>
+              <a:t>	It represents the code of the course area</a:t>
             </a:r>
           </a:p>
           <a:p>
@@ -4986,53 +4983,41 @@
               <a:buChar char="•"/>
             </a:pPr>
             <a:r>
-              <a:rPr lang="en-GB" b="1" dirty="0" smtClean="0"/>
-              <a:t>     Entry </a:t>
-            </a:r>
-            <a:r>
-              <a:rPr lang="en-GB" b="1" dirty="0" smtClean="0"/>
-              <a:t>Grade </a:t>
-            </a:r>
-            <a:r>
-              <a:rPr lang="en-GB" dirty="0" smtClean="0"/>
+              <a:rPr lang="en-GB" b="1" dirty="0"/>
+              <a:t>     Entry Grade </a:t>
+            </a:r>
+            <a:r>
+              <a:rPr lang="en-GB" dirty="0"/>
               <a:t>– </a:t>
             </a:r>
             <a:r>
-              <a:rPr lang="en-GB" u="sng" dirty="0" smtClean="0"/>
+              <a:rPr lang="en-GB" u="sng" dirty="0"/>
               <a:t>{</a:t>
             </a:r>
             <a:r>
-              <a:rPr lang="en-GB" u="sng" dirty="0" err="1" smtClean="0"/>
+              <a:rPr lang="en-GB" u="sng" dirty="0" err="1"/>
               <a:t>Ratio|Sequential</a:t>
             </a:r>
             <a:r>
-              <a:rPr lang="en-GB" u="sng" dirty="0" smtClean="0"/>
+              <a:rPr lang="en-GB" u="sng" dirty="0"/>
               <a:t>}</a:t>
             </a:r>
             <a:r>
-              <a:rPr lang="en-GB" dirty="0" smtClean="0"/>
+              <a:rPr lang="en-GB" dirty="0"/>
               <a:t> </a:t>
             </a:r>
             <a:r>
-              <a:rPr lang="en-GB" sz="2400" dirty="0" smtClean="0"/>
-              <a:t>Entry grade for </a:t>
-            </a:r>
-            <a:r>
-              <a:rPr lang="en-GB" sz="2400" dirty="0" smtClean="0"/>
-              <a:t>	the </a:t>
-            </a:r>
-            <a:r>
-              <a:rPr lang="en-GB" sz="2400" dirty="0" smtClean="0"/>
-              <a:t>bachelors course</a:t>
-            </a:r>
-            <a:endParaRPr lang="pt-PT" sz="2400" dirty="0" smtClean="0"/>
+              <a:rPr lang="en-GB" sz="2400" dirty="0"/>
+              <a:t>Entry grade for 	the bachelors course</a:t>
+            </a:r>
+            <a:endParaRPr lang="pt-PT" sz="2400" dirty="0"/>
           </a:p>
           <a:p>
             <a:pPr marL="400050" lvl="1" indent="0">
               <a:buFont typeface="Arial" pitchFamily="34" charset="0"/>
               <a:buChar char="•"/>
             </a:pPr>
-            <a:endParaRPr lang="en-GB" sz="2400" b="0" dirty="0" smtClean="0">
+            <a:endParaRPr lang="en-GB" sz="2400" b="0" dirty="0">
               <a:solidFill>
                 <a:schemeClr val="tx1"/>
               </a:solidFill>
@@ -5040,7 +5025,7 @@
           </a:p>
           <a:p>
             <a:pPr marL="400050" lvl="1" indent="0"/>
-            <a:endParaRPr lang="pt-PT" sz="2400" b="0" dirty="0" smtClean="0">
+            <a:endParaRPr lang="pt-PT" sz="2400" b="0" dirty="0">
               <a:solidFill>
                 <a:schemeClr val="tx1"/>
               </a:solidFill>
@@ -5055,20 +5040,13 @@
     </p:spTree>
     <p:extLst>
       <p:ext uri="{BB962C8B-B14F-4D97-AF65-F5344CB8AC3E}">
-        <p14:creationId xmlns:p14="http://schemas.microsoft.com/office/powerpoint/2010/main" xmlns="" val="4159594224"/>
+        <p14:creationId xmlns:p14="http://schemas.microsoft.com/office/powerpoint/2010/main" val="4159594224"/>
       </p:ext>
     </p:extLst>
   </p:cSld>
   <p:clrMapOvr>
     <a:masterClrMapping/>
   </p:clrMapOvr>
-  <p:timing>
-    <p:tnLst>
-      <p:par>
-        <p:cTn id="1" dur="indefinite" restart="never" nodeType="tmRoot"/>
-      </p:par>
-    </p:tnLst>
-  </p:timing>
 </p:sld>
 </file>
 
@@ -5124,10 +5102,9 @@
           <a:lstStyle/>
           <a:p>
             <a:r>
-              <a:rPr lang="pt-PT" sz="16600" dirty="0" smtClean="0"/>
+              <a:rPr lang="pt-PT" sz="16600" dirty="0"/>
               <a:t>04</a:t>
             </a:r>
-            <a:endParaRPr lang="pt-PT" sz="16600" dirty="0"/>
           </a:p>
         </p:txBody>
       </p:sp>
@@ -5160,15 +5137,15 @@
           <a:p>
             <a:pPr marL="0" algn="r"/>
             <a:r>
-              <a:rPr lang="pt-PT" sz="6000" dirty="0" err="1" smtClean="0"/>
+              <a:rPr lang="pt-PT" sz="6000" dirty="0" err="1"/>
               <a:t>Dataset</a:t>
             </a:r>
             <a:r>
-              <a:rPr lang="pt-PT" sz="6000" dirty="0" smtClean="0"/>
+              <a:rPr lang="pt-PT" sz="6000" dirty="0"/>
               <a:t> </a:t>
             </a:r>
             <a:r>
-              <a:rPr lang="pt-PT" sz="6000" dirty="0" err="1" smtClean="0"/>
+              <a:rPr lang="pt-PT" sz="6000" dirty="0" err="1"/>
               <a:t>processing</a:t>
             </a:r>
             <a:endParaRPr lang="pt-PT" sz="6000" dirty="0"/>
@@ -5178,20 +5155,13 @@
     </p:spTree>
     <p:extLst>
       <p:ext uri="{BB962C8B-B14F-4D97-AF65-F5344CB8AC3E}">
-        <p14:creationId xmlns:p14="http://schemas.microsoft.com/office/powerpoint/2010/main" xmlns="" val="4045494449"/>
+        <p14:creationId xmlns:p14="http://schemas.microsoft.com/office/powerpoint/2010/main" val="4045494449"/>
       </p:ext>
     </p:extLst>
   </p:cSld>
   <p:clrMapOvr>
     <a:masterClrMapping/>
   </p:clrMapOvr>
-  <p:timing>
-    <p:tnLst>
-      <p:par>
-        <p:cTn id="1" dur="indefinite" restart="never" nodeType="tmRoot"/>
-      </p:par>
-    </p:tnLst>
-  </p:timing>
 </p:sld>
 </file>
 
@@ -5228,7 +5198,7 @@
           <a:lstStyle/>
           <a:p>
             <a:r>
-              <a:rPr lang="en-US" dirty="0" smtClean="0"/>
+              <a:rPr lang="en-US" dirty="0"/>
               <a:t>Dataset processing</a:t>
             </a:r>
             <a:endParaRPr lang="pt-PT" dirty="0"/>
@@ -5258,7 +5228,7 @@
           <a:lstStyle/>
           <a:p>
             <a:r>
-              <a:rPr lang="en-US" sz="4000" dirty="0" smtClean="0"/>
+              <a:rPr lang="en-US" sz="4000" dirty="0"/>
               <a:t>Dataset cleaning description</a:t>
             </a:r>
           </a:p>
@@ -5275,7 +5245,7 @@
               </a:rPr>
               <a:t>We used the table from 2015 to obtain the courses-area relationship, because it was the only one with that information and crossed it with all the other tables to obtain all the information we need.</a:t>
             </a:r>
-            <a:endParaRPr lang="en-US" sz="2800" b="0" dirty="0" smtClean="0">
+            <a:endParaRPr lang="en-US" sz="2800" b="0" dirty="0">
               <a:solidFill>
                 <a:schemeClr val="tx1"/>
               </a:solidFill>
@@ -5286,20 +5256,13 @@
     </p:spTree>
     <p:extLst>
       <p:ext uri="{BB962C8B-B14F-4D97-AF65-F5344CB8AC3E}">
-        <p14:creationId xmlns:p14="http://schemas.microsoft.com/office/powerpoint/2010/main" xmlns="" val="3456915046"/>
+        <p14:creationId xmlns:p14="http://schemas.microsoft.com/office/powerpoint/2010/main" val="3456915046"/>
       </p:ext>
     </p:extLst>
   </p:cSld>
   <p:clrMapOvr>
     <a:masterClrMapping/>
   </p:clrMapOvr>
-  <p:timing>
-    <p:tnLst>
-      <p:par>
-        <p:cTn id="1" dur="indefinite" restart="never" nodeType="tmRoot"/>
-      </p:par>
-    </p:tnLst>
-  </p:timing>
 </p:sld>
 </file>
 
@@ -5336,7 +5299,7 @@
           <a:lstStyle/>
           <a:p>
             <a:r>
-              <a:rPr lang="en-US" dirty="0" smtClean="0"/>
+              <a:rPr lang="en-US" dirty="0"/>
               <a:t>Dataset processing</a:t>
             </a:r>
             <a:endParaRPr lang="pt-PT" dirty="0"/>
@@ -5366,14 +5329,14 @@
           <a:lstStyle/>
           <a:p>
             <a:r>
-              <a:rPr lang="en-US" sz="4000" dirty="0" smtClean="0"/>
+              <a:rPr lang="en-US" sz="4000" dirty="0"/>
               <a:t>Problems found:</a:t>
             </a:r>
           </a:p>
           <a:p>
             <a:pPr marL="457200" lvl="1" indent="0" algn="just"/>
             <a:r>
-              <a:rPr lang="en-GB" b="1" dirty="0" smtClean="0"/>
+              <a:rPr lang="en-GB" b="1" dirty="0"/>
               <a:t>Some courses didn’t have information about total graduates</a:t>
             </a:r>
           </a:p>
@@ -5383,21 +5346,21 @@
               <a:buChar char="•"/>
             </a:pPr>
             <a:r>
-              <a:rPr lang="en-GB" dirty="0" smtClean="0"/>
+              <a:rPr lang="en-GB" dirty="0"/>
               <a:t>We ignored these courses to make the calculations and aggregations and assigned -1 to the total graduate’s field and unemployment %.</a:t>
             </a:r>
           </a:p>
           <a:p>
             <a:pPr marL="457200" lvl="1" indent="0" algn="just"/>
-            <a:endParaRPr lang="en-GB" sz="1200" b="1" dirty="0" smtClean="0"/>
+            <a:endParaRPr lang="en-GB" sz="1200" b="1" dirty="0"/>
           </a:p>
           <a:p>
             <a:pPr marL="457200" lvl="1" indent="0" algn="just"/>
             <a:r>
-              <a:rPr lang="en-GB" b="1" dirty="0" smtClean="0"/>
+              <a:rPr lang="en-GB" b="1" dirty="0"/>
               <a:t>Extinction of courses from “Bolonha”</a:t>
             </a:r>
-            <a:endParaRPr lang="pt-PT" b="1" dirty="0" smtClean="0"/>
+            <a:endParaRPr lang="pt-PT" b="1" dirty="0"/>
           </a:p>
           <a:p>
             <a:pPr marL="914400" lvl="1" indent="-457200" algn="just">
@@ -5405,30 +5368,23 @@
               <a:buChar char="•"/>
             </a:pPr>
             <a:r>
-              <a:rPr lang="en-GB" dirty="0" smtClean="0"/>
+              <a:rPr lang="en-GB" dirty="0"/>
               <a:t>We cleaned some records in 2007</a:t>
             </a:r>
-            <a:endParaRPr lang="pt-PT" dirty="0" smtClean="0"/>
+            <a:endParaRPr lang="pt-PT" dirty="0"/>
           </a:p>
         </p:txBody>
       </p:sp>
     </p:spTree>
     <p:extLst>
       <p:ext uri="{BB962C8B-B14F-4D97-AF65-F5344CB8AC3E}">
-        <p14:creationId xmlns:p14="http://schemas.microsoft.com/office/powerpoint/2010/main" xmlns="" val="2665434140"/>
+        <p14:creationId xmlns:p14="http://schemas.microsoft.com/office/powerpoint/2010/main" val="2665434140"/>
       </p:ext>
     </p:extLst>
   </p:cSld>
   <p:clrMapOvr>
     <a:masterClrMapping/>
   </p:clrMapOvr>
-  <p:timing>
-    <p:tnLst>
-      <p:par>
-        <p:cTn id="1" dur="indefinite" restart="never" nodeType="tmRoot"/>
-      </p:par>
-    </p:tnLst>
-  </p:timing>
 </p:sld>
 </file>
 
@@ -5484,10 +5440,9 @@
           <a:lstStyle/>
           <a:p>
             <a:r>
-              <a:rPr lang="pt-PT" sz="16600" dirty="0" smtClean="0"/>
+              <a:rPr lang="pt-PT" sz="16600" dirty="0"/>
               <a:t>05</a:t>
             </a:r>
-            <a:endParaRPr lang="pt-PT" sz="16600" dirty="0"/>
           </a:p>
         </p:txBody>
       </p:sp>
@@ -5520,7 +5475,7 @@
           <a:p>
             <a:pPr marL="0" algn="r"/>
             <a:r>
-              <a:rPr lang="pt-PT" sz="6000" dirty="0" err="1" smtClean="0"/>
+              <a:rPr lang="pt-PT" sz="6000" dirty="0" err="1"/>
               <a:t>Mapping</a:t>
             </a:r>
             <a:endParaRPr lang="pt-PT" sz="6000" dirty="0"/>
@@ -5530,20 +5485,13 @@
     </p:spTree>
     <p:extLst>
       <p:ext uri="{BB962C8B-B14F-4D97-AF65-F5344CB8AC3E}">
-        <p14:creationId xmlns:p14="http://schemas.microsoft.com/office/powerpoint/2010/main" xmlns="" val="2312607420"/>
+        <p14:creationId xmlns:p14="http://schemas.microsoft.com/office/powerpoint/2010/main" val="2312607420"/>
       </p:ext>
     </p:extLst>
   </p:cSld>
   <p:clrMapOvr>
     <a:masterClrMapping/>
   </p:clrMapOvr>
-  <p:timing>
-    <p:tnLst>
-      <p:par>
-        <p:cTn id="1" dur="indefinite" restart="never" nodeType="tmRoot"/>
-      </p:par>
-    </p:tnLst>
-  </p:timing>
 </p:sld>
 </file>
 
@@ -5580,7 +5528,7 @@
           <a:lstStyle/>
           <a:p>
             <a:r>
-              <a:rPr lang="en-US" dirty="0" smtClean="0"/>
+              <a:rPr lang="en-US" dirty="0"/>
               <a:t>Mapping</a:t>
             </a:r>
             <a:endParaRPr lang="pt-PT" dirty="0"/>
@@ -5610,48 +5558,40 @@
           <a:lstStyle/>
           <a:p>
             <a:r>
-              <a:rPr lang="en-US" sz="4000" dirty="0" smtClean="0"/>
-              <a:t>Question 1</a:t>
-            </a:r>
+              <a:rPr lang="en-GB" sz="2800" b="0" dirty="0"/>
+              <a:t>Does Computer Science graduates in IST have more unemployment, in 2015, than Computer Science in ISEL? And in 2007? (Task 1) </a:t>
+            </a:r>
+          </a:p>
+          <a:p>
+            <a:r>
+              <a:rPr lang="en-GB" sz="2800" b="0" dirty="0"/>
+              <a:t>What was the year which had less unemployed people from Computer Science in IST? (Task 2)</a:t>
+            </a:r>
+          </a:p>
+          <a:p>
+            <a:endParaRPr lang="en-US" sz="2800" dirty="0"/>
           </a:p>
           <a:p>
             <a:pPr lvl="1"/>
             <a:r>
-              <a:rPr lang="en-US" sz="3600" dirty="0" smtClean="0"/>
+              <a:rPr lang="en-US" dirty="0"/>
               <a:t>Data</a:t>
             </a:r>
-          </a:p>
-          <a:p>
-            <a:pPr lvl="1"/>
-            <a:endParaRPr lang="en-US" sz="3600" dirty="0" smtClean="0"/>
-          </a:p>
-          <a:p>
-            <a:r>
-              <a:rPr lang="en-US" sz="4000" dirty="0"/>
-              <a:t>Question </a:t>
-            </a:r>
-            <a:r>
-              <a:rPr lang="en-US" sz="4000" dirty="0" smtClean="0"/>
-              <a:t>2</a:t>
-            </a:r>
-            <a:endParaRPr lang="en-US" sz="4000" dirty="0"/>
-          </a:p>
-          <a:p>
-            <a:pPr lvl="1"/>
-            <a:r>
-              <a:rPr lang="en-US" sz="3600" dirty="0" smtClean="0"/>
-              <a:t>Data</a:t>
-            </a:r>
+            <a:r>
+              <a:rPr lang="en-GB" b="1" dirty="0"/>
+              <a:t>:</a:t>
+            </a:r>
+            <a:r>
+              <a:rPr lang="en-GB" dirty="0"/>
+              <a:t> Courses20XX.json (attributes: Course Name, University Name, % Unemployment by Course)</a:t>
+            </a:r>
+            <a:endParaRPr lang="en-US" dirty="0"/>
           </a:p>
           <a:p>
             <a:pPr lvl="1"/>
             <a:endParaRPr lang="en-US" sz="3600" dirty="0"/>
           </a:p>
           <a:p>
-            <a:r>
-              <a:rPr lang="en-US" sz="4000" dirty="0" smtClean="0"/>
-              <a:t>…</a:t>
-            </a:r>
             <a:endParaRPr lang="en-US" sz="4400" dirty="0"/>
           </a:p>
         </p:txBody>
@@ -5659,20 +5599,153 @@
     </p:spTree>
     <p:extLst>
       <p:ext uri="{BB962C8B-B14F-4D97-AF65-F5344CB8AC3E}">
-        <p14:creationId xmlns:p14="http://schemas.microsoft.com/office/powerpoint/2010/main" xmlns="" val="2292396113"/>
+        <p14:creationId xmlns:p14="http://schemas.microsoft.com/office/powerpoint/2010/main" val="2692713972"/>
       </p:ext>
     </p:extLst>
   </p:cSld>
   <p:clrMapOvr>
     <a:masterClrMapping/>
   </p:clrMapOvr>
-  <p:timing>
-    <p:tnLst>
-      <p:par>
-        <p:cTn id="1" dur="indefinite" restart="never" nodeType="tmRoot"/>
-      </p:par>
-    </p:tnLst>
-  </p:timing>
+</p:sld>
+</file>
+
+<file path=ppt/slides/slide19.xml><?xml version="1.0" encoding="utf-8"?>
+<p:sld xmlns:a="http://schemas.openxmlformats.org/drawingml/2006/main" xmlns:r="http://schemas.openxmlformats.org/officeDocument/2006/relationships" xmlns:p="http://schemas.openxmlformats.org/presentationml/2006/main">
+  <p:cSld>
+    <p:spTree>
+      <p:nvGrpSpPr>
+        <p:cNvPr id="1" name=""/>
+        <p:cNvGrpSpPr/>
+        <p:nvPr/>
+      </p:nvGrpSpPr>
+      <p:grpSpPr>
+        <a:xfrm>
+          <a:off x="0" y="0"/>
+          <a:ext cx="0" cy="0"/>
+          <a:chOff x="0" y="0"/>
+          <a:chExt cx="0" cy="0"/>
+        </a:xfrm>
+      </p:grpSpPr>
+      <p:sp>
+        <p:nvSpPr>
+          <p:cNvPr id="2" name="Title 1"/>
+          <p:cNvSpPr>
+            <a:spLocks noGrp="1"/>
+          </p:cNvSpPr>
+          <p:nvPr>
+            <p:ph type="title"/>
+          </p:nvPr>
+        </p:nvSpPr>
+        <p:spPr/>
+        <p:txBody>
+          <a:bodyPr/>
+          <a:lstStyle/>
+          <a:p>
+            <a:r>
+              <a:rPr lang="en-US" dirty="0"/>
+              <a:t>Mapping</a:t>
+            </a:r>
+            <a:endParaRPr lang="pt-PT" dirty="0"/>
+          </a:p>
+        </p:txBody>
+      </p:sp>
+      <p:sp>
+        <p:nvSpPr>
+          <p:cNvPr id="5" name="Content Placeholder 2"/>
+          <p:cNvSpPr>
+            <a:spLocks noGrp="1"/>
+          </p:cNvSpPr>
+          <p:nvPr>
+            <p:ph idx="1"/>
+          </p:nvPr>
+        </p:nvSpPr>
+        <p:spPr>
+          <a:xfrm>
+            <a:off x="457200" y="1094346"/>
+            <a:ext cx="8229600" cy="5214974"/>
+          </a:xfrm>
+        </p:spPr>
+        <p:txBody>
+          <a:bodyPr>
+            <a:noAutofit/>
+          </a:bodyPr>
+          <a:lstStyle/>
+          <a:p>
+            <a:r>
+              <a:rPr lang="en-GB" b="0" dirty="0"/>
+              <a:t>What is the university with more unemployment? (Task 3)</a:t>
+            </a:r>
+            <a:endParaRPr lang="pt-PT" b="0" dirty="0"/>
+          </a:p>
+          <a:p>
+            <a:r>
+              <a:rPr lang="pt-PT" sz="2800" b="0" dirty="0"/>
+              <a:t>	</a:t>
+            </a:r>
+            <a:r>
+              <a:rPr lang="en-US" sz="2800" b="0" dirty="0">
+                <a:solidFill>
+                  <a:schemeClr val="tx1"/>
+                </a:solidFill>
+              </a:rPr>
+              <a:t>Data</a:t>
+            </a:r>
+            <a:r>
+              <a:rPr lang="en-GB" sz="2800" b="0" dirty="0">
+                <a:solidFill>
+                  <a:schemeClr val="tx1"/>
+                </a:solidFill>
+              </a:rPr>
+              <a:t>: Universities20XX.json (attributes: University 	Name, % Unemployment by University)</a:t>
+            </a:r>
+            <a:endParaRPr lang="pt-PT" sz="2800" b="0" dirty="0">
+              <a:solidFill>
+                <a:schemeClr val="tx1"/>
+              </a:solidFill>
+            </a:endParaRPr>
+          </a:p>
+          <a:p>
+            <a:r>
+              <a:rPr lang="en-GB" b="0" dirty="0"/>
+              <a:t>Where the unemployment will be higher? In a course with 14 minimum entry grade or one with 17? (Task 4)</a:t>
+            </a:r>
+            <a:endParaRPr lang="pt-PT" b="0" dirty="0"/>
+          </a:p>
+          <a:p>
+            <a:r>
+              <a:rPr lang="en-US" sz="2800" b="0" dirty="0">
+                <a:solidFill>
+                  <a:schemeClr val="tx1"/>
+                </a:solidFill>
+              </a:rPr>
+              <a:t>	Data: </a:t>
+            </a:r>
+            <a:r>
+              <a:rPr lang="en-GB" sz="2800" b="0" dirty="0">
+                <a:solidFill>
+                  <a:schemeClr val="tx1"/>
+                </a:solidFill>
+              </a:rPr>
+              <a:t>EntryGrades2016.json (attributes: Grade, % 	Unemployment by Area)</a:t>
+            </a:r>
+            <a:endParaRPr lang="en-US" sz="2800" b="0" dirty="0">
+              <a:solidFill>
+                <a:schemeClr val="tx1"/>
+              </a:solidFill>
+            </a:endParaRPr>
+          </a:p>
+        </p:txBody>
+      </p:sp>
+    </p:spTree>
+    <p:extLst>
+      <p:ext uri="{BB962C8B-B14F-4D97-AF65-F5344CB8AC3E}">
+        <p14:creationId xmlns:p14="http://schemas.microsoft.com/office/powerpoint/2010/main" val="4152584085"/>
+      </p:ext>
+    </p:extLst>
+  </p:cSld>
+  <p:clrMapOvr>
+    <a:masterClrMapping/>
+  </p:clrMapOvr>
 </p:sld>
 </file>
 
@@ -5728,10 +5801,9 @@
           <a:lstStyle/>
           <a:p>
             <a:r>
-              <a:rPr lang="pt-PT" sz="16600" dirty="0" smtClean="0"/>
+              <a:rPr lang="pt-PT" sz="16600" dirty="0"/>
               <a:t>01</a:t>
             </a:r>
-            <a:endParaRPr lang="pt-PT" sz="16600" dirty="0"/>
           </a:p>
         </p:txBody>
       </p:sp>
@@ -5764,10 +5836,9 @@
           <a:p>
             <a:pPr marL="0" algn="r"/>
             <a:r>
-              <a:rPr lang="pt-PT" sz="6000" dirty="0" smtClean="0"/>
+              <a:rPr lang="pt-PT" sz="6000" dirty="0"/>
               <a:t>INITIAL DATASET</a:t>
             </a:r>
-            <a:endParaRPr lang="pt-PT" sz="6000" dirty="0"/>
           </a:p>
         </p:txBody>
       </p:sp>
@@ -5776,13 +5847,116 @@
   <p:clrMapOvr>
     <a:masterClrMapping/>
   </p:clrMapOvr>
-  <p:timing>
-    <p:tnLst>
-      <p:par>
-        <p:cTn id="1" dur="indefinite" restart="never" nodeType="tmRoot"/>
-      </p:par>
-    </p:tnLst>
-  </p:timing>
+</p:sld>
+</file>
+
+<file path=ppt/slides/slide20.xml><?xml version="1.0" encoding="utf-8"?>
+<p:sld xmlns:a="http://schemas.openxmlformats.org/drawingml/2006/main" xmlns:r="http://schemas.openxmlformats.org/officeDocument/2006/relationships" xmlns:p="http://schemas.openxmlformats.org/presentationml/2006/main">
+  <p:cSld>
+    <p:spTree>
+      <p:nvGrpSpPr>
+        <p:cNvPr id="1" name=""/>
+        <p:cNvGrpSpPr/>
+        <p:nvPr/>
+      </p:nvGrpSpPr>
+      <p:grpSpPr>
+        <a:xfrm>
+          <a:off x="0" y="0"/>
+          <a:ext cx="0" cy="0"/>
+          <a:chOff x="0" y="0"/>
+          <a:chExt cx="0" cy="0"/>
+        </a:xfrm>
+      </p:grpSpPr>
+      <p:sp>
+        <p:nvSpPr>
+          <p:cNvPr id="2" name="Title 1"/>
+          <p:cNvSpPr>
+            <a:spLocks noGrp="1"/>
+          </p:cNvSpPr>
+          <p:nvPr>
+            <p:ph type="title"/>
+          </p:nvPr>
+        </p:nvSpPr>
+        <p:spPr/>
+        <p:txBody>
+          <a:bodyPr/>
+          <a:lstStyle/>
+          <a:p>
+            <a:r>
+              <a:rPr lang="en-US" dirty="0"/>
+              <a:t>Mapping</a:t>
+            </a:r>
+            <a:endParaRPr lang="pt-PT" dirty="0"/>
+          </a:p>
+        </p:txBody>
+      </p:sp>
+      <p:sp>
+        <p:nvSpPr>
+          <p:cNvPr id="5" name="Content Placeholder 2"/>
+          <p:cNvSpPr>
+            <a:spLocks noGrp="1"/>
+          </p:cNvSpPr>
+          <p:nvPr>
+            <p:ph idx="1"/>
+          </p:nvPr>
+        </p:nvSpPr>
+        <p:spPr>
+          <a:xfrm>
+            <a:off x="457200" y="1094346"/>
+            <a:ext cx="8229600" cy="5214974"/>
+          </a:xfrm>
+        </p:spPr>
+        <p:txBody>
+          <a:bodyPr>
+            <a:noAutofit/>
+          </a:bodyPr>
+          <a:lstStyle/>
+          <a:p>
+            <a:pPr lvl="0"/>
+            <a:r>
+              <a:rPr lang="en-GB" sz="2800" b="0" dirty="0"/>
+              <a:t>What is the graduation area with less/more unemployment? (Task 5)</a:t>
+            </a:r>
+            <a:endParaRPr lang="pt-PT" sz="2800" b="0" dirty="0"/>
+          </a:p>
+          <a:p>
+            <a:endParaRPr lang="en-US" sz="2800" b="0" dirty="0"/>
+          </a:p>
+          <a:p>
+            <a:pPr lvl="1"/>
+            <a:r>
+              <a:rPr lang="en-US" dirty="0"/>
+              <a:t>Data</a:t>
+            </a:r>
+            <a:r>
+              <a:rPr lang="en-GB" dirty="0"/>
+              <a:t>: </a:t>
+            </a:r>
+            <a:r>
+              <a:rPr lang="pt-PT" dirty="0"/>
+              <a:t> </a:t>
+            </a:r>
+            <a:r>
+              <a:rPr lang="en-GB" dirty="0"/>
+              <a:t>Areas20XX.json (attributes: Course Area Name, % Unemployment)</a:t>
+            </a:r>
+            <a:endParaRPr lang="en-US" dirty="0"/>
+          </a:p>
+          <a:p>
+            <a:endParaRPr lang="en-US" sz="4400" dirty="0"/>
+          </a:p>
+        </p:txBody>
+      </p:sp>
+    </p:spTree>
+    <p:extLst>
+      <p:ext uri="{BB962C8B-B14F-4D97-AF65-F5344CB8AC3E}">
+        <p14:creationId xmlns:p14="http://schemas.microsoft.com/office/powerpoint/2010/main" val="2746702942"/>
+      </p:ext>
+    </p:extLst>
+  </p:cSld>
+  <p:clrMapOvr>
+    <a:masterClrMapping/>
+  </p:clrMapOvr>
 </p:sld>
 </file>
 
@@ -5819,7 +5993,7 @@
           <a:lstStyle/>
           <a:p>
             <a:r>
-              <a:rPr lang="en-US" dirty="0" smtClean="0"/>
+              <a:rPr lang="en-US" dirty="0"/>
               <a:t>Initial Dataset</a:t>
             </a:r>
             <a:endParaRPr lang="pt-PT" dirty="0"/>
@@ -5849,7 +6023,7 @@
           <a:lstStyle/>
           <a:p>
             <a:r>
-              <a:rPr lang="en-US" sz="4000" dirty="0" smtClean="0"/>
+              <a:rPr lang="en-US" sz="4000" dirty="0"/>
               <a:t>Description</a:t>
             </a:r>
           </a:p>
@@ -5864,15 +6038,7 @@
                   <a:schemeClr val="tx1"/>
                 </a:solidFill>
               </a:rPr>
-              <a:t>Our initial dataset was one file for each year (2007-2015) about unemployment from all the higher education courses registered in “Centro de Desemprego” and other file with entry grades of 2016 for all the higher education </a:t>
-            </a:r>
-            <a:r>
-              <a:rPr lang="en-GB" sz="2400" b="0" dirty="0" smtClean="0">
-                <a:solidFill>
-                  <a:schemeClr val="tx1"/>
-                </a:solidFill>
-              </a:rPr>
-              <a:t>courses</a:t>
+              <a:t>Our initial dataset was one file for each year (2007-2015) about unemployment from all the higher education courses registered in “Centro de Desemprego” and other file with entry grades of 2016 for all the higher education courses</a:t>
             </a:r>
             <a:endParaRPr lang="pt-PT" sz="2400" b="0" dirty="0">
               <a:solidFill>
@@ -5891,15 +6057,7 @@
                   <a:schemeClr val="tx1"/>
                 </a:solidFill>
               </a:rPr>
-              <a:t>The files from 2007–2015 each one had different layouts and different tables in short they were a bit heterogeneous as seen in the following </a:t>
-            </a:r>
-            <a:r>
-              <a:rPr lang="en-GB" sz="2400" b="0" dirty="0" smtClean="0">
-                <a:solidFill>
-                  <a:schemeClr val="tx1"/>
-                </a:solidFill>
-              </a:rPr>
-              <a:t>samples</a:t>
+              <a:t>The files from 2007–2015 each one had different layouts and different tables in short they were a bit heterogeneous as seen in the following samples</a:t>
             </a:r>
             <a:endParaRPr lang="pt-PT" sz="2400" b="0" dirty="0">
               <a:solidFill>
@@ -5912,20 +6070,13 @@
     </p:spTree>
     <p:extLst>
       <p:ext uri="{BB962C8B-B14F-4D97-AF65-F5344CB8AC3E}">
-        <p14:creationId xmlns:p14="http://schemas.microsoft.com/office/powerpoint/2010/main" xmlns="" val="4240120593"/>
+        <p14:creationId xmlns:p14="http://schemas.microsoft.com/office/powerpoint/2010/main" val="4240120593"/>
       </p:ext>
     </p:extLst>
   </p:cSld>
   <p:clrMapOvr>
     <a:masterClrMapping/>
   </p:clrMapOvr>
-  <p:timing>
-    <p:tnLst>
-      <p:par>
-        <p:cTn id="1" dur="indefinite" restart="never" nodeType="tmRoot"/>
-      </p:par>
-    </p:tnLst>
-  </p:timing>
 </p:sld>
 </file>
 
@@ -5988,29 +6139,17 @@
           <a:p>
             <a:r>
               <a:rPr lang="en-US" sz="4000" dirty="0"/>
-              <a:t>Data </a:t>
-            </a:r>
-            <a:r>
-              <a:rPr lang="en-US" sz="4000" dirty="0" smtClean="0"/>
-              <a:t>sample</a:t>
-            </a:r>
-          </a:p>
-          <a:p>
-            <a:r>
-              <a:rPr lang="en-GB" sz="1000" b="0" dirty="0" smtClean="0">
+              <a:t>Data sample</a:t>
+            </a:r>
+          </a:p>
+          <a:p>
+            <a:r>
+              <a:rPr lang="en-GB" sz="1000" b="0" dirty="0">
                 <a:solidFill>
                   <a:schemeClr val="tx1"/>
                 </a:solidFill>
               </a:rPr>
-              <a:t>   (</a:t>
-            </a:r>
-            <a:r>
-              <a:rPr lang="en-GB" sz="1000" b="0" dirty="0">
-                <a:solidFill>
-                  <a:schemeClr val="tx1"/>
-                </a:solidFill>
-              </a:rPr>
-              <a:t>EntryGrades2016.xls)</a:t>
+              <a:t>   (EntryGrades2016.xls)</a:t>
             </a:r>
             <a:endParaRPr lang="pt-PT" sz="1000" b="0" dirty="0">
               <a:solidFill>
@@ -6041,36 +6180,12 @@
           </a:p>
           <a:p>
             <a:r>
-              <a:rPr lang="en-GB" sz="1000" b="0" dirty="0" smtClean="0">
+              <a:rPr lang="en-GB" sz="1000" b="0" dirty="0">
                 <a:solidFill>
                   <a:schemeClr val="tx1"/>
                 </a:solidFill>
               </a:rPr>
-              <a:t>    (</a:t>
-            </a:r>
-            <a:r>
-              <a:rPr lang="en-GB" sz="1000" b="0" dirty="0">
-                <a:solidFill>
-                  <a:schemeClr val="tx1"/>
-                </a:solidFill>
-              </a:rPr>
-              <a:t>Courses2007</a:t>
-            </a:r>
-            <a:r>
-              <a:rPr lang="en-GB" sz="1000" b="0" dirty="0" smtClean="0">
-                <a:solidFill>
-                  <a:schemeClr val="tx1"/>
-                </a:solidFill>
-              </a:rPr>
-              <a:t>.xls</a:t>
-            </a:r>
-            <a:r>
-              <a:rPr lang="en-GB" sz="1000" b="0" dirty="0">
-                <a:solidFill>
-                  <a:schemeClr val="tx1"/>
-                </a:solidFill>
-              </a:rPr>
-              <a:t>)</a:t>
+              <a:t>    (Courses2007.xls)</a:t>
             </a:r>
             <a:endParaRPr lang="pt-PT" sz="1000" b="0" dirty="0">
               <a:solidFill>
@@ -6108,7 +6223,7 @@
           </a:p>
           <a:p>
             <a:r>
-              <a:rPr lang="pt-PT" sz="1000" b="0" dirty="0" smtClean="0">
+              <a:rPr lang="pt-PT" sz="1000" b="0" dirty="0">
                 <a:solidFill>
                   <a:schemeClr val="tx1"/>
                 </a:solidFill>
@@ -6121,23 +6236,7 @@
                   <a:schemeClr val="tx1"/>
                 </a:solidFill>
               </a:rPr>
-              <a:t> </a:t>
-            </a:r>
-            <a:r>
-              <a:rPr lang="en-GB" sz="1000" b="0" dirty="0" smtClean="0">
-                <a:solidFill>
-                  <a:schemeClr val="tx1"/>
-                </a:solidFill>
-              </a:rPr>
-              <a:t>(Courses2015.xls</a:t>
-            </a:r>
-            <a:r>
-              <a:rPr lang="en-GB" sz="1000" b="0" dirty="0">
-                <a:solidFill>
-                  <a:schemeClr val="tx1"/>
-                </a:solidFill>
-              </a:rPr>
-              <a:t>)</a:t>
+              <a:t> (Courses2015.xls)</a:t>
             </a:r>
             <a:endParaRPr lang="pt-PT" sz="1000" b="0" dirty="0">
               <a:solidFill>
@@ -6257,20 +6356,13 @@
     </p:spTree>
     <p:extLst>
       <p:ext uri="{BB962C8B-B14F-4D97-AF65-F5344CB8AC3E}">
-        <p14:creationId xmlns:p14="http://schemas.microsoft.com/office/powerpoint/2010/main" xmlns="" val="1307573410"/>
+        <p14:creationId xmlns:p14="http://schemas.microsoft.com/office/powerpoint/2010/main" val="1307573410"/>
       </p:ext>
     </p:extLst>
   </p:cSld>
   <p:clrMapOvr>
     <a:masterClrMapping/>
   </p:clrMapOvr>
-  <p:timing>
-    <p:tnLst>
-      <p:par>
-        <p:cTn id="1" dur="indefinite" restart="never" nodeType="tmRoot"/>
-      </p:par>
-    </p:tnLst>
-  </p:timing>
 </p:sld>
 </file>
 
@@ -6326,10 +6418,9 @@
           <a:lstStyle/>
           <a:p>
             <a:r>
-              <a:rPr lang="pt-PT" sz="16600" dirty="0" smtClean="0"/>
+              <a:rPr lang="pt-PT" sz="16600" dirty="0"/>
               <a:t>02</a:t>
             </a:r>
-            <a:endParaRPr lang="pt-PT" sz="16600" dirty="0"/>
           </a:p>
         </p:txBody>
       </p:sp>
@@ -6362,42 +6453,34 @@
           <a:p>
             <a:pPr marL="0" algn="r"/>
             <a:r>
-              <a:rPr lang="pt-PT" sz="6000" dirty="0" err="1" smtClean="0"/>
+              <a:rPr lang="pt-PT" sz="6000" dirty="0" err="1"/>
               <a:t>Selected</a:t>
             </a:r>
             <a:r>
-              <a:rPr lang="pt-PT" sz="6000" dirty="0" smtClean="0"/>
+              <a:rPr lang="pt-PT" sz="6000" dirty="0"/>
               <a:t> / </a:t>
             </a:r>
             <a:r>
-              <a:rPr lang="pt-PT" sz="6000" dirty="0" err="1" smtClean="0"/>
+              <a:rPr lang="pt-PT" sz="6000" dirty="0" err="1"/>
               <a:t>derived</a:t>
             </a:r>
             <a:r>
-              <a:rPr lang="pt-PT" sz="6000" dirty="0" smtClean="0"/>
+              <a:rPr lang="pt-PT" sz="6000" dirty="0"/>
               <a:t> data</a:t>
             </a:r>
-            <a:endParaRPr lang="pt-PT" sz="6000" dirty="0"/>
           </a:p>
         </p:txBody>
       </p:sp>
     </p:spTree>
     <p:extLst>
       <p:ext uri="{BB962C8B-B14F-4D97-AF65-F5344CB8AC3E}">
-        <p14:creationId xmlns:p14="http://schemas.microsoft.com/office/powerpoint/2010/main" xmlns="" val="627357321"/>
+        <p14:creationId xmlns:p14="http://schemas.microsoft.com/office/powerpoint/2010/main" val="627357321"/>
       </p:ext>
     </p:extLst>
   </p:cSld>
   <p:clrMapOvr>
     <a:masterClrMapping/>
   </p:clrMapOvr>
-  <p:timing>
-    <p:tnLst>
-      <p:par>
-        <p:cTn id="1" dur="indefinite" restart="never" nodeType="tmRoot"/>
-      </p:par>
-    </p:tnLst>
-  </p:timing>
 </p:sld>
 </file>
 
@@ -6434,7 +6517,7 @@
           <a:lstStyle/>
           <a:p>
             <a:r>
-              <a:rPr lang="en-US" dirty="0" smtClean="0"/>
+              <a:rPr lang="en-US" dirty="0"/>
               <a:t>Selected data</a:t>
             </a:r>
             <a:endParaRPr lang="pt-PT" dirty="0"/>
@@ -6464,7 +6547,7 @@
           <a:lstStyle/>
           <a:p>
             <a:r>
-              <a:rPr lang="en-US" sz="4000" dirty="0" smtClean="0"/>
+              <a:rPr lang="en-US" sz="4000" dirty="0"/>
               <a:t>Data description</a:t>
             </a:r>
           </a:p>
@@ -6514,7 +6597,7 @@
               <a:t>, </a:t>
             </a:r>
             <a:r>
-              <a:rPr lang="en-GB" sz="2400" dirty="0" smtClean="0">
+              <a:rPr lang="en-GB" sz="2400" dirty="0">
                 <a:solidFill>
                   <a:schemeClr val="tx1"/>
                 </a:solidFill>
@@ -6594,7 +6677,7 @@
               <a:t>, </a:t>
             </a:r>
             <a:r>
-              <a:rPr lang="en-GB" sz="2400" dirty="0" smtClean="0">
+              <a:rPr lang="en-GB" sz="2400" dirty="0">
                 <a:solidFill>
                   <a:schemeClr val="tx1"/>
                 </a:solidFill>
@@ -6602,7 +6685,7 @@
               <a:t>Total Graduates</a:t>
             </a:r>
             <a:r>
-              <a:rPr lang="en-GB" sz="2400" b="0" dirty="0" smtClean="0">
+              <a:rPr lang="en-GB" sz="2400" b="0" dirty="0">
                 <a:solidFill>
                   <a:schemeClr val="tx1"/>
                 </a:solidFill>
@@ -6615,34 +6698,10 @@
                   <a:schemeClr val="tx1"/>
                 </a:solidFill>
               </a:rPr>
-              <a:t>Course Area </a:t>
-            </a:r>
-            <a:r>
-              <a:rPr lang="en-GB" sz="2400" dirty="0" smtClean="0">
-                <a:solidFill>
-                  <a:schemeClr val="tx1"/>
-                </a:solidFill>
-              </a:rPr>
-              <a:t>Code, Course </a:t>
-            </a:r>
-            <a:r>
-              <a:rPr lang="en-GB" sz="2400" dirty="0">
-                <a:solidFill>
-                  <a:schemeClr val="tx1"/>
-                </a:solidFill>
-              </a:rPr>
-              <a:t>Area </a:t>
-            </a:r>
-            <a:r>
-              <a:rPr lang="en-GB" sz="2400" dirty="0" smtClean="0">
-                <a:solidFill>
-                  <a:schemeClr val="tx1"/>
-                </a:solidFill>
-              </a:rPr>
-              <a:t>Name </a:t>
-            </a:r>
-            <a:r>
-              <a:rPr lang="en-GB" sz="2400" b="0" dirty="0" smtClean="0">
+              <a:t>Course Area Code, Course Area Name </a:t>
+            </a:r>
+            <a:r>
+              <a:rPr lang="en-GB" sz="2400" b="0" dirty="0">
                 <a:solidFill>
                   <a:schemeClr val="tx1"/>
                 </a:solidFill>
@@ -6650,7 +6709,7 @@
               <a:t>and</a:t>
             </a:r>
             <a:r>
-              <a:rPr lang="en-GB" sz="2400" dirty="0" smtClean="0">
+              <a:rPr lang="en-GB" sz="2400" dirty="0">
                 <a:solidFill>
                   <a:schemeClr val="tx1"/>
                 </a:solidFill>
@@ -6677,7 +6736,7 @@
           <a:blip r:embed="rId3" cstate="print">
             <a:extLst>
               <a:ext uri="{28A0092B-C50C-407E-A947-70E740481C1C}">
-                <a14:useLocalDpi xmlns:a14="http://schemas.microsoft.com/office/drawing/2010/main" xmlns="" val="0"/>
+                <a14:useLocalDpi xmlns:a14="http://schemas.microsoft.com/office/drawing/2010/main" val="0"/>
               </a:ext>
             </a:extLst>
           </a:blip>
@@ -6697,7 +6756,7 @@
           <a:noFill/>
           <a:extLst>
             <a:ext uri="{909E8E84-426E-40DD-AFC4-6F175D3DCCD1}">
-              <a14:hiddenFill xmlns:a14="http://schemas.microsoft.com/office/drawing/2010/main" xmlns="">
+              <a14:hiddenFill xmlns:a14="http://schemas.microsoft.com/office/drawing/2010/main">
                 <a:solidFill>
                   <a:srgbClr val="FFFFFF"/>
                 </a:solidFill>
@@ -6745,11 +6804,7 @@
             </a:r>
             <a:r>
               <a:rPr lang="en-GB" sz="2400" dirty="0"/>
-              <a:t>but top level has many roots “it is a forest of trees”, the image at right summarize the idea (Leaves are the courses</a:t>
-            </a:r>
-            <a:r>
-              <a:rPr lang="en-GB" sz="2400" dirty="0" smtClean="0"/>
-              <a:t>)</a:t>
+              <a:t>but top level has many roots “it is a forest of trees”, the image at right summarize the idea (Leaves are the courses)</a:t>
             </a:r>
             <a:endParaRPr lang="en-US" sz="2400" dirty="0"/>
           </a:p>
@@ -6758,20 +6813,13 @@
     </p:spTree>
     <p:extLst>
       <p:ext uri="{BB962C8B-B14F-4D97-AF65-F5344CB8AC3E}">
-        <p14:creationId xmlns:p14="http://schemas.microsoft.com/office/powerpoint/2010/main" xmlns="" val="2962997025"/>
+        <p14:creationId xmlns:p14="http://schemas.microsoft.com/office/powerpoint/2010/main" val="2962997025"/>
       </p:ext>
     </p:extLst>
   </p:cSld>
   <p:clrMapOvr>
     <a:masterClrMapping/>
   </p:clrMapOvr>
-  <p:timing>
-    <p:tnLst>
-      <p:par>
-        <p:cTn id="1" dur="indefinite" restart="never" nodeType="tmRoot"/>
-      </p:par>
-    </p:tnLst>
-  </p:timing>
 </p:sld>
 </file>
 
@@ -6808,7 +6856,7 @@
           <a:lstStyle/>
           <a:p>
             <a:r>
-              <a:rPr lang="en-US" dirty="0" smtClean="0"/>
+              <a:rPr lang="en-US" dirty="0"/>
               <a:t>Derived data</a:t>
             </a:r>
             <a:endParaRPr lang="pt-PT" dirty="0"/>
@@ -6833,7 +6881,7 @@
           <a:lstStyle/>
           <a:p>
             <a:r>
-              <a:rPr lang="en-US" sz="4000" dirty="0" smtClean="0"/>
+              <a:rPr lang="en-US" sz="4000" dirty="0"/>
               <a:t>Derived data description</a:t>
             </a:r>
           </a:p>
@@ -6844,15 +6892,7 @@
                   <a:schemeClr val="tx1"/>
                 </a:solidFill>
               </a:rPr>
-              <a:t>We calculated the following derived measures for each year</a:t>
-            </a:r>
-            <a:r>
-              <a:rPr lang="en-GB" sz="2400" b="0" dirty="0" smtClean="0">
-                <a:solidFill>
-                  <a:schemeClr val="tx1"/>
-                </a:solidFill>
-              </a:rPr>
-              <a:t>:</a:t>
+              <a:t>We calculated the following derived measures for each year:</a:t>
             </a:r>
             <a:endParaRPr lang="pt-PT" sz="2400" b="0" dirty="0">
               <a:solidFill>
@@ -6871,25 +6911,17 @@
                   <a:schemeClr val="tx1"/>
                 </a:solidFill>
               </a:rPr>
-              <a:t>% Unemployment By </a:t>
-            </a:r>
-            <a:r>
-              <a:rPr lang="en-GB" sz="2400" dirty="0" smtClean="0">
-                <a:solidFill>
-                  <a:schemeClr val="tx1"/>
-                </a:solidFill>
-              </a:rPr>
-              <a:t>Course </a:t>
-            </a:r>
-            <a:r>
-              <a:rPr lang="en-GB" sz="2400" b="0" dirty="0" smtClean="0">
+              <a:t>% Unemployment By Course </a:t>
+            </a:r>
+            <a:r>
+              <a:rPr lang="en-GB" sz="2400" b="0" dirty="0">
                 <a:solidFill>
                   <a:schemeClr val="tx1"/>
                 </a:solidFill>
               </a:rPr>
               <a:t>for each year</a:t>
             </a:r>
-            <a:endParaRPr lang="en-GB" sz="2400" dirty="0" smtClean="0">
+            <a:endParaRPr lang="en-GB" sz="2400" dirty="0">
               <a:solidFill>
                 <a:schemeClr val="tx1"/>
               </a:solidFill>
@@ -6898,12 +6930,23 @@
           <a:p>
             <a:pPr marL="0" lvl="0" indent="0"/>
             <a:r>
-              <a:rPr lang="en-GB" sz="2400" b="0" dirty="0" smtClean="0">
+              <a:rPr lang="en-GB" sz="2400" b="0" dirty="0">
                 <a:solidFill>
                   <a:schemeClr val="tx1"/>
                 </a:solidFill>
               </a:rPr>
-              <a:t>(100 </a:t>
+              <a:t>(100 * Total Unemployed of Course/ Total Graduates of Course)</a:t>
+            </a:r>
+          </a:p>
+          <a:p>
+            <a:pPr marL="0" lvl="0" indent="0"/>
+            <a:r>
+              <a:rPr lang="en-GB" sz="2400" dirty="0">
+                <a:solidFill>
+                  <a:schemeClr val="tx1"/>
+                </a:solidFill>
+              </a:rPr>
+              <a:t>Task 1:</a:t>
             </a:r>
             <a:r>
               <a:rPr lang="en-GB" sz="2400" b="0" dirty="0">
@@ -6911,85 +6954,26 @@
                   <a:schemeClr val="tx1"/>
                 </a:solidFill>
               </a:rPr>
-              <a:t>* Total Unemployed of Course/ Total Graduates of </a:t>
-            </a:r>
-            <a:r>
-              <a:rPr lang="en-GB" sz="2400" b="0" dirty="0" smtClean="0">
+              <a:t> Compare the unemployment (%) of different courses (regardless of course conclusion year of the graduates)</a:t>
+            </a:r>
+          </a:p>
+          <a:p>
+            <a:pPr marL="0" lvl="0" indent="0"/>
+            <a:r>
+              <a:rPr lang="en-GB" sz="2400" dirty="0">
                 <a:solidFill>
                   <a:schemeClr val="tx1"/>
                 </a:solidFill>
               </a:rPr>
-              <a:t>Course)</a:t>
-            </a:r>
-          </a:p>
-          <a:p>
-            <a:pPr marL="0" lvl="0" indent="0"/>
-            <a:r>
-              <a:rPr lang="en-GB" sz="2400" dirty="0" smtClean="0">
+              <a:t>Task 2: </a:t>
+            </a:r>
+            <a:r>
+              <a:rPr lang="en-GB" sz="2400" b="0" dirty="0">
                 <a:solidFill>
                   <a:schemeClr val="tx1"/>
                 </a:solidFill>
               </a:rPr>
-              <a:t>Task </a:t>
-            </a:r>
-            <a:r>
-              <a:rPr lang="en-GB" sz="2400" dirty="0">
-                <a:solidFill>
-                  <a:schemeClr val="tx1"/>
-                </a:solidFill>
-              </a:rPr>
-              <a:t>1:</a:t>
-            </a:r>
-            <a:r>
-              <a:rPr lang="en-GB" sz="2400" b="0" dirty="0">
-                <a:solidFill>
-                  <a:schemeClr val="tx1"/>
-                </a:solidFill>
-              </a:rPr>
-              <a:t> Compare the unemployment (%) of different courses (regardless of course conclusion year of the </a:t>
-            </a:r>
-            <a:r>
-              <a:rPr lang="en-GB" sz="2400" b="0" dirty="0" smtClean="0">
-                <a:solidFill>
-                  <a:schemeClr val="tx1"/>
-                </a:solidFill>
-              </a:rPr>
-              <a:t>graduates)</a:t>
-            </a:r>
-          </a:p>
-          <a:p>
-            <a:pPr marL="0" lvl="0" indent="0"/>
-            <a:r>
-              <a:rPr lang="en-GB" sz="2400" dirty="0" smtClean="0">
-                <a:solidFill>
-                  <a:schemeClr val="tx1"/>
-                </a:solidFill>
-              </a:rPr>
-              <a:t>Task </a:t>
-            </a:r>
-            <a:r>
-              <a:rPr lang="en-GB" sz="2400" dirty="0">
-                <a:solidFill>
-                  <a:schemeClr val="tx1"/>
-                </a:solidFill>
-              </a:rPr>
-              <a:t>2: </a:t>
-            </a:r>
-            <a:r>
-              <a:rPr lang="en-GB" sz="2400" b="0" dirty="0">
-                <a:solidFill>
-                  <a:schemeClr val="tx1"/>
-                </a:solidFill>
-              </a:rPr>
-              <a:t>Present the information about unemployment (%) from a specific course graduates across </a:t>
-            </a:r>
-            <a:r>
-              <a:rPr lang="en-GB" sz="2400" b="0" dirty="0" smtClean="0">
-                <a:solidFill>
-                  <a:schemeClr val="tx1"/>
-                </a:solidFill>
-              </a:rPr>
-              <a:t>time</a:t>
+              <a:t>Present the information about unemployment (%) from a specific course graduates across time</a:t>
             </a:r>
             <a:endParaRPr lang="pt-PT" sz="2400" b="0" dirty="0">
               <a:solidFill>
@@ -7002,20 +6986,13 @@
     </p:spTree>
     <p:extLst>
       <p:ext uri="{BB962C8B-B14F-4D97-AF65-F5344CB8AC3E}">
-        <p14:creationId xmlns:p14="http://schemas.microsoft.com/office/powerpoint/2010/main" xmlns="" val="1783310095"/>
+        <p14:creationId xmlns:p14="http://schemas.microsoft.com/office/powerpoint/2010/main" val="1783310095"/>
       </p:ext>
     </p:extLst>
   </p:cSld>
   <p:clrMapOvr>
     <a:masterClrMapping/>
   </p:clrMapOvr>
-  <p:timing>
-    <p:tnLst>
-      <p:par>
-        <p:cTn id="1" dur="indefinite" restart="never" nodeType="tmRoot"/>
-      </p:par>
-    </p:tnLst>
-  </p:timing>
 </p:sld>
 </file>
 
@@ -7091,25 +7068,17 @@
                   <a:schemeClr val="tx1"/>
                 </a:solidFill>
               </a:rPr>
-              <a:t>% Unemployment by Each </a:t>
-            </a:r>
-            <a:r>
-              <a:rPr lang="en-GB" sz="2400" dirty="0" smtClean="0">
-                <a:solidFill>
-                  <a:schemeClr val="tx1"/>
-                </a:solidFill>
-              </a:rPr>
-              <a:t>University </a:t>
-            </a:r>
-            <a:r>
-              <a:rPr lang="en-GB" sz="2400" b="0" dirty="0" smtClean="0">
+              <a:t>% Unemployment by Each University </a:t>
+            </a:r>
+            <a:r>
+              <a:rPr lang="en-GB" sz="2400" b="0" dirty="0">
                 <a:solidFill>
                   <a:schemeClr val="tx1"/>
                 </a:solidFill>
               </a:rPr>
               <a:t>for each year</a:t>
             </a:r>
-            <a:endParaRPr lang="en-GB" sz="2400" dirty="0" smtClean="0">
+            <a:endParaRPr lang="en-GB" sz="2400" dirty="0">
               <a:solidFill>
                 <a:schemeClr val="tx1"/>
               </a:solidFill>
@@ -7118,12 +7087,23 @@
           <a:p>
             <a:pPr marL="0" lvl="0" indent="0"/>
             <a:r>
-              <a:rPr lang="en-GB" sz="2400" b="0" dirty="0" smtClean="0">
+              <a:rPr lang="en-GB" sz="2400" b="0" dirty="0">
                 <a:solidFill>
                   <a:schemeClr val="tx1"/>
                 </a:solidFill>
               </a:rPr>
-              <a:t>(100 </a:t>
+              <a:t>(100 * Total Unemployed of University/ Total Graduates of University)</a:t>
+            </a:r>
+          </a:p>
+          <a:p>
+            <a:pPr marL="0" lvl="0" indent="0"/>
+            <a:r>
+              <a:rPr lang="en-GB" sz="2400" dirty="0">
+                <a:solidFill>
+                  <a:schemeClr val="tx1"/>
+                </a:solidFill>
+              </a:rPr>
+              <a:t>Task 3: </a:t>
             </a:r>
             <a:r>
               <a:rPr lang="en-GB" sz="2400" b="0" dirty="0">
@@ -7131,50 +7111,7 @@
                   <a:schemeClr val="tx1"/>
                 </a:solidFill>
               </a:rPr>
-              <a:t>* Total Unemployed of University/ Total Graduates of </a:t>
-            </a:r>
-            <a:r>
-              <a:rPr lang="en-GB" sz="2400" b="0" dirty="0" smtClean="0">
-                <a:solidFill>
-                  <a:schemeClr val="tx1"/>
-                </a:solidFill>
-              </a:rPr>
-              <a:t>University)</a:t>
-            </a:r>
-          </a:p>
-          <a:p>
-            <a:pPr marL="0" lvl="0" indent="0"/>
-            <a:r>
-              <a:rPr lang="en-GB" sz="2400" dirty="0" smtClean="0">
-                <a:solidFill>
-                  <a:schemeClr val="tx1"/>
-                </a:solidFill>
-              </a:rPr>
-              <a:t>Task </a:t>
-            </a:r>
-            <a:r>
-              <a:rPr lang="en-GB" sz="2400" dirty="0">
-                <a:solidFill>
-                  <a:schemeClr val="tx1"/>
-                </a:solidFill>
-              </a:rPr>
-              <a:t>3: </a:t>
-            </a:r>
-            <a:r>
-              <a:rPr lang="en-GB" sz="2400" b="0" dirty="0">
-                <a:solidFill>
-                  <a:schemeClr val="tx1"/>
-                </a:solidFill>
-              </a:rPr>
-              <a:t>Identify the university with more unemployment </a:t>
-            </a:r>
-            <a:r>
-              <a:rPr lang="en-GB" sz="2400" b="0" dirty="0" smtClean="0">
-                <a:solidFill>
-                  <a:schemeClr val="tx1"/>
-                </a:solidFill>
-              </a:rPr>
-              <a:t>(%)</a:t>
+              <a:t>Identify the university with more unemployment (%)</a:t>
             </a:r>
           </a:p>
           <a:p>
@@ -7199,14 +7136,14 @@
               <a:t>% Unemployment By Each Area Level </a:t>
             </a:r>
             <a:r>
-              <a:rPr lang="en-GB" sz="2400" b="0" dirty="0" smtClean="0">
+              <a:rPr lang="en-GB" sz="2400" b="0" dirty="0">
                 <a:solidFill>
                   <a:schemeClr val="tx1"/>
                 </a:solidFill>
               </a:rPr>
               <a:t>for each year</a:t>
             </a:r>
-            <a:endParaRPr lang="en-GB" sz="2400" dirty="0" smtClean="0">
+            <a:endParaRPr lang="en-GB" sz="2400" dirty="0">
               <a:solidFill>
                 <a:schemeClr val="tx1"/>
               </a:solidFill>
@@ -7215,12 +7152,23 @@
           <a:p>
             <a:pPr marL="0" lvl="0" indent="0"/>
             <a:r>
-              <a:rPr lang="en-GB" sz="2400" b="0" dirty="0" smtClean="0">
+              <a:rPr lang="en-GB" sz="2400" b="0" dirty="0">
                 <a:solidFill>
                   <a:schemeClr val="tx1"/>
                 </a:solidFill>
               </a:rPr>
-              <a:t>(</a:t>
+              <a:t>(100 * Total Unemployed of Area/ Total Graduates of Area)</a:t>
+            </a:r>
+          </a:p>
+          <a:p>
+            <a:pPr marL="0" lvl="0" indent="0"/>
+            <a:r>
+              <a:rPr lang="en-GB" sz="2400" dirty="0">
+                <a:solidFill>
+                  <a:schemeClr val="tx1"/>
+                </a:solidFill>
+              </a:rPr>
+              <a:t>Task 5:</a:t>
             </a:r>
             <a:r>
               <a:rPr lang="en-GB" sz="2400" b="0" dirty="0">
@@ -7228,50 +7176,7 @@
                   <a:schemeClr val="tx1"/>
                 </a:solidFill>
               </a:rPr>
-              <a:t>100 * Total Unemployed of Area/ Total Graduates of </a:t>
-            </a:r>
-            <a:r>
-              <a:rPr lang="en-GB" sz="2400" b="0" dirty="0" smtClean="0">
-                <a:solidFill>
-                  <a:schemeClr val="tx1"/>
-                </a:solidFill>
-              </a:rPr>
-              <a:t>Area)</a:t>
-            </a:r>
-          </a:p>
-          <a:p>
-            <a:pPr marL="0" lvl="0" indent="0"/>
-            <a:r>
-              <a:rPr lang="en-GB" sz="2400" dirty="0" smtClean="0">
-                <a:solidFill>
-                  <a:schemeClr val="tx1"/>
-                </a:solidFill>
-              </a:rPr>
-              <a:t>Task </a:t>
-            </a:r>
-            <a:r>
-              <a:rPr lang="en-GB" sz="2400" dirty="0">
-                <a:solidFill>
-                  <a:schemeClr val="tx1"/>
-                </a:solidFill>
-              </a:rPr>
-              <a:t>5:</a:t>
-            </a:r>
-            <a:r>
-              <a:rPr lang="en-GB" sz="2400" b="0" dirty="0">
-                <a:solidFill>
-                  <a:schemeClr val="tx1"/>
-                </a:solidFill>
-              </a:rPr>
-              <a:t> Summarize the employment/unemployment by graduation </a:t>
-            </a:r>
-            <a:r>
-              <a:rPr lang="en-GB" sz="2400" b="0" dirty="0" smtClean="0">
-                <a:solidFill>
-                  <a:schemeClr val="tx1"/>
-                </a:solidFill>
-              </a:rPr>
-              <a:t>areas</a:t>
+              <a:t> Summarize the employment/unemployment by graduation areas</a:t>
             </a:r>
             <a:endParaRPr lang="pt-PT" sz="2400" b="0" dirty="0">
               <a:solidFill>
@@ -7284,7 +7189,7 @@
     </p:spTree>
     <p:extLst>
       <p:ext uri="{BB962C8B-B14F-4D97-AF65-F5344CB8AC3E}">
-        <p14:creationId xmlns:p14="http://schemas.microsoft.com/office/powerpoint/2010/main" xmlns="" val="3374103308"/>
+        <p14:creationId xmlns:p14="http://schemas.microsoft.com/office/powerpoint/2010/main" val="3374103308"/>
       </p:ext>
     </p:extLst>
   </p:cSld>
@@ -7346,10 +7251,9 @@
           <a:lstStyle/>
           <a:p>
             <a:r>
-              <a:rPr lang="pt-PT" sz="16600" dirty="0" smtClean="0"/>
+              <a:rPr lang="pt-PT" sz="16600" dirty="0"/>
               <a:t>03</a:t>
             </a:r>
-            <a:endParaRPr lang="pt-PT" sz="16600" dirty="0"/>
           </a:p>
         </p:txBody>
       </p:sp>
@@ -7382,11 +7286,11 @@
           <a:p>
             <a:pPr marL="0" algn="r"/>
             <a:r>
-              <a:rPr lang="pt-PT" sz="6000" dirty="0" smtClean="0"/>
+              <a:rPr lang="pt-PT" sz="6000" dirty="0"/>
               <a:t>Data </a:t>
             </a:r>
             <a:r>
-              <a:rPr lang="pt-PT" sz="6000" dirty="0" err="1" smtClean="0"/>
+              <a:rPr lang="pt-PT" sz="6000" dirty="0" err="1"/>
               <a:t>abstraction</a:t>
             </a:r>
             <a:endParaRPr lang="pt-PT" sz="6000" dirty="0"/>
@@ -7396,20 +7300,13 @@
     </p:spTree>
     <p:extLst>
       <p:ext uri="{BB962C8B-B14F-4D97-AF65-F5344CB8AC3E}">
-        <p14:creationId xmlns:p14="http://schemas.microsoft.com/office/powerpoint/2010/main" xmlns="" val="760072998"/>
+        <p14:creationId xmlns:p14="http://schemas.microsoft.com/office/powerpoint/2010/main" val="760072998"/>
       </p:ext>
     </p:extLst>
   </p:cSld>
   <p:clrMapOvr>
     <a:masterClrMapping/>
   </p:clrMapOvr>
-  <p:timing>
-    <p:tnLst>
-      <p:par>
-        <p:cTn id="1" dur="indefinite" restart="never" nodeType="tmRoot"/>
-      </p:par>
-    </p:tnLst>
-  </p:timing>
 </p:sld>
 </file>
 

--- a/II-Checkpoint/II-Checkpoint Presentation.pptx
+++ b/II-Checkpoint/II-Checkpoint Presentation.pptx
@@ -131,7 +131,7 @@
   </p:defaultTextStyle>
   <p:extLst>
     <p:ext uri="{EFAFB233-063F-42B5-8137-9DF3F51BA10A}">
-      <p15:sldGuideLst xmlns:p15="http://schemas.microsoft.com/office/powerpoint/2012/main">
+      <p15:sldGuideLst xmlns:p15="http://schemas.microsoft.com/office/powerpoint/2012/main" xmlns="">
         <p15:guide id="1" orient="horz" pos="2160">
           <p15:clr>
             <a:srgbClr val="A4A3A4"/>
@@ -298,7 +298,7 @@
             <a:fld id="{C7B702CB-D988-47C5-8204-95032A6A7C26}" type="slidenum">
               <a:rPr lang="en-US" smtClean="0"/>
               <a:pPr/>
-              <a:t>‹nº›</a:t>
+              <a:t>‹#›</a:t>
             </a:fld>
             <a:endParaRPr lang="en-US" dirty="0"/>
           </a:p>
@@ -559,7 +559,7 @@
             <a:fld id="{F535F173-C1DD-4975-94BF-5B9ED67F7674}" type="slidenum">
               <a:rPr lang="en-US" smtClean="0"/>
               <a:pPr/>
-              <a:t>‹nº›</a:t>
+              <a:t>‹#›</a:t>
             </a:fld>
             <a:endParaRPr lang="en-US" dirty="0"/>
           </a:p>
@@ -2314,7 +2314,7 @@
             <a:fld id="{F3CC9924-33BC-4796-B0F9-D37DB5D899BF}" type="datetimeFigureOut">
               <a:rPr lang="pt-PT" smtClean="0"/>
               <a:pPr/>
-              <a:t>20/10/2016</a:t>
+              <a:t>20-10-2016</a:t>
             </a:fld>
             <a:endParaRPr lang="pt-PT"/>
           </a:p>
@@ -2373,7 +2373,7 @@
             <a:fld id="{B5EBF8D4-C87A-47B7-9996-84452461937B}" type="slidenum">
               <a:rPr lang="pt-PT" smtClean="0"/>
               <a:pPr/>
-              <a:t>‹nº›</a:t>
+              <a:t>‹#›</a:t>
             </a:fld>
             <a:endParaRPr lang="pt-PT"/>
           </a:p>
@@ -4048,6 +4048,10 @@
               <a:rPr lang="pt-PT" sz="4800" b="1" dirty="0" err="1"/>
               <a:t>Visualization</a:t>
             </a:r>
+            <a:r>
+              <a:rPr lang="pt-PT" sz="4800" b="1" dirty="0"/>
+              <a:t/>
+            </a:r>
             <a:br>
               <a:rPr lang="pt-PT" sz="4800" b="1" dirty="0"/>
             </a:br>
@@ -4388,15 +4392,37 @@
           <a:p>
             <a:r>
               <a:rPr lang="en-US" sz="3600" dirty="0"/>
-              <a:t>Description:</a:t>
-            </a:r>
+              <a:t>Description</a:t>
+            </a:r>
+            <a:r>
+              <a:rPr lang="en-US" sz="3600" dirty="0" smtClean="0"/>
+              <a:t>:</a:t>
+            </a:r>
+            <a:endParaRPr lang="en-US" sz="3200" dirty="0"/>
           </a:p>
           <a:p>
             <a:pPr lvl="1"/>
-            <a:r>
-              <a:rPr lang="en-US" sz="3200" dirty="0"/>
-              <a:t>2015.csv</a:t>
-            </a:r>
+            <a:endParaRPr lang="en-US" sz="3200" dirty="0" smtClean="0"/>
+          </a:p>
+          <a:p>
+            <a:pPr lvl="1"/>
+            <a:endParaRPr lang="en-US" sz="3200" dirty="0"/>
+          </a:p>
+          <a:p>
+            <a:pPr lvl="1"/>
+            <a:endParaRPr lang="en-US" sz="3200" dirty="0" smtClean="0"/>
+          </a:p>
+          <a:p>
+            <a:pPr lvl="1"/>
+            <a:endParaRPr lang="en-US" sz="3200" dirty="0" smtClean="0"/>
+          </a:p>
+          <a:p>
+            <a:pPr lvl="1"/>
+            <a:endParaRPr lang="en-US" sz="3200" dirty="0"/>
+          </a:p>
+          <a:p>
+            <a:pPr lvl="1"/>
+            <a:endParaRPr lang="en-US" sz="3200" dirty="0"/>
           </a:p>
           <a:p>
             <a:r>
@@ -4418,14 +4444,14 @@
       </p:sp>
       <p:pic>
         <p:nvPicPr>
-          <p:cNvPr id="4" name="Picture 2" descr="C:\Users\Mário\Dropbox\Capturas de tela\Screenshot 2016-10-20 19.14.36.png"/>
+          <p:cNvPr id="1026" name="Picture 2" descr="C:\Users\Mário\Dropbox\Capturas de tela\Screenshot 2016-10-20 22.26.39.png"/>
           <p:cNvPicPr>
             <a:picLocks noChangeAspect="1" noChangeArrowheads="1"/>
           </p:cNvPicPr>
           <p:nvPr/>
         </p:nvPicPr>
         <p:blipFill>
-          <a:blip r:embed="rId3" cstate="print">
+          <a:blip r:embed="rId3">
             <a:extLst>
               <a:ext uri="{28A0092B-C50C-407E-A947-70E740481C1C}">
                 <a14:useLocalDpi xmlns:a14="http://schemas.microsoft.com/office/drawing/2010/main" val="0"/>
@@ -4439,8 +4465,90 @@
         </p:blipFill>
         <p:spPr bwMode="auto">
           <a:xfrm>
-            <a:off x="3419872" y="3226930"/>
-            <a:ext cx="5164002" cy="3082389"/>
+            <a:off x="611560" y="1844824"/>
+            <a:ext cx="7056784" cy="1014483"/>
+          </a:xfrm>
+          <a:prstGeom prst="rect">
+            <a:avLst/>
+          </a:prstGeom>
+          <a:noFill/>
+          <a:extLst>
+            <a:ext uri="{909E8E84-426E-40DD-AFC4-6F175D3DCCD1}">
+              <a14:hiddenFill xmlns:a14="http://schemas.microsoft.com/office/drawing/2010/main">
+                <a:solidFill>
+                  <a:srgbClr val="FFFFFF"/>
+                </a:solidFill>
+              </a14:hiddenFill>
+            </a:ext>
+          </a:extLst>
+        </p:spPr>
+      </p:pic>
+      <p:pic>
+        <p:nvPicPr>
+          <p:cNvPr id="1027" name="Picture 3" descr="C:\Users\Mário\Dropbox\Capturas de tela\Screenshot 2016-10-20 22.26.45.png"/>
+          <p:cNvPicPr>
+            <a:picLocks noChangeAspect="1" noChangeArrowheads="1"/>
+          </p:cNvPicPr>
+          <p:nvPr/>
+        </p:nvPicPr>
+        <p:blipFill>
+          <a:blip r:embed="rId4">
+            <a:extLst>
+              <a:ext uri="{28A0092B-C50C-407E-A947-70E740481C1C}">
+                <a14:useLocalDpi xmlns:a14="http://schemas.microsoft.com/office/drawing/2010/main" val="0"/>
+              </a:ext>
+            </a:extLst>
+          </a:blip>
+          <a:srcRect/>
+          <a:stretch>
+            <a:fillRect/>
+          </a:stretch>
+        </p:blipFill>
+        <p:spPr bwMode="auto">
+          <a:xfrm>
+            <a:off x="611560" y="2996952"/>
+            <a:ext cx="7056784" cy="1004922"/>
+          </a:xfrm>
+          <a:prstGeom prst="rect">
+            <a:avLst/>
+          </a:prstGeom>
+          <a:noFill/>
+          <a:extLst>
+            <a:ext uri="{909E8E84-426E-40DD-AFC4-6F175D3DCCD1}">
+              <a14:hiddenFill xmlns:a14="http://schemas.microsoft.com/office/drawing/2010/main">
+                <a:solidFill>
+                  <a:srgbClr val="FFFFFF"/>
+                </a:solidFill>
+              </a14:hiddenFill>
+            </a:ext>
+          </a:extLst>
+        </p:spPr>
+      </p:pic>
+      <p:pic>
+        <p:nvPicPr>
+          <p:cNvPr id="1028" name="Picture 4" descr="C:\Users\Mário\Dropbox\Capturas de tela\Screenshot 2016-10-20 22.26.54.png"/>
+          <p:cNvPicPr>
+            <a:picLocks noChangeAspect="1" noChangeArrowheads="1"/>
+          </p:cNvPicPr>
+          <p:nvPr/>
+        </p:nvPicPr>
+        <p:blipFill>
+          <a:blip r:embed="rId5">
+            <a:extLst>
+              <a:ext uri="{28A0092B-C50C-407E-A947-70E740481C1C}">
+                <a14:useLocalDpi xmlns:a14="http://schemas.microsoft.com/office/drawing/2010/main" val="0"/>
+              </a:ext>
+            </a:extLst>
+          </a:blip>
+          <a:srcRect/>
+          <a:stretch>
+            <a:fillRect/>
+          </a:stretch>
+        </p:blipFill>
+        <p:spPr bwMode="auto">
+          <a:xfrm>
+            <a:off x="611560" y="4149080"/>
+            <a:ext cx="7056784" cy="1008908"/>
           </a:xfrm>
           <a:prstGeom prst="rect">
             <a:avLst/>
@@ -4467,6 +4575,13 @@
   <p:clrMapOvr>
     <a:masterClrMapping/>
   </p:clrMapOvr>
+  <p:timing>
+    <p:tnLst>
+      <p:par>
+        <p:cTn id="1" dur="indefinite" restart="never" nodeType="tmRoot"/>
+      </p:par>
+    </p:tnLst>
+  </p:timing>
 </p:sld>
 </file>
 
@@ -4678,6 +4793,13 @@
   <p:clrMapOvr>
     <a:masterClrMapping/>
   </p:clrMapOvr>
+  <p:timing>
+    <p:tnLst>
+      <p:par>
+        <p:cTn id="1" dur="indefinite" restart="never" nodeType="tmRoot"/>
+      </p:par>
+    </p:tnLst>
+  </p:timing>
 </p:sld>
 </file>
 
@@ -4778,21 +4900,16 @@
             </a:r>
             <a:r>
               <a:rPr lang="en-GB" dirty="0"/>
-              <a:t>– </a:t>
-            </a:r>
-            <a:r>
-              <a:rPr lang="en-GB" u="sng" dirty="0"/>
-              <a:t>{</a:t>
-            </a:r>
-            <a:r>
-              <a:rPr lang="en-GB" u="sng" dirty="0" err="1"/>
+              <a:t>– {</a:t>
+            </a:r>
+            <a:r>
+              <a:rPr lang="en-GB" dirty="0" err="1"/>
               <a:t>Ratio|Sequential</a:t>
             </a:r>
             <a:r>
-              <a:rPr lang="en-GB" u="sng" dirty="0"/>
+              <a:rPr lang="en-GB" dirty="0"/>
               <a:t>}</a:t>
             </a:r>
-            <a:endParaRPr lang="en-GB" dirty="0"/>
           </a:p>
           <a:p>
             <a:pPr lvl="1" algn="just"/>
@@ -4818,6 +4935,13 @@
   <p:clrMapOvr>
     <a:masterClrMapping/>
   </p:clrMapOvr>
+  <p:timing>
+    <p:tnLst>
+      <p:par>
+        <p:cTn id="1" dur="indefinite" restart="never" nodeType="tmRoot"/>
+      </p:par>
+    </p:tnLst>
+  </p:timing>
 </p:sld>
 </file>
 
@@ -4893,18 +5017,14 @@
             </a:r>
             <a:r>
               <a:rPr lang="en-GB" dirty="0"/>
-              <a:t>– </a:t>
-            </a:r>
-            <a:r>
-              <a:rPr lang="en-GB" u="sng" dirty="0"/>
-              <a:t>{</a:t>
-            </a:r>
-            <a:r>
-              <a:rPr lang="en-GB" u="sng" dirty="0" err="1"/>
+              <a:t>– {</a:t>
+            </a:r>
+            <a:r>
+              <a:rPr lang="en-GB" dirty="0" err="1"/>
               <a:t>Ratio|Sequential</a:t>
             </a:r>
             <a:r>
-              <a:rPr lang="en-GB" u="sng" dirty="0"/>
+              <a:rPr lang="en-GB" dirty="0"/>
               <a:t>}</a:t>
             </a:r>
           </a:p>
@@ -4938,18 +5058,10 @@
                   <a:schemeClr val="tx1"/>
                 </a:solidFill>
               </a:rPr>
-              <a:t>– </a:t>
-            </a:r>
-            <a:r>
-              <a:rPr lang="en-GB" b="0" u="sng" dirty="0">
-                <a:solidFill>
-                  <a:schemeClr val="tx1"/>
-                </a:solidFill>
-              </a:rPr>
-              <a:t>{</a:t>
-            </a:r>
-            <a:r>
-              <a:rPr lang="en-GB" b="0" u="sng" dirty="0" err="1">
+              <a:t>– {</a:t>
+            </a:r>
+            <a:r>
+              <a:rPr lang="en-GB" b="0" dirty="0" err="1">
                 <a:solidFill>
                   <a:schemeClr val="tx1"/>
                 </a:solidFill>
@@ -4957,7 +5069,7 @@
               <a:t>Nominal|Hierarchical</a:t>
             </a:r>
             <a:r>
-              <a:rPr lang="en-GB" b="0" u="sng" dirty="0">
+              <a:rPr lang="en-GB" b="0" dirty="0">
                 <a:solidFill>
                   <a:schemeClr val="tx1"/>
                 </a:solidFill>
@@ -4988,23 +5100,15 @@
             </a:r>
             <a:r>
               <a:rPr lang="en-GB" dirty="0"/>
-              <a:t>– </a:t>
-            </a:r>
-            <a:r>
-              <a:rPr lang="en-GB" u="sng" dirty="0"/>
-              <a:t>{</a:t>
-            </a:r>
-            <a:r>
-              <a:rPr lang="en-GB" u="sng" dirty="0" err="1"/>
+              <a:t>– {</a:t>
+            </a:r>
+            <a:r>
+              <a:rPr lang="en-GB" dirty="0" err="1"/>
               <a:t>Ratio|Sequential</a:t>
             </a:r>
             <a:r>
-              <a:rPr lang="en-GB" u="sng" dirty="0"/>
-              <a:t>}</a:t>
-            </a:r>
-            <a:r>
               <a:rPr lang="en-GB" dirty="0"/>
-              <a:t> </a:t>
+              <a:t>} </a:t>
             </a:r>
             <a:r>
               <a:rPr lang="en-GB" sz="2400" dirty="0"/>
@@ -5047,6 +5151,13 @@
   <p:clrMapOvr>
     <a:masterClrMapping/>
   </p:clrMapOvr>
+  <p:timing>
+    <p:tnLst>
+      <p:par>
+        <p:cTn id="1" dur="indefinite" restart="never" nodeType="tmRoot"/>
+      </p:par>
+    </p:tnLst>
+  </p:timing>
 </p:sld>
 </file>
 
@@ -5162,6 +5273,13 @@
   <p:clrMapOvr>
     <a:masterClrMapping/>
   </p:clrMapOvr>
+  <p:timing>
+    <p:tnLst>
+      <p:par>
+        <p:cTn id="1" dur="indefinite" restart="never" nodeType="tmRoot"/>
+      </p:par>
+    </p:tnLst>
+  </p:timing>
 </p:sld>
 </file>
 
@@ -5263,6 +5381,13 @@
   <p:clrMapOvr>
     <a:masterClrMapping/>
   </p:clrMapOvr>
+  <p:timing>
+    <p:tnLst>
+      <p:par>
+        <p:cTn id="1" dur="indefinite" restart="never" nodeType="tmRoot"/>
+      </p:par>
+    </p:tnLst>
+  </p:timing>
 </p:sld>
 </file>
 
@@ -7307,6 +7432,13 @@
   <p:clrMapOvr>
     <a:masterClrMapping/>
   </p:clrMapOvr>
+  <p:timing>
+    <p:tnLst>
+      <p:par>
+        <p:cTn id="1" dur="indefinite" restart="never" nodeType="tmRoot"/>
+      </p:par>
+    </p:tnLst>
+  </p:timing>
 </p:sld>
 </file>
 

--- a/II-Checkpoint/II-Checkpoint Presentation.pptx
+++ b/II-Checkpoint/II-Checkpoint Presentation.pptx
@@ -5,10 +5,10 @@
     <p:sldMasterId id="2147483648" r:id="rId1"/>
   </p:sldMasterIdLst>
   <p:notesMasterIdLst>
-    <p:notesMasterId r:id="rId22"/>
+    <p:notesMasterId r:id="rId23"/>
   </p:notesMasterIdLst>
   <p:handoutMasterIdLst>
-    <p:handoutMasterId r:id="rId23"/>
+    <p:handoutMasterId r:id="rId24"/>
   </p:handoutMasterIdLst>
   <p:sldIdLst>
     <p:sldId id="256" r:id="rId2"/>
@@ -31,6 +31,7 @@
     <p:sldId id="1112" r:id="rId19"/>
     <p:sldId id="1113" r:id="rId20"/>
     <p:sldId id="1115" r:id="rId21"/>
+    <p:sldId id="1116" r:id="rId22"/>
   </p:sldIdLst>
   <p:sldSz cx="9144000" cy="6858000" type="screen4x3"/>
   <p:notesSz cx="6858000" cy="9144000"/>
@@ -131,7 +132,7 @@
   </p:defaultTextStyle>
   <p:extLst>
     <p:ext uri="{EFAFB233-063F-42B5-8137-9DF3F51BA10A}">
-      <p15:sldGuideLst xmlns:p15="http://schemas.microsoft.com/office/powerpoint/2012/main" xmlns="">
+      <p15:sldGuideLst xmlns:p15="http://schemas.microsoft.com/office/powerpoint/2012/main">
         <p15:guide id="1" orient="horz" pos="2160">
           <p15:clr>
             <a:srgbClr val="A4A3A4"/>
@@ -298,7 +299,7 @@
             <a:fld id="{C7B702CB-D988-47C5-8204-95032A6A7C26}" type="slidenum">
               <a:rPr lang="en-US" smtClean="0"/>
               <a:pPr/>
-              <a:t>‹#›</a:t>
+              <a:t>‹nº›</a:t>
             </a:fld>
             <a:endParaRPr lang="en-US" dirty="0"/>
           </a:p>
@@ -559,7 +560,7 @@
             <a:fld id="{F535F173-C1DD-4975-94BF-5B9ED67F7674}" type="slidenum">
               <a:rPr lang="en-US" smtClean="0"/>
               <a:pPr/>
-              <a:t>‹#›</a:t>
+              <a:t>‹nº›</a:t>
             </a:fld>
             <a:endParaRPr lang="en-US" dirty="0"/>
           </a:p>
@@ -2314,7 +2315,7 @@
             <a:fld id="{F3CC9924-33BC-4796-B0F9-D37DB5D899BF}" type="datetimeFigureOut">
               <a:rPr lang="pt-PT" smtClean="0"/>
               <a:pPr/>
-              <a:t>20-10-2016</a:t>
+              <a:t>20/10/2016</a:t>
             </a:fld>
             <a:endParaRPr lang="pt-PT"/>
           </a:p>
@@ -2373,7 +2374,7 @@
             <a:fld id="{B5EBF8D4-C87A-47B7-9996-84452461937B}" type="slidenum">
               <a:rPr lang="pt-PT" smtClean="0"/>
               <a:pPr/>
-              <a:t>‹#›</a:t>
+              <a:t>‹nº›</a:t>
             </a:fld>
             <a:endParaRPr lang="pt-PT"/>
           </a:p>
@@ -4048,10 +4049,6 @@
               <a:rPr lang="pt-PT" sz="4800" b="1" dirty="0" err="1"/>
               <a:t>Visualization</a:t>
             </a:r>
-            <a:r>
-              <a:rPr lang="pt-PT" sz="4800" b="1" dirty="0"/>
-              <a:t/>
-            </a:r>
             <a:br>
               <a:rPr lang="pt-PT" sz="4800" b="1" dirty="0"/>
             </a:br>
@@ -4392,17 +4389,9 @@
           <a:p>
             <a:r>
               <a:rPr lang="en-US" sz="3600" dirty="0"/>
-              <a:t>Description</a:t>
-            </a:r>
-            <a:r>
-              <a:rPr lang="en-US" sz="3600" dirty="0" smtClean="0"/>
-              <a:t>:</a:t>
+              <a:t>Description:</a:t>
             </a:r>
             <a:endParaRPr lang="en-US" sz="3200" dirty="0"/>
-          </a:p>
-          <a:p>
-            <a:pPr lvl="1"/>
-            <a:endParaRPr lang="en-US" sz="3200" dirty="0" smtClean="0"/>
           </a:p>
           <a:p>
             <a:pPr lvl="1"/>
@@ -4410,11 +4399,15 @@
           </a:p>
           <a:p>
             <a:pPr lvl="1"/>
-            <a:endParaRPr lang="en-US" sz="3200" dirty="0" smtClean="0"/>
+            <a:endParaRPr lang="en-US" sz="3200" dirty="0"/>
           </a:p>
           <a:p>
             <a:pPr lvl="1"/>
-            <a:endParaRPr lang="en-US" sz="3200" dirty="0" smtClean="0"/>
+            <a:endParaRPr lang="en-US" sz="3200" dirty="0"/>
+          </a:p>
+          <a:p>
+            <a:pPr lvl="1"/>
+            <a:endParaRPr lang="en-US" sz="3200" dirty="0"/>
           </a:p>
           <a:p>
             <a:pPr lvl="1"/>
@@ -4575,13 +4568,6 @@
   <p:clrMapOvr>
     <a:masterClrMapping/>
   </p:clrMapOvr>
-  <p:timing>
-    <p:tnLst>
-      <p:par>
-        <p:cTn id="1" dur="indefinite" restart="never" nodeType="tmRoot"/>
-      </p:par>
-    </p:tnLst>
-  </p:timing>
 </p:sld>
 </file>
 
@@ -4793,13 +4779,6 @@
   <p:clrMapOvr>
     <a:masterClrMapping/>
   </p:clrMapOvr>
-  <p:timing>
-    <p:tnLst>
-      <p:par>
-        <p:cTn id="1" dur="indefinite" restart="never" nodeType="tmRoot"/>
-      </p:par>
-    </p:tnLst>
-  </p:timing>
 </p:sld>
 </file>
 
@@ -4935,13 +4914,6 @@
   <p:clrMapOvr>
     <a:masterClrMapping/>
   </p:clrMapOvr>
-  <p:timing>
-    <p:tnLst>
-      <p:par>
-        <p:cTn id="1" dur="indefinite" restart="never" nodeType="tmRoot"/>
-      </p:par>
-    </p:tnLst>
-  </p:timing>
 </p:sld>
 </file>
 
@@ -5151,13 +5123,6 @@
   <p:clrMapOvr>
     <a:masterClrMapping/>
   </p:clrMapOvr>
-  <p:timing>
-    <p:tnLst>
-      <p:par>
-        <p:cTn id="1" dur="indefinite" restart="never" nodeType="tmRoot"/>
-      </p:par>
-    </p:tnLst>
-  </p:timing>
 </p:sld>
 </file>
 
@@ -5273,13 +5238,6 @@
   <p:clrMapOvr>
     <a:masterClrMapping/>
   </p:clrMapOvr>
-  <p:timing>
-    <p:tnLst>
-      <p:par>
-        <p:cTn id="1" dur="indefinite" restart="never" nodeType="tmRoot"/>
-      </p:par>
-    </p:tnLst>
-  </p:timing>
 </p:sld>
 </file>
 
@@ -5381,13 +5339,6 @@
   <p:clrMapOvr>
     <a:masterClrMapping/>
   </p:clrMapOvr>
-  <p:timing>
-    <p:tnLst>
-      <p:par>
-        <p:cTn id="1" dur="indefinite" restart="never" nodeType="tmRoot"/>
-      </p:par>
-    </p:tnLst>
-  </p:timing>
 </p:sld>
 </file>
 
@@ -6076,6 +6027,83 @@
     <p:extLst>
       <p:ext uri="{BB962C8B-B14F-4D97-AF65-F5344CB8AC3E}">
         <p14:creationId xmlns:p14="http://schemas.microsoft.com/office/powerpoint/2010/main" val="2746702942"/>
+      </p:ext>
+    </p:extLst>
+  </p:cSld>
+  <p:clrMapOvr>
+    <a:masterClrMapping/>
+  </p:clrMapOvr>
+</p:sld>
+</file>
+
+<file path=ppt/slides/slide21.xml><?xml version="1.0" encoding="utf-8"?>
+<p:sld xmlns:a="http://schemas.openxmlformats.org/drawingml/2006/main" xmlns:r="http://schemas.openxmlformats.org/officeDocument/2006/relationships" xmlns:p="http://schemas.openxmlformats.org/presentationml/2006/main">
+  <p:cSld>
+    <p:spTree>
+      <p:nvGrpSpPr>
+        <p:cNvPr id="1" name=""/>
+        <p:cNvGrpSpPr/>
+        <p:nvPr/>
+      </p:nvGrpSpPr>
+      <p:grpSpPr>
+        <a:xfrm>
+          <a:off x="0" y="0"/>
+          <a:ext cx="0" cy="0"/>
+          <a:chOff x="0" y="0"/>
+          <a:chExt cx="0" cy="0"/>
+        </a:xfrm>
+      </p:grpSpPr>
+      <p:sp>
+        <p:nvSpPr>
+          <p:cNvPr id="2" name="Título 1"/>
+          <p:cNvSpPr>
+            <a:spLocks noGrp="1"/>
+          </p:cNvSpPr>
+          <p:nvPr>
+            <p:ph type="title"/>
+          </p:nvPr>
+        </p:nvSpPr>
+        <p:spPr/>
+        <p:txBody>
+          <a:bodyPr/>
+          <a:lstStyle/>
+          <a:p>
+            <a:r>
+              <a:rPr lang="pt-PT" dirty="0" err="1"/>
+              <a:t>Mapping</a:t>
+            </a:r>
+            <a:endParaRPr lang="pt-PT" dirty="0"/>
+          </a:p>
+        </p:txBody>
+      </p:sp>
+      <p:pic>
+        <p:nvPicPr>
+          <p:cNvPr id="4" name="Imagem 3"/>
+          <p:cNvPicPr>
+            <a:picLocks noChangeAspect="1"/>
+          </p:cNvPicPr>
+          <p:nvPr/>
+        </p:nvPicPr>
+        <p:blipFill>
+          <a:blip r:embed="rId2"/>
+          <a:stretch>
+            <a:fillRect/>
+          </a:stretch>
+        </p:blipFill>
+        <p:spPr>
+          <a:xfrm>
+            <a:off x="133350" y="2205037"/>
+            <a:ext cx="8877300" cy="2447925"/>
+          </a:xfrm>
+          <a:prstGeom prst="rect">
+            <a:avLst/>
+          </a:prstGeom>
+        </p:spPr>
+      </p:pic>
+    </p:spTree>
+    <p:extLst>
+      <p:ext uri="{BB962C8B-B14F-4D97-AF65-F5344CB8AC3E}">
+        <p14:creationId xmlns:p14="http://schemas.microsoft.com/office/powerpoint/2010/main" val="4010043503"/>
       </p:ext>
     </p:extLst>
   </p:cSld>
@@ -7432,13 +7460,6 @@
   <p:clrMapOvr>
     <a:masterClrMapping/>
   </p:clrMapOvr>
-  <p:timing>
-    <p:tnLst>
-      <p:par>
-        <p:cTn id="1" dur="indefinite" restart="never" nodeType="tmRoot"/>
-      </p:par>
-    </p:tnLst>
-  </p:timing>
 </p:sld>
 </file>
 

--- a/II-Checkpoint/II-Checkpoint Presentation.pptx
+++ b/II-Checkpoint/II-Checkpoint Presentation.pptx
@@ -132,7 +132,7 @@
   </p:defaultTextStyle>
   <p:extLst>
     <p:ext uri="{EFAFB233-063F-42B5-8137-9DF3F51BA10A}">
-      <p15:sldGuideLst xmlns:p15="http://schemas.microsoft.com/office/powerpoint/2012/main">
+      <p15:sldGuideLst xmlns:p15="http://schemas.microsoft.com/office/powerpoint/2012/main" xmlns="">
         <p15:guide id="1" orient="horz" pos="2160">
           <p15:clr>
             <a:srgbClr val="A4A3A4"/>
@@ -308,7 +308,7 @@
     </p:spTree>
     <p:extLst>
       <p:ext uri="{BB962C8B-B14F-4D97-AF65-F5344CB8AC3E}">
-        <p14:creationId xmlns:p14="http://schemas.microsoft.com/office/powerpoint/2010/main" val="642327091"/>
+        <p14:creationId xmlns:p14="http://schemas.microsoft.com/office/powerpoint/2010/main" xmlns="" val="642327091"/>
       </p:ext>
     </p:extLst>
   </p:cSld>
@@ -569,7 +569,7 @@
     </p:spTree>
     <p:extLst>
       <p:ext uri="{BB962C8B-B14F-4D97-AF65-F5344CB8AC3E}">
-        <p14:creationId xmlns:p14="http://schemas.microsoft.com/office/powerpoint/2010/main" val="929916762"/>
+        <p14:creationId xmlns:p14="http://schemas.microsoft.com/office/powerpoint/2010/main" xmlns="" val="929916762"/>
       </p:ext>
     </p:extLst>
   </p:cSld>
@@ -744,7 +744,7 @@
     </p:spTree>
     <p:extLst>
       <p:ext uri="{BB962C8B-B14F-4D97-AF65-F5344CB8AC3E}">
-        <p14:creationId xmlns:p14="http://schemas.microsoft.com/office/powerpoint/2010/main" val="1355792998"/>
+        <p14:creationId xmlns:p14="http://schemas.microsoft.com/office/powerpoint/2010/main" xmlns="" val="1355792998"/>
       </p:ext>
     </p:extLst>
   </p:cSld>
@@ -829,7 +829,7 @@
     </p:spTree>
     <p:extLst>
       <p:ext uri="{BB962C8B-B14F-4D97-AF65-F5344CB8AC3E}">
-        <p14:creationId xmlns:p14="http://schemas.microsoft.com/office/powerpoint/2010/main" val="1355792998"/>
+        <p14:creationId xmlns:p14="http://schemas.microsoft.com/office/powerpoint/2010/main" xmlns="" val="1355792998"/>
       </p:ext>
     </p:extLst>
   </p:cSld>
@@ -914,7 +914,7 @@
     </p:spTree>
     <p:extLst>
       <p:ext uri="{BB962C8B-B14F-4D97-AF65-F5344CB8AC3E}">
-        <p14:creationId xmlns:p14="http://schemas.microsoft.com/office/powerpoint/2010/main" val="3957564182"/>
+        <p14:creationId xmlns:p14="http://schemas.microsoft.com/office/powerpoint/2010/main" xmlns="" val="3957564182"/>
       </p:ext>
     </p:extLst>
   </p:cSld>
@@ -999,7 +999,7 @@
     </p:spTree>
     <p:extLst>
       <p:ext uri="{BB962C8B-B14F-4D97-AF65-F5344CB8AC3E}">
-        <p14:creationId xmlns:p14="http://schemas.microsoft.com/office/powerpoint/2010/main" val="3605716854"/>
+        <p14:creationId xmlns:p14="http://schemas.microsoft.com/office/powerpoint/2010/main" xmlns="" val="3605716854"/>
       </p:ext>
     </p:extLst>
   </p:cSld>
@@ -1084,7 +1084,7 @@
     </p:spTree>
     <p:extLst>
       <p:ext uri="{BB962C8B-B14F-4D97-AF65-F5344CB8AC3E}">
-        <p14:creationId xmlns:p14="http://schemas.microsoft.com/office/powerpoint/2010/main" val="633608717"/>
+        <p14:creationId xmlns:p14="http://schemas.microsoft.com/office/powerpoint/2010/main" xmlns="" val="633608717"/>
       </p:ext>
     </p:extLst>
   </p:cSld>
@@ -1218,7 +1218,7 @@
     </p:spTree>
     <p:extLst>
       <p:ext uri="{BB962C8B-B14F-4D97-AF65-F5344CB8AC3E}">
-        <p14:creationId xmlns:p14="http://schemas.microsoft.com/office/powerpoint/2010/main" val="2333951368"/>
+        <p14:creationId xmlns:p14="http://schemas.microsoft.com/office/powerpoint/2010/main" xmlns="" val="2333951368"/>
       </p:ext>
     </p:extLst>
   </p:cSld>
@@ -1303,7 +1303,7 @@
     </p:spTree>
     <p:extLst>
       <p:ext uri="{BB962C8B-B14F-4D97-AF65-F5344CB8AC3E}">
-        <p14:creationId xmlns:p14="http://schemas.microsoft.com/office/powerpoint/2010/main" val="1355792998"/>
+        <p14:creationId xmlns:p14="http://schemas.microsoft.com/office/powerpoint/2010/main" xmlns="" val="1355792998"/>
       </p:ext>
     </p:extLst>
   </p:cSld>
@@ -1388,7 +1388,7 @@
     </p:spTree>
     <p:extLst>
       <p:ext uri="{BB962C8B-B14F-4D97-AF65-F5344CB8AC3E}">
-        <p14:creationId xmlns:p14="http://schemas.microsoft.com/office/powerpoint/2010/main" val="1355792998"/>
+        <p14:creationId xmlns:p14="http://schemas.microsoft.com/office/powerpoint/2010/main" xmlns="" val="1355792998"/>
       </p:ext>
     </p:extLst>
   </p:cSld>
@@ -1473,7 +1473,7 @@
     </p:spTree>
     <p:extLst>
       <p:ext uri="{BB962C8B-B14F-4D97-AF65-F5344CB8AC3E}">
-        <p14:creationId xmlns:p14="http://schemas.microsoft.com/office/powerpoint/2010/main" val="1355792998"/>
+        <p14:creationId xmlns:p14="http://schemas.microsoft.com/office/powerpoint/2010/main" xmlns="" val="1355792998"/>
       </p:ext>
     </p:extLst>
   </p:cSld>
@@ -1558,7 +1558,7 @@
     </p:spTree>
     <p:extLst>
       <p:ext uri="{BB962C8B-B14F-4D97-AF65-F5344CB8AC3E}">
-        <p14:creationId xmlns:p14="http://schemas.microsoft.com/office/powerpoint/2010/main" val="1355792998"/>
+        <p14:creationId xmlns:p14="http://schemas.microsoft.com/office/powerpoint/2010/main" xmlns="" val="1355792998"/>
       </p:ext>
     </p:extLst>
   </p:cSld>
@@ -1643,7 +1643,7 @@
     </p:spTree>
     <p:extLst>
       <p:ext uri="{BB962C8B-B14F-4D97-AF65-F5344CB8AC3E}">
-        <p14:creationId xmlns:p14="http://schemas.microsoft.com/office/powerpoint/2010/main" val="1355792998"/>
+        <p14:creationId xmlns:p14="http://schemas.microsoft.com/office/powerpoint/2010/main" xmlns="" val="1355792998"/>
       </p:ext>
     </p:extLst>
   </p:cSld>
@@ -1728,7 +1728,7 @@
     </p:spTree>
     <p:extLst>
       <p:ext uri="{BB962C8B-B14F-4D97-AF65-F5344CB8AC3E}">
-        <p14:creationId xmlns:p14="http://schemas.microsoft.com/office/powerpoint/2010/main" val="1355792998"/>
+        <p14:creationId xmlns:p14="http://schemas.microsoft.com/office/powerpoint/2010/main" xmlns="" val="1355792998"/>
       </p:ext>
     </p:extLst>
   </p:cSld>
@@ -1813,7 +1813,7 @@
     </p:spTree>
     <p:extLst>
       <p:ext uri="{BB962C8B-B14F-4D97-AF65-F5344CB8AC3E}">
-        <p14:creationId xmlns:p14="http://schemas.microsoft.com/office/powerpoint/2010/main" val="1355792998"/>
+        <p14:creationId xmlns:p14="http://schemas.microsoft.com/office/powerpoint/2010/main" xmlns="" val="1355792998"/>
       </p:ext>
     </p:extLst>
   </p:cSld>
@@ -2315,7 +2315,7 @@
             <a:fld id="{F3CC9924-33BC-4796-B0F9-D37DB5D899BF}" type="datetimeFigureOut">
               <a:rPr lang="pt-PT" smtClean="0"/>
               <a:pPr/>
-              <a:t>20/10/2016</a:t>
+              <a:t>20-10-2016</a:t>
             </a:fld>
             <a:endParaRPr lang="pt-PT"/>
           </a:p>
@@ -4049,6 +4049,10 @@
               <a:rPr lang="pt-PT" sz="4800" b="1" dirty="0" err="1"/>
               <a:t>Visualization</a:t>
             </a:r>
+            <a:r>
+              <a:rPr lang="pt-PT" sz="4800" b="1" dirty="0"/>
+              <a:t/>
+            </a:r>
             <a:br>
               <a:rPr lang="pt-PT" sz="4800" b="1" dirty="0"/>
             </a:br>
@@ -4444,10 +4448,10 @@
           <p:nvPr/>
         </p:nvPicPr>
         <p:blipFill>
-          <a:blip r:embed="rId3">
+          <a:blip r:embed="rId3" cstate="print">
             <a:extLst>
               <a:ext uri="{28A0092B-C50C-407E-A947-70E740481C1C}">
-                <a14:useLocalDpi xmlns:a14="http://schemas.microsoft.com/office/drawing/2010/main" val="0"/>
+                <a14:useLocalDpi xmlns:a14="http://schemas.microsoft.com/office/drawing/2010/main" xmlns="" val="0"/>
               </a:ext>
             </a:extLst>
           </a:blip>
@@ -4467,7 +4471,7 @@
           <a:noFill/>
           <a:extLst>
             <a:ext uri="{909E8E84-426E-40DD-AFC4-6F175D3DCCD1}">
-              <a14:hiddenFill xmlns:a14="http://schemas.microsoft.com/office/drawing/2010/main">
+              <a14:hiddenFill xmlns:a14="http://schemas.microsoft.com/office/drawing/2010/main" xmlns="">
                 <a:solidFill>
                   <a:srgbClr val="FFFFFF"/>
                 </a:solidFill>
@@ -4485,10 +4489,10 @@
           <p:nvPr/>
         </p:nvPicPr>
         <p:blipFill>
-          <a:blip r:embed="rId4">
+          <a:blip r:embed="rId4" cstate="print">
             <a:extLst>
               <a:ext uri="{28A0092B-C50C-407E-A947-70E740481C1C}">
-                <a14:useLocalDpi xmlns:a14="http://schemas.microsoft.com/office/drawing/2010/main" val="0"/>
+                <a14:useLocalDpi xmlns:a14="http://schemas.microsoft.com/office/drawing/2010/main" xmlns="" val="0"/>
               </a:ext>
             </a:extLst>
           </a:blip>
@@ -4508,7 +4512,7 @@
           <a:noFill/>
           <a:extLst>
             <a:ext uri="{909E8E84-426E-40DD-AFC4-6F175D3DCCD1}">
-              <a14:hiddenFill xmlns:a14="http://schemas.microsoft.com/office/drawing/2010/main">
+              <a14:hiddenFill xmlns:a14="http://schemas.microsoft.com/office/drawing/2010/main" xmlns="">
                 <a:solidFill>
                   <a:srgbClr val="FFFFFF"/>
                 </a:solidFill>
@@ -4526,10 +4530,10 @@
           <p:nvPr/>
         </p:nvPicPr>
         <p:blipFill>
-          <a:blip r:embed="rId5">
+          <a:blip r:embed="rId5" cstate="print">
             <a:extLst>
               <a:ext uri="{28A0092B-C50C-407E-A947-70E740481C1C}">
-                <a14:useLocalDpi xmlns:a14="http://schemas.microsoft.com/office/drawing/2010/main" val="0"/>
+                <a14:useLocalDpi xmlns:a14="http://schemas.microsoft.com/office/drawing/2010/main" xmlns="" val="0"/>
               </a:ext>
             </a:extLst>
           </a:blip>
@@ -4549,7 +4553,7 @@
           <a:noFill/>
           <a:extLst>
             <a:ext uri="{909E8E84-426E-40DD-AFC4-6F175D3DCCD1}">
-              <a14:hiddenFill xmlns:a14="http://schemas.microsoft.com/office/drawing/2010/main">
+              <a14:hiddenFill xmlns:a14="http://schemas.microsoft.com/office/drawing/2010/main" xmlns="">
                 <a:solidFill>
                   <a:srgbClr val="FFFFFF"/>
                 </a:solidFill>
@@ -4561,7 +4565,7 @@
     </p:spTree>
     <p:extLst>
       <p:ext uri="{BB962C8B-B14F-4D97-AF65-F5344CB8AC3E}">
-        <p14:creationId xmlns:p14="http://schemas.microsoft.com/office/powerpoint/2010/main" val="1967416131"/>
+        <p14:creationId xmlns:p14="http://schemas.microsoft.com/office/powerpoint/2010/main" xmlns="" val="1967416131"/>
       </p:ext>
     </p:extLst>
   </p:cSld>
@@ -4646,9 +4650,14 @@
               <a:t> - {</a:t>
             </a:r>
             <a:r>
-              <a:rPr lang="en-GB" dirty="0"/>
-              <a:t>Continuous|Sequential}</a:t>
-            </a:r>
+              <a:rPr lang="en-GB" dirty="0" err="1" smtClean="0"/>
+              <a:t>Continuous|Sequential|Not</a:t>
+            </a:r>
+            <a:r>
+              <a:rPr lang="en-GB" dirty="0" smtClean="0"/>
+              <a:t> Hierarchical}</a:t>
+            </a:r>
+            <a:endParaRPr lang="en-GB" dirty="0"/>
           </a:p>
           <a:p>
             <a:pPr lvl="2" algn="just"/>
@@ -4688,7 +4697,31 @@
                   <a:schemeClr val="tx1"/>
                 </a:solidFill>
               </a:rPr>
-              <a:t>{Nominal}</a:t>
+              <a:t>{</a:t>
+            </a:r>
+            <a:r>
+              <a:rPr lang="en-GB" b="0" dirty="0" err="1" smtClean="0">
+                <a:solidFill>
+                  <a:schemeClr val="tx1"/>
+                </a:solidFill>
+              </a:rPr>
+              <a:t>Nominal|</a:t>
+            </a:r>
+            <a:r>
+              <a:rPr lang="en-GB" dirty="0" err="1" smtClean="0"/>
+              <a:t>Not</a:t>
+            </a:r>
+            <a:r>
+              <a:rPr lang="en-GB" dirty="0" smtClean="0"/>
+              <a:t> Hierarchical</a:t>
+            </a:r>
+            <a:r>
+              <a:rPr lang="en-GB" b="0" dirty="0" smtClean="0">
+                <a:solidFill>
+                  <a:schemeClr val="tx1"/>
+                </a:solidFill>
+              </a:rPr>
+              <a:t>}</a:t>
             </a:r>
             <a:endParaRPr lang="en-GB" dirty="0"/>
           </a:p>
@@ -4730,7 +4763,31 @@
                   <a:schemeClr val="tx1"/>
                 </a:solidFill>
               </a:rPr>
-              <a:t>– {Nominal} </a:t>
+              <a:t>– {</a:t>
+            </a:r>
+            <a:r>
+              <a:rPr lang="en-GB" b="0" dirty="0" err="1" smtClean="0">
+                <a:solidFill>
+                  <a:schemeClr val="tx1"/>
+                </a:solidFill>
+              </a:rPr>
+              <a:t>Nominal|</a:t>
+            </a:r>
+            <a:r>
+              <a:rPr lang="en-GB" dirty="0" err="1" smtClean="0"/>
+              <a:t>Not</a:t>
+            </a:r>
+            <a:r>
+              <a:rPr lang="en-GB" dirty="0" smtClean="0"/>
+              <a:t> Hierarchical</a:t>
+            </a:r>
+            <a:r>
+              <a:rPr lang="en-GB" b="0" dirty="0" smtClean="0">
+                <a:solidFill>
+                  <a:schemeClr val="tx1"/>
+                </a:solidFill>
+              </a:rPr>
+              <a:t>} </a:t>
             </a:r>
             <a:r>
               <a:rPr lang="en-GB" sz="2400" b="0" dirty="0">
@@ -4756,8 +4813,17 @@
             </a:r>
             <a:r>
               <a:rPr lang="en-GB" dirty="0"/>
-              <a:t>– {Nominal}</a:t>
-            </a:r>
+              <a:t>– {</a:t>
+            </a:r>
+            <a:r>
+              <a:rPr lang="en-GB" dirty="0" err="1" smtClean="0"/>
+              <a:t>Nominal|Not</a:t>
+            </a:r>
+            <a:r>
+              <a:rPr lang="en-GB" dirty="0" smtClean="0"/>
+              <a:t> Hierarchical}</a:t>
+            </a:r>
+            <a:endParaRPr lang="en-GB" dirty="0"/>
           </a:p>
           <a:p>
             <a:pPr lvl="1"/>
@@ -4772,7 +4838,7 @@
     </p:spTree>
     <p:extLst>
       <p:ext uri="{BB962C8B-B14F-4D97-AF65-F5344CB8AC3E}">
-        <p14:creationId xmlns:p14="http://schemas.microsoft.com/office/powerpoint/2010/main" val="1828594822"/>
+        <p14:creationId xmlns:p14="http://schemas.microsoft.com/office/powerpoint/2010/main" xmlns="" val="1828594822"/>
       </p:ext>
     </p:extLst>
   </p:cSld>
@@ -4854,8 +4920,17 @@
             </a:r>
             <a:r>
               <a:rPr lang="en-GB" dirty="0"/>
-              <a:t>– {Ratio|Sequential}</a:t>
-            </a:r>
+              <a:t>– {</a:t>
+            </a:r>
+            <a:r>
+              <a:rPr lang="en-GB" dirty="0" err="1" smtClean="0"/>
+              <a:t>Ratio|Sequential|Not</a:t>
+            </a:r>
+            <a:r>
+              <a:rPr lang="en-GB" dirty="0" smtClean="0"/>
+              <a:t> Hierarchical}</a:t>
+            </a:r>
+            <a:endParaRPr lang="en-GB" dirty="0"/>
           </a:p>
           <a:p>
             <a:pPr lvl="1" algn="just"/>
@@ -4882,13 +4957,14 @@
               <a:t>– {</a:t>
             </a:r>
             <a:r>
-              <a:rPr lang="en-GB" dirty="0" err="1"/>
-              <a:t>Ratio|Sequential</a:t>
-            </a:r>
-            <a:r>
-              <a:rPr lang="en-GB" dirty="0"/>
-              <a:t>}</a:t>
-            </a:r>
+              <a:rPr lang="en-GB" dirty="0" err="1" smtClean="0"/>
+              <a:t>Ratio|Sequential|Not</a:t>
+            </a:r>
+            <a:r>
+              <a:rPr lang="en-GB" dirty="0" smtClean="0"/>
+              <a:t> Hierarchical}</a:t>
+            </a:r>
+            <a:endParaRPr lang="en-GB" dirty="0"/>
           </a:p>
           <a:p>
             <a:pPr lvl="1" algn="just"/>
@@ -4907,7 +4983,7 @@
     </p:spTree>
     <p:extLst>
       <p:ext uri="{BB962C8B-B14F-4D97-AF65-F5344CB8AC3E}">
-        <p14:creationId xmlns:p14="http://schemas.microsoft.com/office/powerpoint/2010/main" val="3208609425"/>
+        <p14:creationId xmlns:p14="http://schemas.microsoft.com/office/powerpoint/2010/main" xmlns="" val="3208609425"/>
       </p:ext>
     </p:extLst>
   </p:cSld>
@@ -4985,20 +5061,25 @@
             </a:pPr>
             <a:r>
               <a:rPr lang="en-GB" b="1" dirty="0"/>
-              <a:t>% Unemployment by Course/Area Level/University </a:t>
-            </a:r>
-            <a:r>
-              <a:rPr lang="en-GB" dirty="0"/>
+              <a:t>% Unemployment by Course/Area </a:t>
+            </a:r>
+            <a:r>
+              <a:rPr lang="en-GB" b="1" dirty="0" smtClean="0"/>
+              <a:t>Level/University </a:t>
+            </a:r>
+            <a:r>
+              <a:rPr lang="en-GB" dirty="0" smtClean="0"/>
               <a:t>– {</a:t>
             </a:r>
             <a:r>
-              <a:rPr lang="en-GB" dirty="0" err="1"/>
-              <a:t>Ratio|Sequential</a:t>
-            </a:r>
-            <a:r>
-              <a:rPr lang="en-GB" dirty="0"/>
-              <a:t>}</a:t>
-            </a:r>
+              <a:rPr lang="en-GB" dirty="0" err="1" smtClean="0"/>
+              <a:t>Ratio|Sequential|Not</a:t>
+            </a:r>
+            <a:r>
+              <a:rPr lang="en-GB" dirty="0" smtClean="0"/>
+              <a:t> Hierarchical}</a:t>
+            </a:r>
+            <a:endParaRPr lang="en-GB" dirty="0"/>
           </a:p>
           <a:p>
             <a:pPr lvl="1" algn="just"/>
@@ -5033,7 +5114,7 @@
               <a:t>– {</a:t>
             </a:r>
             <a:r>
-              <a:rPr lang="en-GB" b="0" dirty="0" err="1">
+              <a:rPr lang="en-GB" b="0" dirty="0" err="1" smtClean="0">
                 <a:solidFill>
                   <a:schemeClr val="tx1"/>
                 </a:solidFill>
@@ -5041,7 +5122,7 @@
               <a:t>Nominal|Hierarchical</a:t>
             </a:r>
             <a:r>
-              <a:rPr lang="en-GB" b="0" dirty="0">
+              <a:rPr lang="en-GB" b="0" dirty="0" smtClean="0">
                 <a:solidFill>
                   <a:schemeClr val="tx1"/>
                 </a:solidFill>
@@ -5075,16 +5156,36 @@
               <a:t>– {</a:t>
             </a:r>
             <a:r>
-              <a:rPr lang="en-GB" dirty="0" err="1"/>
-              <a:t>Ratio|Sequential</a:t>
-            </a:r>
-            <a:r>
-              <a:rPr lang="en-GB" dirty="0"/>
+              <a:rPr lang="en-GB" dirty="0" err="1" smtClean="0"/>
+              <a:t>Ratio|Sequential|Not</a:t>
+            </a:r>
+            <a:r>
+              <a:rPr lang="en-GB" dirty="0" smtClean="0"/>
+              <a:t> </a:t>
+            </a:r>
+            <a:r>
+              <a:rPr lang="en-GB" dirty="0" smtClean="0"/>
+              <a:t>	Hierarchical</a:t>
+            </a:r>
+            <a:r>
+              <a:rPr lang="en-GB" dirty="0" smtClean="0"/>
               <a:t>} </a:t>
             </a:r>
             <a:r>
+              <a:rPr lang="en-GB" sz="2400" dirty="0" smtClean="0"/>
+              <a:t>Entry </a:t>
+            </a:r>
+            <a:r>
               <a:rPr lang="en-GB" sz="2400" dirty="0"/>
-              <a:t>Entry grade for 	the bachelors course</a:t>
+              <a:t>grade for </a:t>
+            </a:r>
+            <a:r>
+              <a:rPr lang="en-GB" sz="2400" dirty="0" smtClean="0"/>
+              <a:t>the </a:t>
+            </a:r>
+            <a:r>
+              <a:rPr lang="en-GB" sz="2400" dirty="0"/>
+              <a:t>bachelors course</a:t>
             </a:r>
             <a:endParaRPr lang="pt-PT" sz="2400" dirty="0"/>
           </a:p>
@@ -5116,7 +5217,7 @@
     </p:spTree>
     <p:extLst>
       <p:ext uri="{BB962C8B-B14F-4D97-AF65-F5344CB8AC3E}">
-        <p14:creationId xmlns:p14="http://schemas.microsoft.com/office/powerpoint/2010/main" val="4159594224"/>
+        <p14:creationId xmlns:p14="http://schemas.microsoft.com/office/powerpoint/2010/main" xmlns="" val="4159594224"/>
       </p:ext>
     </p:extLst>
   </p:cSld>
@@ -5231,7 +5332,7 @@
     </p:spTree>
     <p:extLst>
       <p:ext uri="{BB962C8B-B14F-4D97-AF65-F5344CB8AC3E}">
-        <p14:creationId xmlns:p14="http://schemas.microsoft.com/office/powerpoint/2010/main" val="4045494449"/>
+        <p14:creationId xmlns:p14="http://schemas.microsoft.com/office/powerpoint/2010/main" xmlns="" val="4045494449"/>
       </p:ext>
     </p:extLst>
   </p:cSld>
@@ -5332,7 +5433,7 @@
     </p:spTree>
     <p:extLst>
       <p:ext uri="{BB962C8B-B14F-4D97-AF65-F5344CB8AC3E}">
-        <p14:creationId xmlns:p14="http://schemas.microsoft.com/office/powerpoint/2010/main" val="3456915046"/>
+        <p14:creationId xmlns:p14="http://schemas.microsoft.com/office/powerpoint/2010/main" xmlns="" val="3456915046"/>
       </p:ext>
     </p:extLst>
   </p:cSld>
@@ -5454,7 +5555,7 @@
     </p:spTree>
     <p:extLst>
       <p:ext uri="{BB962C8B-B14F-4D97-AF65-F5344CB8AC3E}">
-        <p14:creationId xmlns:p14="http://schemas.microsoft.com/office/powerpoint/2010/main" val="2665434140"/>
+        <p14:creationId xmlns:p14="http://schemas.microsoft.com/office/powerpoint/2010/main" xmlns="" val="2665434140"/>
       </p:ext>
     </p:extLst>
   </p:cSld>
@@ -5561,7 +5662,7 @@
     </p:spTree>
     <p:extLst>
       <p:ext uri="{BB962C8B-B14F-4D97-AF65-F5344CB8AC3E}">
-        <p14:creationId xmlns:p14="http://schemas.microsoft.com/office/powerpoint/2010/main" val="2312607420"/>
+        <p14:creationId xmlns:p14="http://schemas.microsoft.com/office/powerpoint/2010/main" xmlns="" val="2312607420"/>
       </p:ext>
     </p:extLst>
   </p:cSld>
@@ -5675,7 +5776,7 @@
     </p:spTree>
     <p:extLst>
       <p:ext uri="{BB962C8B-B14F-4D97-AF65-F5344CB8AC3E}">
-        <p14:creationId xmlns:p14="http://schemas.microsoft.com/office/powerpoint/2010/main" val="2692713972"/>
+        <p14:creationId xmlns:p14="http://schemas.microsoft.com/office/powerpoint/2010/main" xmlns="" val="2692713972"/>
       </p:ext>
     </p:extLst>
   </p:cSld>
@@ -5815,7 +5916,7 @@
     </p:spTree>
     <p:extLst>
       <p:ext uri="{BB962C8B-B14F-4D97-AF65-F5344CB8AC3E}">
-        <p14:creationId xmlns:p14="http://schemas.microsoft.com/office/powerpoint/2010/main" val="4152584085"/>
+        <p14:creationId xmlns:p14="http://schemas.microsoft.com/office/powerpoint/2010/main" xmlns="" val="4152584085"/>
       </p:ext>
     </p:extLst>
   </p:cSld>
@@ -6026,7 +6127,7 @@
     </p:spTree>
     <p:extLst>
       <p:ext uri="{BB962C8B-B14F-4D97-AF65-F5344CB8AC3E}">
-        <p14:creationId xmlns:p14="http://schemas.microsoft.com/office/powerpoint/2010/main" val="2746702942"/>
+        <p14:creationId xmlns:p14="http://schemas.microsoft.com/office/powerpoint/2010/main" xmlns="" val="2746702942"/>
       </p:ext>
     </p:extLst>
   </p:cSld>
@@ -6085,7 +6186,7 @@
           <p:nvPr/>
         </p:nvPicPr>
         <p:blipFill>
-          <a:blip r:embed="rId2"/>
+          <a:blip r:embed="rId2" cstate="print"/>
           <a:stretch>
             <a:fillRect/>
           </a:stretch>
@@ -6103,7 +6204,7 @@
     </p:spTree>
     <p:extLst>
       <p:ext uri="{BB962C8B-B14F-4D97-AF65-F5344CB8AC3E}">
-        <p14:creationId xmlns:p14="http://schemas.microsoft.com/office/powerpoint/2010/main" val="4010043503"/>
+        <p14:creationId xmlns:p14="http://schemas.microsoft.com/office/powerpoint/2010/main" xmlns="" val="4010043503"/>
       </p:ext>
     </p:extLst>
   </p:cSld>
@@ -6223,7 +6324,7 @@
     </p:spTree>
     <p:extLst>
       <p:ext uri="{BB962C8B-B14F-4D97-AF65-F5344CB8AC3E}">
-        <p14:creationId xmlns:p14="http://schemas.microsoft.com/office/powerpoint/2010/main" val="4240120593"/>
+        <p14:creationId xmlns:p14="http://schemas.microsoft.com/office/powerpoint/2010/main" xmlns="" val="4240120593"/>
       </p:ext>
     </p:extLst>
   </p:cSld>
@@ -6509,7 +6610,7 @@
     </p:spTree>
     <p:extLst>
       <p:ext uri="{BB962C8B-B14F-4D97-AF65-F5344CB8AC3E}">
-        <p14:creationId xmlns:p14="http://schemas.microsoft.com/office/powerpoint/2010/main" val="1307573410"/>
+        <p14:creationId xmlns:p14="http://schemas.microsoft.com/office/powerpoint/2010/main" xmlns="" val="1307573410"/>
       </p:ext>
     </p:extLst>
   </p:cSld>
@@ -6627,7 +6728,7 @@
     </p:spTree>
     <p:extLst>
       <p:ext uri="{BB962C8B-B14F-4D97-AF65-F5344CB8AC3E}">
-        <p14:creationId xmlns:p14="http://schemas.microsoft.com/office/powerpoint/2010/main" val="627357321"/>
+        <p14:creationId xmlns:p14="http://schemas.microsoft.com/office/powerpoint/2010/main" xmlns="" val="627357321"/>
       </p:ext>
     </p:extLst>
   </p:cSld>
@@ -6889,7 +6990,7 @@
           <a:blip r:embed="rId3" cstate="print">
             <a:extLst>
               <a:ext uri="{28A0092B-C50C-407E-A947-70E740481C1C}">
-                <a14:useLocalDpi xmlns:a14="http://schemas.microsoft.com/office/drawing/2010/main" val="0"/>
+                <a14:useLocalDpi xmlns:a14="http://schemas.microsoft.com/office/drawing/2010/main" xmlns="" val="0"/>
               </a:ext>
             </a:extLst>
           </a:blip>
@@ -6909,7 +7010,7 @@
           <a:noFill/>
           <a:extLst>
             <a:ext uri="{909E8E84-426E-40DD-AFC4-6F175D3DCCD1}">
-              <a14:hiddenFill xmlns:a14="http://schemas.microsoft.com/office/drawing/2010/main">
+              <a14:hiddenFill xmlns:a14="http://schemas.microsoft.com/office/drawing/2010/main" xmlns="">
                 <a:solidFill>
                   <a:srgbClr val="FFFFFF"/>
                 </a:solidFill>
@@ -6966,7 +7067,7 @@
     </p:spTree>
     <p:extLst>
       <p:ext uri="{BB962C8B-B14F-4D97-AF65-F5344CB8AC3E}">
-        <p14:creationId xmlns:p14="http://schemas.microsoft.com/office/powerpoint/2010/main" val="2962997025"/>
+        <p14:creationId xmlns:p14="http://schemas.microsoft.com/office/powerpoint/2010/main" xmlns="" val="2962997025"/>
       </p:ext>
     </p:extLst>
   </p:cSld>
@@ -7139,7 +7240,7 @@
     </p:spTree>
     <p:extLst>
       <p:ext uri="{BB962C8B-B14F-4D97-AF65-F5344CB8AC3E}">
-        <p14:creationId xmlns:p14="http://schemas.microsoft.com/office/powerpoint/2010/main" val="1783310095"/>
+        <p14:creationId xmlns:p14="http://schemas.microsoft.com/office/powerpoint/2010/main" xmlns="" val="1783310095"/>
       </p:ext>
     </p:extLst>
   </p:cSld>
@@ -7342,7 +7443,7 @@
     </p:spTree>
     <p:extLst>
       <p:ext uri="{BB962C8B-B14F-4D97-AF65-F5344CB8AC3E}">
-        <p14:creationId xmlns:p14="http://schemas.microsoft.com/office/powerpoint/2010/main" val="3374103308"/>
+        <p14:creationId xmlns:p14="http://schemas.microsoft.com/office/powerpoint/2010/main" xmlns="" val="3374103308"/>
       </p:ext>
     </p:extLst>
   </p:cSld>
@@ -7453,7 +7554,7 @@
     </p:spTree>
     <p:extLst>
       <p:ext uri="{BB962C8B-B14F-4D97-AF65-F5344CB8AC3E}">
-        <p14:creationId xmlns:p14="http://schemas.microsoft.com/office/powerpoint/2010/main" val="760072998"/>
+        <p14:creationId xmlns:p14="http://schemas.microsoft.com/office/powerpoint/2010/main" xmlns="" val="760072998"/>
       </p:ext>
     </p:extLst>
   </p:cSld>

--- a/II-Checkpoint/II-Checkpoint Presentation.pptx
+++ b/II-Checkpoint/II-Checkpoint Presentation.pptx
@@ -132,7 +132,7 @@
   </p:defaultTextStyle>
   <p:extLst>
     <p:ext uri="{EFAFB233-063F-42B5-8137-9DF3F51BA10A}">
-      <p15:sldGuideLst xmlns:p15="http://schemas.microsoft.com/office/powerpoint/2012/main" xmlns="">
+      <p15:sldGuideLst xmlns:p15="http://schemas.microsoft.com/office/powerpoint/2012/main">
         <p15:guide id="1" orient="horz" pos="2160">
           <p15:clr>
             <a:srgbClr val="A4A3A4"/>
@@ -232,7 +232,7 @@
             <a:fld id="{745C36E7-9E00-462E-80A3-32F2BE615C7A}" type="datetimeFigureOut">
               <a:rPr lang="en-US" smtClean="0"/>
               <a:pPr/>
-              <a:t>10/20/2016</a:t>
+              <a:t>10/21/2016</a:t>
             </a:fld>
             <a:endParaRPr lang="en-US" dirty="0"/>
           </a:p>
@@ -308,7 +308,7 @@
     </p:spTree>
     <p:extLst>
       <p:ext uri="{BB962C8B-B14F-4D97-AF65-F5344CB8AC3E}">
-        <p14:creationId xmlns:p14="http://schemas.microsoft.com/office/powerpoint/2010/main" xmlns="" val="642327091"/>
+        <p14:creationId xmlns:p14="http://schemas.microsoft.com/office/powerpoint/2010/main" val="642327091"/>
       </p:ext>
     </p:extLst>
   </p:cSld>
@@ -399,7 +399,7 @@
             <a:fld id="{01F3E309-ED8D-4193-99AF-E5EA90965E98}" type="datetimeFigureOut">
               <a:rPr lang="en-US" smtClean="0"/>
               <a:pPr/>
-              <a:t>10/20/2016</a:t>
+              <a:t>10/21/2016</a:t>
             </a:fld>
             <a:endParaRPr lang="en-US" dirty="0"/>
           </a:p>
@@ -569,7 +569,7 @@
     </p:spTree>
     <p:extLst>
       <p:ext uri="{BB962C8B-B14F-4D97-AF65-F5344CB8AC3E}">
-        <p14:creationId xmlns:p14="http://schemas.microsoft.com/office/powerpoint/2010/main" xmlns="" val="929916762"/>
+        <p14:creationId xmlns:p14="http://schemas.microsoft.com/office/powerpoint/2010/main" val="929916762"/>
       </p:ext>
     </p:extLst>
   </p:cSld>
@@ -744,7 +744,7 @@
     </p:spTree>
     <p:extLst>
       <p:ext uri="{BB962C8B-B14F-4D97-AF65-F5344CB8AC3E}">
-        <p14:creationId xmlns:p14="http://schemas.microsoft.com/office/powerpoint/2010/main" xmlns="" val="1355792998"/>
+        <p14:creationId xmlns:p14="http://schemas.microsoft.com/office/powerpoint/2010/main" val="1355792998"/>
       </p:ext>
     </p:extLst>
   </p:cSld>
@@ -829,7 +829,7 @@
     </p:spTree>
     <p:extLst>
       <p:ext uri="{BB962C8B-B14F-4D97-AF65-F5344CB8AC3E}">
-        <p14:creationId xmlns:p14="http://schemas.microsoft.com/office/powerpoint/2010/main" xmlns="" val="1355792998"/>
+        <p14:creationId xmlns:p14="http://schemas.microsoft.com/office/powerpoint/2010/main" val="1355792998"/>
       </p:ext>
     </p:extLst>
   </p:cSld>
@@ -914,7 +914,7 @@
     </p:spTree>
     <p:extLst>
       <p:ext uri="{BB962C8B-B14F-4D97-AF65-F5344CB8AC3E}">
-        <p14:creationId xmlns:p14="http://schemas.microsoft.com/office/powerpoint/2010/main" xmlns="" val="3957564182"/>
+        <p14:creationId xmlns:p14="http://schemas.microsoft.com/office/powerpoint/2010/main" val="3957564182"/>
       </p:ext>
     </p:extLst>
   </p:cSld>
@@ -999,7 +999,7 @@
     </p:spTree>
     <p:extLst>
       <p:ext uri="{BB962C8B-B14F-4D97-AF65-F5344CB8AC3E}">
-        <p14:creationId xmlns:p14="http://schemas.microsoft.com/office/powerpoint/2010/main" xmlns="" val="3605716854"/>
+        <p14:creationId xmlns:p14="http://schemas.microsoft.com/office/powerpoint/2010/main" val="3605716854"/>
       </p:ext>
     </p:extLst>
   </p:cSld>
@@ -1084,7 +1084,7 @@
     </p:spTree>
     <p:extLst>
       <p:ext uri="{BB962C8B-B14F-4D97-AF65-F5344CB8AC3E}">
-        <p14:creationId xmlns:p14="http://schemas.microsoft.com/office/powerpoint/2010/main" xmlns="" val="633608717"/>
+        <p14:creationId xmlns:p14="http://schemas.microsoft.com/office/powerpoint/2010/main" val="633608717"/>
       </p:ext>
     </p:extLst>
   </p:cSld>
@@ -1218,7 +1218,7 @@
     </p:spTree>
     <p:extLst>
       <p:ext uri="{BB962C8B-B14F-4D97-AF65-F5344CB8AC3E}">
-        <p14:creationId xmlns:p14="http://schemas.microsoft.com/office/powerpoint/2010/main" xmlns="" val="2333951368"/>
+        <p14:creationId xmlns:p14="http://schemas.microsoft.com/office/powerpoint/2010/main" val="2333951368"/>
       </p:ext>
     </p:extLst>
   </p:cSld>
@@ -1303,7 +1303,7 @@
     </p:spTree>
     <p:extLst>
       <p:ext uri="{BB962C8B-B14F-4D97-AF65-F5344CB8AC3E}">
-        <p14:creationId xmlns:p14="http://schemas.microsoft.com/office/powerpoint/2010/main" xmlns="" val="1355792998"/>
+        <p14:creationId xmlns:p14="http://schemas.microsoft.com/office/powerpoint/2010/main" val="1355792998"/>
       </p:ext>
     </p:extLst>
   </p:cSld>
@@ -1388,7 +1388,7 @@
     </p:spTree>
     <p:extLst>
       <p:ext uri="{BB962C8B-B14F-4D97-AF65-F5344CB8AC3E}">
-        <p14:creationId xmlns:p14="http://schemas.microsoft.com/office/powerpoint/2010/main" xmlns="" val="1355792998"/>
+        <p14:creationId xmlns:p14="http://schemas.microsoft.com/office/powerpoint/2010/main" val="1355792998"/>
       </p:ext>
     </p:extLst>
   </p:cSld>
@@ -1473,7 +1473,7 @@
     </p:spTree>
     <p:extLst>
       <p:ext uri="{BB962C8B-B14F-4D97-AF65-F5344CB8AC3E}">
-        <p14:creationId xmlns:p14="http://schemas.microsoft.com/office/powerpoint/2010/main" xmlns="" val="1355792998"/>
+        <p14:creationId xmlns:p14="http://schemas.microsoft.com/office/powerpoint/2010/main" val="1355792998"/>
       </p:ext>
     </p:extLst>
   </p:cSld>
@@ -1558,7 +1558,7 @@
     </p:spTree>
     <p:extLst>
       <p:ext uri="{BB962C8B-B14F-4D97-AF65-F5344CB8AC3E}">
-        <p14:creationId xmlns:p14="http://schemas.microsoft.com/office/powerpoint/2010/main" xmlns="" val="1355792998"/>
+        <p14:creationId xmlns:p14="http://schemas.microsoft.com/office/powerpoint/2010/main" val="1355792998"/>
       </p:ext>
     </p:extLst>
   </p:cSld>
@@ -1643,7 +1643,7 @@
     </p:spTree>
     <p:extLst>
       <p:ext uri="{BB962C8B-B14F-4D97-AF65-F5344CB8AC3E}">
-        <p14:creationId xmlns:p14="http://schemas.microsoft.com/office/powerpoint/2010/main" xmlns="" val="1355792998"/>
+        <p14:creationId xmlns:p14="http://schemas.microsoft.com/office/powerpoint/2010/main" val="1355792998"/>
       </p:ext>
     </p:extLst>
   </p:cSld>
@@ -1728,7 +1728,7 @@
     </p:spTree>
     <p:extLst>
       <p:ext uri="{BB962C8B-B14F-4D97-AF65-F5344CB8AC3E}">
-        <p14:creationId xmlns:p14="http://schemas.microsoft.com/office/powerpoint/2010/main" xmlns="" val="1355792998"/>
+        <p14:creationId xmlns:p14="http://schemas.microsoft.com/office/powerpoint/2010/main" val="1355792998"/>
       </p:ext>
     </p:extLst>
   </p:cSld>
@@ -1813,7 +1813,7 @@
     </p:spTree>
     <p:extLst>
       <p:ext uri="{BB962C8B-B14F-4D97-AF65-F5344CB8AC3E}">
-        <p14:creationId xmlns:p14="http://schemas.microsoft.com/office/powerpoint/2010/main" xmlns="" val="1355792998"/>
+        <p14:creationId xmlns:p14="http://schemas.microsoft.com/office/powerpoint/2010/main" val="1355792998"/>
       </p:ext>
     </p:extLst>
   </p:cSld>
@@ -2315,7 +2315,7 @@
             <a:fld id="{F3CC9924-33BC-4796-B0F9-D37DB5D899BF}" type="datetimeFigureOut">
               <a:rPr lang="pt-PT" smtClean="0"/>
               <a:pPr/>
-              <a:t>20-10-2016</a:t>
+              <a:t>21/10/2016</a:t>
             </a:fld>
             <a:endParaRPr lang="pt-PT"/>
           </a:p>
@@ -4049,10 +4049,6 @@
               <a:rPr lang="pt-PT" sz="4800" b="1" dirty="0" err="1"/>
               <a:t>Visualization</a:t>
             </a:r>
-            <a:r>
-              <a:rPr lang="pt-PT" sz="4800" b="1" dirty="0"/>
-              <a:t/>
-            </a:r>
             <a:br>
               <a:rPr lang="pt-PT" sz="4800" b="1" dirty="0"/>
             </a:br>
@@ -4451,7 +4447,7 @@
           <a:blip r:embed="rId3" cstate="print">
             <a:extLst>
               <a:ext uri="{28A0092B-C50C-407E-A947-70E740481C1C}">
-                <a14:useLocalDpi xmlns:a14="http://schemas.microsoft.com/office/drawing/2010/main" xmlns="" val="0"/>
+                <a14:useLocalDpi xmlns:a14="http://schemas.microsoft.com/office/drawing/2010/main" val="0"/>
               </a:ext>
             </a:extLst>
           </a:blip>
@@ -4471,7 +4467,7 @@
           <a:noFill/>
           <a:extLst>
             <a:ext uri="{909E8E84-426E-40DD-AFC4-6F175D3DCCD1}">
-              <a14:hiddenFill xmlns:a14="http://schemas.microsoft.com/office/drawing/2010/main" xmlns="">
+              <a14:hiddenFill xmlns:a14="http://schemas.microsoft.com/office/drawing/2010/main">
                 <a:solidFill>
                   <a:srgbClr val="FFFFFF"/>
                 </a:solidFill>
@@ -4492,7 +4488,7 @@
           <a:blip r:embed="rId4" cstate="print">
             <a:extLst>
               <a:ext uri="{28A0092B-C50C-407E-A947-70E740481C1C}">
-                <a14:useLocalDpi xmlns:a14="http://schemas.microsoft.com/office/drawing/2010/main" xmlns="" val="0"/>
+                <a14:useLocalDpi xmlns:a14="http://schemas.microsoft.com/office/drawing/2010/main" val="0"/>
               </a:ext>
             </a:extLst>
           </a:blip>
@@ -4512,7 +4508,7 @@
           <a:noFill/>
           <a:extLst>
             <a:ext uri="{909E8E84-426E-40DD-AFC4-6F175D3DCCD1}">
-              <a14:hiddenFill xmlns:a14="http://schemas.microsoft.com/office/drawing/2010/main" xmlns="">
+              <a14:hiddenFill xmlns:a14="http://schemas.microsoft.com/office/drawing/2010/main">
                 <a:solidFill>
                   <a:srgbClr val="FFFFFF"/>
                 </a:solidFill>
@@ -4533,7 +4529,7 @@
           <a:blip r:embed="rId5" cstate="print">
             <a:extLst>
               <a:ext uri="{28A0092B-C50C-407E-A947-70E740481C1C}">
-                <a14:useLocalDpi xmlns:a14="http://schemas.microsoft.com/office/drawing/2010/main" xmlns="" val="0"/>
+                <a14:useLocalDpi xmlns:a14="http://schemas.microsoft.com/office/drawing/2010/main" val="0"/>
               </a:ext>
             </a:extLst>
           </a:blip>
@@ -4553,7 +4549,7 @@
           <a:noFill/>
           <a:extLst>
             <a:ext uri="{909E8E84-426E-40DD-AFC4-6F175D3DCCD1}">
-              <a14:hiddenFill xmlns:a14="http://schemas.microsoft.com/office/drawing/2010/main" xmlns="">
+              <a14:hiddenFill xmlns:a14="http://schemas.microsoft.com/office/drawing/2010/main">
                 <a:solidFill>
                   <a:srgbClr val="FFFFFF"/>
                 </a:solidFill>
@@ -4565,7 +4561,7 @@
     </p:spTree>
     <p:extLst>
       <p:ext uri="{BB962C8B-B14F-4D97-AF65-F5344CB8AC3E}">
-        <p14:creationId xmlns:p14="http://schemas.microsoft.com/office/powerpoint/2010/main" xmlns="" val="1967416131"/>
+        <p14:creationId xmlns:p14="http://schemas.microsoft.com/office/powerpoint/2010/main" val="1967416131"/>
       </p:ext>
     </p:extLst>
   </p:cSld>
@@ -4650,14 +4646,13 @@
               <a:t> - {</a:t>
             </a:r>
             <a:r>
-              <a:rPr lang="en-GB" dirty="0" err="1" smtClean="0"/>
+              <a:rPr lang="en-GB" dirty="0" err="1"/>
               <a:t>Continuous|Sequential|Not</a:t>
             </a:r>
             <a:r>
-              <a:rPr lang="en-GB" dirty="0" smtClean="0"/>
+              <a:rPr lang="en-GB" dirty="0"/>
               <a:t> Hierarchical}</a:t>
             </a:r>
-            <a:endParaRPr lang="en-GB" dirty="0"/>
           </a:p>
           <a:p>
             <a:pPr lvl="2" algn="just"/>
@@ -4700,7 +4695,7 @@
               <a:t>{</a:t>
             </a:r>
             <a:r>
-              <a:rPr lang="en-GB" b="0" dirty="0" err="1" smtClean="0">
+              <a:rPr lang="en-GB" b="0" dirty="0" err="1">
                 <a:solidFill>
                   <a:schemeClr val="tx1"/>
                 </a:solidFill>
@@ -4708,15 +4703,15 @@
               <a:t>Nominal|</a:t>
             </a:r>
             <a:r>
-              <a:rPr lang="en-GB" dirty="0" err="1" smtClean="0"/>
+              <a:rPr lang="en-GB" dirty="0" err="1"/>
               <a:t>Not</a:t>
             </a:r>
             <a:r>
-              <a:rPr lang="en-GB" dirty="0" smtClean="0"/>
+              <a:rPr lang="en-GB" dirty="0"/>
               <a:t> Hierarchical</a:t>
             </a:r>
             <a:r>
-              <a:rPr lang="en-GB" b="0" dirty="0" smtClean="0">
+              <a:rPr lang="en-GB" b="0" dirty="0">
                 <a:solidFill>
                   <a:schemeClr val="tx1"/>
                 </a:solidFill>
@@ -4766,7 +4761,7 @@
               <a:t>– {</a:t>
             </a:r>
             <a:r>
-              <a:rPr lang="en-GB" b="0" dirty="0" err="1" smtClean="0">
+              <a:rPr lang="en-GB" b="0" dirty="0" err="1">
                 <a:solidFill>
                   <a:schemeClr val="tx1"/>
                 </a:solidFill>
@@ -4774,15 +4769,15 @@
               <a:t>Nominal|</a:t>
             </a:r>
             <a:r>
-              <a:rPr lang="en-GB" dirty="0" err="1" smtClean="0"/>
+              <a:rPr lang="en-GB" dirty="0" err="1"/>
               <a:t>Not</a:t>
             </a:r>
             <a:r>
-              <a:rPr lang="en-GB" dirty="0" smtClean="0"/>
+              <a:rPr lang="en-GB" dirty="0"/>
               <a:t> Hierarchical</a:t>
             </a:r>
             <a:r>
-              <a:rPr lang="en-GB" b="0" dirty="0" smtClean="0">
+              <a:rPr lang="en-GB" b="0" dirty="0">
                 <a:solidFill>
                   <a:schemeClr val="tx1"/>
                 </a:solidFill>
@@ -4816,14 +4811,13 @@
               <a:t>– {</a:t>
             </a:r>
             <a:r>
-              <a:rPr lang="en-GB" dirty="0" err="1" smtClean="0"/>
+              <a:rPr lang="en-GB" dirty="0" err="1"/>
               <a:t>Nominal|Not</a:t>
             </a:r>
             <a:r>
-              <a:rPr lang="en-GB" dirty="0" smtClean="0"/>
+              <a:rPr lang="en-GB" dirty="0"/>
               <a:t> Hierarchical}</a:t>
             </a:r>
-            <a:endParaRPr lang="en-GB" dirty="0"/>
           </a:p>
           <a:p>
             <a:pPr lvl="1"/>
@@ -4838,7 +4832,7 @@
     </p:spTree>
     <p:extLst>
       <p:ext uri="{BB962C8B-B14F-4D97-AF65-F5344CB8AC3E}">
-        <p14:creationId xmlns:p14="http://schemas.microsoft.com/office/powerpoint/2010/main" xmlns="" val="1828594822"/>
+        <p14:creationId xmlns:p14="http://schemas.microsoft.com/office/powerpoint/2010/main" val="1828594822"/>
       </p:ext>
     </p:extLst>
   </p:cSld>
@@ -4923,14 +4917,13 @@
               <a:t>– {</a:t>
             </a:r>
             <a:r>
-              <a:rPr lang="en-GB" dirty="0" err="1" smtClean="0"/>
+              <a:rPr lang="en-GB" dirty="0" err="1"/>
               <a:t>Ratio|Sequential|Not</a:t>
             </a:r>
             <a:r>
-              <a:rPr lang="en-GB" dirty="0" smtClean="0"/>
+              <a:rPr lang="en-GB" dirty="0"/>
               <a:t> Hierarchical}</a:t>
             </a:r>
-            <a:endParaRPr lang="en-GB" dirty="0"/>
           </a:p>
           <a:p>
             <a:pPr lvl="1" algn="just"/>
@@ -4957,14 +4950,13 @@
               <a:t>– {</a:t>
             </a:r>
             <a:r>
-              <a:rPr lang="en-GB" dirty="0" err="1" smtClean="0"/>
+              <a:rPr lang="en-GB" dirty="0" err="1"/>
               <a:t>Ratio|Sequential|Not</a:t>
             </a:r>
             <a:r>
-              <a:rPr lang="en-GB" dirty="0" smtClean="0"/>
+              <a:rPr lang="en-GB" dirty="0"/>
               <a:t> Hierarchical}</a:t>
             </a:r>
-            <a:endParaRPr lang="en-GB" dirty="0"/>
           </a:p>
           <a:p>
             <a:pPr lvl="1" algn="just"/>
@@ -4983,7 +4975,7 @@
     </p:spTree>
     <p:extLst>
       <p:ext uri="{BB962C8B-B14F-4D97-AF65-F5344CB8AC3E}">
-        <p14:creationId xmlns:p14="http://schemas.microsoft.com/office/powerpoint/2010/main" xmlns="" val="3208609425"/>
+        <p14:creationId xmlns:p14="http://schemas.microsoft.com/office/powerpoint/2010/main" val="3208609425"/>
       </p:ext>
     </p:extLst>
   </p:cSld>
@@ -5061,25 +5053,20 @@
             </a:pPr>
             <a:r>
               <a:rPr lang="en-GB" b="1" dirty="0"/>
-              <a:t>% Unemployment by Course/Area </a:t>
-            </a:r>
-            <a:r>
-              <a:rPr lang="en-GB" b="1" dirty="0" smtClean="0"/>
-              <a:t>Level/University </a:t>
-            </a:r>
-            <a:r>
-              <a:rPr lang="en-GB" dirty="0" smtClean="0"/>
+              <a:t>% Unemployment by Course/Area Level/University </a:t>
+            </a:r>
+            <a:r>
+              <a:rPr lang="en-GB" dirty="0"/>
               <a:t>– {</a:t>
             </a:r>
             <a:r>
-              <a:rPr lang="en-GB" dirty="0" err="1" smtClean="0"/>
+              <a:rPr lang="en-GB" dirty="0" err="1"/>
               <a:t>Ratio|Sequential|Not</a:t>
             </a:r>
             <a:r>
-              <a:rPr lang="en-GB" dirty="0" smtClean="0"/>
+              <a:rPr lang="en-GB" dirty="0"/>
               <a:t> Hierarchical}</a:t>
             </a:r>
-            <a:endParaRPr lang="en-GB" dirty="0"/>
           </a:p>
           <a:p>
             <a:pPr lvl="1" algn="just"/>
@@ -5114,7 +5101,7 @@
               <a:t>– {</a:t>
             </a:r>
             <a:r>
-              <a:rPr lang="en-GB" b="0" dirty="0" err="1" smtClean="0">
+              <a:rPr lang="en-GB" b="0" dirty="0" err="1">
                 <a:solidFill>
                   <a:schemeClr val="tx1"/>
                 </a:solidFill>
@@ -5122,7 +5109,7 @@
               <a:t>Nominal|Hierarchical</a:t>
             </a:r>
             <a:r>
-              <a:rPr lang="en-GB" b="0" dirty="0" smtClean="0">
+              <a:rPr lang="en-GB" b="0" dirty="0">
                 <a:solidFill>
                   <a:schemeClr val="tx1"/>
                 </a:solidFill>
@@ -5156,36 +5143,16 @@
               <a:t>– {</a:t>
             </a:r>
             <a:r>
-              <a:rPr lang="en-GB" dirty="0" err="1" smtClean="0"/>
+              <a:rPr lang="en-GB" dirty="0" err="1"/>
               <a:t>Ratio|Sequential|Not</a:t>
             </a:r>
             <a:r>
-              <a:rPr lang="en-GB" dirty="0" smtClean="0"/>
-              <a:t> </a:t>
-            </a:r>
-            <a:r>
-              <a:rPr lang="en-GB" dirty="0" smtClean="0"/>
-              <a:t>	Hierarchical</a:t>
-            </a:r>
-            <a:r>
-              <a:rPr lang="en-GB" dirty="0" smtClean="0"/>
-              <a:t>} </a:t>
-            </a:r>
-            <a:r>
-              <a:rPr lang="en-GB" sz="2400" dirty="0" smtClean="0"/>
-              <a:t>Entry </a:t>
+              <a:rPr lang="en-GB" dirty="0"/>
+              <a:t> 	Hierarchical} </a:t>
             </a:r>
             <a:r>
               <a:rPr lang="en-GB" sz="2400" dirty="0"/>
-              <a:t>grade for </a:t>
-            </a:r>
-            <a:r>
-              <a:rPr lang="en-GB" sz="2400" dirty="0" smtClean="0"/>
-              <a:t>the </a:t>
-            </a:r>
-            <a:r>
-              <a:rPr lang="en-GB" sz="2400" dirty="0"/>
-              <a:t>bachelors course</a:t>
+              <a:t>Entry grade for the bachelors course</a:t>
             </a:r>
             <a:endParaRPr lang="pt-PT" sz="2400" dirty="0"/>
           </a:p>
@@ -5217,7 +5184,7 @@
     </p:spTree>
     <p:extLst>
       <p:ext uri="{BB962C8B-B14F-4D97-AF65-F5344CB8AC3E}">
-        <p14:creationId xmlns:p14="http://schemas.microsoft.com/office/powerpoint/2010/main" xmlns="" val="4159594224"/>
+        <p14:creationId xmlns:p14="http://schemas.microsoft.com/office/powerpoint/2010/main" val="4159594224"/>
       </p:ext>
     </p:extLst>
   </p:cSld>
@@ -5332,7 +5299,7 @@
     </p:spTree>
     <p:extLst>
       <p:ext uri="{BB962C8B-B14F-4D97-AF65-F5344CB8AC3E}">
-        <p14:creationId xmlns:p14="http://schemas.microsoft.com/office/powerpoint/2010/main" xmlns="" val="4045494449"/>
+        <p14:creationId xmlns:p14="http://schemas.microsoft.com/office/powerpoint/2010/main" val="4045494449"/>
       </p:ext>
     </p:extLst>
   </p:cSld>
@@ -5433,7 +5400,7 @@
     </p:spTree>
     <p:extLst>
       <p:ext uri="{BB962C8B-B14F-4D97-AF65-F5344CB8AC3E}">
-        <p14:creationId xmlns:p14="http://schemas.microsoft.com/office/powerpoint/2010/main" xmlns="" val="3456915046"/>
+        <p14:creationId xmlns:p14="http://schemas.microsoft.com/office/powerpoint/2010/main" val="3456915046"/>
       </p:ext>
     </p:extLst>
   </p:cSld>
@@ -5555,7 +5522,7 @@
     </p:spTree>
     <p:extLst>
       <p:ext uri="{BB962C8B-B14F-4D97-AF65-F5344CB8AC3E}">
-        <p14:creationId xmlns:p14="http://schemas.microsoft.com/office/powerpoint/2010/main" xmlns="" val="2665434140"/>
+        <p14:creationId xmlns:p14="http://schemas.microsoft.com/office/powerpoint/2010/main" val="2665434140"/>
       </p:ext>
     </p:extLst>
   </p:cSld>
@@ -5662,7 +5629,7 @@
     </p:spTree>
     <p:extLst>
       <p:ext uri="{BB962C8B-B14F-4D97-AF65-F5344CB8AC3E}">
-        <p14:creationId xmlns:p14="http://schemas.microsoft.com/office/powerpoint/2010/main" xmlns="" val="2312607420"/>
+        <p14:creationId xmlns:p14="http://schemas.microsoft.com/office/powerpoint/2010/main" val="2312607420"/>
       </p:ext>
     </p:extLst>
   </p:cSld>
@@ -5776,7 +5743,7 @@
     </p:spTree>
     <p:extLst>
       <p:ext uri="{BB962C8B-B14F-4D97-AF65-F5344CB8AC3E}">
-        <p14:creationId xmlns:p14="http://schemas.microsoft.com/office/powerpoint/2010/main" xmlns="" val="2692713972"/>
+        <p14:creationId xmlns:p14="http://schemas.microsoft.com/office/powerpoint/2010/main" val="2692713972"/>
       </p:ext>
     </p:extLst>
   </p:cSld>
@@ -5903,7 +5870,7 @@
                   <a:schemeClr val="tx1"/>
                 </a:solidFill>
               </a:rPr>
-              <a:t>EntryGrades2016.json (attributes: Grade, % 	Unemployment by Area)</a:t>
+              <a:t>EntryGrades2016.json (attributes: Grade, % 	Unemployment by Course)</a:t>
             </a:r>
             <a:endParaRPr lang="en-US" sz="2800" b="0" dirty="0">
               <a:solidFill>
@@ -5916,7 +5883,7 @@
     </p:spTree>
     <p:extLst>
       <p:ext uri="{BB962C8B-B14F-4D97-AF65-F5344CB8AC3E}">
-        <p14:creationId xmlns:p14="http://schemas.microsoft.com/office/powerpoint/2010/main" xmlns="" val="4152584085"/>
+        <p14:creationId xmlns:p14="http://schemas.microsoft.com/office/powerpoint/2010/main" val="4152584085"/>
       </p:ext>
     </p:extLst>
   </p:cSld>
@@ -6115,7 +6082,7 @@
             </a:r>
             <a:r>
               <a:rPr lang="en-GB" dirty="0"/>
-              <a:t>Areas20XX.json (attributes: Course Area Name, % Unemployment)</a:t>
+              <a:t>Areas20XX.json (attributes: Course Area Name, % Unemployment by Area)</a:t>
             </a:r>
             <a:endParaRPr lang="en-US" dirty="0"/>
           </a:p>
@@ -6127,7 +6094,7 @@
     </p:spTree>
     <p:extLst>
       <p:ext uri="{BB962C8B-B14F-4D97-AF65-F5344CB8AC3E}">
-        <p14:creationId xmlns:p14="http://schemas.microsoft.com/office/powerpoint/2010/main" xmlns="" val="2746702942"/>
+        <p14:creationId xmlns:p14="http://schemas.microsoft.com/office/powerpoint/2010/main" val="2746702942"/>
       </p:ext>
     </p:extLst>
   </p:cSld>
@@ -6204,7 +6171,7 @@
     </p:spTree>
     <p:extLst>
       <p:ext uri="{BB962C8B-B14F-4D97-AF65-F5344CB8AC3E}">
-        <p14:creationId xmlns:p14="http://schemas.microsoft.com/office/powerpoint/2010/main" xmlns="" val="4010043503"/>
+        <p14:creationId xmlns:p14="http://schemas.microsoft.com/office/powerpoint/2010/main" val="4010043503"/>
       </p:ext>
     </p:extLst>
   </p:cSld>
@@ -6324,7 +6291,7 @@
     </p:spTree>
     <p:extLst>
       <p:ext uri="{BB962C8B-B14F-4D97-AF65-F5344CB8AC3E}">
-        <p14:creationId xmlns:p14="http://schemas.microsoft.com/office/powerpoint/2010/main" xmlns="" val="4240120593"/>
+        <p14:creationId xmlns:p14="http://schemas.microsoft.com/office/powerpoint/2010/main" val="4240120593"/>
       </p:ext>
     </p:extLst>
   </p:cSld>
@@ -6610,7 +6577,7 @@
     </p:spTree>
     <p:extLst>
       <p:ext uri="{BB962C8B-B14F-4D97-AF65-F5344CB8AC3E}">
-        <p14:creationId xmlns:p14="http://schemas.microsoft.com/office/powerpoint/2010/main" xmlns="" val="1307573410"/>
+        <p14:creationId xmlns:p14="http://schemas.microsoft.com/office/powerpoint/2010/main" val="1307573410"/>
       </p:ext>
     </p:extLst>
   </p:cSld>
@@ -6728,7 +6695,7 @@
     </p:spTree>
     <p:extLst>
       <p:ext uri="{BB962C8B-B14F-4D97-AF65-F5344CB8AC3E}">
-        <p14:creationId xmlns:p14="http://schemas.microsoft.com/office/powerpoint/2010/main" xmlns="" val="627357321"/>
+        <p14:creationId xmlns:p14="http://schemas.microsoft.com/office/powerpoint/2010/main" val="627357321"/>
       </p:ext>
     </p:extLst>
   </p:cSld>
@@ -6990,7 +6957,7 @@
           <a:blip r:embed="rId3" cstate="print">
             <a:extLst>
               <a:ext uri="{28A0092B-C50C-407E-A947-70E740481C1C}">
-                <a14:useLocalDpi xmlns:a14="http://schemas.microsoft.com/office/drawing/2010/main" xmlns="" val="0"/>
+                <a14:useLocalDpi xmlns:a14="http://schemas.microsoft.com/office/drawing/2010/main" val="0"/>
               </a:ext>
             </a:extLst>
           </a:blip>
@@ -7010,7 +6977,7 @@
           <a:noFill/>
           <a:extLst>
             <a:ext uri="{909E8E84-426E-40DD-AFC4-6F175D3DCCD1}">
-              <a14:hiddenFill xmlns:a14="http://schemas.microsoft.com/office/drawing/2010/main" xmlns="">
+              <a14:hiddenFill xmlns:a14="http://schemas.microsoft.com/office/drawing/2010/main">
                 <a:solidFill>
                   <a:srgbClr val="FFFFFF"/>
                 </a:solidFill>
@@ -7067,7 +7034,7 @@
     </p:spTree>
     <p:extLst>
       <p:ext uri="{BB962C8B-B14F-4D97-AF65-F5344CB8AC3E}">
-        <p14:creationId xmlns:p14="http://schemas.microsoft.com/office/powerpoint/2010/main" xmlns="" val="2962997025"/>
+        <p14:creationId xmlns:p14="http://schemas.microsoft.com/office/powerpoint/2010/main" val="2962997025"/>
       </p:ext>
     </p:extLst>
   </p:cSld>
@@ -7240,7 +7207,7 @@
     </p:spTree>
     <p:extLst>
       <p:ext uri="{BB962C8B-B14F-4D97-AF65-F5344CB8AC3E}">
-        <p14:creationId xmlns:p14="http://schemas.microsoft.com/office/powerpoint/2010/main" xmlns="" val="1783310095"/>
+        <p14:creationId xmlns:p14="http://schemas.microsoft.com/office/powerpoint/2010/main" val="1783310095"/>
       </p:ext>
     </p:extLst>
   </p:cSld>
@@ -7443,7 +7410,7 @@
     </p:spTree>
     <p:extLst>
       <p:ext uri="{BB962C8B-B14F-4D97-AF65-F5344CB8AC3E}">
-        <p14:creationId xmlns:p14="http://schemas.microsoft.com/office/powerpoint/2010/main" xmlns="" val="3374103308"/>
+        <p14:creationId xmlns:p14="http://schemas.microsoft.com/office/powerpoint/2010/main" val="3374103308"/>
       </p:ext>
     </p:extLst>
   </p:cSld>
@@ -7554,7 +7521,7 @@
     </p:spTree>
     <p:extLst>
       <p:ext uri="{BB962C8B-B14F-4D97-AF65-F5344CB8AC3E}">
-        <p14:creationId xmlns:p14="http://schemas.microsoft.com/office/powerpoint/2010/main" xmlns="" val="760072998"/>
+        <p14:creationId xmlns:p14="http://schemas.microsoft.com/office/powerpoint/2010/main" val="760072998"/>
       </p:ext>
     </p:extLst>
   </p:cSld>
